--- a/Opdracht BasicSecurity Systems&Networks aspect/presentatieBS.pptx
+++ b/Opdracht BasicSecurity Systems&Networks aspect/presentatieBS.pptx
@@ -2,7 +2,7 @@
 <file path=ppt/presentation.xml><?xml version="1.0" encoding="utf-8"?>
 <p:presentation xmlns:a="http://schemas.openxmlformats.org/drawingml/2006/main" xmlns:r="http://schemas.openxmlformats.org/officeDocument/2006/relationships" xmlns:p="http://schemas.openxmlformats.org/presentationml/2006/main" autoCompressPictures="0">
   <p:sldMasterIdLst>
-    <p:sldMasterId id="2147483648" r:id="rId1"/>
+    <p:sldMasterId id="2147484172" r:id="rId1"/>
   </p:sldMasterIdLst>
   <p:sldIdLst>
     <p:sldId id="256" r:id="rId2"/>
@@ -153,6 +153,110 @@
       </p:grpSpPr>
       <p:sp>
         <p:nvSpPr>
+          <p:cNvPr id="11" name="Freeform 6"/>
+          <p:cNvSpPr/>
+          <p:nvPr/>
+        </p:nvSpPr>
+        <p:spPr bwMode="auto">
+          <a:xfrm>
+            <a:off x="0" y="-3175"/>
+            <a:ext cx="12192000" cy="5203825"/>
+          </a:xfrm>
+          <a:custGeom>
+            <a:avLst/>
+            <a:gdLst/>
+            <a:ahLst/>
+            <a:cxnLst/>
+            <a:rect l="0" t="0" r="r" b="b"/>
+            <a:pathLst>
+              <a:path w="5760" h="3278">
+                <a:moveTo>
+                  <a:pt x="5760" y="0"/>
+                </a:moveTo>
+                <a:lnTo>
+                  <a:pt x="0" y="0"/>
+                </a:lnTo>
+                <a:lnTo>
+                  <a:pt x="0" y="3090"/>
+                </a:lnTo>
+                <a:lnTo>
+                  <a:pt x="943" y="3090"/>
+                </a:lnTo>
+                <a:lnTo>
+                  <a:pt x="1123" y="3270"/>
+                </a:lnTo>
+                <a:lnTo>
+                  <a:pt x="1123" y="3270"/>
+                </a:lnTo>
+                <a:lnTo>
+                  <a:pt x="1127" y="3272"/>
+                </a:lnTo>
+                <a:lnTo>
+                  <a:pt x="1133" y="3275"/>
+                </a:lnTo>
+                <a:lnTo>
+                  <a:pt x="1139" y="3278"/>
+                </a:lnTo>
+                <a:lnTo>
+                  <a:pt x="1144" y="3278"/>
+                </a:lnTo>
+                <a:lnTo>
+                  <a:pt x="1150" y="3278"/>
+                </a:lnTo>
+                <a:lnTo>
+                  <a:pt x="1155" y="3275"/>
+                </a:lnTo>
+                <a:lnTo>
+                  <a:pt x="1161" y="3272"/>
+                </a:lnTo>
+                <a:lnTo>
+                  <a:pt x="1165" y="3270"/>
+                </a:lnTo>
+                <a:lnTo>
+                  <a:pt x="1345" y="3090"/>
+                </a:lnTo>
+                <a:lnTo>
+                  <a:pt x="5760" y="3090"/>
+                </a:lnTo>
+                <a:lnTo>
+                  <a:pt x="5760" y="0"/>
+                </a:lnTo>
+                <a:close/>
+              </a:path>
+            </a:pathLst>
+          </a:custGeom>
+          <a:ln/>
+          <a:effectLst/>
+          <a:extLst>
+            <a:ext uri="{91240B29-F687-4f45-9708-019B960494DF}">
+              <a14:hiddenLine xmlns="" xmlns:a14="http://schemas.microsoft.com/office/drawing/2010/main" w="9525">
+                <a:solidFill>
+                  <a:srgbClr val="000000"/>
+                </a:solidFill>
+                <a:round/>
+                <a:headEnd/>
+                <a:tailEnd/>
+              </a14:hiddenLine>
+            </a:ext>
+          </a:extLst>
+        </p:spPr>
+        <p:style>
+          <a:lnRef idx="1">
+            <a:schemeClr val="accent1"/>
+          </a:lnRef>
+          <a:fillRef idx="3">
+            <a:schemeClr val="accent1"/>
+          </a:fillRef>
+          <a:effectRef idx="2">
+            <a:schemeClr val="accent1"/>
+          </a:effectRef>
+          <a:fontRef idx="minor">
+            <a:schemeClr val="lt1"/>
+          </a:fontRef>
+        </p:style>
+      </p:sp>
+      <p:sp>
+        <p:nvSpPr>
           <p:cNvPr id="2" name="Title 1"/>
           <p:cNvSpPr>
             <a:spLocks noGrp="1"/>
@@ -163,32 +267,15 @@
         </p:nvSpPr>
         <p:spPr>
           <a:xfrm>
-            <a:off x="1751012" y="609601"/>
-            <a:ext cx="8676222" cy="3200400"/>
+            <a:off x="810001" y="1449147"/>
+            <a:ext cx="10572000" cy="2971051"/>
           </a:xfrm>
         </p:spPr>
         <p:txBody>
-          <a:bodyPr anchor="b">
-            <a:normAutofit/>
-          </a:bodyPr>
+          <a:bodyPr/>
           <a:lstStyle>
-            <a:lvl1pPr algn="ctr">
-              <a:defRPr sz="4800">
-                <a:effectLst>
-                  <a:glow rad="38100">
-                    <a:schemeClr val="bg1">
-                      <a:lumMod val="65000"/>
-                      <a:lumOff val="35000"/>
-                      <a:alpha val="50000"/>
-                    </a:schemeClr>
-                  </a:glow>
-                  <a:outerShdw blurRad="28575" dist="31750" dir="13200000" algn="tl" rotWithShape="0">
-                    <a:srgbClr val="000000">
-                      <a:alpha val="25000"/>
-                    </a:srgbClr>
-                  </a:outerShdw>
-                </a:effectLst>
-              </a:defRPr>
+            <a:lvl1pPr>
+              <a:defRPr sz="5400"/>
             </a:lvl1pPr>
           </a:lstStyle>
           <a:p>
@@ -212,32 +299,19 @@
         </p:nvSpPr>
         <p:spPr>
           <a:xfrm>
-            <a:off x="1751012" y="3886200"/>
-            <a:ext cx="8676222" cy="1905000"/>
+            <a:off x="810001" y="5280847"/>
+            <a:ext cx="10572000" cy="434974"/>
           </a:xfrm>
         </p:spPr>
         <p:txBody>
-          <a:bodyPr anchor="t">
-            <a:normAutofit/>
-          </a:bodyPr>
+          <a:bodyPr anchor="t"/>
           <a:lstStyle>
-            <a:lvl1pPr marL="0" indent="0" algn="ctr">
+            <a:lvl1pPr marL="0" indent="0" algn="l">
               <a:buNone/>
-              <a:defRPr sz="2100">
-                <a:gradFill flip="none" rotWithShape="1">
-                  <a:gsLst>
-                    <a:gs pos="0">
-                      <a:schemeClr val="tx1"/>
-                    </a:gs>
-                    <a:gs pos="100000">
-                      <a:schemeClr val="tx1">
-                        <a:lumMod val="75000"/>
-                      </a:schemeClr>
-                    </a:gs>
-                  </a:gsLst>
-                  <a:lin ang="5400000" scaled="0"/>
-                  <a:tileRect/>
-                </a:gradFill>
+              <a:defRPr>
+                <a:solidFill>
+                  <a:schemeClr val="tx1"/>
+                </a:solidFill>
               </a:defRPr>
             </a:lvl1pPr>
             <a:lvl2pPr marL="457200" indent="0" algn="ctr">
@@ -346,9 +420,9 @@
           <a:lstStyle/>
           <a:p>
             <a:fld id="{B61BEF0D-F0BB-DE4B-95CE-6DB70DBA9567}" type="datetimeFigureOut">
-              <a:rPr lang="en-US" dirty="0"/>
+              <a:rPr lang="en-US" smtClean="0"/>
               <a:pPr/>
-              <a:t>5/17/2017</a:t>
+              <a:t>5/30/2017</a:t>
             </a:fld>
             <a:endParaRPr lang="en-US" dirty="0"/>
           </a:p>
@@ -389,7 +463,7 @@
           <a:lstStyle/>
           <a:p>
             <a:fld id="{D57F1E4F-1CFF-5643-939E-217C01CDF565}" type="slidenum">
-              <a:rPr lang="en-US" dirty="0"/>
+              <a:rPr lang="en-US" smtClean="0"/>
               <a:pPr/>
               <a:t>‹nr.›</a:t>
             </a:fld>
@@ -398,6 +472,11 @@
         </p:txBody>
       </p:sp>
     </p:spTree>
+    <p:extLst>
+      <p:ext uri="{BB962C8B-B14F-4D97-AF65-F5344CB8AC3E}">
+        <p14:creationId xmlns:p14="http://schemas.microsoft.com/office/powerpoint/2010/main" val="3810462122"/>
+      </p:ext>
+    </p:extLst>
   </p:cSld>
   <p:clrMapOvr>
     <a:masterClrMapping/>
@@ -434,8 +513,8 @@
         </p:nvSpPr>
         <p:spPr>
           <a:xfrm>
-            <a:off x="1141413" y="4732865"/>
-            <a:ext cx="9906000" cy="566738"/>
+            <a:off x="810000" y="4800600"/>
+            <a:ext cx="10561418" cy="566738"/>
           </a:xfrm>
         </p:spPr>
         <p:txBody>
@@ -458,89 +537,116 @@
       </p:sp>
       <p:sp>
         <p:nvSpPr>
-          <p:cNvPr id="3" name="Picture Placeholder 2"/>
+          <p:cNvPr id="15" name="Picture Placeholder 14"/>
           <p:cNvSpPr>
             <a:spLocks noGrp="1" noChangeAspect="1"/>
           </p:cNvSpPr>
           <p:nvPr>
-            <p:ph type="pic" idx="1"/>
-          </p:nvPr>
-        </p:nvSpPr>
-        <p:spPr>
+            <p:ph type="pic" sz="quarter" idx="13"/>
+          </p:nvPr>
+        </p:nvSpPr>
+        <p:spPr bwMode="auto">
           <a:xfrm>
-            <a:off x="1979612" y="932112"/>
-            <a:ext cx="8225944" cy="3164976"/>
+            <a:off x="0" y="0"/>
+            <a:ext cx="12192000" cy="4800600"/>
           </a:xfrm>
-          <a:prstGeom prst="roundRect">
-            <a:avLst>
-              <a:gd name="adj" fmla="val 4380"/>
-            </a:avLst>
-          </a:prstGeom>
-          <a:ln w="38100">
-            <a:gradFill flip="none" rotWithShape="1">
-              <a:gsLst>
-                <a:gs pos="0">
-                  <a:schemeClr val="bg2"/>
-                </a:gs>
-                <a:gs pos="100000">
-                  <a:schemeClr val="bg2">
-                    <a:lumMod val="75000"/>
-                  </a:schemeClr>
-                </a:gs>
-              </a:gsLst>
-              <a:lin ang="5400000" scaled="0"/>
-              <a:tileRect/>
-            </a:gradFill>
+          <a:custGeom>
+            <a:avLst/>
+            <a:gdLst/>
+            <a:ahLst/>
+            <a:cxnLst/>
+            <a:rect l="0" t="0" r="r" b="b"/>
+            <a:pathLst>
+              <a:path w="5760" h="3289">
+                <a:moveTo>
+                  <a:pt x="5760" y="0"/>
+                </a:moveTo>
+                <a:lnTo>
+                  <a:pt x="0" y="0"/>
+                </a:lnTo>
+                <a:lnTo>
+                  <a:pt x="0" y="3100"/>
+                </a:lnTo>
+                <a:lnTo>
+                  <a:pt x="943" y="3100"/>
+                </a:lnTo>
+                <a:lnTo>
+                  <a:pt x="1123" y="3281"/>
+                </a:lnTo>
+                <a:lnTo>
+                  <a:pt x="1123" y="3281"/>
+                </a:lnTo>
+                <a:lnTo>
+                  <a:pt x="1127" y="3283"/>
+                </a:lnTo>
+                <a:lnTo>
+                  <a:pt x="1133" y="3286"/>
+                </a:lnTo>
+                <a:lnTo>
+                  <a:pt x="1139" y="3289"/>
+                </a:lnTo>
+                <a:lnTo>
+                  <a:pt x="1144" y="3289"/>
+                </a:lnTo>
+                <a:lnTo>
+                  <a:pt x="1150" y="3289"/>
+                </a:lnTo>
+                <a:lnTo>
+                  <a:pt x="1155" y="3286"/>
+                </a:lnTo>
+                <a:lnTo>
+                  <a:pt x="1161" y="3283"/>
+                </a:lnTo>
+                <a:lnTo>
+                  <a:pt x="1165" y="3281"/>
+                </a:lnTo>
+                <a:lnTo>
+                  <a:pt x="1345" y="3100"/>
+                </a:lnTo>
+                <a:lnTo>
+                  <a:pt x="5760" y="3100"/>
+                </a:lnTo>
+                <a:lnTo>
+                  <a:pt x="5760" y="0"/>
+                </a:lnTo>
+                <a:close/>
+              </a:path>
+            </a:pathLst>
+          </a:custGeom>
+          <a:noFill/>
+          <a:ln>
+            <a:solidFill>
+              <a:schemeClr val="tx2"/>
+            </a:solidFill>
           </a:ln>
-          <a:effectLst>
-            <a:innerShdw blurRad="57150" dist="38100" dir="14460000">
-              <a:srgbClr val="000000">
-                <a:alpha val="70000"/>
-              </a:srgbClr>
-            </a:innerShdw>
-          </a:effectLst>
         </p:spPr>
-        <p:txBody>
-          <a:bodyPr anchor="t">
+        <p:style>
+          <a:lnRef idx="1">
+            <a:schemeClr val="accent1"/>
+          </a:lnRef>
+          <a:fillRef idx="3">
+            <a:schemeClr val="accent1"/>
+          </a:fillRef>
+          <a:effectRef idx="2">
+            <a:schemeClr val="accent1"/>
+          </a:effectRef>
+          <a:fontRef idx="minor">
+            <a:schemeClr val="lt1"/>
+          </a:fontRef>
+        </p:style>
+        <p:txBody>
+          <a:bodyPr wrap="square" numCol="1" anchor="t" anchorCtr="0" compatLnSpc="1">
+            <a:prstTxWarp prst="textNoShape">
+              <a:avLst/>
+            </a:prstTxWarp>
             <a:normAutofit/>
           </a:bodyPr>
           <a:lstStyle>
             <a:lvl1pPr marL="0" indent="0" algn="ctr">
+              <a:buFontTx/>
               <a:buNone/>
               <a:defRPr sz="1600"/>
             </a:lvl1pPr>
-            <a:lvl2pPr marL="457200" indent="0">
-              <a:buNone/>
-              <a:defRPr sz="1600"/>
-            </a:lvl2pPr>
-            <a:lvl3pPr marL="914400" indent="0">
-              <a:buNone/>
-              <a:defRPr sz="1600"/>
-            </a:lvl3pPr>
-            <a:lvl4pPr marL="1371600" indent="0">
-              <a:buNone/>
-              <a:defRPr sz="1600"/>
-            </a:lvl4pPr>
-            <a:lvl5pPr marL="1828800" indent="0">
-              <a:buNone/>
-              <a:defRPr sz="1600"/>
-            </a:lvl5pPr>
-            <a:lvl6pPr marL="2286000" indent="0">
-              <a:buNone/>
-              <a:defRPr sz="1600"/>
-            </a:lvl6pPr>
-            <a:lvl7pPr marL="2743200" indent="0">
-              <a:buNone/>
-              <a:defRPr sz="1600"/>
-            </a:lvl7pPr>
-            <a:lvl8pPr marL="3200400" indent="0">
-              <a:buNone/>
-              <a:defRPr sz="1600"/>
-            </a:lvl8pPr>
-            <a:lvl9pPr marL="3657600" indent="0">
-              <a:buNone/>
-              <a:defRPr sz="1600"/>
-            </a:lvl9pPr>
           </a:lstStyle>
           <a:p>
             <a:r>
@@ -563,8 +669,8 @@
         </p:nvSpPr>
         <p:spPr>
           <a:xfrm>
-            <a:off x="1141413" y="5299603"/>
-            <a:ext cx="9906000" cy="493712"/>
+            <a:off x="810000" y="5367338"/>
+            <a:ext cx="10561418" cy="493712"/>
           </a:xfrm>
         </p:spPr>
         <p:txBody>
@@ -574,7 +680,7 @@
           <a:lstStyle>
             <a:lvl1pPr marL="0" indent="0">
               <a:buNone/>
-              <a:defRPr sz="1400"/>
+              <a:defRPr sz="1200"/>
             </a:lvl1pPr>
             <a:lvl2pPr marL="457200" indent="0">
               <a:buNone/>
@@ -634,9 +740,9 @@
           <a:lstStyle/>
           <a:p>
             <a:fld id="{B61BEF0D-F0BB-DE4B-95CE-6DB70DBA9567}" type="datetimeFigureOut">
-              <a:rPr lang="en-US" dirty="0"/>
+              <a:rPr lang="en-US" smtClean="0"/>
               <a:pPr/>
-              <a:t>5/17/2017</a:t>
+              <a:t>5/30/2017</a:t>
             </a:fld>
             <a:endParaRPr lang="en-US" dirty="0"/>
           </a:p>
@@ -677,7 +783,7 @@
           <a:lstStyle/>
           <a:p>
             <a:fld id="{D57F1E4F-1CFF-5643-939E-217C01CDF565}" type="slidenum">
-              <a:rPr lang="en-US" dirty="0"/>
+              <a:rPr lang="en-US" smtClean="0"/>
               <a:pPr/>
               <a:t>‹nr.›</a:t>
             </a:fld>
@@ -686,6 +792,11 @@
         </p:txBody>
       </p:sp>
     </p:spTree>
+    <p:extLst>
+      <p:ext uri="{BB962C8B-B14F-4D97-AF65-F5344CB8AC3E}">
+        <p14:creationId xmlns:p14="http://schemas.microsoft.com/office/powerpoint/2010/main" val="612687436"/>
+      </p:ext>
+    </p:extLst>
   </p:cSld>
   <p:clrMapOvr>
     <a:masterClrMapping/>
@@ -695,7 +806,7 @@
 
 <file path=ppt/slideLayouts/slideLayout11.xml><?xml version="1.0" encoding="utf-8"?>
 <p:sldLayout xmlns:a="http://schemas.openxmlformats.org/drawingml/2006/main" xmlns:r="http://schemas.openxmlformats.org/officeDocument/2006/relationships" xmlns:p="http://schemas.openxmlformats.org/presentationml/2006/main" preserve="1">
-  <p:cSld name="Titel en bijschrift">
+  <p:cSld name="Citeraat met bijschrift">
     <p:spTree>
       <p:nvGrpSpPr>
         <p:cNvPr id="1" name=""/>
@@ -712,6 +823,214 @@
       </p:grpSpPr>
       <p:sp>
         <p:nvSpPr>
+          <p:cNvPr id="8" name="Freeform 6"/>
+          <p:cNvSpPr>
+            <a:spLocks noChangeAspect="1"/>
+          </p:cNvSpPr>
+          <p:nvPr/>
+        </p:nvSpPr>
+        <p:spPr bwMode="auto">
+          <a:xfrm>
+            <a:off x="631697" y="1081456"/>
+            <a:ext cx="6332416" cy="3239188"/>
+          </a:xfrm>
+          <a:custGeom>
+            <a:avLst/>
+            <a:gdLst/>
+            <a:ahLst/>
+            <a:cxnLst/>
+            <a:rect l="0" t="0" r="r" b="b"/>
+            <a:pathLst>
+              <a:path w="3384" h="2308">
+                <a:moveTo>
+                  <a:pt x="3340" y="0"/>
+                </a:moveTo>
+                <a:lnTo>
+                  <a:pt x="44" y="0"/>
+                </a:lnTo>
+                <a:lnTo>
+                  <a:pt x="44" y="0"/>
+                </a:lnTo>
+                <a:lnTo>
+                  <a:pt x="34" y="0"/>
+                </a:lnTo>
+                <a:lnTo>
+                  <a:pt x="26" y="4"/>
+                </a:lnTo>
+                <a:lnTo>
+                  <a:pt x="20" y="8"/>
+                </a:lnTo>
+                <a:lnTo>
+                  <a:pt x="12" y="12"/>
+                </a:lnTo>
+                <a:lnTo>
+                  <a:pt x="8" y="20"/>
+                </a:lnTo>
+                <a:lnTo>
+                  <a:pt x="4" y="26"/>
+                </a:lnTo>
+                <a:lnTo>
+                  <a:pt x="0" y="34"/>
+                </a:lnTo>
+                <a:lnTo>
+                  <a:pt x="0" y="44"/>
+                </a:lnTo>
+                <a:lnTo>
+                  <a:pt x="0" y="2076"/>
+                </a:lnTo>
+                <a:lnTo>
+                  <a:pt x="0" y="2076"/>
+                </a:lnTo>
+                <a:lnTo>
+                  <a:pt x="0" y="2086"/>
+                </a:lnTo>
+                <a:lnTo>
+                  <a:pt x="4" y="2094"/>
+                </a:lnTo>
+                <a:lnTo>
+                  <a:pt x="8" y="2100"/>
+                </a:lnTo>
+                <a:lnTo>
+                  <a:pt x="12" y="2108"/>
+                </a:lnTo>
+                <a:lnTo>
+                  <a:pt x="20" y="2112"/>
+                </a:lnTo>
+                <a:lnTo>
+                  <a:pt x="26" y="2116"/>
+                </a:lnTo>
+                <a:lnTo>
+                  <a:pt x="34" y="2120"/>
+                </a:lnTo>
+                <a:lnTo>
+                  <a:pt x="44" y="2120"/>
+                </a:lnTo>
+                <a:lnTo>
+                  <a:pt x="474" y="2120"/>
+                </a:lnTo>
+                <a:lnTo>
+                  <a:pt x="650" y="2296"/>
+                </a:lnTo>
+                <a:lnTo>
+                  <a:pt x="650" y="2296"/>
+                </a:lnTo>
+                <a:lnTo>
+                  <a:pt x="656" y="2300"/>
+                </a:lnTo>
+                <a:lnTo>
+                  <a:pt x="664" y="2304"/>
+                </a:lnTo>
+                <a:lnTo>
+                  <a:pt x="672" y="2308"/>
+                </a:lnTo>
+                <a:lnTo>
+                  <a:pt x="680" y="2308"/>
+                </a:lnTo>
+                <a:lnTo>
+                  <a:pt x="688" y="2308"/>
+                </a:lnTo>
+                <a:lnTo>
+                  <a:pt x="696" y="2304"/>
+                </a:lnTo>
+                <a:lnTo>
+                  <a:pt x="704" y="2300"/>
+                </a:lnTo>
+                <a:lnTo>
+                  <a:pt x="710" y="2296"/>
+                </a:lnTo>
+                <a:lnTo>
+                  <a:pt x="886" y="2120"/>
+                </a:lnTo>
+                <a:lnTo>
+                  <a:pt x="3340" y="2120"/>
+                </a:lnTo>
+                <a:lnTo>
+                  <a:pt x="3340" y="2120"/>
+                </a:lnTo>
+                <a:lnTo>
+                  <a:pt x="3350" y="2120"/>
+                </a:lnTo>
+                <a:lnTo>
+                  <a:pt x="3358" y="2116"/>
+                </a:lnTo>
+                <a:lnTo>
+                  <a:pt x="3364" y="2112"/>
+                </a:lnTo>
+                <a:lnTo>
+                  <a:pt x="3372" y="2108"/>
+                </a:lnTo>
+                <a:lnTo>
+                  <a:pt x="3376" y="2100"/>
+                </a:lnTo>
+                <a:lnTo>
+                  <a:pt x="3380" y="2094"/>
+                </a:lnTo>
+                <a:lnTo>
+                  <a:pt x="3384" y="2086"/>
+                </a:lnTo>
+                <a:lnTo>
+                  <a:pt x="3384" y="2076"/>
+                </a:lnTo>
+                <a:lnTo>
+                  <a:pt x="3384" y="44"/>
+                </a:lnTo>
+                <a:lnTo>
+                  <a:pt x="3384" y="44"/>
+                </a:lnTo>
+                <a:lnTo>
+                  <a:pt x="3384" y="34"/>
+                </a:lnTo>
+                <a:lnTo>
+                  <a:pt x="3380" y="26"/>
+                </a:lnTo>
+                <a:lnTo>
+                  <a:pt x="3376" y="20"/>
+                </a:lnTo>
+                <a:lnTo>
+                  <a:pt x="3372" y="12"/>
+                </a:lnTo>
+                <a:lnTo>
+                  <a:pt x="3364" y="8"/>
+                </a:lnTo>
+                <a:lnTo>
+                  <a:pt x="3358" y="4"/>
+                </a:lnTo>
+                <a:lnTo>
+                  <a:pt x="3350" y="0"/>
+                </a:lnTo>
+                <a:lnTo>
+                  <a:pt x="3340" y="0"/>
+                </a:lnTo>
+                <a:lnTo>
+                  <a:pt x="3340" y="0"/>
+                </a:lnTo>
+                <a:close/>
+              </a:path>
+            </a:pathLst>
+          </a:custGeom>
+          <a:ln>
+            <a:solidFill>
+              <a:schemeClr val="accent1"/>
+            </a:solidFill>
+          </a:ln>
+        </p:spPr>
+        <p:style>
+          <a:lnRef idx="1">
+            <a:schemeClr val="accent1"/>
+          </a:lnRef>
+          <a:fillRef idx="3">
+            <a:schemeClr val="accent1"/>
+          </a:fillRef>
+          <a:effectRef idx="2">
+            <a:schemeClr val="accent1"/>
+          </a:effectRef>
+          <a:fontRef idx="minor">
+            <a:schemeClr val="lt1"/>
+          </a:fontRef>
+        </p:style>
+      </p:sp>
+      <p:sp>
+        <p:nvSpPr>
           <p:cNvPr id="2" name="Title 1"/>
           <p:cNvSpPr>
             <a:spLocks noGrp="1"/>
@@ -722,17 +1041,15 @@
         </p:nvSpPr>
         <p:spPr>
           <a:xfrm>
-            <a:off x="1141412" y="609601"/>
-            <a:ext cx="9905999" cy="3124199"/>
+            <a:off x="850985" y="1238502"/>
+            <a:ext cx="5893840" cy="2645912"/>
           </a:xfrm>
         </p:spPr>
         <p:txBody>
-          <a:bodyPr anchor="ctr">
-            <a:normAutofit/>
-          </a:bodyPr>
+          <a:bodyPr anchor="b"/>
           <a:lstStyle>
             <a:lvl1pPr algn="l">
-              <a:defRPr sz="3200" b="0" cap="all"/>
+              <a:defRPr sz="4200" b="1" cap="none"/>
             </a:lvl1pPr>
           </a:lstStyle>
           <a:p>
@@ -756,32 +1073,21 @@
         </p:nvSpPr>
         <p:spPr>
           <a:xfrm>
-            <a:off x="1141411" y="4343400"/>
-            <a:ext cx="9906000" cy="1447800"/>
+            <a:off x="853190" y="4443680"/>
+            <a:ext cx="5891636" cy="713241"/>
           </a:xfrm>
         </p:spPr>
         <p:txBody>
-          <a:bodyPr anchor="ctr">
-            <a:normAutofit/>
+          <a:bodyPr anchor="t">
+            <a:noAutofit/>
           </a:bodyPr>
           <a:lstStyle>
             <a:lvl1pPr marL="0" indent="0" algn="l">
               <a:buNone/>
-              <a:defRPr sz="2000">
-                <a:gradFill flip="none" rotWithShape="1">
-                  <a:gsLst>
-                    <a:gs pos="0">
-                      <a:schemeClr val="tx1"/>
-                    </a:gs>
-                    <a:gs pos="100000">
-                      <a:schemeClr val="tx1">
-                        <a:lumMod val="75000"/>
-                      </a:schemeClr>
-                    </a:gs>
-                  </a:gsLst>
-                  <a:lin ang="5400000" scaled="0"/>
-                  <a:tileRect/>
-                </a:gradFill>
+              <a:defRPr sz="1800">
+                <a:solidFill>
+                  <a:schemeClr val="tx1"/>
+                </a:solidFill>
               </a:defRPr>
             </a:lvl1pPr>
             <a:lvl2pPr marL="457200" indent="0">
@@ -876,6 +1182,40 @@
       </p:sp>
       <p:sp>
         <p:nvSpPr>
+          <p:cNvPr id="9" name="Text Placeholder 5"/>
+          <p:cNvSpPr>
+            <a:spLocks noGrp="1"/>
+          </p:cNvSpPr>
+          <p:nvPr>
+            <p:ph type="body" sz="quarter" idx="16"/>
+          </p:nvPr>
+        </p:nvSpPr>
+        <p:spPr>
+          <a:xfrm>
+            <a:off x="7574642" y="1081456"/>
+            <a:ext cx="3810001" cy="4075465"/>
+          </a:xfrm>
+        </p:spPr>
+        <p:txBody>
+          <a:bodyPr anchor="t"/>
+          <a:lstStyle>
+            <a:lvl1pPr marL="0" indent="0">
+              <a:buFontTx/>
+              <a:buNone/>
+              <a:defRPr/>
+            </a:lvl1pPr>
+          </a:lstStyle>
+          <a:p>
+            <a:pPr lvl="0"/>
+            <a:r>
+              <a:rPr lang="nl-NL"/>
+              <a:t>Tekststijl van het model bewerken</a:t>
+            </a:r>
+          </a:p>
+        </p:txBody>
+      </p:sp>
+      <p:sp>
+        <p:nvSpPr>
           <p:cNvPr id="4" name="Date Placeholder 3"/>
           <p:cNvSpPr>
             <a:spLocks noGrp="1"/>
@@ -890,9 +1230,9 @@
           <a:lstStyle/>
           <a:p>
             <a:fld id="{B61BEF0D-F0BB-DE4B-95CE-6DB70DBA9567}" type="datetimeFigureOut">
-              <a:rPr lang="en-US" dirty="0"/>
+              <a:rPr lang="en-US" smtClean="0"/>
               <a:pPr/>
-              <a:t>5/17/2017</a:t>
+              <a:t>5/30/2017</a:t>
             </a:fld>
             <a:endParaRPr lang="en-US" dirty="0"/>
           </a:p>
@@ -933,7 +1273,7 @@
           <a:lstStyle/>
           <a:p>
             <a:fld id="{D57F1E4F-1CFF-5643-939E-217C01CDF565}" type="slidenum">
-              <a:rPr lang="en-US" dirty="0"/>
+              <a:rPr lang="en-US" smtClean="0"/>
               <a:pPr/>
               <a:t>‹nr.›</a:t>
             </a:fld>
@@ -942,6 +1282,11 @@
         </p:txBody>
       </p:sp>
     </p:spTree>
+    <p:extLst>
+      <p:ext uri="{BB962C8B-B14F-4D97-AF65-F5344CB8AC3E}">
+        <p14:creationId xmlns:p14="http://schemas.microsoft.com/office/powerpoint/2010/main" val="1653290863"/>
+      </p:ext>
+    </p:extLst>
   </p:cSld>
   <p:clrMapOvr>
     <a:masterClrMapping/>
@@ -950,472 +1295,6 @@
 </file>
 
 <file path=ppt/slideLayouts/slideLayout12.xml><?xml version="1.0" encoding="utf-8"?>
-<p:sldLayout xmlns:a="http://schemas.openxmlformats.org/drawingml/2006/main" xmlns:r="http://schemas.openxmlformats.org/officeDocument/2006/relationships" xmlns:p="http://schemas.openxmlformats.org/presentationml/2006/main" preserve="1">
-  <p:cSld name="Citeraat met bijschrift">
-    <p:spTree>
-      <p:nvGrpSpPr>
-        <p:cNvPr id="1" name=""/>
-        <p:cNvGrpSpPr/>
-        <p:nvPr/>
-      </p:nvGrpSpPr>
-      <p:grpSpPr>
-        <a:xfrm>
-          <a:off x="0" y="0"/>
-          <a:ext cx="0" cy="0"/>
-          <a:chOff x="0" y="0"/>
-          <a:chExt cx="0" cy="0"/>
-        </a:xfrm>
-      </p:grpSpPr>
-      <p:sp>
-        <p:nvSpPr>
-          <p:cNvPr id="14" name="TextBox 13"/>
-          <p:cNvSpPr txBox="1"/>
-          <p:nvPr/>
-        </p:nvSpPr>
-        <p:spPr>
-          <a:xfrm>
-            <a:off x="836612" y="786824"/>
-            <a:ext cx="609600" cy="584776"/>
-          </a:xfrm>
-          <a:prstGeom prst="rect">
-            <a:avLst/>
-          </a:prstGeom>
-        </p:spPr>
-        <p:txBody>
-          <a:bodyPr vert="horz" lIns="91440" tIns="45720" rIns="91440" bIns="45720" rtlCol="0" anchor="ctr">
-            <a:noAutofit/>
-          </a:bodyPr>
-          <a:lstStyle>
-            <a:lvl1pPr>
-              <a:spcBef>
-                <a:spcPct val="0"/>
-              </a:spcBef>
-              <a:buNone/>
-              <a:defRPr sz="3200" b="0" cap="all">
-                <a:ln w="3175" cmpd="sng">
-                  <a:noFill/>
-                </a:ln>
-                <a:effectLst>
-                  <a:glow rad="38100">
-                    <a:schemeClr val="bg1">
-                      <a:lumMod val="65000"/>
-                      <a:lumOff val="35000"/>
-                      <a:alpha val="40000"/>
-                    </a:schemeClr>
-                  </a:glow>
-                  <a:outerShdw blurRad="28575" dist="38100" dir="14040000" algn="tl" rotWithShape="0">
-                    <a:srgbClr val="000000">
-                      <a:alpha val="25000"/>
-                    </a:srgbClr>
-                  </a:outerShdw>
-                </a:effectLst>
-              </a:defRPr>
-            </a:lvl1pPr>
-            <a:lvl2pPr>
-              <a:defRPr>
-                <a:solidFill>
-                  <a:schemeClr val="tx2"/>
-                </a:solidFill>
-              </a:defRPr>
-            </a:lvl2pPr>
-            <a:lvl3pPr>
-              <a:defRPr>
-                <a:solidFill>
-                  <a:schemeClr val="tx2"/>
-                </a:solidFill>
-              </a:defRPr>
-            </a:lvl3pPr>
-            <a:lvl4pPr>
-              <a:defRPr>
-                <a:solidFill>
-                  <a:schemeClr val="tx2"/>
-                </a:solidFill>
-              </a:defRPr>
-            </a:lvl4pPr>
-            <a:lvl5pPr>
-              <a:defRPr>
-                <a:solidFill>
-                  <a:schemeClr val="tx2"/>
-                </a:solidFill>
-              </a:defRPr>
-            </a:lvl5pPr>
-            <a:lvl6pPr>
-              <a:defRPr>
-                <a:solidFill>
-                  <a:schemeClr val="tx2"/>
-                </a:solidFill>
-              </a:defRPr>
-            </a:lvl6pPr>
-            <a:lvl7pPr>
-              <a:defRPr>
-                <a:solidFill>
-                  <a:schemeClr val="tx2"/>
-                </a:solidFill>
-              </a:defRPr>
-            </a:lvl7pPr>
-            <a:lvl8pPr>
-              <a:defRPr>
-                <a:solidFill>
-                  <a:schemeClr val="tx2"/>
-                </a:solidFill>
-              </a:defRPr>
-            </a:lvl8pPr>
-            <a:lvl9pPr>
-              <a:defRPr>
-                <a:solidFill>
-                  <a:schemeClr val="tx2"/>
-                </a:solidFill>
-              </a:defRPr>
-            </a:lvl9pPr>
-          </a:lstStyle>
-          <a:p>
-            <a:pPr lvl="0"/>
-            <a:r>
-              <a:rPr lang="en-US" sz="8000" dirty="0">
-                <a:solidFill>
-                  <a:schemeClr val="accent1"/>
-                </a:solidFill>
-              </a:rPr>
-              <a:t>“</a:t>
-            </a:r>
-          </a:p>
-        </p:txBody>
-      </p:sp>
-      <p:sp>
-        <p:nvSpPr>
-          <p:cNvPr id="15" name="TextBox 14"/>
-          <p:cNvSpPr txBox="1"/>
-          <p:nvPr/>
-        </p:nvSpPr>
-        <p:spPr>
-          <a:xfrm>
-            <a:off x="10437812" y="2743200"/>
-            <a:ext cx="609600" cy="584776"/>
-          </a:xfrm>
-          <a:prstGeom prst="rect">
-            <a:avLst/>
-          </a:prstGeom>
-        </p:spPr>
-        <p:txBody>
-          <a:bodyPr vert="horz" lIns="91440" tIns="45720" rIns="91440" bIns="45720" rtlCol="0" anchor="ctr">
-            <a:noAutofit/>
-          </a:bodyPr>
-          <a:lstStyle>
-            <a:lvl1pPr>
-              <a:spcBef>
-                <a:spcPct val="0"/>
-              </a:spcBef>
-              <a:buNone/>
-              <a:defRPr sz="3200" b="0" cap="all">
-                <a:ln w="3175" cmpd="sng">
-                  <a:noFill/>
-                </a:ln>
-                <a:effectLst>
-                  <a:glow rad="38100">
-                    <a:schemeClr val="bg1">
-                      <a:lumMod val="65000"/>
-                      <a:lumOff val="35000"/>
-                      <a:alpha val="40000"/>
-                    </a:schemeClr>
-                  </a:glow>
-                  <a:outerShdw blurRad="28575" dist="38100" dir="14040000" algn="tl" rotWithShape="0">
-                    <a:srgbClr val="000000">
-                      <a:alpha val="25000"/>
-                    </a:srgbClr>
-                  </a:outerShdw>
-                </a:effectLst>
-              </a:defRPr>
-            </a:lvl1pPr>
-            <a:lvl2pPr>
-              <a:defRPr>
-                <a:solidFill>
-                  <a:schemeClr val="tx2"/>
-                </a:solidFill>
-              </a:defRPr>
-            </a:lvl2pPr>
-            <a:lvl3pPr>
-              <a:defRPr>
-                <a:solidFill>
-                  <a:schemeClr val="tx2"/>
-                </a:solidFill>
-              </a:defRPr>
-            </a:lvl3pPr>
-            <a:lvl4pPr>
-              <a:defRPr>
-                <a:solidFill>
-                  <a:schemeClr val="tx2"/>
-                </a:solidFill>
-              </a:defRPr>
-            </a:lvl4pPr>
-            <a:lvl5pPr>
-              <a:defRPr>
-                <a:solidFill>
-                  <a:schemeClr val="tx2"/>
-                </a:solidFill>
-              </a:defRPr>
-            </a:lvl5pPr>
-            <a:lvl6pPr>
-              <a:defRPr>
-                <a:solidFill>
-                  <a:schemeClr val="tx2"/>
-                </a:solidFill>
-              </a:defRPr>
-            </a:lvl6pPr>
-            <a:lvl7pPr>
-              <a:defRPr>
-                <a:solidFill>
-                  <a:schemeClr val="tx2"/>
-                </a:solidFill>
-              </a:defRPr>
-            </a:lvl7pPr>
-            <a:lvl8pPr>
-              <a:defRPr>
-                <a:solidFill>
-                  <a:schemeClr val="tx2"/>
-                </a:solidFill>
-              </a:defRPr>
-            </a:lvl8pPr>
-            <a:lvl9pPr>
-              <a:defRPr>
-                <a:solidFill>
-                  <a:schemeClr val="tx2"/>
-                </a:solidFill>
-              </a:defRPr>
-            </a:lvl9pPr>
-          </a:lstStyle>
-          <a:p>
-            <a:pPr lvl="0" algn="r"/>
-            <a:r>
-              <a:rPr lang="en-US" sz="8000" dirty="0">
-                <a:solidFill>
-                  <a:schemeClr val="accent1"/>
-                </a:solidFill>
-              </a:rPr>
-              <a:t>”</a:t>
-            </a:r>
-          </a:p>
-        </p:txBody>
-      </p:sp>
-      <p:sp>
-        <p:nvSpPr>
-          <p:cNvPr id="2" name="Title 1"/>
-          <p:cNvSpPr>
-            <a:spLocks noGrp="1"/>
-          </p:cNvSpPr>
-          <p:nvPr>
-            <p:ph type="title"/>
-          </p:nvPr>
-        </p:nvSpPr>
-        <p:spPr>
-          <a:xfrm>
-            <a:off x="1446213" y="609601"/>
-            <a:ext cx="9296398" cy="2743199"/>
-          </a:xfrm>
-        </p:spPr>
-        <p:txBody>
-          <a:bodyPr anchor="ctr">
-            <a:normAutofit/>
-          </a:bodyPr>
-          <a:lstStyle>
-            <a:lvl1pPr algn="l">
-              <a:defRPr sz="3200" b="0" cap="all">
-                <a:solidFill>
-                  <a:schemeClr val="tx1"/>
-                </a:solidFill>
-              </a:defRPr>
-            </a:lvl1pPr>
-          </a:lstStyle>
-          <a:p>
-            <a:r>
-              <a:rPr lang="nl-NL"/>
-              <a:t>Klik om de stijl te bewerken</a:t>
-            </a:r>
-            <a:endParaRPr lang="en-US" dirty="0"/>
-          </a:p>
-        </p:txBody>
-      </p:sp>
-      <p:sp>
-        <p:nvSpPr>
-          <p:cNvPr id="10" name="Text Placeholder 9"/>
-          <p:cNvSpPr>
-            <a:spLocks noGrp="1"/>
-          </p:cNvSpPr>
-          <p:nvPr>
-            <p:ph type="body" sz="quarter" idx="13"/>
-          </p:nvPr>
-        </p:nvSpPr>
-        <p:spPr>
-          <a:xfrm>
-            <a:off x="1674812" y="3352800"/>
-            <a:ext cx="8839202" cy="381000"/>
-          </a:xfrm>
-        </p:spPr>
-        <p:txBody>
-          <a:bodyPr anchor="ctr"/>
-          <a:lstStyle>
-            <a:lvl1pPr marL="0" indent="0">
-              <a:buFontTx/>
-              <a:buNone/>
-              <a:defRPr/>
-            </a:lvl1pPr>
-            <a:lvl2pPr marL="457200" indent="0">
-              <a:buFontTx/>
-              <a:buNone/>
-              <a:defRPr/>
-            </a:lvl2pPr>
-            <a:lvl3pPr marL="914400" indent="0">
-              <a:buFontTx/>
-              <a:buNone/>
-              <a:defRPr/>
-            </a:lvl3pPr>
-            <a:lvl4pPr marL="1371600" indent="0">
-              <a:buFontTx/>
-              <a:buNone/>
-              <a:defRPr/>
-            </a:lvl4pPr>
-            <a:lvl5pPr marL="1828800" indent="0">
-              <a:buFontTx/>
-              <a:buNone/>
-              <a:defRPr/>
-            </a:lvl5pPr>
-          </a:lstStyle>
-          <a:p>
-            <a:pPr lvl="0"/>
-            <a:r>
-              <a:rPr lang="nl-NL"/>
-              <a:t>Tekststijl van het model bewerken</a:t>
-            </a:r>
-          </a:p>
-        </p:txBody>
-      </p:sp>
-      <p:sp>
-        <p:nvSpPr>
-          <p:cNvPr id="3" name="Text Placeholder 2"/>
-          <p:cNvSpPr>
-            <a:spLocks noGrp="1"/>
-          </p:cNvSpPr>
-          <p:nvPr>
-            <p:ph type="body" idx="1"/>
-          </p:nvPr>
-        </p:nvSpPr>
-        <p:spPr>
-          <a:xfrm>
-            <a:off x="1141411" y="4343400"/>
-            <a:ext cx="9906000" cy="1447800"/>
-          </a:xfrm>
-        </p:spPr>
-        <p:txBody>
-          <a:bodyPr vert="horz" lIns="91440" tIns="45720" rIns="91440" bIns="45720" rtlCol="0" anchor="ctr">
-            <a:normAutofit/>
-          </a:bodyPr>
-          <a:lstStyle>
-            <a:lvl1pPr>
-              <a:buNone/>
-              <a:defRPr lang="en-US" sz="2000">
-                <a:gradFill flip="none" rotWithShape="1">
-                  <a:gsLst>
-                    <a:gs pos="0">
-                      <a:schemeClr val="tx1"/>
-                    </a:gs>
-                    <a:gs pos="100000">
-                      <a:schemeClr val="tx1">
-                        <a:lumMod val="75000"/>
-                      </a:schemeClr>
-                    </a:gs>
-                  </a:gsLst>
-                  <a:lin ang="5400000" scaled="0"/>
-                  <a:tileRect/>
-                </a:gradFill>
-              </a:defRPr>
-            </a:lvl1pPr>
-          </a:lstStyle>
-          <a:p>
-            <a:pPr marL="0" lvl="0" indent="0">
-              <a:buNone/>
-            </a:pPr>
-            <a:r>
-              <a:rPr lang="nl-NL"/>
-              <a:t>Tekststijl van het model bewerken</a:t>
-            </a:r>
-          </a:p>
-        </p:txBody>
-      </p:sp>
-      <p:sp>
-        <p:nvSpPr>
-          <p:cNvPr id="4" name="Date Placeholder 3"/>
-          <p:cNvSpPr>
-            <a:spLocks noGrp="1"/>
-          </p:cNvSpPr>
-          <p:nvPr>
-            <p:ph type="dt" sz="half" idx="10"/>
-          </p:nvPr>
-        </p:nvSpPr>
-        <p:spPr/>
-        <p:txBody>
-          <a:bodyPr/>
-          <a:lstStyle/>
-          <a:p>
-            <a:fld id="{B61BEF0D-F0BB-DE4B-95CE-6DB70DBA9567}" type="datetimeFigureOut">
-              <a:rPr lang="en-US" dirty="0"/>
-              <a:pPr/>
-              <a:t>5/17/2017</a:t>
-            </a:fld>
-            <a:endParaRPr lang="en-US" dirty="0"/>
-          </a:p>
-        </p:txBody>
-      </p:sp>
-      <p:sp>
-        <p:nvSpPr>
-          <p:cNvPr id="5" name="Footer Placeholder 4"/>
-          <p:cNvSpPr>
-            <a:spLocks noGrp="1"/>
-          </p:cNvSpPr>
-          <p:nvPr>
-            <p:ph type="ftr" sz="quarter" idx="11"/>
-          </p:nvPr>
-        </p:nvSpPr>
-        <p:spPr/>
-        <p:txBody>
-          <a:bodyPr/>
-          <a:lstStyle/>
-          <a:p>
-            <a:endParaRPr lang="en-US" dirty="0"/>
-          </a:p>
-        </p:txBody>
-      </p:sp>
-      <p:sp>
-        <p:nvSpPr>
-          <p:cNvPr id="6" name="Slide Number Placeholder 5"/>
-          <p:cNvSpPr>
-            <a:spLocks noGrp="1"/>
-          </p:cNvSpPr>
-          <p:nvPr>
-            <p:ph type="sldNum" sz="quarter" idx="12"/>
-          </p:nvPr>
-        </p:nvSpPr>
-        <p:spPr/>
-        <p:txBody>
-          <a:bodyPr/>
-          <a:lstStyle/>
-          <a:p>
-            <a:fld id="{D57F1E4F-1CFF-5643-939E-217C01CDF565}" type="slidenum">
-              <a:rPr lang="en-US" dirty="0"/>
-              <a:pPr/>
-              <a:t>‹nr.›</a:t>
-            </a:fld>
-            <a:endParaRPr lang="en-US" dirty="0"/>
-          </a:p>
-        </p:txBody>
-      </p:sp>
-    </p:spTree>
-  </p:cSld>
-  <p:clrMapOvr>
-    <a:masterClrMapping/>
-  </p:clrMapOvr>
-</p:sldLayout>
-</file>
-
-<file path=ppt/slideLayouts/slideLayout13.xml><?xml version="1.0" encoding="utf-8"?>
 <p:sldLayout xmlns:a="http://schemas.openxmlformats.org/drawingml/2006/main" xmlns:r="http://schemas.openxmlformats.org/officeDocument/2006/relationships" xmlns:p="http://schemas.openxmlformats.org/presentationml/2006/main" preserve="1">
   <p:cSld name="Naamkaartje">
     <p:spTree>
@@ -1434,7 +1313,215 @@
       </p:grpSpPr>
       <p:sp>
         <p:nvSpPr>
-          <p:cNvPr id="2" name="Title 1"/>
+          <p:cNvPr id="9" name="Freeform 6"/>
+          <p:cNvSpPr>
+            <a:spLocks noChangeAspect="1"/>
+          </p:cNvSpPr>
+          <p:nvPr/>
+        </p:nvSpPr>
+        <p:spPr bwMode="auto">
+          <a:xfrm>
+            <a:off x="1140884" y="2286585"/>
+            <a:ext cx="4895115" cy="2503972"/>
+          </a:xfrm>
+          <a:custGeom>
+            <a:avLst/>
+            <a:gdLst/>
+            <a:ahLst/>
+            <a:cxnLst/>
+            <a:rect l="0" t="0" r="r" b="b"/>
+            <a:pathLst>
+              <a:path w="3384" h="2308">
+                <a:moveTo>
+                  <a:pt x="3340" y="0"/>
+                </a:moveTo>
+                <a:lnTo>
+                  <a:pt x="44" y="0"/>
+                </a:lnTo>
+                <a:lnTo>
+                  <a:pt x="44" y="0"/>
+                </a:lnTo>
+                <a:lnTo>
+                  <a:pt x="34" y="0"/>
+                </a:lnTo>
+                <a:lnTo>
+                  <a:pt x="26" y="4"/>
+                </a:lnTo>
+                <a:lnTo>
+                  <a:pt x="20" y="8"/>
+                </a:lnTo>
+                <a:lnTo>
+                  <a:pt x="12" y="12"/>
+                </a:lnTo>
+                <a:lnTo>
+                  <a:pt x="8" y="20"/>
+                </a:lnTo>
+                <a:lnTo>
+                  <a:pt x="4" y="26"/>
+                </a:lnTo>
+                <a:lnTo>
+                  <a:pt x="0" y="34"/>
+                </a:lnTo>
+                <a:lnTo>
+                  <a:pt x="0" y="44"/>
+                </a:lnTo>
+                <a:lnTo>
+                  <a:pt x="0" y="2076"/>
+                </a:lnTo>
+                <a:lnTo>
+                  <a:pt x="0" y="2076"/>
+                </a:lnTo>
+                <a:lnTo>
+                  <a:pt x="0" y="2086"/>
+                </a:lnTo>
+                <a:lnTo>
+                  <a:pt x="4" y="2094"/>
+                </a:lnTo>
+                <a:lnTo>
+                  <a:pt x="8" y="2100"/>
+                </a:lnTo>
+                <a:lnTo>
+                  <a:pt x="12" y="2108"/>
+                </a:lnTo>
+                <a:lnTo>
+                  <a:pt x="20" y="2112"/>
+                </a:lnTo>
+                <a:lnTo>
+                  <a:pt x="26" y="2116"/>
+                </a:lnTo>
+                <a:lnTo>
+                  <a:pt x="34" y="2120"/>
+                </a:lnTo>
+                <a:lnTo>
+                  <a:pt x="44" y="2120"/>
+                </a:lnTo>
+                <a:lnTo>
+                  <a:pt x="474" y="2120"/>
+                </a:lnTo>
+                <a:lnTo>
+                  <a:pt x="650" y="2296"/>
+                </a:lnTo>
+                <a:lnTo>
+                  <a:pt x="650" y="2296"/>
+                </a:lnTo>
+                <a:lnTo>
+                  <a:pt x="656" y="2300"/>
+                </a:lnTo>
+                <a:lnTo>
+                  <a:pt x="664" y="2304"/>
+                </a:lnTo>
+                <a:lnTo>
+                  <a:pt x="672" y="2308"/>
+                </a:lnTo>
+                <a:lnTo>
+                  <a:pt x="680" y="2308"/>
+                </a:lnTo>
+                <a:lnTo>
+                  <a:pt x="688" y="2308"/>
+                </a:lnTo>
+                <a:lnTo>
+                  <a:pt x="696" y="2304"/>
+                </a:lnTo>
+                <a:lnTo>
+                  <a:pt x="704" y="2300"/>
+                </a:lnTo>
+                <a:lnTo>
+                  <a:pt x="710" y="2296"/>
+                </a:lnTo>
+                <a:lnTo>
+                  <a:pt x="886" y="2120"/>
+                </a:lnTo>
+                <a:lnTo>
+                  <a:pt x="3340" y="2120"/>
+                </a:lnTo>
+                <a:lnTo>
+                  <a:pt x="3340" y="2120"/>
+                </a:lnTo>
+                <a:lnTo>
+                  <a:pt x="3350" y="2120"/>
+                </a:lnTo>
+                <a:lnTo>
+                  <a:pt x="3358" y="2116"/>
+                </a:lnTo>
+                <a:lnTo>
+                  <a:pt x="3364" y="2112"/>
+                </a:lnTo>
+                <a:lnTo>
+                  <a:pt x="3372" y="2108"/>
+                </a:lnTo>
+                <a:lnTo>
+                  <a:pt x="3376" y="2100"/>
+                </a:lnTo>
+                <a:lnTo>
+                  <a:pt x="3380" y="2094"/>
+                </a:lnTo>
+                <a:lnTo>
+                  <a:pt x="3384" y="2086"/>
+                </a:lnTo>
+                <a:lnTo>
+                  <a:pt x="3384" y="2076"/>
+                </a:lnTo>
+                <a:lnTo>
+                  <a:pt x="3384" y="44"/>
+                </a:lnTo>
+                <a:lnTo>
+                  <a:pt x="3384" y="44"/>
+                </a:lnTo>
+                <a:lnTo>
+                  <a:pt x="3384" y="34"/>
+                </a:lnTo>
+                <a:lnTo>
+                  <a:pt x="3380" y="26"/>
+                </a:lnTo>
+                <a:lnTo>
+                  <a:pt x="3376" y="20"/>
+                </a:lnTo>
+                <a:lnTo>
+                  <a:pt x="3372" y="12"/>
+                </a:lnTo>
+                <a:lnTo>
+                  <a:pt x="3364" y="8"/>
+                </a:lnTo>
+                <a:lnTo>
+                  <a:pt x="3358" y="4"/>
+                </a:lnTo>
+                <a:lnTo>
+                  <a:pt x="3350" y="0"/>
+                </a:lnTo>
+                <a:lnTo>
+                  <a:pt x="3340" y="0"/>
+                </a:lnTo>
+                <a:lnTo>
+                  <a:pt x="3340" y="0"/>
+                </a:lnTo>
+                <a:close/>
+              </a:path>
+            </a:pathLst>
+          </a:custGeom>
+          <a:ln>
+            <a:solidFill>
+              <a:schemeClr val="accent1"/>
+            </a:solidFill>
+          </a:ln>
+        </p:spPr>
+        <p:style>
+          <a:lnRef idx="1">
+            <a:schemeClr val="accent1"/>
+          </a:lnRef>
+          <a:fillRef idx="3">
+            <a:schemeClr val="accent1"/>
+          </a:fillRef>
+          <a:effectRef idx="2">
+            <a:schemeClr val="accent1"/>
+          </a:effectRef>
+          <a:fontRef idx="minor">
+            <a:schemeClr val="lt1"/>
+          </a:fontRef>
+        </p:style>
+      </p:sp>
+      <p:sp>
+        <p:nvSpPr>
+          <p:cNvPr id="38" name="Title 1"/>
           <p:cNvSpPr>
             <a:spLocks noGrp="1"/>
           </p:cNvSpPr>
@@ -1444,17 +1531,15 @@
         </p:nvSpPr>
         <p:spPr>
           <a:xfrm>
-            <a:off x="1141412" y="3308581"/>
-            <a:ext cx="9906000" cy="1468800"/>
+            <a:off x="1357089" y="2435957"/>
+            <a:ext cx="4382521" cy="2007789"/>
           </a:xfrm>
         </p:spPr>
         <p:txBody>
-          <a:bodyPr anchor="b">
-            <a:normAutofit/>
-          </a:bodyPr>
+          <a:bodyPr/>
           <a:lstStyle>
-            <a:lvl1pPr algn="l">
-              <a:defRPr sz="3200" b="0" cap="all"/>
+            <a:lvl1pPr>
+              <a:defRPr sz="3200"/>
             </a:lvl1pPr>
           </a:lstStyle>
           <a:p>
@@ -1468,48 +1553,31 @@
       </p:sp>
       <p:sp>
         <p:nvSpPr>
-          <p:cNvPr id="3" name="Text Placeholder 2"/>
-          <p:cNvSpPr>
-            <a:spLocks noGrp="1"/>
-          </p:cNvSpPr>
-          <p:nvPr>
-            <p:ph type="body" idx="1"/>
+          <p:cNvPr id="6" name="Text Placeholder 5"/>
+          <p:cNvSpPr>
+            <a:spLocks noGrp="1"/>
+          </p:cNvSpPr>
+          <p:nvPr>
+            <p:ph type="body" sz="quarter" idx="16"/>
           </p:nvPr>
         </p:nvSpPr>
         <p:spPr>
           <a:xfrm>
-            <a:off x="1141410" y="4777381"/>
-            <a:ext cx="9906001" cy="860400"/>
+            <a:off x="6156000" y="2286000"/>
+            <a:ext cx="4880300" cy="2295525"/>
           </a:xfrm>
         </p:spPr>
         <p:txBody>
-          <a:bodyPr vert="horz" lIns="91440" tIns="45720" rIns="91440" bIns="45720" rtlCol="0" anchor="t">
-            <a:normAutofit/>
-          </a:bodyPr>
+          <a:bodyPr anchor="t"/>
           <a:lstStyle>
-            <a:lvl1pPr>
-              <a:defRPr lang="en-US" sz="2000">
-                <a:gradFill flip="none" rotWithShape="1">
-                  <a:gsLst>
-                    <a:gs pos="0">
-                      <a:schemeClr val="tx1"/>
-                    </a:gs>
-                    <a:gs pos="100000">
-                      <a:schemeClr val="tx1">
-                        <a:lumMod val="75000"/>
-                      </a:schemeClr>
-                    </a:gs>
-                  </a:gsLst>
-                  <a:lin ang="5400000" scaled="0"/>
-                  <a:tileRect/>
-                </a:gradFill>
-              </a:defRPr>
+            <a:lvl1pPr marL="0" indent="0">
+              <a:buFontTx/>
+              <a:buNone/>
+              <a:defRPr/>
             </a:lvl1pPr>
           </a:lstStyle>
           <a:p>
-            <a:pPr marL="0" lvl="0" indent="0">
-              <a:buNone/>
-            </a:pPr>
+            <a:pPr lvl="0"/>
             <a:r>
               <a:rPr lang="nl-NL"/>
               <a:t>Tekststijl van het model bewerken</a:t>
@@ -1519,7 +1587,7 @@
       </p:sp>
       <p:sp>
         <p:nvSpPr>
-          <p:cNvPr id="4" name="Date Placeholder 3"/>
+          <p:cNvPr id="2" name="Date Placeholder 1"/>
           <p:cNvSpPr>
             <a:spLocks noGrp="1"/>
           </p:cNvSpPr>
@@ -1533,9 +1601,9 @@
           <a:lstStyle/>
           <a:p>
             <a:fld id="{B61BEF0D-F0BB-DE4B-95CE-6DB70DBA9567}" type="datetimeFigureOut">
-              <a:rPr lang="en-US" dirty="0"/>
+              <a:rPr lang="en-US" smtClean="0"/>
               <a:pPr/>
-              <a:t>5/17/2017</a:t>
+              <a:t>5/30/2017</a:t>
             </a:fld>
             <a:endParaRPr lang="en-US" dirty="0"/>
           </a:p>
@@ -1543,7 +1611,7 @@
       </p:sp>
       <p:sp>
         <p:nvSpPr>
-          <p:cNvPr id="5" name="Footer Placeholder 4"/>
+          <p:cNvPr id="3" name="Footer Placeholder 2"/>
           <p:cNvSpPr>
             <a:spLocks noGrp="1"/>
           </p:cNvSpPr>
@@ -1562,7 +1630,7 @@
       </p:sp>
       <p:sp>
         <p:nvSpPr>
-          <p:cNvPr id="6" name="Slide Number Placeholder 5"/>
+          <p:cNvPr id="4" name="Slide Number Placeholder 3"/>
           <p:cNvSpPr>
             <a:spLocks noGrp="1"/>
           </p:cNvSpPr>
@@ -1576,7 +1644,7 @@
           <a:lstStyle/>
           <a:p>
             <a:fld id="{D57F1E4F-1CFF-5643-939E-217C01CDF565}" type="slidenum">
-              <a:rPr lang="en-US" dirty="0"/>
+              <a:rPr lang="en-US" smtClean="0"/>
               <a:pPr/>
               <a:t>‹nr.›</a:t>
             </a:fld>
@@ -1585,6 +1653,11 @@
         </p:txBody>
       </p:sp>
     </p:spTree>
+    <p:extLst>
+      <p:ext uri="{BB962C8B-B14F-4D97-AF65-F5344CB8AC3E}">
+        <p14:creationId xmlns:p14="http://schemas.microsoft.com/office/powerpoint/2010/main" val="3152095134"/>
+      </p:ext>
+    </p:extLst>
   </p:cSld>
   <p:clrMapOvr>
     <a:masterClrMapping/>
@@ -1592,9 +1665,9 @@
 </p:sldLayout>
 </file>
 
-<file path=ppt/slideLayouts/slideLayout14.xml><?xml version="1.0" encoding="utf-8"?>
-<p:sldLayout xmlns:a="http://schemas.openxmlformats.org/drawingml/2006/main" xmlns:r="http://schemas.openxmlformats.org/officeDocument/2006/relationships" xmlns:p="http://schemas.openxmlformats.org/presentationml/2006/main" preserve="1">
-  <p:cSld name="Offerte naamkaartje">
+<file path=ppt/slideLayouts/slideLayout13.xml><?xml version="1.0" encoding="utf-8"?>
+<p:sldLayout xmlns:a="http://schemas.openxmlformats.org/drawingml/2006/main" xmlns:r="http://schemas.openxmlformats.org/officeDocument/2006/relationships" xmlns:p="http://schemas.openxmlformats.org/presentationml/2006/main" type="vertTx" preserve="1">
+  <p:cSld name="Titel en verticale tekst">
     <p:spTree>
       <p:nvGrpSpPr>
         <p:cNvPr id="1" name=""/>
@@ -1611,393 +1684,1007 @@
       </p:grpSpPr>
       <p:sp>
         <p:nvSpPr>
-          <p:cNvPr id="14" name="TextBox 13"/>
-          <p:cNvSpPr txBox="1"/>
+          <p:cNvPr id="7" name="Freeform 6"/>
+          <p:cNvSpPr/>
           <p:nvPr/>
+        </p:nvSpPr>
+        <p:spPr bwMode="auto">
+          <a:xfrm>
+            <a:off x="0" y="0"/>
+            <a:ext cx="12192000" cy="2185988"/>
+          </a:xfrm>
+          <a:custGeom>
+            <a:avLst/>
+            <a:gdLst/>
+            <a:ahLst/>
+            <a:cxnLst/>
+            <a:rect l="0" t="0" r="r" b="b"/>
+            <a:pathLst>
+              <a:path w="5760" h="1377">
+                <a:moveTo>
+                  <a:pt x="5760" y="0"/>
+                </a:moveTo>
+                <a:lnTo>
+                  <a:pt x="0" y="0"/>
+                </a:lnTo>
+                <a:lnTo>
+                  <a:pt x="0" y="1189"/>
+                </a:lnTo>
+                <a:lnTo>
+                  <a:pt x="943" y="1189"/>
+                </a:lnTo>
+                <a:lnTo>
+                  <a:pt x="1123" y="1369"/>
+                </a:lnTo>
+                <a:lnTo>
+                  <a:pt x="1123" y="1369"/>
+                </a:lnTo>
+                <a:lnTo>
+                  <a:pt x="1127" y="1371"/>
+                </a:lnTo>
+                <a:lnTo>
+                  <a:pt x="1133" y="1374"/>
+                </a:lnTo>
+                <a:lnTo>
+                  <a:pt x="1139" y="1377"/>
+                </a:lnTo>
+                <a:lnTo>
+                  <a:pt x="1144" y="1377"/>
+                </a:lnTo>
+                <a:lnTo>
+                  <a:pt x="1150" y="1377"/>
+                </a:lnTo>
+                <a:lnTo>
+                  <a:pt x="1155" y="1374"/>
+                </a:lnTo>
+                <a:lnTo>
+                  <a:pt x="1161" y="1371"/>
+                </a:lnTo>
+                <a:lnTo>
+                  <a:pt x="1165" y="1369"/>
+                </a:lnTo>
+                <a:lnTo>
+                  <a:pt x="1345" y="1189"/>
+                </a:lnTo>
+                <a:lnTo>
+                  <a:pt x="5760" y="1189"/>
+                </a:lnTo>
+                <a:lnTo>
+                  <a:pt x="5760" y="0"/>
+                </a:lnTo>
+                <a:close/>
+              </a:path>
+            </a:pathLst>
+          </a:custGeom>
+          <a:ln/>
+          <a:extLst>
+            <a:ext uri="{91240B29-F687-4f45-9708-019B960494DF}">
+              <a14:hiddenLine xmlns="" xmlns:a14="http://schemas.microsoft.com/office/drawing/2010/main" w="9525">
+                <a:solidFill>
+                  <a:srgbClr val="000000"/>
+                </a:solidFill>
+                <a:round/>
+                <a:headEnd/>
+                <a:tailEnd/>
+              </a14:hiddenLine>
+            </a:ext>
+          </a:extLst>
+        </p:spPr>
+        <p:style>
+          <a:lnRef idx="1">
+            <a:schemeClr val="accent1"/>
+          </a:lnRef>
+          <a:fillRef idx="3">
+            <a:schemeClr val="accent1"/>
+          </a:fillRef>
+          <a:effectRef idx="2">
+            <a:schemeClr val="accent1"/>
+          </a:effectRef>
+          <a:fontRef idx="minor">
+            <a:schemeClr val="lt1"/>
+          </a:fontRef>
+        </p:style>
+      </p:sp>
+      <p:sp>
+        <p:nvSpPr>
+          <p:cNvPr id="2" name="Title 1"/>
+          <p:cNvSpPr>
+            <a:spLocks noGrp="1"/>
+          </p:cNvSpPr>
+          <p:nvPr>
+            <p:ph type="title"/>
+          </p:nvPr>
+        </p:nvSpPr>
+        <p:spPr/>
+        <p:txBody>
+          <a:bodyPr/>
+          <a:lstStyle/>
+          <a:p>
+            <a:r>
+              <a:rPr lang="nl-NL"/>
+              <a:t>Klik om de stijl te bewerken</a:t>
+            </a:r>
+            <a:endParaRPr lang="en-US" dirty="0"/>
+          </a:p>
+        </p:txBody>
+      </p:sp>
+      <p:sp>
+        <p:nvSpPr>
+          <p:cNvPr id="3" name="Vertical Text Placeholder 2"/>
+          <p:cNvSpPr>
+            <a:spLocks noGrp="1"/>
+          </p:cNvSpPr>
+          <p:nvPr>
+            <p:ph type="body" orient="vert" idx="1"/>
+          </p:nvPr>
+        </p:nvSpPr>
+        <p:spPr/>
+        <p:txBody>
+          <a:bodyPr vert="eaVert" anchor="t"/>
+          <a:lstStyle/>
+          <a:p>
+            <a:pPr lvl="0"/>
+            <a:r>
+              <a:rPr lang="nl-NL"/>
+              <a:t>Tekststijl van het model bewerken</a:t>
+            </a:r>
+          </a:p>
+          <a:p>
+            <a:pPr lvl="1"/>
+            <a:r>
+              <a:rPr lang="nl-NL"/>
+              <a:t>Tweede niveau</a:t>
+            </a:r>
+          </a:p>
+          <a:p>
+            <a:pPr lvl="2"/>
+            <a:r>
+              <a:rPr lang="nl-NL"/>
+              <a:t>Derde niveau</a:t>
+            </a:r>
+          </a:p>
+          <a:p>
+            <a:pPr lvl="3"/>
+            <a:r>
+              <a:rPr lang="nl-NL"/>
+              <a:t>Vierde niveau</a:t>
+            </a:r>
+          </a:p>
+          <a:p>
+            <a:pPr lvl="4"/>
+            <a:r>
+              <a:rPr lang="nl-NL"/>
+              <a:t>Vijfde niveau</a:t>
+            </a:r>
+            <a:endParaRPr lang="en-US" dirty="0"/>
+          </a:p>
+        </p:txBody>
+      </p:sp>
+      <p:sp>
+        <p:nvSpPr>
+          <p:cNvPr id="4" name="Date Placeholder 3"/>
+          <p:cNvSpPr>
+            <a:spLocks noGrp="1"/>
+          </p:cNvSpPr>
+          <p:nvPr>
+            <p:ph type="dt" sz="half" idx="10"/>
+          </p:nvPr>
+        </p:nvSpPr>
+        <p:spPr/>
+        <p:txBody>
+          <a:bodyPr/>
+          <a:lstStyle/>
+          <a:p>
+            <a:fld id="{B61BEF0D-F0BB-DE4B-95CE-6DB70DBA9567}" type="datetimeFigureOut">
+              <a:rPr lang="en-US" smtClean="0"/>
+              <a:pPr/>
+              <a:t>5/30/2017</a:t>
+            </a:fld>
+            <a:endParaRPr lang="en-US" dirty="0"/>
+          </a:p>
+        </p:txBody>
+      </p:sp>
+      <p:sp>
+        <p:nvSpPr>
+          <p:cNvPr id="5" name="Footer Placeholder 4"/>
+          <p:cNvSpPr>
+            <a:spLocks noGrp="1"/>
+          </p:cNvSpPr>
+          <p:nvPr>
+            <p:ph type="ftr" sz="quarter" idx="11"/>
+          </p:nvPr>
+        </p:nvSpPr>
+        <p:spPr/>
+        <p:txBody>
+          <a:bodyPr/>
+          <a:lstStyle/>
+          <a:p>
+            <a:endParaRPr lang="en-US" dirty="0"/>
+          </a:p>
+        </p:txBody>
+      </p:sp>
+      <p:sp>
+        <p:nvSpPr>
+          <p:cNvPr id="6" name="Slide Number Placeholder 5"/>
+          <p:cNvSpPr>
+            <a:spLocks noGrp="1"/>
+          </p:cNvSpPr>
+          <p:nvPr>
+            <p:ph type="sldNum" sz="quarter" idx="12"/>
+          </p:nvPr>
+        </p:nvSpPr>
+        <p:spPr/>
+        <p:txBody>
+          <a:bodyPr/>
+          <a:lstStyle/>
+          <a:p>
+            <a:fld id="{D57F1E4F-1CFF-5643-939E-217C01CDF565}" type="slidenum">
+              <a:rPr lang="en-US" smtClean="0"/>
+              <a:pPr/>
+              <a:t>‹nr.›</a:t>
+            </a:fld>
+            <a:endParaRPr lang="en-US" dirty="0"/>
+          </a:p>
+        </p:txBody>
+      </p:sp>
+    </p:spTree>
+    <p:extLst>
+      <p:ext uri="{BB962C8B-B14F-4D97-AF65-F5344CB8AC3E}">
+        <p14:creationId xmlns:p14="http://schemas.microsoft.com/office/powerpoint/2010/main" val="2610680068"/>
+      </p:ext>
+    </p:extLst>
+  </p:cSld>
+  <p:clrMapOvr>
+    <a:masterClrMapping/>
+  </p:clrMapOvr>
+</p:sldLayout>
+</file>
+
+<file path=ppt/slideLayouts/slideLayout14.xml><?xml version="1.0" encoding="utf-8"?>
+<p:sldLayout xmlns:a="http://schemas.openxmlformats.org/drawingml/2006/main" xmlns:r="http://schemas.openxmlformats.org/officeDocument/2006/relationships" xmlns:p="http://schemas.openxmlformats.org/presentationml/2006/main" type="vertTitleAndTx" preserve="1">
+  <p:cSld name="Verticale titel en tekst">
+    <p:spTree>
+      <p:nvGrpSpPr>
+        <p:cNvPr id="1" name=""/>
+        <p:cNvGrpSpPr/>
+        <p:nvPr/>
+      </p:nvGrpSpPr>
+      <p:grpSpPr>
+        <a:xfrm>
+          <a:off x="0" y="0"/>
+          <a:ext cx="0" cy="0"/>
+          <a:chOff x="0" y="0"/>
+          <a:chExt cx="0" cy="0"/>
+        </a:xfrm>
+      </p:grpSpPr>
+      <p:sp>
+        <p:nvSpPr>
+          <p:cNvPr id="12" name="Freeform 6"/>
+          <p:cNvSpPr>
+            <a:spLocks noChangeAspect="1"/>
+          </p:cNvSpPr>
+          <p:nvPr/>
+        </p:nvSpPr>
+        <p:spPr bwMode="auto">
+          <a:xfrm>
+            <a:off x="7669651" y="446089"/>
+            <a:ext cx="4522349" cy="5414962"/>
+          </a:xfrm>
+          <a:custGeom>
+            <a:avLst/>
+            <a:gdLst/>
+            <a:ahLst/>
+            <a:cxnLst/>
+            <a:rect l="0" t="0" r="r" b="b"/>
+            <a:pathLst>
+              <a:path w="2879" h="4320">
+                <a:moveTo>
+                  <a:pt x="183" y="0"/>
+                </a:moveTo>
+                <a:lnTo>
+                  <a:pt x="183" y="1197"/>
+                </a:lnTo>
+                <a:lnTo>
+                  <a:pt x="8" y="1372"/>
+                </a:lnTo>
+                <a:lnTo>
+                  <a:pt x="8" y="1372"/>
+                </a:lnTo>
+                <a:lnTo>
+                  <a:pt x="6" y="1376"/>
+                </a:lnTo>
+                <a:lnTo>
+                  <a:pt x="3" y="1382"/>
+                </a:lnTo>
+                <a:lnTo>
+                  <a:pt x="0" y="1387"/>
+                </a:lnTo>
+                <a:lnTo>
+                  <a:pt x="0" y="1393"/>
+                </a:lnTo>
+                <a:lnTo>
+                  <a:pt x="0" y="1399"/>
+                </a:lnTo>
+                <a:lnTo>
+                  <a:pt x="3" y="1404"/>
+                </a:lnTo>
+                <a:lnTo>
+                  <a:pt x="6" y="1410"/>
+                </a:lnTo>
+                <a:lnTo>
+                  <a:pt x="8" y="1414"/>
+                </a:lnTo>
+                <a:lnTo>
+                  <a:pt x="183" y="1589"/>
+                </a:lnTo>
+                <a:lnTo>
+                  <a:pt x="183" y="4320"/>
+                </a:lnTo>
+                <a:lnTo>
+                  <a:pt x="2879" y="4320"/>
+                </a:lnTo>
+                <a:lnTo>
+                  <a:pt x="2879" y="0"/>
+                </a:lnTo>
+                <a:lnTo>
+                  <a:pt x="183" y="0"/>
+                </a:lnTo>
+                <a:close/>
+              </a:path>
+            </a:pathLst>
+          </a:custGeom>
+          <a:ln/>
+          <a:extLst>
+            <a:ext uri="{91240B29-F687-4f45-9708-019B960494DF}">
+              <a14:hiddenLine xmlns="" xmlns:a14="http://schemas.microsoft.com/office/drawing/2010/main" w="9525">
+                <a:solidFill>
+                  <a:srgbClr val="000000"/>
+                </a:solidFill>
+                <a:round/>
+                <a:headEnd/>
+                <a:tailEnd/>
+              </a14:hiddenLine>
+            </a:ext>
+          </a:extLst>
+        </p:spPr>
+        <p:style>
+          <a:lnRef idx="1">
+            <a:schemeClr val="accent1"/>
+          </a:lnRef>
+          <a:fillRef idx="3">
+            <a:schemeClr val="accent1"/>
+          </a:fillRef>
+          <a:effectRef idx="2">
+            <a:schemeClr val="accent1"/>
+          </a:effectRef>
+          <a:fontRef idx="minor">
+            <a:schemeClr val="lt1"/>
+          </a:fontRef>
+        </p:style>
+      </p:sp>
+      <p:sp>
+        <p:nvSpPr>
+          <p:cNvPr id="2" name="Vertical Title 1"/>
+          <p:cNvSpPr>
+            <a:spLocks noGrp="1"/>
+          </p:cNvSpPr>
+          <p:nvPr>
+            <p:ph type="title" orient="vert"/>
+          </p:nvPr>
         </p:nvSpPr>
         <p:spPr>
           <a:xfrm>
-            <a:off x="836612" y="786824"/>
-            <a:ext cx="609600" cy="584776"/>
+            <a:off x="8183540" y="586171"/>
+            <a:ext cx="2494791" cy="5134798"/>
           </a:xfrm>
-          <a:prstGeom prst="rect">
+        </p:spPr>
+        <p:txBody>
+          <a:bodyPr vert="eaVert"/>
+          <a:lstStyle/>
+          <a:p>
+            <a:r>
+              <a:rPr lang="nl-NL"/>
+              <a:t>Klik om de stijl te bewerken</a:t>
+            </a:r>
+            <a:endParaRPr lang="en-US" dirty="0"/>
+          </a:p>
+        </p:txBody>
+      </p:sp>
+      <p:sp>
+        <p:nvSpPr>
+          <p:cNvPr id="3" name="Vertical Text Placeholder 2"/>
+          <p:cNvSpPr>
+            <a:spLocks noGrp="1"/>
+          </p:cNvSpPr>
+          <p:nvPr>
+            <p:ph type="body" orient="vert" idx="1"/>
+          </p:nvPr>
+        </p:nvSpPr>
+        <p:spPr>
+          <a:xfrm>
+            <a:off x="810001" y="446089"/>
+            <a:ext cx="6611540" cy="5414962"/>
+          </a:xfrm>
+        </p:spPr>
+        <p:txBody>
+          <a:bodyPr vert="eaVert" anchor="t"/>
+          <a:lstStyle/>
+          <a:p>
+            <a:pPr lvl="0"/>
+            <a:r>
+              <a:rPr lang="nl-NL"/>
+              <a:t>Tekststijl van het model bewerken</a:t>
+            </a:r>
+          </a:p>
+          <a:p>
+            <a:pPr lvl="1"/>
+            <a:r>
+              <a:rPr lang="nl-NL"/>
+              <a:t>Tweede niveau</a:t>
+            </a:r>
+          </a:p>
+          <a:p>
+            <a:pPr lvl="2"/>
+            <a:r>
+              <a:rPr lang="nl-NL"/>
+              <a:t>Derde niveau</a:t>
+            </a:r>
+          </a:p>
+          <a:p>
+            <a:pPr lvl="3"/>
+            <a:r>
+              <a:rPr lang="nl-NL"/>
+              <a:t>Vierde niveau</a:t>
+            </a:r>
+          </a:p>
+          <a:p>
+            <a:pPr lvl="4"/>
+            <a:r>
+              <a:rPr lang="nl-NL"/>
+              <a:t>Vijfde niveau</a:t>
+            </a:r>
+            <a:endParaRPr lang="en-US" dirty="0"/>
+          </a:p>
+        </p:txBody>
+      </p:sp>
+      <p:sp>
+        <p:nvSpPr>
+          <p:cNvPr id="4" name="Date Placeholder 3"/>
+          <p:cNvSpPr>
+            <a:spLocks noGrp="1"/>
+          </p:cNvSpPr>
+          <p:nvPr>
+            <p:ph type="dt" sz="half" idx="10"/>
+          </p:nvPr>
+        </p:nvSpPr>
+        <p:spPr/>
+        <p:txBody>
+          <a:bodyPr/>
+          <a:lstStyle/>
+          <a:p>
+            <a:fld id="{B61BEF0D-F0BB-DE4B-95CE-6DB70DBA9567}" type="datetimeFigureOut">
+              <a:rPr lang="en-US" smtClean="0"/>
+              <a:pPr/>
+              <a:t>5/30/2017</a:t>
+            </a:fld>
+            <a:endParaRPr lang="en-US" dirty="0"/>
+          </a:p>
+        </p:txBody>
+      </p:sp>
+      <p:sp>
+        <p:nvSpPr>
+          <p:cNvPr id="5" name="Footer Placeholder 4"/>
+          <p:cNvSpPr>
+            <a:spLocks noGrp="1"/>
+          </p:cNvSpPr>
+          <p:nvPr>
+            <p:ph type="ftr" sz="quarter" idx="11"/>
+          </p:nvPr>
+        </p:nvSpPr>
+        <p:spPr/>
+        <p:txBody>
+          <a:bodyPr/>
+          <a:lstStyle/>
+          <a:p>
+            <a:endParaRPr lang="en-US" dirty="0"/>
+          </a:p>
+        </p:txBody>
+      </p:sp>
+      <p:sp>
+        <p:nvSpPr>
+          <p:cNvPr id="6" name="Slide Number Placeholder 5"/>
+          <p:cNvSpPr>
+            <a:spLocks noGrp="1"/>
+          </p:cNvSpPr>
+          <p:nvPr>
+            <p:ph type="sldNum" sz="quarter" idx="12"/>
+          </p:nvPr>
+        </p:nvSpPr>
+        <p:spPr/>
+        <p:txBody>
+          <a:bodyPr/>
+          <a:lstStyle/>
+          <a:p>
+            <a:fld id="{D57F1E4F-1CFF-5643-939E-217C01CDF565}" type="slidenum">
+              <a:rPr lang="en-US" smtClean="0"/>
+              <a:pPr/>
+              <a:t>‹nr.›</a:t>
+            </a:fld>
+            <a:endParaRPr lang="en-US" dirty="0"/>
+          </a:p>
+        </p:txBody>
+      </p:sp>
+    </p:spTree>
+    <p:extLst>
+      <p:ext uri="{BB962C8B-B14F-4D97-AF65-F5344CB8AC3E}">
+        <p14:creationId xmlns:p14="http://schemas.microsoft.com/office/powerpoint/2010/main" val="179538691"/>
+      </p:ext>
+    </p:extLst>
+  </p:cSld>
+  <p:clrMapOvr>
+    <a:masterClrMapping/>
+  </p:clrMapOvr>
+</p:sldLayout>
+</file>
+
+<file path=ppt/slideLayouts/slideLayout2.xml><?xml version="1.0" encoding="utf-8"?>
+<p:sldLayout xmlns:a="http://schemas.openxmlformats.org/drawingml/2006/main" xmlns:r="http://schemas.openxmlformats.org/officeDocument/2006/relationships" xmlns:p="http://schemas.openxmlformats.org/presentationml/2006/main" type="obj" preserve="1">
+  <p:cSld name="Titel en object">
+    <p:spTree>
+      <p:nvGrpSpPr>
+        <p:cNvPr id="1" name=""/>
+        <p:cNvGrpSpPr/>
+        <p:nvPr/>
+      </p:nvGrpSpPr>
+      <p:grpSpPr>
+        <a:xfrm>
+          <a:off x="0" y="0"/>
+          <a:ext cx="0" cy="0"/>
+          <a:chOff x="0" y="0"/>
+          <a:chExt cx="0" cy="0"/>
+        </a:xfrm>
+      </p:grpSpPr>
+      <p:sp>
+        <p:nvSpPr>
+          <p:cNvPr id="11" name="Freeform 6"/>
+          <p:cNvSpPr/>
+          <p:nvPr/>
+        </p:nvSpPr>
+        <p:spPr bwMode="auto">
+          <a:xfrm>
+            <a:off x="0" y="0"/>
+            <a:ext cx="12192000" cy="2185988"/>
+          </a:xfrm>
+          <a:custGeom>
             <a:avLst/>
-          </a:prstGeom>
+            <a:gdLst/>
+            <a:ahLst/>
+            <a:cxnLst/>
+            <a:rect l="0" t="0" r="r" b="b"/>
+            <a:pathLst>
+              <a:path w="5760" h="1377">
+                <a:moveTo>
+                  <a:pt x="5760" y="0"/>
+                </a:moveTo>
+                <a:lnTo>
+                  <a:pt x="0" y="0"/>
+                </a:lnTo>
+                <a:lnTo>
+                  <a:pt x="0" y="1189"/>
+                </a:lnTo>
+                <a:lnTo>
+                  <a:pt x="943" y="1189"/>
+                </a:lnTo>
+                <a:lnTo>
+                  <a:pt x="1123" y="1369"/>
+                </a:lnTo>
+                <a:lnTo>
+                  <a:pt x="1123" y="1369"/>
+                </a:lnTo>
+                <a:lnTo>
+                  <a:pt x="1127" y="1371"/>
+                </a:lnTo>
+                <a:lnTo>
+                  <a:pt x="1133" y="1374"/>
+                </a:lnTo>
+                <a:lnTo>
+                  <a:pt x="1139" y="1377"/>
+                </a:lnTo>
+                <a:lnTo>
+                  <a:pt x="1144" y="1377"/>
+                </a:lnTo>
+                <a:lnTo>
+                  <a:pt x="1150" y="1377"/>
+                </a:lnTo>
+                <a:lnTo>
+                  <a:pt x="1155" y="1374"/>
+                </a:lnTo>
+                <a:lnTo>
+                  <a:pt x="1161" y="1371"/>
+                </a:lnTo>
+                <a:lnTo>
+                  <a:pt x="1165" y="1369"/>
+                </a:lnTo>
+                <a:lnTo>
+                  <a:pt x="1345" y="1189"/>
+                </a:lnTo>
+                <a:lnTo>
+                  <a:pt x="5760" y="1189"/>
+                </a:lnTo>
+                <a:lnTo>
+                  <a:pt x="5760" y="0"/>
+                </a:lnTo>
+                <a:close/>
+              </a:path>
+            </a:pathLst>
+          </a:custGeom>
+          <a:ln/>
+          <a:extLst>
+            <a:ext uri="{91240B29-F687-4f45-9708-019B960494DF}">
+              <a14:hiddenLine xmlns="" xmlns:a14="http://schemas.microsoft.com/office/drawing/2010/main" w="9525">
+                <a:solidFill>
+                  <a:srgbClr val="000000"/>
+                </a:solidFill>
+                <a:round/>
+                <a:headEnd/>
+                <a:tailEnd/>
+              </a14:hiddenLine>
+            </a:ext>
+          </a:extLst>
         </p:spPr>
-        <p:txBody>
-          <a:bodyPr vert="horz" lIns="91440" tIns="45720" rIns="91440" bIns="45720" rtlCol="0" anchor="ctr">
+        <p:style>
+          <a:lnRef idx="1">
+            <a:schemeClr val="accent1"/>
+          </a:lnRef>
+          <a:fillRef idx="3">
+            <a:schemeClr val="accent1"/>
+          </a:fillRef>
+          <a:effectRef idx="2">
+            <a:schemeClr val="accent1"/>
+          </a:effectRef>
+          <a:fontRef idx="minor">
+            <a:schemeClr val="lt1"/>
+          </a:fontRef>
+        </p:style>
+      </p:sp>
+      <p:sp>
+        <p:nvSpPr>
+          <p:cNvPr id="2" name="Title 1"/>
+          <p:cNvSpPr>
+            <a:spLocks noGrp="1"/>
+          </p:cNvSpPr>
+          <p:nvPr>
+            <p:ph type="title"/>
+          </p:nvPr>
+        </p:nvSpPr>
+        <p:spPr>
+          <a:xfrm>
+            <a:off x="810000" y="447188"/>
+            <a:ext cx="10571998" cy="970450"/>
+          </a:xfrm>
+        </p:spPr>
+        <p:txBody>
+          <a:bodyPr/>
+          <a:lstStyle/>
+          <a:p>
+            <a:r>
+              <a:rPr lang="nl-NL"/>
+              <a:t>Klik om de stijl te bewerken</a:t>
+            </a:r>
+            <a:endParaRPr lang="en-US" dirty="0"/>
+          </a:p>
+        </p:txBody>
+      </p:sp>
+      <p:sp>
+        <p:nvSpPr>
+          <p:cNvPr id="3" name="Content Placeholder 2"/>
+          <p:cNvSpPr>
+            <a:spLocks noGrp="1"/>
+          </p:cNvSpPr>
+          <p:nvPr>
+            <p:ph idx="1"/>
+          </p:nvPr>
+        </p:nvSpPr>
+        <p:spPr>
+          <a:xfrm>
+            <a:off x="818712" y="2222287"/>
+            <a:ext cx="10554574" cy="3636511"/>
+          </a:xfrm>
+        </p:spPr>
+        <p:txBody>
+          <a:bodyPr/>
+          <a:lstStyle/>
+          <a:p>
+            <a:pPr lvl="0"/>
+            <a:r>
+              <a:rPr lang="nl-NL"/>
+              <a:t>Tekststijl van het model bewerken</a:t>
+            </a:r>
+          </a:p>
+          <a:p>
+            <a:pPr lvl="1"/>
+            <a:r>
+              <a:rPr lang="nl-NL"/>
+              <a:t>Tweede niveau</a:t>
+            </a:r>
+          </a:p>
+          <a:p>
+            <a:pPr lvl="2"/>
+            <a:r>
+              <a:rPr lang="nl-NL"/>
+              <a:t>Derde niveau</a:t>
+            </a:r>
+          </a:p>
+          <a:p>
+            <a:pPr lvl="3"/>
+            <a:r>
+              <a:rPr lang="nl-NL"/>
+              <a:t>Vierde niveau</a:t>
+            </a:r>
+          </a:p>
+          <a:p>
+            <a:pPr lvl="4"/>
+            <a:r>
+              <a:rPr lang="nl-NL"/>
+              <a:t>Vijfde niveau</a:t>
+            </a:r>
+            <a:endParaRPr lang="en-US" dirty="0"/>
+          </a:p>
+        </p:txBody>
+      </p:sp>
+      <p:sp>
+        <p:nvSpPr>
+          <p:cNvPr id="4" name="Date Placeholder 3"/>
+          <p:cNvSpPr>
+            <a:spLocks noGrp="1"/>
+          </p:cNvSpPr>
+          <p:nvPr>
+            <p:ph type="dt" sz="half" idx="10"/>
+          </p:nvPr>
+        </p:nvSpPr>
+        <p:spPr/>
+        <p:txBody>
+          <a:bodyPr/>
+          <a:lstStyle/>
+          <a:p>
+            <a:fld id="{B61BEF0D-F0BB-DE4B-95CE-6DB70DBA9567}" type="datetimeFigureOut">
+              <a:rPr lang="en-US" smtClean="0"/>
+              <a:pPr/>
+              <a:t>5/30/2017</a:t>
+            </a:fld>
+            <a:endParaRPr lang="en-US" dirty="0"/>
+          </a:p>
+        </p:txBody>
+      </p:sp>
+      <p:sp>
+        <p:nvSpPr>
+          <p:cNvPr id="5" name="Footer Placeholder 4"/>
+          <p:cNvSpPr>
+            <a:spLocks noGrp="1"/>
+          </p:cNvSpPr>
+          <p:nvPr>
+            <p:ph type="ftr" sz="quarter" idx="11"/>
+          </p:nvPr>
+        </p:nvSpPr>
+        <p:spPr/>
+        <p:txBody>
+          <a:bodyPr/>
+          <a:lstStyle/>
+          <a:p>
+            <a:endParaRPr lang="en-US" dirty="0"/>
+          </a:p>
+        </p:txBody>
+      </p:sp>
+      <p:sp>
+        <p:nvSpPr>
+          <p:cNvPr id="6" name="Slide Number Placeholder 5"/>
+          <p:cNvSpPr>
+            <a:spLocks noGrp="1"/>
+          </p:cNvSpPr>
+          <p:nvPr>
+            <p:ph type="sldNum" sz="quarter" idx="12"/>
+          </p:nvPr>
+        </p:nvSpPr>
+        <p:spPr/>
+        <p:txBody>
+          <a:bodyPr/>
+          <a:lstStyle/>
+          <a:p>
+            <a:fld id="{D57F1E4F-1CFF-5643-939E-217C01CDF565}" type="slidenum">
+              <a:rPr lang="en-US" smtClean="0"/>
+              <a:pPr/>
+              <a:t>‹nr.›</a:t>
+            </a:fld>
+            <a:endParaRPr lang="en-US" dirty="0"/>
+          </a:p>
+        </p:txBody>
+      </p:sp>
+    </p:spTree>
+    <p:extLst>
+      <p:ext uri="{BB962C8B-B14F-4D97-AF65-F5344CB8AC3E}">
+        <p14:creationId xmlns:p14="http://schemas.microsoft.com/office/powerpoint/2010/main" val="4070649224"/>
+      </p:ext>
+    </p:extLst>
+  </p:cSld>
+  <p:clrMapOvr>
+    <a:masterClrMapping/>
+  </p:clrMapOvr>
+</p:sldLayout>
+</file>
+
+<file path=ppt/slideLayouts/slideLayout3.xml><?xml version="1.0" encoding="utf-8"?>
+<p:sldLayout xmlns:a="http://schemas.openxmlformats.org/drawingml/2006/main" xmlns:r="http://schemas.openxmlformats.org/officeDocument/2006/relationships" xmlns:p="http://schemas.openxmlformats.org/presentationml/2006/main" type="secHead" preserve="1">
+  <p:cSld name="Sectiekop">
+    <p:spTree>
+      <p:nvGrpSpPr>
+        <p:cNvPr id="1" name=""/>
+        <p:cNvGrpSpPr/>
+        <p:nvPr/>
+      </p:nvGrpSpPr>
+      <p:grpSpPr>
+        <a:xfrm>
+          <a:off x="0" y="0"/>
+          <a:ext cx="0" cy="0"/>
+          <a:chOff x="0" y="0"/>
+          <a:chExt cx="0" cy="0"/>
+        </a:xfrm>
+      </p:grpSpPr>
+      <p:sp>
+        <p:nvSpPr>
+          <p:cNvPr id="10" name="Freeform 7"/>
+          <p:cNvSpPr/>
+          <p:nvPr/>
+        </p:nvSpPr>
+        <p:spPr bwMode="auto">
+          <a:xfrm>
+            <a:off x="0" y="1"/>
+            <a:ext cx="12192000" cy="5203825"/>
+          </a:xfrm>
+          <a:custGeom>
+            <a:avLst/>
+            <a:gdLst/>
+            <a:ahLst/>
+            <a:cxnLst/>
+            <a:rect l="0" t="0" r="r" b="b"/>
+            <a:pathLst>
+              <a:path w="5760" h="3278">
+                <a:moveTo>
+                  <a:pt x="0" y="0"/>
+                </a:moveTo>
+                <a:lnTo>
+                  <a:pt x="5760" y="0"/>
+                </a:lnTo>
+                <a:lnTo>
+                  <a:pt x="5760" y="3090"/>
+                </a:lnTo>
+                <a:lnTo>
+                  <a:pt x="4817" y="3090"/>
+                </a:lnTo>
+                <a:lnTo>
+                  <a:pt x="4637" y="3270"/>
+                </a:lnTo>
+                <a:lnTo>
+                  <a:pt x="4637" y="3270"/>
+                </a:lnTo>
+                <a:lnTo>
+                  <a:pt x="4633" y="3272"/>
+                </a:lnTo>
+                <a:lnTo>
+                  <a:pt x="4627" y="3275"/>
+                </a:lnTo>
+                <a:lnTo>
+                  <a:pt x="4621" y="3278"/>
+                </a:lnTo>
+                <a:lnTo>
+                  <a:pt x="4616" y="3278"/>
+                </a:lnTo>
+                <a:lnTo>
+                  <a:pt x="4610" y="3278"/>
+                </a:lnTo>
+                <a:lnTo>
+                  <a:pt x="4605" y="3275"/>
+                </a:lnTo>
+                <a:lnTo>
+                  <a:pt x="4599" y="3272"/>
+                </a:lnTo>
+                <a:lnTo>
+                  <a:pt x="4595" y="3270"/>
+                </a:lnTo>
+                <a:lnTo>
+                  <a:pt x="4415" y="3090"/>
+                </a:lnTo>
+                <a:lnTo>
+                  <a:pt x="0" y="3090"/>
+                </a:lnTo>
+                <a:lnTo>
+                  <a:pt x="0" y="0"/>
+                </a:lnTo>
+                <a:lnTo>
+                  <a:pt x="0" y="0"/>
+                </a:lnTo>
+                <a:close/>
+              </a:path>
+            </a:pathLst>
+          </a:custGeom>
+          <a:ln>
+            <a:headEnd/>
+            <a:tailEnd/>
+          </a:ln>
+        </p:spPr>
+        <p:style>
+          <a:lnRef idx="1">
+            <a:schemeClr val="accent1"/>
+          </a:lnRef>
+          <a:fillRef idx="3">
+            <a:schemeClr val="accent1"/>
+          </a:fillRef>
+          <a:effectRef idx="2">
+            <a:schemeClr val="accent1"/>
+          </a:effectRef>
+          <a:fontRef idx="minor">
+            <a:schemeClr val="lt1"/>
+          </a:fontRef>
+        </p:style>
+      </p:sp>
+      <p:sp>
+        <p:nvSpPr>
+          <p:cNvPr id="2" name="Title 1"/>
+          <p:cNvSpPr>
+            <a:spLocks noGrp="1"/>
+          </p:cNvSpPr>
+          <p:nvPr>
+            <p:ph type="title"/>
+          </p:nvPr>
+        </p:nvSpPr>
+        <p:spPr>
+          <a:xfrm>
+            <a:off x="810000" y="2951396"/>
+            <a:ext cx="10561418" cy="1468800"/>
+          </a:xfrm>
+        </p:spPr>
+        <p:txBody>
+          <a:bodyPr anchor="b"/>
+          <a:lstStyle>
+            <a:lvl1pPr algn="r">
+              <a:defRPr sz="4800" b="1" cap="none"/>
+            </a:lvl1pPr>
+          </a:lstStyle>
+          <a:p>
+            <a:r>
+              <a:rPr lang="nl-NL"/>
+              <a:t>Klik om de stijl te bewerken</a:t>
+            </a:r>
+            <a:endParaRPr lang="en-US" dirty="0"/>
+          </a:p>
+        </p:txBody>
+      </p:sp>
+      <p:sp>
+        <p:nvSpPr>
+          <p:cNvPr id="3" name="Text Placeholder 2"/>
+          <p:cNvSpPr>
+            <a:spLocks noGrp="1"/>
+          </p:cNvSpPr>
+          <p:nvPr>
+            <p:ph type="body" idx="1"/>
+          </p:nvPr>
+        </p:nvSpPr>
+        <p:spPr>
+          <a:xfrm>
+            <a:off x="810000" y="5281201"/>
+            <a:ext cx="10561418" cy="433955"/>
+          </a:xfrm>
+        </p:spPr>
+        <p:txBody>
+          <a:bodyPr anchor="t">
             <a:noAutofit/>
           </a:bodyPr>
           <a:lstStyle>
-            <a:lvl1pPr>
-              <a:spcBef>
-                <a:spcPct val="0"/>
-              </a:spcBef>
-              <a:buNone/>
-              <a:defRPr sz="3200" b="0" cap="all">
-                <a:ln w="3175" cmpd="sng">
-                  <a:noFill/>
-                </a:ln>
-                <a:effectLst>
-                  <a:glow rad="38100">
-                    <a:schemeClr val="bg1">
-                      <a:lumMod val="65000"/>
-                      <a:lumOff val="35000"/>
-                      <a:alpha val="40000"/>
-                    </a:schemeClr>
-                  </a:glow>
-                  <a:outerShdw blurRad="28575" dist="38100" dir="14040000" algn="tl" rotWithShape="0">
-                    <a:srgbClr val="000000">
-                      <a:alpha val="25000"/>
-                    </a:srgbClr>
-                  </a:outerShdw>
-                </a:effectLst>
-              </a:defRPr>
-            </a:lvl1pPr>
-            <a:lvl2pPr>
-              <a:defRPr>
-                <a:solidFill>
-                  <a:schemeClr val="tx2"/>
-                </a:solidFill>
-              </a:defRPr>
-            </a:lvl2pPr>
-            <a:lvl3pPr>
-              <a:defRPr>
-                <a:solidFill>
-                  <a:schemeClr val="tx2"/>
-                </a:solidFill>
-              </a:defRPr>
-            </a:lvl3pPr>
-            <a:lvl4pPr>
-              <a:defRPr>
-                <a:solidFill>
-                  <a:schemeClr val="tx2"/>
-                </a:solidFill>
-              </a:defRPr>
-            </a:lvl4pPr>
-            <a:lvl5pPr>
-              <a:defRPr>
-                <a:solidFill>
-                  <a:schemeClr val="tx2"/>
-                </a:solidFill>
-              </a:defRPr>
-            </a:lvl5pPr>
-            <a:lvl6pPr>
-              <a:defRPr>
-                <a:solidFill>
-                  <a:schemeClr val="tx2"/>
-                </a:solidFill>
-              </a:defRPr>
-            </a:lvl6pPr>
-            <a:lvl7pPr>
-              <a:defRPr>
-                <a:solidFill>
-                  <a:schemeClr val="tx2"/>
-                </a:solidFill>
-              </a:defRPr>
-            </a:lvl7pPr>
-            <a:lvl8pPr>
-              <a:defRPr>
-                <a:solidFill>
-                  <a:schemeClr val="tx2"/>
-                </a:solidFill>
-              </a:defRPr>
-            </a:lvl8pPr>
-            <a:lvl9pPr>
-              <a:defRPr>
-                <a:solidFill>
-                  <a:schemeClr val="tx2"/>
-                </a:solidFill>
-              </a:defRPr>
-            </a:lvl9pPr>
-          </a:lstStyle>
-          <a:p>
-            <a:pPr lvl="0"/>
-            <a:r>
-              <a:rPr lang="en-US" sz="8000" dirty="0">
-                <a:solidFill>
-                  <a:schemeClr val="accent1"/>
-                </a:solidFill>
-              </a:rPr>
-              <a:t>“</a:t>
-            </a:r>
-          </a:p>
-        </p:txBody>
-      </p:sp>
-      <p:sp>
-        <p:nvSpPr>
-          <p:cNvPr id="15" name="TextBox 14"/>
-          <p:cNvSpPr txBox="1"/>
-          <p:nvPr/>
-        </p:nvSpPr>
-        <p:spPr>
-          <a:xfrm>
-            <a:off x="10437812" y="2743200"/>
-            <a:ext cx="609600" cy="584776"/>
-          </a:xfrm>
-          <a:prstGeom prst="rect">
-            <a:avLst/>
-          </a:prstGeom>
-        </p:spPr>
-        <p:txBody>
-          <a:bodyPr vert="horz" lIns="91440" tIns="45720" rIns="91440" bIns="45720" rtlCol="0" anchor="ctr">
-            <a:noAutofit/>
-          </a:bodyPr>
-          <a:lstStyle>
-            <a:lvl1pPr>
-              <a:spcBef>
-                <a:spcPct val="0"/>
-              </a:spcBef>
-              <a:buNone/>
-              <a:defRPr sz="3200" b="0" cap="all">
-                <a:ln w="3175" cmpd="sng">
-                  <a:noFill/>
-                </a:ln>
-                <a:effectLst>
-                  <a:glow rad="38100">
-                    <a:schemeClr val="bg1">
-                      <a:lumMod val="65000"/>
-                      <a:lumOff val="35000"/>
-                      <a:alpha val="40000"/>
-                    </a:schemeClr>
-                  </a:glow>
-                  <a:outerShdw blurRad="28575" dist="38100" dir="14040000" algn="tl" rotWithShape="0">
-                    <a:srgbClr val="000000">
-                      <a:alpha val="25000"/>
-                    </a:srgbClr>
-                  </a:outerShdw>
-                </a:effectLst>
-              </a:defRPr>
-            </a:lvl1pPr>
-            <a:lvl2pPr>
-              <a:defRPr>
-                <a:solidFill>
-                  <a:schemeClr val="tx2"/>
-                </a:solidFill>
-              </a:defRPr>
-            </a:lvl2pPr>
-            <a:lvl3pPr>
-              <a:defRPr>
-                <a:solidFill>
-                  <a:schemeClr val="tx2"/>
-                </a:solidFill>
-              </a:defRPr>
-            </a:lvl3pPr>
-            <a:lvl4pPr>
-              <a:defRPr>
-                <a:solidFill>
-                  <a:schemeClr val="tx2"/>
-                </a:solidFill>
-              </a:defRPr>
-            </a:lvl4pPr>
-            <a:lvl5pPr>
-              <a:defRPr>
-                <a:solidFill>
-                  <a:schemeClr val="tx2"/>
-                </a:solidFill>
-              </a:defRPr>
-            </a:lvl5pPr>
-            <a:lvl6pPr>
-              <a:defRPr>
-                <a:solidFill>
-                  <a:schemeClr val="tx2"/>
-                </a:solidFill>
-              </a:defRPr>
-            </a:lvl6pPr>
-            <a:lvl7pPr>
-              <a:defRPr>
-                <a:solidFill>
-                  <a:schemeClr val="tx2"/>
-                </a:solidFill>
-              </a:defRPr>
-            </a:lvl7pPr>
-            <a:lvl8pPr>
-              <a:defRPr>
-                <a:solidFill>
-                  <a:schemeClr val="tx2"/>
-                </a:solidFill>
-              </a:defRPr>
-            </a:lvl8pPr>
-            <a:lvl9pPr>
-              <a:defRPr>
-                <a:solidFill>
-                  <a:schemeClr val="tx2"/>
-                </a:solidFill>
-              </a:defRPr>
-            </a:lvl9pPr>
-          </a:lstStyle>
-          <a:p>
-            <a:pPr lvl="0" algn="r"/>
-            <a:r>
-              <a:rPr lang="en-US" sz="8000" dirty="0">
-                <a:solidFill>
-                  <a:schemeClr val="accent1"/>
-                </a:solidFill>
-              </a:rPr>
-              <a:t>”</a:t>
-            </a:r>
-          </a:p>
-        </p:txBody>
-      </p:sp>
-      <p:sp>
-        <p:nvSpPr>
-          <p:cNvPr id="2" name="Title 1"/>
-          <p:cNvSpPr>
-            <a:spLocks noGrp="1"/>
-          </p:cNvSpPr>
-          <p:nvPr>
-            <p:ph type="title"/>
-          </p:nvPr>
-        </p:nvSpPr>
-        <p:spPr>
-          <a:xfrm>
-            <a:off x="1446213" y="609601"/>
-            <a:ext cx="9296398" cy="2743199"/>
-          </a:xfrm>
-        </p:spPr>
-        <p:txBody>
-          <a:bodyPr anchor="ctr">
-            <a:normAutofit/>
-          </a:bodyPr>
-          <a:lstStyle>
-            <a:lvl1pPr algn="l">
-              <a:defRPr sz="3200" b="0" cap="all">
-                <a:gradFill flip="none" rotWithShape="1">
-                  <a:gsLst>
-                    <a:gs pos="0">
-                      <a:schemeClr val="tx1"/>
-                    </a:gs>
-                    <a:gs pos="100000">
-                      <a:schemeClr val="tx1">
-                        <a:lumMod val="75000"/>
-                      </a:schemeClr>
-                    </a:gs>
-                  </a:gsLst>
-                  <a:lin ang="5400000" scaled="0"/>
-                  <a:tileRect/>
-                </a:gradFill>
-              </a:defRPr>
-            </a:lvl1pPr>
-          </a:lstStyle>
-          <a:p>
-            <a:r>
-              <a:rPr lang="nl-NL"/>
-              <a:t>Klik om de stijl te bewerken</a:t>
-            </a:r>
-            <a:endParaRPr lang="en-US" dirty="0"/>
-          </a:p>
-        </p:txBody>
-      </p:sp>
-      <p:sp>
-        <p:nvSpPr>
-          <p:cNvPr id="10" name="Text Placeholder 9"/>
-          <p:cNvSpPr>
-            <a:spLocks noGrp="1"/>
-          </p:cNvSpPr>
-          <p:nvPr>
-            <p:ph type="body" sz="quarter" idx="13"/>
-          </p:nvPr>
-        </p:nvSpPr>
-        <p:spPr>
-          <a:xfrm>
-            <a:off x="1141412" y="3886200"/>
-            <a:ext cx="9906000" cy="889000"/>
-          </a:xfrm>
-        </p:spPr>
-        <p:txBody>
-          <a:bodyPr vert="horz" lIns="91440" tIns="45720" rIns="91440" bIns="45720" rtlCol="0" anchor="b">
-            <a:normAutofit/>
-          </a:bodyPr>
-          <a:lstStyle>
-            <a:lvl1pPr>
-              <a:buNone/>
-              <a:defRPr lang="en-US" sz="2400" b="0" cap="all" dirty="0">
-                <a:ln w="3175" cmpd="sng">
-                  <a:noFill/>
-                </a:ln>
-                <a:gradFill flip="none" rotWithShape="1">
-                  <a:gsLst>
-                    <a:gs pos="0">
-                      <a:schemeClr val="tx1"/>
-                    </a:gs>
-                    <a:gs pos="100000">
-                      <a:schemeClr val="tx1">
-                        <a:lumMod val="75000"/>
-                      </a:schemeClr>
-                    </a:gs>
-                  </a:gsLst>
-                  <a:lin ang="5400000" scaled="0"/>
-                  <a:tileRect/>
-                </a:gradFill>
-                <a:effectLst>
-                  <a:glow rad="38100">
-                    <a:schemeClr val="bg1">
-                      <a:lumMod val="65000"/>
-                      <a:lumOff val="35000"/>
-                      <a:alpha val="40000"/>
-                    </a:schemeClr>
-                  </a:glow>
-                  <a:outerShdw blurRad="28575" dist="38100" dir="14040000" algn="tl" rotWithShape="0">
-                    <a:srgbClr val="000000">
-                      <a:alpha val="25000"/>
-                    </a:srgbClr>
-                  </a:outerShdw>
-                </a:effectLst>
-              </a:defRPr>
-            </a:lvl1pPr>
-          </a:lstStyle>
-          <a:p>
-            <a:pPr marL="0" lvl="0">
-              <a:spcBef>
-                <a:spcPct val="0"/>
-              </a:spcBef>
-              <a:buNone/>
-            </a:pPr>
-            <a:r>
-              <a:rPr lang="nl-NL"/>
-              <a:t>Tekststijl van het model bewerken</a:t>
-            </a:r>
-          </a:p>
-        </p:txBody>
-      </p:sp>
-      <p:sp>
-        <p:nvSpPr>
-          <p:cNvPr id="3" name="Text Placeholder 2"/>
-          <p:cNvSpPr>
-            <a:spLocks noGrp="1"/>
-          </p:cNvSpPr>
-          <p:nvPr>
-            <p:ph type="body" idx="1"/>
-          </p:nvPr>
-        </p:nvSpPr>
-        <p:spPr>
-          <a:xfrm>
-            <a:off x="1141411" y="4775200"/>
-            <a:ext cx="9906000" cy="1016000"/>
-          </a:xfrm>
-        </p:spPr>
-        <p:txBody>
-          <a:bodyPr anchor="t">
-            <a:normAutofit/>
-          </a:bodyPr>
-          <a:lstStyle>
-            <a:lvl1pPr marL="0" indent="0" algn="l">
+            <a:lvl1pPr marL="0" indent="0" algn="r">
               <a:buNone/>
               <a:defRPr sz="1800">
-                <a:gradFill flip="none" rotWithShape="1">
-                  <a:gsLst>
-                    <a:gs pos="0">
-                      <a:schemeClr val="tx1"/>
-                    </a:gs>
-                    <a:gs pos="100000">
-                      <a:schemeClr val="tx1">
-                        <a:lumMod val="75000"/>
-                      </a:schemeClr>
-                    </a:gs>
-                  </a:gsLst>
-                  <a:lin ang="5400000" scaled="0"/>
-                  <a:tileRect/>
-                </a:gradFill>
+                <a:solidFill>
+                  <a:schemeClr val="tx1"/>
+                </a:solidFill>
               </a:defRPr>
             </a:lvl1pPr>
             <a:lvl2pPr marL="457200" indent="0">
@@ -2106,9 +2793,9 @@
           <a:lstStyle/>
           <a:p>
             <a:fld id="{B61BEF0D-F0BB-DE4B-95CE-6DB70DBA9567}" type="datetimeFigureOut">
-              <a:rPr lang="en-US" dirty="0"/>
+              <a:rPr lang="en-US" smtClean="0"/>
               <a:pPr/>
-              <a:t>5/17/2017</a:t>
+              <a:t>5/30/2017</a:t>
             </a:fld>
             <a:endParaRPr lang="en-US" dirty="0"/>
           </a:p>
@@ -2149,7 +2836,7 @@
           <a:lstStyle/>
           <a:p>
             <a:fld id="{D57F1E4F-1CFF-5643-939E-217C01CDF565}" type="slidenum">
-              <a:rPr lang="en-US" dirty="0"/>
+              <a:rPr lang="en-US" smtClean="0"/>
               <a:pPr/>
               <a:t>‹nr.›</a:t>
             </a:fld>
@@ -2158,1105 +2845,11 @@
         </p:txBody>
       </p:sp>
     </p:spTree>
-  </p:cSld>
-  <p:clrMapOvr>
-    <a:masterClrMapping/>
-  </p:clrMapOvr>
-</p:sldLayout>
-</file>
-
-<file path=ppt/slideLayouts/slideLayout15.xml><?xml version="1.0" encoding="utf-8"?>
-<p:sldLayout xmlns:a="http://schemas.openxmlformats.org/drawingml/2006/main" xmlns:r="http://schemas.openxmlformats.org/officeDocument/2006/relationships" xmlns:p="http://schemas.openxmlformats.org/presentationml/2006/main" preserve="1">
-  <p:cSld name="Waar of onwaar">
-    <p:spTree>
-      <p:nvGrpSpPr>
-        <p:cNvPr id="1" name=""/>
-        <p:cNvGrpSpPr/>
-        <p:nvPr/>
-      </p:nvGrpSpPr>
-      <p:grpSpPr>
-        <a:xfrm>
-          <a:off x="0" y="0"/>
-          <a:ext cx="0" cy="0"/>
-          <a:chOff x="0" y="0"/>
-          <a:chExt cx="0" cy="0"/>
-        </a:xfrm>
-      </p:grpSpPr>
-      <p:sp>
-        <p:nvSpPr>
-          <p:cNvPr id="2" name="Title 1"/>
-          <p:cNvSpPr>
-            <a:spLocks noGrp="1"/>
-          </p:cNvSpPr>
-          <p:nvPr>
-            <p:ph type="title"/>
-          </p:nvPr>
-        </p:nvSpPr>
-        <p:spPr>
-          <a:xfrm>
-            <a:off x="1141412" y="609601"/>
-            <a:ext cx="9905999" cy="2743199"/>
-          </a:xfrm>
-        </p:spPr>
-        <p:txBody>
-          <a:bodyPr vert="horz" lIns="91440" tIns="45720" rIns="91440" bIns="45720" rtlCol="0" anchor="ctr">
-            <a:normAutofit/>
-          </a:bodyPr>
-          <a:lstStyle>
-            <a:lvl1pPr>
-              <a:defRPr lang="en-US" b="0" dirty="0"/>
-            </a:lvl1pPr>
-          </a:lstStyle>
-          <a:p>
-            <a:pPr marL="0" lvl="0"/>
-            <a:r>
-              <a:rPr lang="nl-NL"/>
-              <a:t>Klik om de stijl te bewerken</a:t>
-            </a:r>
-            <a:endParaRPr lang="en-US" dirty="0"/>
-          </a:p>
-        </p:txBody>
-      </p:sp>
-      <p:sp>
-        <p:nvSpPr>
-          <p:cNvPr id="10" name="Text Placeholder 9"/>
-          <p:cNvSpPr>
-            <a:spLocks noGrp="1"/>
-          </p:cNvSpPr>
-          <p:nvPr>
-            <p:ph type="body" sz="quarter" idx="13"/>
-          </p:nvPr>
-        </p:nvSpPr>
-        <p:spPr>
-          <a:xfrm>
-            <a:off x="1141412" y="3505200"/>
-            <a:ext cx="9906000" cy="838200"/>
-          </a:xfrm>
-        </p:spPr>
-        <p:txBody>
-          <a:bodyPr vert="horz" lIns="91440" tIns="45720" rIns="91440" bIns="45720" rtlCol="0" anchor="b">
-            <a:normAutofit/>
-          </a:bodyPr>
-          <a:lstStyle>
-            <a:lvl1pPr>
-              <a:buNone/>
-              <a:defRPr lang="en-US" sz="2800" b="0" cap="all" dirty="0">
-                <a:ln w="3175" cmpd="sng">
-                  <a:noFill/>
-                </a:ln>
-                <a:gradFill flip="none" rotWithShape="1">
-                  <a:gsLst>
-                    <a:gs pos="0">
-                      <a:schemeClr val="tx1"/>
-                    </a:gs>
-                    <a:gs pos="100000">
-                      <a:schemeClr val="tx1">
-                        <a:lumMod val="75000"/>
-                      </a:schemeClr>
-                    </a:gs>
-                  </a:gsLst>
-                  <a:lin ang="5400000" scaled="0"/>
-                  <a:tileRect/>
-                </a:gradFill>
-                <a:effectLst>
-                  <a:glow rad="38100">
-                    <a:schemeClr val="bg1">
-                      <a:lumMod val="65000"/>
-                      <a:lumOff val="35000"/>
-                      <a:alpha val="40000"/>
-                    </a:schemeClr>
-                  </a:glow>
-                  <a:outerShdw blurRad="28575" dist="38100" dir="14040000" algn="tl" rotWithShape="0">
-                    <a:srgbClr val="000000">
-                      <a:alpha val="25000"/>
-                    </a:srgbClr>
-                  </a:outerShdw>
-                </a:effectLst>
-              </a:defRPr>
-            </a:lvl1pPr>
-          </a:lstStyle>
-          <a:p>
-            <a:pPr marL="0" lvl="0">
-              <a:spcBef>
-                <a:spcPct val="0"/>
-              </a:spcBef>
-              <a:buNone/>
-            </a:pPr>
-            <a:r>
-              <a:rPr lang="nl-NL"/>
-              <a:t>Tekststijl van het model bewerken</a:t>
-            </a:r>
-          </a:p>
-        </p:txBody>
-      </p:sp>
-      <p:sp>
-        <p:nvSpPr>
-          <p:cNvPr id="3" name="Text Placeholder 2"/>
-          <p:cNvSpPr>
-            <a:spLocks noGrp="1"/>
-          </p:cNvSpPr>
-          <p:nvPr>
-            <p:ph type="body" idx="1"/>
-          </p:nvPr>
-        </p:nvSpPr>
-        <p:spPr>
-          <a:xfrm>
-            <a:off x="1141411" y="4343400"/>
-            <a:ext cx="9906000" cy="1447800"/>
-          </a:xfrm>
-        </p:spPr>
-        <p:txBody>
-          <a:bodyPr anchor="t">
-            <a:normAutofit/>
-          </a:bodyPr>
-          <a:lstStyle>
-            <a:lvl1pPr marL="0" indent="0" algn="l">
-              <a:buNone/>
-              <a:defRPr sz="1800">
-                <a:gradFill flip="none" rotWithShape="1">
-                  <a:gsLst>
-                    <a:gs pos="0">
-                      <a:schemeClr val="tx1"/>
-                    </a:gs>
-                    <a:gs pos="100000">
-                      <a:schemeClr val="tx1">
-                        <a:lumMod val="75000"/>
-                      </a:schemeClr>
-                    </a:gs>
-                  </a:gsLst>
-                  <a:lin ang="5400000" scaled="0"/>
-                  <a:tileRect/>
-                </a:gradFill>
-              </a:defRPr>
-            </a:lvl1pPr>
-            <a:lvl2pPr marL="457200" indent="0">
-              <a:buNone/>
-              <a:defRPr sz="1800">
-                <a:solidFill>
-                  <a:schemeClr val="tx1">
-                    <a:tint val="75000"/>
-                  </a:schemeClr>
-                </a:solidFill>
-              </a:defRPr>
-            </a:lvl2pPr>
-            <a:lvl3pPr marL="914400" indent="0">
-              <a:buNone/>
-              <a:defRPr sz="1600">
-                <a:solidFill>
-                  <a:schemeClr val="tx1">
-                    <a:tint val="75000"/>
-                  </a:schemeClr>
-                </a:solidFill>
-              </a:defRPr>
-            </a:lvl3pPr>
-            <a:lvl4pPr marL="1371600" indent="0">
-              <a:buNone/>
-              <a:defRPr sz="1400">
-                <a:solidFill>
-                  <a:schemeClr val="tx1">
-                    <a:tint val="75000"/>
-                  </a:schemeClr>
-                </a:solidFill>
-              </a:defRPr>
-            </a:lvl4pPr>
-            <a:lvl5pPr marL="1828800" indent="0">
-              <a:buNone/>
-              <a:defRPr sz="1400">
-                <a:solidFill>
-                  <a:schemeClr val="tx1">
-                    <a:tint val="75000"/>
-                  </a:schemeClr>
-                </a:solidFill>
-              </a:defRPr>
-            </a:lvl5pPr>
-            <a:lvl6pPr marL="2286000" indent="0">
-              <a:buNone/>
-              <a:defRPr sz="1400">
-                <a:solidFill>
-                  <a:schemeClr val="tx1">
-                    <a:tint val="75000"/>
-                  </a:schemeClr>
-                </a:solidFill>
-              </a:defRPr>
-            </a:lvl6pPr>
-            <a:lvl7pPr marL="2743200" indent="0">
-              <a:buNone/>
-              <a:defRPr sz="1400">
-                <a:solidFill>
-                  <a:schemeClr val="tx1">
-                    <a:tint val="75000"/>
-                  </a:schemeClr>
-                </a:solidFill>
-              </a:defRPr>
-            </a:lvl7pPr>
-            <a:lvl8pPr marL="3200400" indent="0">
-              <a:buNone/>
-              <a:defRPr sz="1400">
-                <a:solidFill>
-                  <a:schemeClr val="tx1">
-                    <a:tint val="75000"/>
-                  </a:schemeClr>
-                </a:solidFill>
-              </a:defRPr>
-            </a:lvl8pPr>
-            <a:lvl9pPr marL="3657600" indent="0">
-              <a:buNone/>
-              <a:defRPr sz="1400">
-                <a:solidFill>
-                  <a:schemeClr val="tx1">
-                    <a:tint val="75000"/>
-                  </a:schemeClr>
-                </a:solidFill>
-              </a:defRPr>
-            </a:lvl9pPr>
-          </a:lstStyle>
-          <a:p>
-            <a:pPr lvl="0"/>
-            <a:r>
-              <a:rPr lang="nl-NL"/>
-              <a:t>Tekststijl van het model bewerken</a:t>
-            </a:r>
-          </a:p>
-        </p:txBody>
-      </p:sp>
-      <p:sp>
-        <p:nvSpPr>
-          <p:cNvPr id="4" name="Date Placeholder 3"/>
-          <p:cNvSpPr>
-            <a:spLocks noGrp="1"/>
-          </p:cNvSpPr>
-          <p:nvPr>
-            <p:ph type="dt" sz="half" idx="10"/>
-          </p:nvPr>
-        </p:nvSpPr>
-        <p:spPr/>
-        <p:txBody>
-          <a:bodyPr/>
-          <a:lstStyle/>
-          <a:p>
-            <a:fld id="{B61BEF0D-F0BB-DE4B-95CE-6DB70DBA9567}" type="datetimeFigureOut">
-              <a:rPr lang="en-US" dirty="0"/>
-              <a:pPr/>
-              <a:t>5/17/2017</a:t>
-            </a:fld>
-            <a:endParaRPr lang="en-US" dirty="0"/>
-          </a:p>
-        </p:txBody>
-      </p:sp>
-      <p:sp>
-        <p:nvSpPr>
-          <p:cNvPr id="5" name="Footer Placeholder 4"/>
-          <p:cNvSpPr>
-            <a:spLocks noGrp="1"/>
-          </p:cNvSpPr>
-          <p:nvPr>
-            <p:ph type="ftr" sz="quarter" idx="11"/>
-          </p:nvPr>
-        </p:nvSpPr>
-        <p:spPr/>
-        <p:txBody>
-          <a:bodyPr/>
-          <a:lstStyle/>
-          <a:p>
-            <a:endParaRPr lang="en-US" dirty="0"/>
-          </a:p>
-        </p:txBody>
-      </p:sp>
-      <p:sp>
-        <p:nvSpPr>
-          <p:cNvPr id="6" name="Slide Number Placeholder 5"/>
-          <p:cNvSpPr>
-            <a:spLocks noGrp="1"/>
-          </p:cNvSpPr>
-          <p:nvPr>
-            <p:ph type="sldNum" sz="quarter" idx="12"/>
-          </p:nvPr>
-        </p:nvSpPr>
-        <p:spPr/>
-        <p:txBody>
-          <a:bodyPr/>
-          <a:lstStyle/>
-          <a:p>
-            <a:fld id="{D57F1E4F-1CFF-5643-939E-217C01CDF565}" type="slidenum">
-              <a:rPr lang="en-US" dirty="0"/>
-              <a:pPr/>
-              <a:t>‹nr.›</a:t>
-            </a:fld>
-            <a:endParaRPr lang="en-US" dirty="0"/>
-          </a:p>
-        </p:txBody>
-      </p:sp>
-    </p:spTree>
-  </p:cSld>
-  <p:clrMapOvr>
-    <a:masterClrMapping/>
-  </p:clrMapOvr>
-</p:sldLayout>
-</file>
-
-<file path=ppt/slideLayouts/slideLayout16.xml><?xml version="1.0" encoding="utf-8"?>
-<p:sldLayout xmlns:a="http://schemas.openxmlformats.org/drawingml/2006/main" xmlns:r="http://schemas.openxmlformats.org/officeDocument/2006/relationships" xmlns:p="http://schemas.openxmlformats.org/presentationml/2006/main" type="vertTx" preserve="1">
-  <p:cSld name="Titel en verticale tekst">
-    <p:spTree>
-      <p:nvGrpSpPr>
-        <p:cNvPr id="1" name=""/>
-        <p:cNvGrpSpPr/>
-        <p:nvPr/>
-      </p:nvGrpSpPr>
-      <p:grpSpPr>
-        <a:xfrm>
-          <a:off x="0" y="0"/>
-          <a:ext cx="0" cy="0"/>
-          <a:chOff x="0" y="0"/>
-          <a:chExt cx="0" cy="0"/>
-        </a:xfrm>
-      </p:grpSpPr>
-      <p:sp>
-        <p:nvSpPr>
-          <p:cNvPr id="7" name="Title 1"/>
-          <p:cNvSpPr>
-            <a:spLocks noGrp="1"/>
-          </p:cNvSpPr>
-          <p:nvPr>
-            <p:ph type="title"/>
-          </p:nvPr>
-        </p:nvSpPr>
-        <p:spPr>
-          <a:xfrm>
-            <a:off x="1141413" y="609600"/>
-            <a:ext cx="9905998" cy="1905000"/>
-          </a:xfrm>
-        </p:spPr>
-        <p:txBody>
-          <a:bodyPr/>
-          <a:lstStyle/>
-          <a:p>
-            <a:r>
-              <a:rPr lang="nl-NL"/>
-              <a:t>Klik om de stijl te bewerken</a:t>
-            </a:r>
-            <a:endParaRPr lang="en-US" dirty="0"/>
-          </a:p>
-        </p:txBody>
-      </p:sp>
-      <p:sp>
-        <p:nvSpPr>
-          <p:cNvPr id="3" name="Vertical Text Placeholder 2"/>
-          <p:cNvSpPr>
-            <a:spLocks noGrp="1"/>
-          </p:cNvSpPr>
-          <p:nvPr>
-            <p:ph type="body" orient="vert" idx="1"/>
-          </p:nvPr>
-        </p:nvSpPr>
-        <p:spPr/>
-        <p:txBody>
-          <a:bodyPr vert="eaVert" anchor="t"/>
-          <a:lstStyle/>
-          <a:p>
-            <a:pPr lvl="0"/>
-            <a:r>
-              <a:rPr lang="nl-NL"/>
-              <a:t>Tekststijl van het model bewerken</a:t>
-            </a:r>
-          </a:p>
-          <a:p>
-            <a:pPr lvl="1"/>
-            <a:r>
-              <a:rPr lang="nl-NL"/>
-              <a:t>Tweede niveau</a:t>
-            </a:r>
-          </a:p>
-          <a:p>
-            <a:pPr lvl="2"/>
-            <a:r>
-              <a:rPr lang="nl-NL"/>
-              <a:t>Derde niveau</a:t>
-            </a:r>
-          </a:p>
-          <a:p>
-            <a:pPr lvl="3"/>
-            <a:r>
-              <a:rPr lang="nl-NL"/>
-              <a:t>Vierde niveau</a:t>
-            </a:r>
-          </a:p>
-          <a:p>
-            <a:pPr lvl="4"/>
-            <a:r>
-              <a:rPr lang="nl-NL"/>
-              <a:t>Vijfde niveau</a:t>
-            </a:r>
-            <a:endParaRPr lang="en-US" dirty="0"/>
-          </a:p>
-        </p:txBody>
-      </p:sp>
-      <p:sp>
-        <p:nvSpPr>
-          <p:cNvPr id="4" name="Date Placeholder 3"/>
-          <p:cNvSpPr>
-            <a:spLocks noGrp="1"/>
-          </p:cNvSpPr>
-          <p:nvPr>
-            <p:ph type="dt" sz="half" idx="10"/>
-          </p:nvPr>
-        </p:nvSpPr>
-        <p:spPr/>
-        <p:txBody>
-          <a:bodyPr/>
-          <a:lstStyle/>
-          <a:p>
-            <a:fld id="{B61BEF0D-F0BB-DE4B-95CE-6DB70DBA9567}" type="datetimeFigureOut">
-              <a:rPr lang="en-US" dirty="0"/>
-              <a:pPr/>
-              <a:t>5/17/2017</a:t>
-            </a:fld>
-            <a:endParaRPr lang="en-US" dirty="0"/>
-          </a:p>
-        </p:txBody>
-      </p:sp>
-      <p:sp>
-        <p:nvSpPr>
-          <p:cNvPr id="5" name="Footer Placeholder 4"/>
-          <p:cNvSpPr>
-            <a:spLocks noGrp="1"/>
-          </p:cNvSpPr>
-          <p:nvPr>
-            <p:ph type="ftr" sz="quarter" idx="11"/>
-          </p:nvPr>
-        </p:nvSpPr>
-        <p:spPr/>
-        <p:txBody>
-          <a:bodyPr/>
-          <a:lstStyle/>
-          <a:p>
-            <a:endParaRPr lang="en-US" dirty="0"/>
-          </a:p>
-        </p:txBody>
-      </p:sp>
-      <p:sp>
-        <p:nvSpPr>
-          <p:cNvPr id="6" name="Slide Number Placeholder 5"/>
-          <p:cNvSpPr>
-            <a:spLocks noGrp="1"/>
-          </p:cNvSpPr>
-          <p:nvPr>
-            <p:ph type="sldNum" sz="quarter" idx="12"/>
-          </p:nvPr>
-        </p:nvSpPr>
-        <p:spPr/>
-        <p:txBody>
-          <a:bodyPr/>
-          <a:lstStyle/>
-          <a:p>
-            <a:fld id="{D57F1E4F-1CFF-5643-939E-217C01CDF565}" type="slidenum">
-              <a:rPr lang="en-US" dirty="0"/>
-              <a:pPr/>
-              <a:t>‹nr.›</a:t>
-            </a:fld>
-            <a:endParaRPr lang="en-US" dirty="0"/>
-          </a:p>
-        </p:txBody>
-      </p:sp>
-    </p:spTree>
-  </p:cSld>
-  <p:clrMapOvr>
-    <a:masterClrMapping/>
-  </p:clrMapOvr>
-</p:sldLayout>
-</file>
-
-<file path=ppt/slideLayouts/slideLayout17.xml><?xml version="1.0" encoding="utf-8"?>
-<p:sldLayout xmlns:a="http://schemas.openxmlformats.org/drawingml/2006/main" xmlns:r="http://schemas.openxmlformats.org/officeDocument/2006/relationships" xmlns:p="http://schemas.openxmlformats.org/presentationml/2006/main" type="vertTitleAndTx" preserve="1">
-  <p:cSld name="Verticale titel en tekst">
-    <p:spTree>
-      <p:nvGrpSpPr>
-        <p:cNvPr id="1" name=""/>
-        <p:cNvGrpSpPr/>
-        <p:nvPr/>
-      </p:nvGrpSpPr>
-      <p:grpSpPr>
-        <a:xfrm>
-          <a:off x="0" y="0"/>
-          <a:ext cx="0" cy="0"/>
-          <a:chOff x="0" y="0"/>
-          <a:chExt cx="0" cy="0"/>
-        </a:xfrm>
-      </p:grpSpPr>
-      <p:sp>
-        <p:nvSpPr>
-          <p:cNvPr id="2" name="Vertical Title 1"/>
-          <p:cNvSpPr>
-            <a:spLocks noGrp="1"/>
-          </p:cNvSpPr>
-          <p:nvPr>
-            <p:ph type="title" orient="vert"/>
-          </p:nvPr>
-        </p:nvSpPr>
-        <p:spPr>
-          <a:xfrm>
-            <a:off x="8836898" y="609599"/>
-            <a:ext cx="2210514" cy="5181601"/>
-          </a:xfrm>
-        </p:spPr>
-        <p:txBody>
-          <a:bodyPr vert="eaVert"/>
-          <a:lstStyle/>
-          <a:p>
-            <a:r>
-              <a:rPr lang="nl-NL"/>
-              <a:t>Klik om de stijl te bewerken</a:t>
-            </a:r>
-            <a:endParaRPr lang="en-US" dirty="0"/>
-          </a:p>
-        </p:txBody>
-      </p:sp>
-      <p:sp>
-        <p:nvSpPr>
-          <p:cNvPr id="3" name="Vertical Text Placeholder 2"/>
-          <p:cNvSpPr>
-            <a:spLocks noGrp="1"/>
-          </p:cNvSpPr>
-          <p:nvPr>
-            <p:ph type="body" orient="vert" idx="1"/>
-          </p:nvPr>
-        </p:nvSpPr>
-        <p:spPr>
-          <a:xfrm>
-            <a:off x="1141412" y="609600"/>
-            <a:ext cx="7543800" cy="5181600"/>
-          </a:xfrm>
-        </p:spPr>
-        <p:txBody>
-          <a:bodyPr vert="eaVert" anchor="t"/>
-          <a:lstStyle/>
-          <a:p>
-            <a:pPr lvl="0"/>
-            <a:r>
-              <a:rPr lang="nl-NL"/>
-              <a:t>Tekststijl van het model bewerken</a:t>
-            </a:r>
-          </a:p>
-          <a:p>
-            <a:pPr lvl="1"/>
-            <a:r>
-              <a:rPr lang="nl-NL"/>
-              <a:t>Tweede niveau</a:t>
-            </a:r>
-          </a:p>
-          <a:p>
-            <a:pPr lvl="2"/>
-            <a:r>
-              <a:rPr lang="nl-NL"/>
-              <a:t>Derde niveau</a:t>
-            </a:r>
-          </a:p>
-          <a:p>
-            <a:pPr lvl="3"/>
-            <a:r>
-              <a:rPr lang="nl-NL"/>
-              <a:t>Vierde niveau</a:t>
-            </a:r>
-          </a:p>
-          <a:p>
-            <a:pPr lvl="4"/>
-            <a:r>
-              <a:rPr lang="nl-NL"/>
-              <a:t>Vijfde niveau</a:t>
-            </a:r>
-            <a:endParaRPr lang="en-US" dirty="0"/>
-          </a:p>
-        </p:txBody>
-      </p:sp>
-      <p:sp>
-        <p:nvSpPr>
-          <p:cNvPr id="4" name="Date Placeholder 3"/>
-          <p:cNvSpPr>
-            <a:spLocks noGrp="1"/>
-          </p:cNvSpPr>
-          <p:nvPr>
-            <p:ph type="dt" sz="half" idx="10"/>
-          </p:nvPr>
-        </p:nvSpPr>
-        <p:spPr/>
-        <p:txBody>
-          <a:bodyPr/>
-          <a:lstStyle/>
-          <a:p>
-            <a:fld id="{B61BEF0D-F0BB-DE4B-95CE-6DB70DBA9567}" type="datetimeFigureOut">
-              <a:rPr lang="en-US" dirty="0"/>
-              <a:pPr/>
-              <a:t>5/17/2017</a:t>
-            </a:fld>
-            <a:endParaRPr lang="en-US" dirty="0"/>
-          </a:p>
-        </p:txBody>
-      </p:sp>
-      <p:sp>
-        <p:nvSpPr>
-          <p:cNvPr id="5" name="Footer Placeholder 4"/>
-          <p:cNvSpPr>
-            <a:spLocks noGrp="1"/>
-          </p:cNvSpPr>
-          <p:nvPr>
-            <p:ph type="ftr" sz="quarter" idx="11"/>
-          </p:nvPr>
-        </p:nvSpPr>
-        <p:spPr/>
-        <p:txBody>
-          <a:bodyPr/>
-          <a:lstStyle/>
-          <a:p>
-            <a:endParaRPr lang="en-US" dirty="0"/>
-          </a:p>
-        </p:txBody>
-      </p:sp>
-      <p:sp>
-        <p:nvSpPr>
-          <p:cNvPr id="6" name="Slide Number Placeholder 5"/>
-          <p:cNvSpPr>
-            <a:spLocks noGrp="1"/>
-          </p:cNvSpPr>
-          <p:nvPr>
-            <p:ph type="sldNum" sz="quarter" idx="12"/>
-          </p:nvPr>
-        </p:nvSpPr>
-        <p:spPr/>
-        <p:txBody>
-          <a:bodyPr/>
-          <a:lstStyle/>
-          <a:p>
-            <a:fld id="{D57F1E4F-1CFF-5643-939E-217C01CDF565}" type="slidenum">
-              <a:rPr lang="en-US" dirty="0"/>
-              <a:pPr/>
-              <a:t>‹nr.›</a:t>
-            </a:fld>
-            <a:endParaRPr lang="en-US" dirty="0"/>
-          </a:p>
-        </p:txBody>
-      </p:sp>
-    </p:spTree>
-  </p:cSld>
-  <p:clrMapOvr>
-    <a:masterClrMapping/>
-  </p:clrMapOvr>
-</p:sldLayout>
-</file>
-
-<file path=ppt/slideLayouts/slideLayout2.xml><?xml version="1.0" encoding="utf-8"?>
-<p:sldLayout xmlns:a="http://schemas.openxmlformats.org/drawingml/2006/main" xmlns:r="http://schemas.openxmlformats.org/officeDocument/2006/relationships" xmlns:p="http://schemas.openxmlformats.org/presentationml/2006/main" type="obj" preserve="1">
-  <p:cSld name="Titel en object">
-    <p:spTree>
-      <p:nvGrpSpPr>
-        <p:cNvPr id="1" name=""/>
-        <p:cNvGrpSpPr/>
-        <p:nvPr/>
-      </p:nvGrpSpPr>
-      <p:grpSpPr>
-        <a:xfrm>
-          <a:off x="0" y="0"/>
-          <a:ext cx="0" cy="0"/>
-          <a:chOff x="0" y="0"/>
-          <a:chExt cx="0" cy="0"/>
-        </a:xfrm>
-      </p:grpSpPr>
-      <p:sp>
-        <p:nvSpPr>
-          <p:cNvPr id="2" name="Title 1"/>
-          <p:cNvSpPr>
-            <a:spLocks noGrp="1"/>
-          </p:cNvSpPr>
-          <p:nvPr>
-            <p:ph type="title"/>
-          </p:nvPr>
-        </p:nvSpPr>
-        <p:spPr/>
-        <p:txBody>
-          <a:bodyPr/>
-          <a:lstStyle/>
-          <a:p>
-            <a:r>
-              <a:rPr lang="nl-NL"/>
-              <a:t>Klik om de stijl te bewerken</a:t>
-            </a:r>
-            <a:endParaRPr lang="en-US" dirty="0"/>
-          </a:p>
-        </p:txBody>
-      </p:sp>
-      <p:sp>
-        <p:nvSpPr>
-          <p:cNvPr id="3" name="Content Placeholder 2"/>
-          <p:cNvSpPr>
-            <a:spLocks noGrp="1"/>
-          </p:cNvSpPr>
-          <p:nvPr>
-            <p:ph idx="1"/>
-          </p:nvPr>
-        </p:nvSpPr>
-        <p:spPr/>
-        <p:txBody>
-          <a:bodyPr anchor="ctr"/>
-          <a:lstStyle/>
-          <a:p>
-            <a:pPr lvl="0"/>
-            <a:r>
-              <a:rPr lang="nl-NL"/>
-              <a:t>Tekststijl van het model bewerken</a:t>
-            </a:r>
-          </a:p>
-          <a:p>
-            <a:pPr lvl="1"/>
-            <a:r>
-              <a:rPr lang="nl-NL"/>
-              <a:t>Tweede niveau</a:t>
-            </a:r>
-          </a:p>
-          <a:p>
-            <a:pPr lvl="2"/>
-            <a:r>
-              <a:rPr lang="nl-NL"/>
-              <a:t>Derde niveau</a:t>
-            </a:r>
-          </a:p>
-          <a:p>
-            <a:pPr lvl="3"/>
-            <a:r>
-              <a:rPr lang="nl-NL"/>
-              <a:t>Vierde niveau</a:t>
-            </a:r>
-          </a:p>
-          <a:p>
-            <a:pPr lvl="4"/>
-            <a:r>
-              <a:rPr lang="nl-NL"/>
-              <a:t>Vijfde niveau</a:t>
-            </a:r>
-            <a:endParaRPr lang="en-US" dirty="0"/>
-          </a:p>
-        </p:txBody>
-      </p:sp>
-      <p:sp>
-        <p:nvSpPr>
-          <p:cNvPr id="4" name="Date Placeholder 3"/>
-          <p:cNvSpPr>
-            <a:spLocks noGrp="1"/>
-          </p:cNvSpPr>
-          <p:nvPr>
-            <p:ph type="dt" sz="half" idx="10"/>
-          </p:nvPr>
-        </p:nvSpPr>
-        <p:spPr/>
-        <p:txBody>
-          <a:bodyPr/>
-          <a:lstStyle/>
-          <a:p>
-            <a:fld id="{B61BEF0D-F0BB-DE4B-95CE-6DB70DBA9567}" type="datetimeFigureOut">
-              <a:rPr lang="en-US" dirty="0"/>
-              <a:pPr/>
-              <a:t>5/17/2017</a:t>
-            </a:fld>
-            <a:endParaRPr lang="en-US" dirty="0"/>
-          </a:p>
-        </p:txBody>
-      </p:sp>
-      <p:sp>
-        <p:nvSpPr>
-          <p:cNvPr id="5" name="Footer Placeholder 4"/>
-          <p:cNvSpPr>
-            <a:spLocks noGrp="1"/>
-          </p:cNvSpPr>
-          <p:nvPr>
-            <p:ph type="ftr" sz="quarter" idx="11"/>
-          </p:nvPr>
-        </p:nvSpPr>
-        <p:spPr/>
-        <p:txBody>
-          <a:bodyPr/>
-          <a:lstStyle/>
-          <a:p>
-            <a:endParaRPr lang="en-US" dirty="0"/>
-          </a:p>
-        </p:txBody>
-      </p:sp>
-      <p:sp>
-        <p:nvSpPr>
-          <p:cNvPr id="6" name="Slide Number Placeholder 5"/>
-          <p:cNvSpPr>
-            <a:spLocks noGrp="1"/>
-          </p:cNvSpPr>
-          <p:nvPr>
-            <p:ph type="sldNum" sz="quarter" idx="12"/>
-          </p:nvPr>
-        </p:nvSpPr>
-        <p:spPr/>
-        <p:txBody>
-          <a:bodyPr/>
-          <a:lstStyle/>
-          <a:p>
-            <a:fld id="{D57F1E4F-1CFF-5643-939E-217C01CDF565}" type="slidenum">
-              <a:rPr lang="en-US" dirty="0"/>
-              <a:pPr/>
-              <a:t>‹nr.›</a:t>
-            </a:fld>
-            <a:endParaRPr lang="en-US" dirty="0"/>
-          </a:p>
-        </p:txBody>
-      </p:sp>
-    </p:spTree>
-  </p:cSld>
-  <p:clrMapOvr>
-    <a:masterClrMapping/>
-  </p:clrMapOvr>
-</p:sldLayout>
-</file>
-
-<file path=ppt/slideLayouts/slideLayout3.xml><?xml version="1.0" encoding="utf-8"?>
-<p:sldLayout xmlns:a="http://schemas.openxmlformats.org/drawingml/2006/main" xmlns:r="http://schemas.openxmlformats.org/officeDocument/2006/relationships" xmlns:p="http://schemas.openxmlformats.org/presentationml/2006/main" type="secHead" preserve="1">
-  <p:cSld name="Sectiekop">
-    <p:spTree>
-      <p:nvGrpSpPr>
-        <p:cNvPr id="1" name=""/>
-        <p:cNvGrpSpPr/>
-        <p:nvPr/>
-      </p:nvGrpSpPr>
-      <p:grpSpPr>
-        <a:xfrm>
-          <a:off x="0" y="0"/>
-          <a:ext cx="0" cy="0"/>
-          <a:chOff x="0" y="0"/>
-          <a:chExt cx="0" cy="0"/>
-        </a:xfrm>
-      </p:grpSpPr>
-      <p:sp>
-        <p:nvSpPr>
-          <p:cNvPr id="2" name="Title 1"/>
-          <p:cNvSpPr>
-            <a:spLocks noGrp="1"/>
-          </p:cNvSpPr>
-          <p:nvPr>
-            <p:ph type="title"/>
-          </p:nvPr>
-        </p:nvSpPr>
-        <p:spPr>
-          <a:xfrm>
-            <a:off x="1751013" y="3308581"/>
-            <a:ext cx="8686800" cy="1468800"/>
-          </a:xfrm>
-        </p:spPr>
-        <p:txBody>
-          <a:bodyPr anchor="b"/>
-          <a:lstStyle>
-            <a:lvl1pPr algn="r">
-              <a:defRPr sz="4000" b="0" cap="all"/>
-            </a:lvl1pPr>
-          </a:lstStyle>
-          <a:p>
-            <a:r>
-              <a:rPr lang="nl-NL"/>
-              <a:t>Klik om de stijl te bewerken</a:t>
-            </a:r>
-            <a:endParaRPr lang="en-US" dirty="0"/>
-          </a:p>
-        </p:txBody>
-      </p:sp>
-      <p:sp>
-        <p:nvSpPr>
-          <p:cNvPr id="3" name="Text Placeholder 2"/>
-          <p:cNvSpPr>
-            <a:spLocks noGrp="1"/>
-          </p:cNvSpPr>
-          <p:nvPr>
-            <p:ph type="body" idx="1"/>
-          </p:nvPr>
-        </p:nvSpPr>
-        <p:spPr>
-          <a:xfrm>
-            <a:off x="1751011" y="4777381"/>
-            <a:ext cx="8686801" cy="860400"/>
-          </a:xfrm>
-        </p:spPr>
-        <p:txBody>
-          <a:bodyPr anchor="t">
-            <a:normAutofit/>
-          </a:bodyPr>
-          <a:lstStyle>
-            <a:lvl1pPr marL="0" indent="0" algn="r">
-              <a:buNone/>
-              <a:defRPr sz="2000">
-                <a:gradFill flip="none" rotWithShape="1">
-                  <a:gsLst>
-                    <a:gs pos="0">
-                      <a:schemeClr val="tx1"/>
-                    </a:gs>
-                    <a:gs pos="100000">
-                      <a:schemeClr val="tx1">
-                        <a:lumMod val="75000"/>
-                      </a:schemeClr>
-                    </a:gs>
-                  </a:gsLst>
-                  <a:lin ang="5400000" scaled="0"/>
-                  <a:tileRect/>
-                </a:gradFill>
-              </a:defRPr>
-            </a:lvl1pPr>
-            <a:lvl2pPr marL="457200" indent="0">
-              <a:buNone/>
-              <a:defRPr sz="1800">
-                <a:solidFill>
-                  <a:schemeClr val="tx1">
-                    <a:tint val="75000"/>
-                  </a:schemeClr>
-                </a:solidFill>
-              </a:defRPr>
-            </a:lvl2pPr>
-            <a:lvl3pPr marL="914400" indent="0">
-              <a:buNone/>
-              <a:defRPr sz="1600">
-                <a:solidFill>
-                  <a:schemeClr val="tx1">
-                    <a:tint val="75000"/>
-                  </a:schemeClr>
-                </a:solidFill>
-              </a:defRPr>
-            </a:lvl3pPr>
-            <a:lvl4pPr marL="1371600" indent="0">
-              <a:buNone/>
-              <a:defRPr sz="1400">
-                <a:solidFill>
-                  <a:schemeClr val="tx1">
-                    <a:tint val="75000"/>
-                  </a:schemeClr>
-                </a:solidFill>
-              </a:defRPr>
-            </a:lvl4pPr>
-            <a:lvl5pPr marL="1828800" indent="0">
-              <a:buNone/>
-              <a:defRPr sz="1400">
-                <a:solidFill>
-                  <a:schemeClr val="tx1">
-                    <a:tint val="75000"/>
-                  </a:schemeClr>
-                </a:solidFill>
-              </a:defRPr>
-            </a:lvl5pPr>
-            <a:lvl6pPr marL="2286000" indent="0">
-              <a:buNone/>
-              <a:defRPr sz="1400">
-                <a:solidFill>
-                  <a:schemeClr val="tx1">
-                    <a:tint val="75000"/>
-                  </a:schemeClr>
-                </a:solidFill>
-              </a:defRPr>
-            </a:lvl6pPr>
-            <a:lvl7pPr marL="2743200" indent="0">
-              <a:buNone/>
-              <a:defRPr sz="1400">
-                <a:solidFill>
-                  <a:schemeClr val="tx1">
-                    <a:tint val="75000"/>
-                  </a:schemeClr>
-                </a:solidFill>
-              </a:defRPr>
-            </a:lvl7pPr>
-            <a:lvl8pPr marL="3200400" indent="0">
-              <a:buNone/>
-              <a:defRPr sz="1400">
-                <a:solidFill>
-                  <a:schemeClr val="tx1">
-                    <a:tint val="75000"/>
-                  </a:schemeClr>
-                </a:solidFill>
-              </a:defRPr>
-            </a:lvl8pPr>
-            <a:lvl9pPr marL="3657600" indent="0">
-              <a:buNone/>
-              <a:defRPr sz="1400">
-                <a:solidFill>
-                  <a:schemeClr val="tx1">
-                    <a:tint val="75000"/>
-                  </a:schemeClr>
-                </a:solidFill>
-              </a:defRPr>
-            </a:lvl9pPr>
-          </a:lstStyle>
-          <a:p>
-            <a:pPr lvl="0"/>
-            <a:r>
-              <a:rPr lang="nl-NL"/>
-              <a:t>Tekststijl van het model bewerken</a:t>
-            </a:r>
-          </a:p>
-        </p:txBody>
-      </p:sp>
-      <p:sp>
-        <p:nvSpPr>
-          <p:cNvPr id="4" name="Date Placeholder 3"/>
-          <p:cNvSpPr>
-            <a:spLocks noGrp="1"/>
-          </p:cNvSpPr>
-          <p:nvPr>
-            <p:ph type="dt" sz="half" idx="10"/>
-          </p:nvPr>
-        </p:nvSpPr>
-        <p:spPr/>
-        <p:txBody>
-          <a:bodyPr/>
-          <a:lstStyle/>
-          <a:p>
-            <a:fld id="{B61BEF0D-F0BB-DE4B-95CE-6DB70DBA9567}" type="datetimeFigureOut">
-              <a:rPr lang="en-US" dirty="0"/>
-              <a:pPr/>
-              <a:t>5/17/2017</a:t>
-            </a:fld>
-            <a:endParaRPr lang="en-US" dirty="0"/>
-          </a:p>
-        </p:txBody>
-      </p:sp>
-      <p:sp>
-        <p:nvSpPr>
-          <p:cNvPr id="5" name="Footer Placeholder 4"/>
-          <p:cNvSpPr>
-            <a:spLocks noGrp="1"/>
-          </p:cNvSpPr>
-          <p:nvPr>
-            <p:ph type="ftr" sz="quarter" idx="11"/>
-          </p:nvPr>
-        </p:nvSpPr>
-        <p:spPr/>
-        <p:txBody>
-          <a:bodyPr/>
-          <a:lstStyle/>
-          <a:p>
-            <a:endParaRPr lang="en-US" dirty="0"/>
-          </a:p>
-        </p:txBody>
-      </p:sp>
-      <p:sp>
-        <p:nvSpPr>
-          <p:cNvPr id="6" name="Slide Number Placeholder 5"/>
-          <p:cNvSpPr>
-            <a:spLocks noGrp="1"/>
-          </p:cNvSpPr>
-          <p:nvPr>
-            <p:ph type="sldNum" sz="quarter" idx="12"/>
-          </p:nvPr>
-        </p:nvSpPr>
-        <p:spPr/>
-        <p:txBody>
-          <a:bodyPr/>
-          <a:lstStyle/>
-          <a:p>
-            <a:fld id="{D57F1E4F-1CFF-5643-939E-217C01CDF565}" type="slidenum">
-              <a:rPr lang="en-US" dirty="0"/>
-              <a:pPr/>
-              <a:t>‹nr.›</a:t>
-            </a:fld>
-            <a:endParaRPr lang="en-US" dirty="0"/>
-          </a:p>
-        </p:txBody>
-      </p:sp>
-    </p:spTree>
+    <p:extLst>
+      <p:ext uri="{BB962C8B-B14F-4D97-AF65-F5344CB8AC3E}">
+        <p14:creationId xmlns:p14="http://schemas.microsoft.com/office/powerpoint/2010/main" val="1089041387"/>
+      </p:ext>
+    </p:extLst>
   </p:cSld>
   <p:clrMapOvr>
     <a:masterClrMapping/>
@@ -3283,6 +2876,109 @@
       </p:grpSpPr>
       <p:sp>
         <p:nvSpPr>
+          <p:cNvPr id="8" name="Freeform 6"/>
+          <p:cNvSpPr/>
+          <p:nvPr/>
+        </p:nvSpPr>
+        <p:spPr bwMode="auto">
+          <a:xfrm>
+            <a:off x="0" y="0"/>
+            <a:ext cx="12192000" cy="2185988"/>
+          </a:xfrm>
+          <a:custGeom>
+            <a:avLst/>
+            <a:gdLst/>
+            <a:ahLst/>
+            <a:cxnLst/>
+            <a:rect l="0" t="0" r="r" b="b"/>
+            <a:pathLst>
+              <a:path w="5760" h="1377">
+                <a:moveTo>
+                  <a:pt x="5760" y="0"/>
+                </a:moveTo>
+                <a:lnTo>
+                  <a:pt x="0" y="0"/>
+                </a:lnTo>
+                <a:lnTo>
+                  <a:pt x="0" y="1189"/>
+                </a:lnTo>
+                <a:lnTo>
+                  <a:pt x="943" y="1189"/>
+                </a:lnTo>
+                <a:lnTo>
+                  <a:pt x="1123" y="1369"/>
+                </a:lnTo>
+                <a:lnTo>
+                  <a:pt x="1123" y="1369"/>
+                </a:lnTo>
+                <a:lnTo>
+                  <a:pt x="1127" y="1371"/>
+                </a:lnTo>
+                <a:lnTo>
+                  <a:pt x="1133" y="1374"/>
+                </a:lnTo>
+                <a:lnTo>
+                  <a:pt x="1139" y="1377"/>
+                </a:lnTo>
+                <a:lnTo>
+                  <a:pt x="1144" y="1377"/>
+                </a:lnTo>
+                <a:lnTo>
+                  <a:pt x="1150" y="1377"/>
+                </a:lnTo>
+                <a:lnTo>
+                  <a:pt x="1155" y="1374"/>
+                </a:lnTo>
+                <a:lnTo>
+                  <a:pt x="1161" y="1371"/>
+                </a:lnTo>
+                <a:lnTo>
+                  <a:pt x="1165" y="1369"/>
+                </a:lnTo>
+                <a:lnTo>
+                  <a:pt x="1345" y="1189"/>
+                </a:lnTo>
+                <a:lnTo>
+                  <a:pt x="5760" y="1189"/>
+                </a:lnTo>
+                <a:lnTo>
+                  <a:pt x="5760" y="0"/>
+                </a:lnTo>
+                <a:close/>
+              </a:path>
+            </a:pathLst>
+          </a:custGeom>
+          <a:ln/>
+          <a:extLst>
+            <a:ext uri="{91240B29-F687-4f45-9708-019B960494DF}">
+              <a14:hiddenLine xmlns="" xmlns:a14="http://schemas.microsoft.com/office/drawing/2010/main" w="9525">
+                <a:solidFill>
+                  <a:srgbClr val="000000"/>
+                </a:solidFill>
+                <a:round/>
+                <a:headEnd/>
+                <a:tailEnd/>
+              </a14:hiddenLine>
+            </a:ext>
+          </a:extLst>
+        </p:spPr>
+        <p:style>
+          <a:lnRef idx="1">
+            <a:schemeClr val="accent1"/>
+          </a:lnRef>
+          <a:fillRef idx="3">
+            <a:schemeClr val="accent1"/>
+          </a:fillRef>
+          <a:effectRef idx="2">
+            <a:schemeClr val="accent1"/>
+          </a:effectRef>
+          <a:fontRef idx="minor">
+            <a:schemeClr val="lt1"/>
+          </a:fontRef>
+        </p:style>
+      </p:sp>
+      <p:sp>
+        <p:nvSpPr>
           <p:cNvPr id="2" name="Title 1"/>
           <p:cNvSpPr>
             <a:spLocks noGrp="1"/>
@@ -3316,43 +3012,15 @@
         </p:nvSpPr>
         <p:spPr>
           <a:xfrm>
-            <a:off x="1141412" y="2666999"/>
-            <a:ext cx="4876800" cy="3124201"/>
+            <a:off x="818712" y="2222287"/>
+            <a:ext cx="5185873" cy="3638763"/>
           </a:xfrm>
         </p:spPr>
         <p:txBody>
           <a:bodyPr>
             <a:normAutofit/>
           </a:bodyPr>
-          <a:lstStyle>
-            <a:lvl1pPr>
-              <a:defRPr sz="1800"/>
-            </a:lvl1pPr>
-            <a:lvl2pPr>
-              <a:defRPr sz="1600"/>
-            </a:lvl2pPr>
-            <a:lvl3pPr>
-              <a:defRPr sz="1400"/>
-            </a:lvl3pPr>
-            <a:lvl4pPr>
-              <a:defRPr sz="1200"/>
-            </a:lvl4pPr>
-            <a:lvl5pPr>
-              <a:defRPr sz="1200"/>
-            </a:lvl5pPr>
-            <a:lvl6pPr>
-              <a:defRPr sz="1200"/>
-            </a:lvl6pPr>
-            <a:lvl7pPr>
-              <a:defRPr sz="1200"/>
-            </a:lvl7pPr>
-            <a:lvl8pPr>
-              <a:defRPr sz="1200"/>
-            </a:lvl8pPr>
-            <a:lvl9pPr>
-              <a:defRPr sz="1200"/>
-            </a:lvl9pPr>
-          </a:lstStyle>
+          <a:lstStyle/>
           <a:p>
             <a:pPr lvl="0"/>
             <a:r>
@@ -3403,43 +3071,15 @@
         </p:nvSpPr>
         <p:spPr>
           <a:xfrm>
-            <a:off x="6170612" y="2667000"/>
-            <a:ext cx="4876800" cy="3124200"/>
+            <a:off x="6187415" y="2222287"/>
+            <a:ext cx="5194583" cy="3638764"/>
           </a:xfrm>
         </p:spPr>
         <p:txBody>
           <a:bodyPr>
             <a:normAutofit/>
           </a:bodyPr>
-          <a:lstStyle>
-            <a:lvl1pPr>
-              <a:defRPr sz="1800"/>
-            </a:lvl1pPr>
-            <a:lvl2pPr>
-              <a:defRPr sz="1600"/>
-            </a:lvl2pPr>
-            <a:lvl3pPr>
-              <a:defRPr sz="1400"/>
-            </a:lvl3pPr>
-            <a:lvl4pPr>
-              <a:defRPr sz="1200"/>
-            </a:lvl4pPr>
-            <a:lvl5pPr>
-              <a:defRPr sz="1200"/>
-            </a:lvl5pPr>
-            <a:lvl6pPr>
-              <a:defRPr sz="1200"/>
-            </a:lvl6pPr>
-            <a:lvl7pPr>
-              <a:defRPr sz="1200"/>
-            </a:lvl7pPr>
-            <a:lvl8pPr>
-              <a:defRPr sz="1200"/>
-            </a:lvl8pPr>
-            <a:lvl9pPr>
-              <a:defRPr sz="1200"/>
-            </a:lvl9pPr>
-          </a:lstStyle>
+          <a:lstStyle/>
           <a:p>
             <a:pPr lvl="0"/>
             <a:r>
@@ -3494,9 +3134,9 @@
           <a:lstStyle/>
           <a:p>
             <a:fld id="{B61BEF0D-F0BB-DE4B-95CE-6DB70DBA9567}" type="datetimeFigureOut">
-              <a:rPr lang="en-US" dirty="0"/>
+              <a:rPr lang="en-US" smtClean="0"/>
               <a:pPr/>
-              <a:t>5/17/2017</a:t>
+              <a:t>5/30/2017</a:t>
             </a:fld>
             <a:endParaRPr lang="en-US" dirty="0"/>
           </a:p>
@@ -3537,7 +3177,7 @@
           <a:lstStyle/>
           <a:p>
             <a:fld id="{D57F1E4F-1CFF-5643-939E-217C01CDF565}" type="slidenum">
-              <a:rPr lang="en-US" dirty="0"/>
+              <a:rPr lang="en-US" smtClean="0"/>
               <a:pPr/>
               <a:t>‹nr.›</a:t>
             </a:fld>
@@ -3546,6 +3186,11 @@
         </p:txBody>
       </p:sp>
     </p:spTree>
+    <p:extLst>
+      <p:ext uri="{BB962C8B-B14F-4D97-AF65-F5344CB8AC3E}">
+        <p14:creationId xmlns:p14="http://schemas.microsoft.com/office/powerpoint/2010/main" val="2258390294"/>
+      </p:ext>
+    </p:extLst>
   </p:cSld>
   <p:clrMapOvr>
     <a:masterClrMapping/>
@@ -3572,6 +3217,109 @@
       </p:grpSpPr>
       <p:sp>
         <p:nvSpPr>
+          <p:cNvPr id="10" name="Freeform 6"/>
+          <p:cNvSpPr/>
+          <p:nvPr/>
+        </p:nvSpPr>
+        <p:spPr bwMode="auto">
+          <a:xfrm>
+            <a:off x="0" y="0"/>
+            <a:ext cx="12192000" cy="2185988"/>
+          </a:xfrm>
+          <a:custGeom>
+            <a:avLst/>
+            <a:gdLst/>
+            <a:ahLst/>
+            <a:cxnLst/>
+            <a:rect l="0" t="0" r="r" b="b"/>
+            <a:pathLst>
+              <a:path w="5760" h="1377">
+                <a:moveTo>
+                  <a:pt x="5760" y="0"/>
+                </a:moveTo>
+                <a:lnTo>
+                  <a:pt x="0" y="0"/>
+                </a:lnTo>
+                <a:lnTo>
+                  <a:pt x="0" y="1189"/>
+                </a:lnTo>
+                <a:lnTo>
+                  <a:pt x="943" y="1189"/>
+                </a:lnTo>
+                <a:lnTo>
+                  <a:pt x="1123" y="1369"/>
+                </a:lnTo>
+                <a:lnTo>
+                  <a:pt x="1123" y="1369"/>
+                </a:lnTo>
+                <a:lnTo>
+                  <a:pt x="1127" y="1371"/>
+                </a:lnTo>
+                <a:lnTo>
+                  <a:pt x="1133" y="1374"/>
+                </a:lnTo>
+                <a:lnTo>
+                  <a:pt x="1139" y="1377"/>
+                </a:lnTo>
+                <a:lnTo>
+                  <a:pt x="1144" y="1377"/>
+                </a:lnTo>
+                <a:lnTo>
+                  <a:pt x="1150" y="1377"/>
+                </a:lnTo>
+                <a:lnTo>
+                  <a:pt x="1155" y="1374"/>
+                </a:lnTo>
+                <a:lnTo>
+                  <a:pt x="1161" y="1371"/>
+                </a:lnTo>
+                <a:lnTo>
+                  <a:pt x="1165" y="1369"/>
+                </a:lnTo>
+                <a:lnTo>
+                  <a:pt x="1345" y="1189"/>
+                </a:lnTo>
+                <a:lnTo>
+                  <a:pt x="5760" y="1189"/>
+                </a:lnTo>
+                <a:lnTo>
+                  <a:pt x="5760" y="0"/>
+                </a:lnTo>
+                <a:close/>
+              </a:path>
+            </a:pathLst>
+          </a:custGeom>
+          <a:ln/>
+          <a:extLst>
+            <a:ext uri="{91240B29-F687-4f45-9708-019B960494DF}">
+              <a14:hiddenLine xmlns="" xmlns:a14="http://schemas.microsoft.com/office/drawing/2010/main" w="9525">
+                <a:solidFill>
+                  <a:srgbClr val="000000"/>
+                </a:solidFill>
+                <a:round/>
+                <a:headEnd/>
+                <a:tailEnd/>
+              </a14:hiddenLine>
+            </a:ext>
+          </a:extLst>
+        </p:spPr>
+        <p:style>
+          <a:lnRef idx="1">
+            <a:schemeClr val="accent1"/>
+          </a:lnRef>
+          <a:fillRef idx="3">
+            <a:schemeClr val="accent1"/>
+          </a:fillRef>
+          <a:effectRef idx="2">
+            <a:schemeClr val="accent1"/>
+          </a:effectRef>
+          <a:fontRef idx="minor">
+            <a:schemeClr val="lt1"/>
+          </a:fontRef>
+        </p:style>
+      </p:sp>
+      <p:sp>
+        <p:nvSpPr>
           <p:cNvPr id="2" name="Title 1"/>
           <p:cNvSpPr>
             <a:spLocks noGrp="1"/>
@@ -3609,8 +3357,8 @@
         </p:nvSpPr>
         <p:spPr>
           <a:xfrm>
-            <a:off x="1429280" y="2658533"/>
-            <a:ext cx="4588931" cy="576262"/>
+            <a:off x="814728" y="2174875"/>
+            <a:ext cx="5189857" cy="576262"/>
           </a:xfrm>
         </p:spPr>
         <p:txBody>
@@ -3618,9 +3366,9 @@
             <a:noAutofit/>
           </a:bodyPr>
           <a:lstStyle>
-            <a:lvl1pPr marL="0" indent="0">
+            <a:lvl1pPr marL="0" indent="0" algn="ctr">
               <a:buNone/>
-              <a:defRPr sz="2800" b="0"/>
+              <a:defRPr sz="2000" b="0"/>
             </a:lvl1pPr>
             <a:lvl2pPr marL="457200" indent="0">
               <a:buNone/>
@@ -3676,43 +3424,15 @@
         </p:nvSpPr>
         <p:spPr>
           <a:xfrm>
-            <a:off x="1141412" y="3243262"/>
-            <a:ext cx="4876800" cy="2547937"/>
+            <a:off x="814729" y="2751138"/>
+            <a:ext cx="5189856" cy="3109913"/>
           </a:xfrm>
         </p:spPr>
         <p:txBody>
           <a:bodyPr anchor="t">
             <a:normAutofit/>
           </a:bodyPr>
-          <a:lstStyle>
-            <a:lvl1pPr>
-              <a:defRPr sz="1800"/>
-            </a:lvl1pPr>
-            <a:lvl2pPr>
-              <a:defRPr sz="1600"/>
-            </a:lvl2pPr>
-            <a:lvl3pPr>
-              <a:defRPr sz="1400"/>
-            </a:lvl3pPr>
-            <a:lvl4pPr>
-              <a:defRPr sz="1200"/>
-            </a:lvl4pPr>
-            <a:lvl5pPr>
-              <a:defRPr sz="1200"/>
-            </a:lvl5pPr>
-            <a:lvl6pPr>
-              <a:defRPr sz="1200"/>
-            </a:lvl6pPr>
-            <a:lvl7pPr>
-              <a:defRPr sz="1200"/>
-            </a:lvl7pPr>
-            <a:lvl8pPr>
-              <a:defRPr sz="1200"/>
-            </a:lvl8pPr>
-            <a:lvl9pPr>
-              <a:defRPr sz="1200"/>
-            </a:lvl9pPr>
-          </a:lstStyle>
+          <a:lstStyle/>
           <a:p>
             <a:pPr lvl="0"/>
             <a:r>
@@ -3763,8 +3483,8 @@
         </p:nvSpPr>
         <p:spPr>
           <a:xfrm>
-            <a:off x="6443133" y="2667000"/>
-            <a:ext cx="4604280" cy="576262"/>
+            <a:off x="6187415" y="2174875"/>
+            <a:ext cx="5194583" cy="576262"/>
           </a:xfrm>
         </p:spPr>
         <p:txBody>
@@ -3772,9 +3492,9 @@
             <a:noAutofit/>
           </a:bodyPr>
           <a:lstStyle>
-            <a:lvl1pPr marL="0" indent="0">
+            <a:lvl1pPr marL="0" indent="0" algn="ctr">
               <a:buNone/>
-              <a:defRPr sz="2800" b="0"/>
+              <a:defRPr sz="2000" b="0"/>
             </a:lvl1pPr>
             <a:lvl2pPr marL="457200" indent="0">
               <a:buNone/>
@@ -3830,43 +3550,15 @@
         </p:nvSpPr>
         <p:spPr>
           <a:xfrm>
-            <a:off x="6170612" y="3243262"/>
-            <a:ext cx="4876801" cy="2547937"/>
+            <a:off x="6187415" y="2751138"/>
+            <a:ext cx="5194583" cy="3109913"/>
           </a:xfrm>
         </p:spPr>
         <p:txBody>
           <a:bodyPr anchor="t">
             <a:normAutofit/>
           </a:bodyPr>
-          <a:lstStyle>
-            <a:lvl1pPr>
-              <a:defRPr sz="1800"/>
-            </a:lvl1pPr>
-            <a:lvl2pPr>
-              <a:defRPr sz="1600"/>
-            </a:lvl2pPr>
-            <a:lvl3pPr>
-              <a:defRPr sz="1400"/>
-            </a:lvl3pPr>
-            <a:lvl4pPr>
-              <a:defRPr sz="1200"/>
-            </a:lvl4pPr>
-            <a:lvl5pPr>
-              <a:defRPr sz="1200"/>
-            </a:lvl5pPr>
-            <a:lvl6pPr>
-              <a:defRPr sz="1200"/>
-            </a:lvl6pPr>
-            <a:lvl7pPr>
-              <a:defRPr sz="1200"/>
-            </a:lvl7pPr>
-            <a:lvl8pPr>
-              <a:defRPr sz="1200"/>
-            </a:lvl8pPr>
-            <a:lvl9pPr>
-              <a:defRPr sz="1200"/>
-            </a:lvl9pPr>
-          </a:lstStyle>
+          <a:lstStyle/>
           <a:p>
             <a:pPr lvl="0"/>
             <a:r>
@@ -3921,9 +3613,9 @@
           <a:lstStyle/>
           <a:p>
             <a:fld id="{B61BEF0D-F0BB-DE4B-95CE-6DB70DBA9567}" type="datetimeFigureOut">
-              <a:rPr lang="en-US" dirty="0"/>
+              <a:rPr lang="en-US" smtClean="0"/>
               <a:pPr/>
-              <a:t>5/17/2017</a:t>
+              <a:t>5/30/2017</a:t>
             </a:fld>
             <a:endParaRPr lang="en-US" dirty="0"/>
           </a:p>
@@ -3964,7 +3656,7 @@
           <a:lstStyle/>
           <a:p>
             <a:fld id="{D57F1E4F-1CFF-5643-939E-217C01CDF565}" type="slidenum">
-              <a:rPr lang="en-US" dirty="0"/>
+              <a:rPr lang="en-US" smtClean="0"/>
               <a:pPr/>
               <a:t>‹nr.›</a:t>
             </a:fld>
@@ -3973,6 +3665,11 @@
         </p:txBody>
       </p:sp>
     </p:spTree>
+    <p:extLst>
+      <p:ext uri="{BB962C8B-B14F-4D97-AF65-F5344CB8AC3E}">
+        <p14:creationId xmlns:p14="http://schemas.microsoft.com/office/powerpoint/2010/main" val="53402508"/>
+      </p:ext>
+    </p:extLst>
   </p:cSld>
   <p:clrMapOvr>
     <a:masterClrMapping/>
@@ -3999,6 +3696,109 @@
       </p:grpSpPr>
       <p:sp>
         <p:nvSpPr>
+          <p:cNvPr id="6" name="Freeform 6"/>
+          <p:cNvSpPr/>
+          <p:nvPr/>
+        </p:nvSpPr>
+        <p:spPr bwMode="auto">
+          <a:xfrm>
+            <a:off x="0" y="0"/>
+            <a:ext cx="12192000" cy="2185988"/>
+          </a:xfrm>
+          <a:custGeom>
+            <a:avLst/>
+            <a:gdLst/>
+            <a:ahLst/>
+            <a:cxnLst/>
+            <a:rect l="0" t="0" r="r" b="b"/>
+            <a:pathLst>
+              <a:path w="5760" h="1377">
+                <a:moveTo>
+                  <a:pt x="5760" y="0"/>
+                </a:moveTo>
+                <a:lnTo>
+                  <a:pt x="0" y="0"/>
+                </a:lnTo>
+                <a:lnTo>
+                  <a:pt x="0" y="1189"/>
+                </a:lnTo>
+                <a:lnTo>
+                  <a:pt x="943" y="1189"/>
+                </a:lnTo>
+                <a:lnTo>
+                  <a:pt x="1123" y="1369"/>
+                </a:lnTo>
+                <a:lnTo>
+                  <a:pt x="1123" y="1369"/>
+                </a:lnTo>
+                <a:lnTo>
+                  <a:pt x="1127" y="1371"/>
+                </a:lnTo>
+                <a:lnTo>
+                  <a:pt x="1133" y="1374"/>
+                </a:lnTo>
+                <a:lnTo>
+                  <a:pt x="1139" y="1377"/>
+                </a:lnTo>
+                <a:lnTo>
+                  <a:pt x="1144" y="1377"/>
+                </a:lnTo>
+                <a:lnTo>
+                  <a:pt x="1150" y="1377"/>
+                </a:lnTo>
+                <a:lnTo>
+                  <a:pt x="1155" y="1374"/>
+                </a:lnTo>
+                <a:lnTo>
+                  <a:pt x="1161" y="1371"/>
+                </a:lnTo>
+                <a:lnTo>
+                  <a:pt x="1165" y="1369"/>
+                </a:lnTo>
+                <a:lnTo>
+                  <a:pt x="1345" y="1189"/>
+                </a:lnTo>
+                <a:lnTo>
+                  <a:pt x="5760" y="1189"/>
+                </a:lnTo>
+                <a:lnTo>
+                  <a:pt x="5760" y="0"/>
+                </a:lnTo>
+                <a:close/>
+              </a:path>
+            </a:pathLst>
+          </a:custGeom>
+          <a:ln/>
+          <a:extLst>
+            <a:ext uri="{91240B29-F687-4f45-9708-019B960494DF}">
+              <a14:hiddenLine xmlns="" xmlns:a14="http://schemas.microsoft.com/office/drawing/2010/main" w="9525">
+                <a:solidFill>
+                  <a:srgbClr val="000000"/>
+                </a:solidFill>
+                <a:round/>
+                <a:headEnd/>
+                <a:tailEnd/>
+              </a14:hiddenLine>
+            </a:ext>
+          </a:extLst>
+        </p:spPr>
+        <p:style>
+          <a:lnRef idx="1">
+            <a:schemeClr val="accent1"/>
+          </a:lnRef>
+          <a:fillRef idx="3">
+            <a:schemeClr val="accent1"/>
+          </a:fillRef>
+          <a:effectRef idx="2">
+            <a:schemeClr val="accent1"/>
+          </a:effectRef>
+          <a:fontRef idx="minor">
+            <a:schemeClr val="lt1"/>
+          </a:fontRef>
+        </p:style>
+      </p:sp>
+      <p:sp>
+        <p:nvSpPr>
           <p:cNvPr id="2" name="Title 1"/>
           <p:cNvSpPr>
             <a:spLocks noGrp="1"/>
@@ -4036,9 +3836,9 @@
           <a:lstStyle/>
           <a:p>
             <a:fld id="{B61BEF0D-F0BB-DE4B-95CE-6DB70DBA9567}" type="datetimeFigureOut">
-              <a:rPr lang="en-US" dirty="0"/>
+              <a:rPr lang="en-US" smtClean="0"/>
               <a:pPr/>
-              <a:t>5/17/2017</a:t>
+              <a:t>5/30/2017</a:t>
             </a:fld>
             <a:endParaRPr lang="en-US" dirty="0"/>
           </a:p>
@@ -4079,7 +3879,7 @@
           <a:lstStyle/>
           <a:p>
             <a:fld id="{D57F1E4F-1CFF-5643-939E-217C01CDF565}" type="slidenum">
-              <a:rPr lang="en-US" dirty="0"/>
+              <a:rPr lang="en-US" smtClean="0"/>
               <a:pPr/>
               <a:t>‹nr.›</a:t>
             </a:fld>
@@ -4088,6 +3888,11 @@
         </p:txBody>
       </p:sp>
     </p:spTree>
+    <p:extLst>
+      <p:ext uri="{BB962C8B-B14F-4D97-AF65-F5344CB8AC3E}">
+        <p14:creationId xmlns:p14="http://schemas.microsoft.com/office/powerpoint/2010/main" val="1884697626"/>
+      </p:ext>
+    </p:extLst>
   </p:cSld>
   <p:clrMapOvr>
     <a:masterClrMapping/>
@@ -4128,9 +3933,9 @@
           <a:lstStyle/>
           <a:p>
             <a:fld id="{B61BEF0D-F0BB-DE4B-95CE-6DB70DBA9567}" type="datetimeFigureOut">
-              <a:rPr lang="en-US" dirty="0"/>
+              <a:rPr lang="en-US" smtClean="0"/>
               <a:pPr/>
-              <a:t>5/17/2017</a:t>
+              <a:t>5/30/2017</a:t>
             </a:fld>
             <a:endParaRPr lang="en-US" dirty="0"/>
           </a:p>
@@ -4171,7 +3976,7 @@
           <a:lstStyle/>
           <a:p>
             <a:fld id="{D57F1E4F-1CFF-5643-939E-217C01CDF565}" type="slidenum">
-              <a:rPr lang="en-US" dirty="0"/>
+              <a:rPr lang="en-US" smtClean="0"/>
               <a:pPr/>
               <a:t>‹nr.›</a:t>
             </a:fld>
@@ -4180,6 +3985,11 @@
         </p:txBody>
       </p:sp>
     </p:spTree>
+    <p:extLst>
+      <p:ext uri="{BB962C8B-B14F-4D97-AF65-F5344CB8AC3E}">
+        <p14:creationId xmlns:p14="http://schemas.microsoft.com/office/powerpoint/2010/main" val="3314212998"/>
+      </p:ext>
+    </p:extLst>
   </p:cSld>
   <p:clrMapOvr>
     <a:masterClrMapping/>
@@ -4206,6 +4016,222 @@
       </p:grpSpPr>
       <p:sp>
         <p:nvSpPr>
+          <p:cNvPr id="12" name="Freeform 6"/>
+          <p:cNvSpPr>
+            <a:spLocks noChangeAspect="1"/>
+          </p:cNvSpPr>
+          <p:nvPr/>
+        </p:nvSpPr>
+        <p:spPr bwMode="auto">
+          <a:xfrm>
+            <a:off x="1073151" y="446087"/>
+            <a:ext cx="3547533" cy="1814651"/>
+          </a:xfrm>
+          <a:custGeom>
+            <a:avLst/>
+            <a:gdLst/>
+            <a:ahLst/>
+            <a:cxnLst/>
+            <a:rect l="0" t="0" r="r" b="b"/>
+            <a:pathLst>
+              <a:path w="3384" h="2308">
+                <a:moveTo>
+                  <a:pt x="3340" y="0"/>
+                </a:moveTo>
+                <a:lnTo>
+                  <a:pt x="44" y="0"/>
+                </a:lnTo>
+                <a:lnTo>
+                  <a:pt x="44" y="0"/>
+                </a:lnTo>
+                <a:lnTo>
+                  <a:pt x="34" y="0"/>
+                </a:lnTo>
+                <a:lnTo>
+                  <a:pt x="26" y="4"/>
+                </a:lnTo>
+                <a:lnTo>
+                  <a:pt x="20" y="8"/>
+                </a:lnTo>
+                <a:lnTo>
+                  <a:pt x="12" y="12"/>
+                </a:lnTo>
+                <a:lnTo>
+                  <a:pt x="8" y="20"/>
+                </a:lnTo>
+                <a:lnTo>
+                  <a:pt x="4" y="26"/>
+                </a:lnTo>
+                <a:lnTo>
+                  <a:pt x="0" y="34"/>
+                </a:lnTo>
+                <a:lnTo>
+                  <a:pt x="0" y="44"/>
+                </a:lnTo>
+                <a:lnTo>
+                  <a:pt x="0" y="2076"/>
+                </a:lnTo>
+                <a:lnTo>
+                  <a:pt x="0" y="2076"/>
+                </a:lnTo>
+                <a:lnTo>
+                  <a:pt x="0" y="2086"/>
+                </a:lnTo>
+                <a:lnTo>
+                  <a:pt x="4" y="2094"/>
+                </a:lnTo>
+                <a:lnTo>
+                  <a:pt x="8" y="2100"/>
+                </a:lnTo>
+                <a:lnTo>
+                  <a:pt x="12" y="2108"/>
+                </a:lnTo>
+                <a:lnTo>
+                  <a:pt x="20" y="2112"/>
+                </a:lnTo>
+                <a:lnTo>
+                  <a:pt x="26" y="2116"/>
+                </a:lnTo>
+                <a:lnTo>
+                  <a:pt x="34" y="2120"/>
+                </a:lnTo>
+                <a:lnTo>
+                  <a:pt x="44" y="2120"/>
+                </a:lnTo>
+                <a:lnTo>
+                  <a:pt x="474" y="2120"/>
+                </a:lnTo>
+                <a:lnTo>
+                  <a:pt x="650" y="2296"/>
+                </a:lnTo>
+                <a:lnTo>
+                  <a:pt x="650" y="2296"/>
+                </a:lnTo>
+                <a:lnTo>
+                  <a:pt x="656" y="2300"/>
+                </a:lnTo>
+                <a:lnTo>
+                  <a:pt x="664" y="2304"/>
+                </a:lnTo>
+                <a:lnTo>
+                  <a:pt x="672" y="2308"/>
+                </a:lnTo>
+                <a:lnTo>
+                  <a:pt x="680" y="2308"/>
+                </a:lnTo>
+                <a:lnTo>
+                  <a:pt x="688" y="2308"/>
+                </a:lnTo>
+                <a:lnTo>
+                  <a:pt x="696" y="2304"/>
+                </a:lnTo>
+                <a:lnTo>
+                  <a:pt x="704" y="2300"/>
+                </a:lnTo>
+                <a:lnTo>
+                  <a:pt x="710" y="2296"/>
+                </a:lnTo>
+                <a:lnTo>
+                  <a:pt x="886" y="2120"/>
+                </a:lnTo>
+                <a:lnTo>
+                  <a:pt x="3340" y="2120"/>
+                </a:lnTo>
+                <a:lnTo>
+                  <a:pt x="3340" y="2120"/>
+                </a:lnTo>
+                <a:lnTo>
+                  <a:pt x="3350" y="2120"/>
+                </a:lnTo>
+                <a:lnTo>
+                  <a:pt x="3358" y="2116"/>
+                </a:lnTo>
+                <a:lnTo>
+                  <a:pt x="3364" y="2112"/>
+                </a:lnTo>
+                <a:lnTo>
+                  <a:pt x="3372" y="2108"/>
+                </a:lnTo>
+                <a:lnTo>
+                  <a:pt x="3376" y="2100"/>
+                </a:lnTo>
+                <a:lnTo>
+                  <a:pt x="3380" y="2094"/>
+                </a:lnTo>
+                <a:lnTo>
+                  <a:pt x="3384" y="2086"/>
+                </a:lnTo>
+                <a:lnTo>
+                  <a:pt x="3384" y="2076"/>
+                </a:lnTo>
+                <a:lnTo>
+                  <a:pt x="3384" y="44"/>
+                </a:lnTo>
+                <a:lnTo>
+                  <a:pt x="3384" y="44"/>
+                </a:lnTo>
+                <a:lnTo>
+                  <a:pt x="3384" y="34"/>
+                </a:lnTo>
+                <a:lnTo>
+                  <a:pt x="3380" y="26"/>
+                </a:lnTo>
+                <a:lnTo>
+                  <a:pt x="3376" y="20"/>
+                </a:lnTo>
+                <a:lnTo>
+                  <a:pt x="3372" y="12"/>
+                </a:lnTo>
+                <a:lnTo>
+                  <a:pt x="3364" y="8"/>
+                </a:lnTo>
+                <a:lnTo>
+                  <a:pt x="3358" y="4"/>
+                </a:lnTo>
+                <a:lnTo>
+                  <a:pt x="3350" y="0"/>
+                </a:lnTo>
+                <a:lnTo>
+                  <a:pt x="3340" y="0"/>
+                </a:lnTo>
+                <a:lnTo>
+                  <a:pt x="3340" y="0"/>
+                </a:lnTo>
+                <a:close/>
+              </a:path>
+            </a:pathLst>
+          </a:custGeom>
+          <a:ln/>
+          <a:extLst>
+            <a:ext uri="{91240B29-F687-4f45-9708-019B960494DF}">
+              <a14:hiddenLine xmlns="" xmlns:a14="http://schemas.microsoft.com/office/drawing/2010/main" w="9525">
+                <a:solidFill>
+                  <a:srgbClr val="000000"/>
+                </a:solidFill>
+                <a:round/>
+                <a:headEnd/>
+                <a:tailEnd/>
+              </a14:hiddenLine>
+            </a:ext>
+          </a:extLst>
+        </p:spPr>
+        <p:style>
+          <a:lnRef idx="1">
+            <a:schemeClr val="accent1"/>
+          </a:lnRef>
+          <a:fillRef idx="3">
+            <a:schemeClr val="accent1"/>
+          </a:fillRef>
+          <a:effectRef idx="2">
+            <a:schemeClr val="accent1"/>
+          </a:effectRef>
+          <a:fontRef idx="minor">
+            <a:schemeClr val="lt1"/>
+          </a:fontRef>
+        </p:style>
+      </p:sp>
+      <p:sp>
+        <p:nvSpPr>
           <p:cNvPr id="2" name="Title 1"/>
           <p:cNvSpPr>
             <a:spLocks noGrp="1"/>
@@ -4216,17 +4242,15 @@
         </p:nvSpPr>
         <p:spPr>
           <a:xfrm>
-            <a:off x="1141411" y="1600200"/>
-            <a:ext cx="3549121" cy="1371600"/>
+            <a:off x="1073151" y="446088"/>
+            <a:ext cx="3547533" cy="1618396"/>
           </a:xfrm>
         </p:spPr>
         <p:txBody>
-          <a:bodyPr anchor="b">
-            <a:normAutofit/>
-          </a:bodyPr>
+          <a:bodyPr anchor="b"/>
           <a:lstStyle>
             <a:lvl1pPr algn="l">
-              <a:defRPr sz="2400" b="0"/>
+              <a:defRPr sz="2000" b="1"/>
             </a:lvl1pPr>
           </a:lstStyle>
           <a:p>
@@ -4250,105 +4274,75 @@
         </p:nvSpPr>
         <p:spPr>
           <a:xfrm>
-            <a:off x="5103812" y="609601"/>
-            <a:ext cx="5943601" cy="5181600"/>
-          </a:xfrm>
-        </p:spPr>
-        <p:txBody>
-          <a:bodyPr anchor="ctr">
-            <a:normAutofit/>
-          </a:bodyPr>
-          <a:lstStyle>
-            <a:lvl1pPr>
-              <a:defRPr sz="2000"/>
-            </a:lvl1pPr>
-            <a:lvl2pPr>
-              <a:defRPr sz="1800"/>
-            </a:lvl2pPr>
-            <a:lvl3pPr>
-              <a:defRPr sz="1600"/>
-            </a:lvl3pPr>
-            <a:lvl4pPr>
-              <a:defRPr sz="1400"/>
-            </a:lvl4pPr>
-            <a:lvl5pPr>
-              <a:defRPr sz="1400"/>
-            </a:lvl5pPr>
-            <a:lvl6pPr>
-              <a:defRPr sz="1400"/>
-            </a:lvl6pPr>
-            <a:lvl7pPr>
-              <a:defRPr sz="1400"/>
-            </a:lvl7pPr>
-            <a:lvl8pPr>
-              <a:defRPr sz="1400"/>
-            </a:lvl8pPr>
-            <a:lvl9pPr>
-              <a:defRPr sz="1400"/>
-            </a:lvl9pPr>
-          </a:lstStyle>
-          <a:p>
-            <a:pPr lvl="0"/>
-            <a:r>
-              <a:rPr lang="nl-NL"/>
-              <a:t>Tekststijl van het model bewerken</a:t>
-            </a:r>
-          </a:p>
-          <a:p>
-            <a:pPr lvl="1"/>
-            <a:r>
-              <a:rPr lang="nl-NL"/>
-              <a:t>Tweede niveau</a:t>
-            </a:r>
-          </a:p>
-          <a:p>
-            <a:pPr lvl="2"/>
-            <a:r>
-              <a:rPr lang="nl-NL"/>
-              <a:t>Derde niveau</a:t>
-            </a:r>
-          </a:p>
-          <a:p>
-            <a:pPr lvl="3"/>
-            <a:r>
-              <a:rPr lang="nl-NL"/>
-              <a:t>Vierde niveau</a:t>
-            </a:r>
-          </a:p>
-          <a:p>
-            <a:pPr lvl="4"/>
-            <a:r>
-              <a:rPr lang="nl-NL"/>
-              <a:t>Vijfde niveau</a:t>
-            </a:r>
-            <a:endParaRPr lang="en-US" dirty="0"/>
-          </a:p>
-        </p:txBody>
-      </p:sp>
-      <p:sp>
-        <p:nvSpPr>
-          <p:cNvPr id="4" name="Text Placeholder 3"/>
-          <p:cNvSpPr>
-            <a:spLocks noGrp="1"/>
-          </p:cNvSpPr>
-          <p:nvPr>
-            <p:ph type="body" sz="half" idx="2"/>
-          </p:nvPr>
-        </p:nvSpPr>
-        <p:spPr>
-          <a:xfrm>
-            <a:off x="1141411" y="2971800"/>
-            <a:ext cx="3549121" cy="1828800"/>
+            <a:off x="4855633" y="446088"/>
+            <a:ext cx="6252633" cy="5414963"/>
           </a:xfrm>
         </p:spPr>
         <p:txBody>
           <a:bodyPr>
             <a:normAutofit/>
           </a:bodyPr>
+          <a:lstStyle/>
+          <a:p>
+            <a:pPr lvl="0"/>
+            <a:r>
+              <a:rPr lang="nl-NL"/>
+              <a:t>Tekststijl van het model bewerken</a:t>
+            </a:r>
+          </a:p>
+          <a:p>
+            <a:pPr lvl="1"/>
+            <a:r>
+              <a:rPr lang="nl-NL"/>
+              <a:t>Tweede niveau</a:t>
+            </a:r>
+          </a:p>
+          <a:p>
+            <a:pPr lvl="2"/>
+            <a:r>
+              <a:rPr lang="nl-NL"/>
+              <a:t>Derde niveau</a:t>
+            </a:r>
+          </a:p>
+          <a:p>
+            <a:pPr lvl="3"/>
+            <a:r>
+              <a:rPr lang="nl-NL"/>
+              <a:t>Vierde niveau</a:t>
+            </a:r>
+          </a:p>
+          <a:p>
+            <a:pPr lvl="4"/>
+            <a:r>
+              <a:rPr lang="nl-NL"/>
+              <a:t>Vijfde niveau</a:t>
+            </a:r>
+            <a:endParaRPr lang="en-US" dirty="0"/>
+          </a:p>
+        </p:txBody>
+      </p:sp>
+      <p:sp>
+        <p:nvSpPr>
+          <p:cNvPr id="4" name="Text Placeholder 3"/>
+          <p:cNvSpPr>
+            <a:spLocks noGrp="1"/>
+          </p:cNvSpPr>
+          <p:nvPr>
+            <p:ph type="body" sz="half" idx="2"/>
+          </p:nvPr>
+        </p:nvSpPr>
+        <p:spPr>
+          <a:xfrm>
+            <a:off x="1073151" y="2260738"/>
+            <a:ext cx="3547533" cy="3600311"/>
+          </a:xfrm>
+        </p:spPr>
+        <p:txBody>
+          <a:bodyPr/>
           <a:lstStyle>
             <a:lvl1pPr marL="0" indent="0">
               <a:buNone/>
-              <a:defRPr sz="1600"/>
+              <a:defRPr sz="1400"/>
             </a:lvl1pPr>
             <a:lvl2pPr marL="457200" indent="0">
               <a:buNone/>
@@ -4408,9 +4402,9 @@
           <a:lstStyle/>
           <a:p>
             <a:fld id="{B61BEF0D-F0BB-DE4B-95CE-6DB70DBA9567}" type="datetimeFigureOut">
-              <a:rPr lang="en-US" dirty="0"/>
+              <a:rPr lang="en-US" smtClean="0"/>
               <a:pPr/>
-              <a:t>5/17/2017</a:t>
+              <a:t>5/30/2017</a:t>
             </a:fld>
             <a:endParaRPr lang="en-US" dirty="0"/>
           </a:p>
@@ -4451,7 +4445,7 @@
           <a:lstStyle/>
           <a:p>
             <a:fld id="{D57F1E4F-1CFF-5643-939E-217C01CDF565}" type="slidenum">
-              <a:rPr lang="en-US" dirty="0"/>
+              <a:rPr lang="en-US" smtClean="0"/>
               <a:pPr/>
               <a:t>‹nr.›</a:t>
             </a:fld>
@@ -4460,6 +4454,11 @@
         </p:txBody>
       </p:sp>
     </p:spTree>
+    <p:extLst>
+      <p:ext uri="{BB962C8B-B14F-4D97-AF65-F5344CB8AC3E}">
+        <p14:creationId xmlns:p14="http://schemas.microsoft.com/office/powerpoint/2010/main" val="350349571"/>
+      </p:ext>
+    </p:extLst>
   </p:cSld>
   <p:clrMapOvr>
     <a:masterClrMapping/>
@@ -4496,8 +4495,8 @@
         </p:nvSpPr>
         <p:spPr>
           <a:xfrm>
-            <a:off x="1141411" y="1600200"/>
-            <a:ext cx="5334001" cy="1371600"/>
+            <a:off x="814728" y="727522"/>
+            <a:ext cx="4852988" cy="1617163"/>
           </a:xfrm>
         </p:spPr>
         <p:txBody>
@@ -4506,7 +4505,7 @@
           </a:bodyPr>
           <a:lstStyle>
             <a:lvl1pPr algn="l">
-              <a:defRPr sz="2800" b="0"/>
+              <a:defRPr sz="2400" b="0"/>
             </a:lvl1pPr>
           </a:lstStyle>
           <a:p>
@@ -4520,84 +4519,106 @@
       </p:sp>
       <p:sp>
         <p:nvSpPr>
-          <p:cNvPr id="14" name="Picture Placeholder 2"/>
+          <p:cNvPr id="9" name="Picture Placeholder 11"/>
           <p:cNvSpPr>
             <a:spLocks noGrp="1" noChangeAspect="1"/>
           </p:cNvSpPr>
           <p:nvPr>
-            <p:ph type="pic" idx="1"/>
-          </p:nvPr>
-        </p:nvSpPr>
-        <p:spPr>
+            <p:ph type="pic" sz="quarter" idx="13"/>
+          </p:nvPr>
+        </p:nvSpPr>
+        <p:spPr bwMode="auto">
           <a:xfrm>
-            <a:off x="7433733" y="-18288"/>
-            <a:ext cx="3276599" cy="6903720"/>
+            <a:off x="6098117" y="0"/>
+            <a:ext cx="6093883" cy="6858000"/>
           </a:xfrm>
-          <a:ln w="38100">
-            <a:gradFill flip="none" rotWithShape="1">
-              <a:gsLst>
-                <a:gs pos="0">
-                  <a:schemeClr val="bg2"/>
-                </a:gs>
-                <a:gs pos="100000">
-                  <a:schemeClr val="bg2">
-                    <a:lumMod val="75000"/>
-                  </a:schemeClr>
-                </a:gs>
-              </a:gsLst>
-              <a:lin ang="5400000" scaled="0"/>
-              <a:tileRect/>
-            </a:gradFill>
+          <a:custGeom>
+            <a:avLst/>
+            <a:gdLst/>
+            <a:ahLst/>
+            <a:cxnLst/>
+            <a:rect l="0" t="0" r="r" b="b"/>
+            <a:pathLst>
+              <a:path w="2879" h="4320">
+                <a:moveTo>
+                  <a:pt x="183" y="0"/>
+                </a:moveTo>
+                <a:lnTo>
+                  <a:pt x="183" y="1197"/>
+                </a:lnTo>
+                <a:lnTo>
+                  <a:pt x="8" y="1372"/>
+                </a:lnTo>
+                <a:lnTo>
+                  <a:pt x="8" y="1372"/>
+                </a:lnTo>
+                <a:lnTo>
+                  <a:pt x="6" y="1376"/>
+                </a:lnTo>
+                <a:lnTo>
+                  <a:pt x="3" y="1382"/>
+                </a:lnTo>
+                <a:lnTo>
+                  <a:pt x="0" y="1387"/>
+                </a:lnTo>
+                <a:lnTo>
+                  <a:pt x="0" y="1393"/>
+                </a:lnTo>
+                <a:lnTo>
+                  <a:pt x="0" y="1399"/>
+                </a:lnTo>
+                <a:lnTo>
+                  <a:pt x="3" y="1404"/>
+                </a:lnTo>
+                <a:lnTo>
+                  <a:pt x="6" y="1410"/>
+                </a:lnTo>
+                <a:lnTo>
+                  <a:pt x="8" y="1414"/>
+                </a:lnTo>
+                <a:lnTo>
+                  <a:pt x="183" y="1589"/>
+                </a:lnTo>
+                <a:lnTo>
+                  <a:pt x="183" y="4320"/>
+                </a:lnTo>
+                <a:lnTo>
+                  <a:pt x="2879" y="4320"/>
+                </a:lnTo>
+                <a:lnTo>
+                  <a:pt x="2879" y="0"/>
+                </a:lnTo>
+                <a:lnTo>
+                  <a:pt x="183" y="0"/>
+                </a:lnTo>
+                <a:close/>
+              </a:path>
+            </a:pathLst>
+          </a:custGeom>
+          <a:noFill/>
+          <a:ln w="9525">
+            <a:solidFill>
+              <a:schemeClr val="tx2"/>
+            </a:solidFill>
+            <a:round/>
+            <a:headEnd/>
+            <a:tailEnd/>
           </a:ln>
-          <a:effectLst>
-            <a:innerShdw blurRad="57150" dist="38100" dir="10800000">
-              <a:srgbClr val="000000">
-                <a:alpha val="70000"/>
-              </a:srgbClr>
-            </a:innerShdw>
-          </a:effectLst>
+          <a:effectLst/>
         </p:spPr>
         <p:txBody>
-          <a:bodyPr anchor="t">
+          <a:bodyPr wrap="square" numCol="1" anchor="t" anchorCtr="0" compatLnSpc="1">
+            <a:prstTxWarp prst="textNoShape">
+              <a:avLst/>
+            </a:prstTxWarp>
             <a:normAutofit/>
           </a:bodyPr>
           <a:lstStyle>
-            <a:lvl1pPr marL="0" indent="0" algn="ctr">
+            <a:lvl1pPr algn="ctr">
+              <a:buFontTx/>
               <a:buNone/>
-              <a:defRPr sz="1600"/>
+              <a:defRPr sz="1400"/>
             </a:lvl1pPr>
-            <a:lvl2pPr marL="457200" indent="0">
-              <a:buNone/>
-              <a:defRPr sz="1600"/>
-            </a:lvl2pPr>
-            <a:lvl3pPr marL="914400" indent="0">
-              <a:buNone/>
-              <a:defRPr sz="1600"/>
-            </a:lvl3pPr>
-            <a:lvl4pPr marL="1371600" indent="0">
-              <a:buNone/>
-              <a:defRPr sz="1600"/>
-            </a:lvl4pPr>
-            <a:lvl5pPr marL="1828800" indent="0">
-              <a:buNone/>
-              <a:defRPr sz="1600"/>
-            </a:lvl5pPr>
-            <a:lvl6pPr marL="2286000" indent="0">
-              <a:buNone/>
-              <a:defRPr sz="1600"/>
-            </a:lvl6pPr>
-            <a:lvl7pPr marL="2743200" indent="0">
-              <a:buNone/>
-              <a:defRPr sz="1600"/>
-            </a:lvl7pPr>
-            <a:lvl8pPr marL="3200400" indent="0">
-              <a:buNone/>
-              <a:defRPr sz="1600"/>
-            </a:lvl8pPr>
-            <a:lvl9pPr marL="3657600" indent="0">
-              <a:buNone/>
-              <a:defRPr sz="1600"/>
-            </a:lvl9pPr>
           </a:lstStyle>
           <a:p>
             <a:r>
@@ -4620,18 +4641,18 @@
         </p:nvSpPr>
         <p:spPr>
           <a:xfrm>
-            <a:off x="1141411" y="2971800"/>
-            <a:ext cx="5334001" cy="1828800"/>
+            <a:off x="814728" y="2344684"/>
+            <a:ext cx="4852988" cy="3516365"/>
           </a:xfrm>
         </p:spPr>
         <p:txBody>
-          <a:bodyPr>
+          <a:bodyPr anchor="t">
             <a:normAutofit/>
           </a:bodyPr>
           <a:lstStyle>
             <a:lvl1pPr marL="0" indent="0">
               <a:buNone/>
-              <a:defRPr sz="1800"/>
+              <a:defRPr sz="1200"/>
             </a:lvl1pPr>
             <a:lvl2pPr marL="457200" indent="0">
               <a:buNone/>
@@ -4687,8 +4708,8 @@
         </p:nvSpPr>
         <p:spPr>
           <a:xfrm>
-            <a:off x="6399212" y="5883275"/>
-            <a:ext cx="914400" cy="365125"/>
+            <a:off x="3885810" y="6041362"/>
+            <a:ext cx="976879" cy="365125"/>
           </a:xfrm>
         </p:spPr>
         <p:txBody>
@@ -4696,9 +4717,9 @@
           <a:lstStyle/>
           <a:p>
             <a:fld id="{B61BEF0D-F0BB-DE4B-95CE-6DB70DBA9567}" type="datetimeFigureOut">
-              <a:rPr lang="en-US" dirty="0"/>
+              <a:rPr lang="en-US" smtClean="0"/>
               <a:pPr/>
-              <a:t>5/17/2017</a:t>
+              <a:t>5/30/2017</a:t>
             </a:fld>
             <a:endParaRPr lang="en-US" dirty="0"/>
           </a:p>
@@ -4716,8 +4737,8 @@
         </p:nvSpPr>
         <p:spPr>
           <a:xfrm>
-            <a:off x="1141412" y="5883275"/>
-            <a:ext cx="5105400" cy="365125"/>
+            <a:off x="590396" y="6041362"/>
+            <a:ext cx="3295413" cy="365125"/>
           </a:xfrm>
         </p:spPr>
         <p:txBody>
@@ -4740,8 +4761,8 @@
         </p:nvSpPr>
         <p:spPr>
           <a:xfrm>
-            <a:off x="10742612" y="5883275"/>
-            <a:ext cx="322567" cy="365125"/>
+            <a:off x="4862689" y="5915888"/>
+            <a:ext cx="1062155" cy="490599"/>
           </a:xfrm>
         </p:spPr>
         <p:txBody>
@@ -4749,7 +4770,7 @@
           <a:lstStyle/>
           <a:p>
             <a:fld id="{D57F1E4F-1CFF-5643-939E-217C01CDF565}" type="slidenum">
-              <a:rPr lang="en-US" dirty="0"/>
+              <a:rPr lang="en-US" smtClean="0"/>
               <a:pPr/>
               <a:t>‹nr.›</a:t>
             </a:fld>
@@ -4758,6 +4779,11 @@
         </p:txBody>
       </p:sp>
     </p:spTree>
+    <p:extLst>
+      <p:ext uri="{BB962C8B-B14F-4D97-AF65-F5344CB8AC3E}">
+        <p14:creationId xmlns:p14="http://schemas.microsoft.com/office/powerpoint/2010/main" val="2460156144"/>
+      </p:ext>
+    </p:extLst>
   </p:cSld>
   <p:clrMapOvr>
     <a:masterClrMapping/>
@@ -4769,7 +4795,7 @@
 <p:sldMaster xmlns:a="http://schemas.openxmlformats.org/drawingml/2006/main" xmlns:r="http://schemas.openxmlformats.org/officeDocument/2006/relationships" xmlns:p="http://schemas.openxmlformats.org/presentationml/2006/main">
   <p:cSld>
     <p:bg>
-      <p:bgRef idx="1003">
+      <p:bgRef idx="1001">
         <a:schemeClr val="bg2"/>
       </p:bgRef>
     </p:bg>
@@ -4799,227 +4825,211 @@
         </p:nvSpPr>
         <p:spPr>
           <a:xfrm>
-            <a:off x="1141413" y="609600"/>
-            <a:ext cx="9905998" cy="1905000"/>
+            <a:off x="810000" y="447188"/>
+            <a:ext cx="10571998" cy="970450"/>
+          </a:xfrm>
+          <a:prstGeom prst="rect">
+            <a:avLst/>
+          </a:prstGeom>
+          <a:effectLst>
+            <a:outerShdw blurRad="50800" dir="14400000">
+              <a:srgbClr val="000000">
+                <a:alpha val="60000"/>
+              </a:srgbClr>
+            </a:outerShdw>
+          </a:effectLst>
+        </p:spPr>
+        <p:txBody>
+          <a:bodyPr vert="horz" lIns="91440" tIns="45720" rIns="91440" bIns="45720" rtlCol="0" anchor="b">
+            <a:noAutofit/>
+          </a:bodyPr>
+          <a:lstStyle/>
+          <a:p>
+            <a:r>
+              <a:rPr lang="nl-NL"/>
+              <a:t>Klik om de stijl te bewerken</a:t>
+            </a:r>
+            <a:endParaRPr lang="en-US" dirty="0"/>
+          </a:p>
+        </p:txBody>
+      </p:sp>
+      <p:sp>
+        <p:nvSpPr>
+          <p:cNvPr id="3" name="Text Placeholder 2"/>
+          <p:cNvSpPr>
+            <a:spLocks noGrp="1"/>
+          </p:cNvSpPr>
+          <p:nvPr>
+            <p:ph type="body" idx="1"/>
+          </p:nvPr>
+        </p:nvSpPr>
+        <p:spPr>
+          <a:xfrm>
+            <a:off x="810000" y="2184401"/>
+            <a:ext cx="10563285" cy="3674397"/>
+          </a:xfrm>
+          <a:prstGeom prst="rect">
+            <a:avLst/>
+          </a:prstGeom>
+          <a:effectLst>
+            <a:outerShdw blurRad="50800" dir="14400000">
+              <a:srgbClr val="000000">
+                <a:alpha val="40000"/>
+              </a:srgbClr>
+            </a:outerShdw>
+          </a:effectLst>
+        </p:spPr>
+        <p:txBody>
+          <a:bodyPr vert="horz" lIns="91440" tIns="45720" rIns="91440" bIns="45720" rtlCol="0" anchor="ctr">
+            <a:normAutofit/>
+          </a:bodyPr>
+          <a:lstStyle/>
+          <a:p>
+            <a:pPr lvl="0"/>
+            <a:r>
+              <a:rPr lang="nl-NL"/>
+              <a:t>Tekststijl van het model bewerken</a:t>
+            </a:r>
+          </a:p>
+          <a:p>
+            <a:pPr lvl="1"/>
+            <a:r>
+              <a:rPr lang="nl-NL"/>
+              <a:t>Tweede niveau</a:t>
+            </a:r>
+          </a:p>
+          <a:p>
+            <a:pPr lvl="2"/>
+            <a:r>
+              <a:rPr lang="nl-NL"/>
+              <a:t>Derde niveau</a:t>
+            </a:r>
+          </a:p>
+          <a:p>
+            <a:pPr lvl="3"/>
+            <a:r>
+              <a:rPr lang="nl-NL"/>
+              <a:t>Vierde niveau</a:t>
+            </a:r>
+          </a:p>
+          <a:p>
+            <a:pPr lvl="4"/>
+            <a:r>
+              <a:rPr lang="nl-NL"/>
+              <a:t>Vijfde niveau</a:t>
+            </a:r>
+            <a:endParaRPr lang="en-US" dirty="0"/>
+          </a:p>
+        </p:txBody>
+      </p:sp>
+      <p:sp>
+        <p:nvSpPr>
+          <p:cNvPr id="5" name="Footer Placeholder 4"/>
+          <p:cNvSpPr>
+            <a:spLocks noGrp="1"/>
+          </p:cNvSpPr>
+          <p:nvPr>
+            <p:ph type="ftr" sz="quarter" idx="3"/>
+          </p:nvPr>
+        </p:nvSpPr>
+        <p:spPr>
+          <a:xfrm>
+            <a:off x="451514" y="6041362"/>
+            <a:ext cx="8644320" cy="365125"/>
           </a:xfrm>
           <a:prstGeom prst="rect">
             <a:avLst/>
           </a:prstGeom>
         </p:spPr>
         <p:txBody>
-          <a:bodyPr vert="horz" lIns="91440" tIns="45720" rIns="91440" bIns="45720" rtlCol="0" anchor="ctr">
-            <a:normAutofit/>
-          </a:bodyPr>
-          <a:lstStyle/>
-          <a:p>
-            <a:r>
-              <a:rPr lang="nl-NL"/>
-              <a:t>Klik om de stijl te bewerken</a:t>
-            </a:r>
+          <a:bodyPr vert="horz" lIns="91440" tIns="45720" rIns="91440" bIns="45720" rtlCol="0" anchor="b"/>
+          <a:lstStyle>
+            <a:lvl1pPr algn="l">
+              <a:defRPr sz="900">
+                <a:solidFill>
+                  <a:schemeClr val="tx1"/>
+                </a:solidFill>
+              </a:defRPr>
+            </a:lvl1pPr>
+          </a:lstStyle>
+          <a:p>
             <a:endParaRPr lang="en-US" dirty="0"/>
           </a:p>
         </p:txBody>
       </p:sp>
       <p:sp>
         <p:nvSpPr>
-          <p:cNvPr id="3" name="Text Placeholder 2"/>
-          <p:cNvSpPr>
-            <a:spLocks noGrp="1"/>
-          </p:cNvSpPr>
-          <p:nvPr>
-            <p:ph type="body" idx="1"/>
+          <p:cNvPr id="4" name="Date Placeholder 3"/>
+          <p:cNvSpPr>
+            <a:spLocks noGrp="1"/>
+          </p:cNvSpPr>
+          <p:nvPr>
+            <p:ph type="dt" sz="half" idx="2"/>
           </p:nvPr>
         </p:nvSpPr>
         <p:spPr>
           <a:xfrm>
-            <a:off x="1141413" y="2666999"/>
-            <a:ext cx="9905998" cy="3124201"/>
+            <a:off x="9334626" y="6041362"/>
+            <a:ext cx="1343706" cy="365125"/>
           </a:xfrm>
           <a:prstGeom prst="rect">
             <a:avLst/>
           </a:prstGeom>
         </p:spPr>
         <p:txBody>
-          <a:bodyPr vert="horz" lIns="91440" tIns="45720" rIns="91440" bIns="45720" rtlCol="0" anchor="ctr">
-            <a:normAutofit/>
-          </a:bodyPr>
-          <a:lstStyle/>
-          <a:p>
-            <a:pPr lvl="0"/>
-            <a:r>
-              <a:rPr lang="nl-NL"/>
-              <a:t>Tekststijl van het model bewerken</a:t>
-            </a:r>
-          </a:p>
-          <a:p>
-            <a:pPr lvl="1"/>
-            <a:r>
-              <a:rPr lang="nl-NL"/>
-              <a:t>Tweede niveau</a:t>
-            </a:r>
-          </a:p>
-          <a:p>
-            <a:pPr lvl="2"/>
-            <a:r>
-              <a:rPr lang="nl-NL"/>
-              <a:t>Derde niveau</a:t>
-            </a:r>
-          </a:p>
-          <a:p>
-            <a:pPr lvl="3"/>
-            <a:r>
-              <a:rPr lang="nl-NL"/>
-              <a:t>Vierde niveau</a:t>
-            </a:r>
-          </a:p>
-          <a:p>
-            <a:pPr lvl="4"/>
-            <a:r>
-              <a:rPr lang="nl-NL"/>
-              <a:t>Vijfde niveau</a:t>
-            </a:r>
+          <a:bodyPr vert="horz" lIns="91440" tIns="45720" rIns="91440" bIns="45720" rtlCol="0" anchor="b"/>
+          <a:lstStyle>
+            <a:lvl1pPr algn="r">
+              <a:defRPr sz="900">
+                <a:solidFill>
+                  <a:schemeClr val="tx1"/>
+                </a:solidFill>
+              </a:defRPr>
+            </a:lvl1pPr>
+          </a:lstStyle>
+          <a:p>
+            <a:fld id="{B61BEF0D-F0BB-DE4B-95CE-6DB70DBA9567}" type="datetimeFigureOut">
+              <a:rPr lang="en-US" smtClean="0"/>
+              <a:pPr/>
+              <a:t>5/30/2017</a:t>
+            </a:fld>
             <a:endParaRPr lang="en-US" dirty="0"/>
           </a:p>
         </p:txBody>
       </p:sp>
       <p:sp>
         <p:nvSpPr>
-          <p:cNvPr id="4" name="Date Placeholder 3"/>
-          <p:cNvSpPr>
-            <a:spLocks noGrp="1"/>
-          </p:cNvSpPr>
-          <p:nvPr>
-            <p:ph type="dt" sz="half" idx="2"/>
+          <p:cNvPr id="6" name="Slide Number Placeholder 5"/>
+          <p:cNvSpPr>
+            <a:spLocks noGrp="1"/>
+          </p:cNvSpPr>
+          <p:nvPr>
+            <p:ph type="sldNum" sz="quarter" idx="4"/>
           </p:nvPr>
         </p:nvSpPr>
         <p:spPr>
           <a:xfrm>
-            <a:off x="8837612" y="5883275"/>
-            <a:ext cx="1600200" cy="365125"/>
+            <a:off x="10678331" y="5915888"/>
+            <a:ext cx="1062155" cy="490599"/>
           </a:xfrm>
           <a:prstGeom prst="rect">
             <a:avLst/>
           </a:prstGeom>
         </p:spPr>
         <p:txBody>
-          <a:bodyPr vert="horz" lIns="91440" tIns="45720" rIns="91440" bIns="45720" rtlCol="0" anchor="ctr"/>
+          <a:bodyPr vert="horz" lIns="91440" tIns="45720" rIns="91440" bIns="10800" rtlCol="0" anchor="b"/>
           <a:lstStyle>
             <a:lvl1pPr algn="r">
-              <a:defRPr sz="900" b="1" i="0">
+              <a:defRPr sz="2000">
                 <a:solidFill>
-                  <a:schemeClr val="tx1">
-                    <a:lumMod val="75000"/>
-                  </a:schemeClr>
+                  <a:schemeClr val="accent1"/>
                 </a:solidFill>
-                <a:effectLst>
-                  <a:outerShdw blurRad="50800" dist="38100" dir="2700000" algn="tl" rotWithShape="0">
-                    <a:srgbClr val="000000">
-                      <a:alpha val="43000"/>
-                    </a:srgbClr>
-                  </a:outerShdw>
-                </a:effectLst>
-                <a:latin typeface="+mn-lt"/>
               </a:defRPr>
             </a:lvl1pPr>
           </a:lstStyle>
           <a:p>
-            <a:fld id="{B61BEF0D-F0BB-DE4B-95CE-6DB70DBA9567}" type="datetimeFigureOut">
-              <a:rPr lang="en-US" dirty="0"/>
-              <a:pPr/>
-              <a:t>5/17/2017</a:t>
-            </a:fld>
-            <a:endParaRPr lang="en-US" dirty="0"/>
-          </a:p>
-        </p:txBody>
-      </p:sp>
-      <p:sp>
-        <p:nvSpPr>
-          <p:cNvPr id="5" name="Footer Placeholder 4"/>
-          <p:cNvSpPr>
-            <a:spLocks noGrp="1"/>
-          </p:cNvSpPr>
-          <p:nvPr>
-            <p:ph type="ftr" sz="quarter" idx="3"/>
-          </p:nvPr>
-        </p:nvSpPr>
-        <p:spPr>
-          <a:xfrm>
-            <a:off x="1141412" y="5883275"/>
-            <a:ext cx="7543800" cy="365125"/>
-          </a:xfrm>
-          <a:prstGeom prst="rect">
-            <a:avLst/>
-          </a:prstGeom>
-        </p:spPr>
-        <p:txBody>
-          <a:bodyPr vert="horz" lIns="91440" tIns="45720" rIns="91440" bIns="45720" rtlCol="0" anchor="ctr"/>
-          <a:lstStyle>
-            <a:lvl1pPr algn="l">
-              <a:defRPr sz="900" b="1" i="0">
-                <a:solidFill>
-                  <a:schemeClr val="tx1">
-                    <a:lumMod val="75000"/>
-                  </a:schemeClr>
-                </a:solidFill>
-                <a:effectLst>
-                  <a:outerShdw blurRad="50800" dist="38100" dir="2700000" algn="tl" rotWithShape="0">
-                    <a:srgbClr val="000000">
-                      <a:alpha val="43000"/>
-                    </a:srgbClr>
-                  </a:outerShdw>
-                </a:effectLst>
-                <a:latin typeface="+mn-lt"/>
-              </a:defRPr>
-            </a:lvl1pPr>
-          </a:lstStyle>
-          <a:p>
-            <a:endParaRPr lang="en-US" dirty="0"/>
-          </a:p>
-        </p:txBody>
-      </p:sp>
-      <p:sp>
-        <p:nvSpPr>
-          <p:cNvPr id="6" name="Slide Number Placeholder 5"/>
-          <p:cNvSpPr>
-            <a:spLocks noGrp="1"/>
-          </p:cNvSpPr>
-          <p:nvPr>
-            <p:ph type="sldNum" sz="quarter" idx="4"/>
-          </p:nvPr>
-        </p:nvSpPr>
-        <p:spPr>
-          <a:xfrm>
-            <a:off x="10514012" y="5883275"/>
-            <a:ext cx="551167" cy="365125"/>
-          </a:xfrm>
-          <a:prstGeom prst="rect">
-            <a:avLst/>
-          </a:prstGeom>
-        </p:spPr>
-        <p:txBody>
-          <a:bodyPr vert="horz" lIns="91440" tIns="45720" rIns="91440" bIns="45720" rtlCol="0" anchor="ctr"/>
-          <a:lstStyle>
-            <a:lvl1pPr algn="r">
-              <a:defRPr sz="900" b="1" i="0">
-                <a:solidFill>
-                  <a:schemeClr val="tx1">
-                    <a:lumMod val="75000"/>
-                  </a:schemeClr>
-                </a:solidFill>
-                <a:effectLst>
-                  <a:outerShdw blurRad="50800" dist="38100" dir="2700000" algn="tl" rotWithShape="0">
-                    <a:srgbClr val="000000">
-                      <a:alpha val="43000"/>
-                    </a:srgbClr>
-                  </a:outerShdw>
-                </a:effectLst>
-                <a:latin typeface="+mn-lt"/>
-              </a:defRPr>
-            </a:lvl1pPr>
-          </a:lstStyle>
-          <a:p>
             <a:fld id="{D57F1E4F-1CFF-5643-939E-217C01CDF565}" type="slidenum">
-              <a:rPr lang="en-US" dirty="0"/>
+              <a:rPr lang="en-US" smtClean="0"/>
               <a:pPr/>
               <a:t>‹nr.›</a:t>
             </a:fld>
@@ -5028,26 +5038,28 @@
         </p:txBody>
       </p:sp>
     </p:spTree>
+    <p:extLst>
+      <p:ext uri="{BB962C8B-B14F-4D97-AF65-F5344CB8AC3E}">
+        <p14:creationId xmlns:p14="http://schemas.microsoft.com/office/powerpoint/2010/main" val="2090601798"/>
+      </p:ext>
+    </p:extLst>
   </p:cSld>
   <p:clrMap bg1="dk1" tx1="lt1" bg2="dk2" tx2="lt2" accent1="accent1" accent2="accent2" accent3="accent3" accent4="accent4" accent5="accent5" accent6="accent6" hlink="hlink" folHlink="folHlink"/>
   <p:sldLayoutIdLst>
-    <p:sldLayoutId id="2147483649" r:id="rId1"/>
-    <p:sldLayoutId id="2147483650" r:id="rId2"/>
-    <p:sldLayoutId id="2147483651" r:id="rId3"/>
-    <p:sldLayoutId id="2147483652" r:id="rId4"/>
-    <p:sldLayoutId id="2147483653" r:id="rId5"/>
-    <p:sldLayoutId id="2147483654" r:id="rId6"/>
-    <p:sldLayoutId id="2147483655" r:id="rId7"/>
-    <p:sldLayoutId id="2147483656" r:id="rId8"/>
-    <p:sldLayoutId id="2147483661" r:id="rId9"/>
-    <p:sldLayoutId id="2147483657" r:id="rId10"/>
-    <p:sldLayoutId id="2147483663" r:id="rId11"/>
-    <p:sldLayoutId id="2147483664" r:id="rId12"/>
-    <p:sldLayoutId id="2147483665" r:id="rId13"/>
-    <p:sldLayoutId id="2147483666" r:id="rId14"/>
-    <p:sldLayoutId id="2147483667" r:id="rId15"/>
-    <p:sldLayoutId id="2147483658" r:id="rId16"/>
-    <p:sldLayoutId id="2147483659" r:id="rId17"/>
+    <p:sldLayoutId id="2147484173" r:id="rId1"/>
+    <p:sldLayoutId id="2147484174" r:id="rId2"/>
+    <p:sldLayoutId id="2147484175" r:id="rId3"/>
+    <p:sldLayoutId id="2147484176" r:id="rId4"/>
+    <p:sldLayoutId id="2147484177" r:id="rId5"/>
+    <p:sldLayoutId id="2147484178" r:id="rId6"/>
+    <p:sldLayoutId id="2147484179" r:id="rId7"/>
+    <p:sldLayoutId id="2147484180" r:id="rId8"/>
+    <p:sldLayoutId id="2147484181" r:id="rId9"/>
+    <p:sldLayoutId id="2147484182" r:id="rId10"/>
+    <p:sldLayoutId id="2147484183" r:id="rId11"/>
+    <p:sldLayoutId id="2147484184" r:id="rId12"/>
+    <p:sldLayoutId id="2147484185" r:id="rId13"/>
+    <p:sldLayoutId id="2147484186" r:id="rId14"/>
   </p:sldLayoutIdLst>
   <p:txStyles>
     <p:titleStyle>
@@ -5056,38 +5068,10 @@
           <a:spcPct val="0"/>
         </a:spcBef>
         <a:buNone/>
-        <a:defRPr sz="3200" kern="1200" cap="all">
-          <a:ln w="3175" cmpd="sng">
-            <a:noFill/>
-          </a:ln>
-          <a:gradFill flip="none" rotWithShape="1">
-            <a:gsLst>
-              <a:gs pos="0">
-                <a:schemeClr val="tx1"/>
-              </a:gs>
-              <a:gs pos="100000">
-                <a:schemeClr val="tx1">
-                  <a:lumMod val="65000"/>
-                </a:schemeClr>
-              </a:gs>
-            </a:gsLst>
-            <a:lin ang="5580000" scaled="0"/>
-            <a:tileRect/>
-          </a:gradFill>
-          <a:effectLst>
-            <a:glow rad="38100">
-              <a:schemeClr val="bg1">
-                <a:lumMod val="65000"/>
-                <a:lumOff val="35000"/>
-                <a:alpha val="40000"/>
-              </a:schemeClr>
-            </a:glow>
-            <a:outerShdw blurRad="28575" dist="38100" dir="14040000" algn="tl" rotWithShape="0">
-              <a:srgbClr val="000000">
-                <a:alpha val="25000"/>
-              </a:srgbClr>
-            </a:outerShdw>
-          </a:effectLst>
+        <a:defRPr sz="4000" b="1" kern="1200">
+          <a:solidFill>
+            <a:srgbClr val="FEFEFE"/>
+          </a:solidFill>
           <a:latin typeface="+mj-lt"/>
           <a:ea typeface="+mj-ea"/>
           <a:cs typeface="+mj-cs"/>
@@ -5151,7 +5135,7 @@
       </a:lvl9pPr>
     </p:titleStyle>
     <p:bodyStyle>
-      <a:lvl1pPr marL="285750" indent="-285750" algn="l" defTabSz="457200" rtl="0" eaLnBrk="1" latinLnBrk="0" hangingPunct="1">
+      <a:lvl1pPr marL="342900" indent="-342900" algn="l" defTabSz="457200" rtl="0" eaLnBrk="1" latinLnBrk="0" hangingPunct="1">
         <a:spcBef>
           <a:spcPct val="20000"/>
         </a:spcBef>
@@ -5159,40 +5143,14 @@
           <a:spcPts val="600"/>
         </a:spcAft>
         <a:buClr>
-          <a:schemeClr val="tx1"/>
+          <a:schemeClr val="accent1"/>
         </a:buClr>
-        <a:buSzPct val="100000"/>
-        <a:buFont typeface="Arial"/>
-        <a:buChar char="•"/>
-        <a:defRPr sz="2000" kern="1200" cap="small">
-          <a:gradFill flip="none" rotWithShape="1">
-            <a:gsLst>
-              <a:gs pos="0">
-                <a:schemeClr val="tx1"/>
-              </a:gs>
-              <a:gs pos="100000">
-                <a:schemeClr val="tx1">
-                  <a:lumMod val="75000"/>
-                </a:schemeClr>
-              </a:gs>
-            </a:gsLst>
-            <a:lin ang="5580000" scaled="0"/>
-            <a:tileRect/>
-          </a:gradFill>
-          <a:effectLst>
-            <a:glow rad="38100">
-              <a:schemeClr val="bg1">
-                <a:lumMod val="50000"/>
-                <a:lumOff val="50000"/>
-                <a:alpha val="20000"/>
-              </a:schemeClr>
-            </a:glow>
-            <a:outerShdw blurRad="44450" dist="12700" dir="13860000" algn="tl" rotWithShape="0">
-              <a:srgbClr val="000000">
-                <a:alpha val="20000"/>
-              </a:srgbClr>
-            </a:outerShdw>
-          </a:effectLst>
+        <a:buFont typeface="Wingdings 2" charset="2"/>
+        <a:buChar char=""/>
+        <a:defRPr sz="1800" kern="1200">
+          <a:solidFill>
+            <a:schemeClr val="tx1"/>
+          </a:solidFill>
           <a:latin typeface="+mn-lt"/>
           <a:ea typeface="+mn-ea"/>
           <a:cs typeface="+mn-cs"/>
@@ -5206,46 +5164,20 @@
           <a:spcPts val="600"/>
         </a:spcAft>
         <a:buClr>
-          <a:schemeClr val="tx1"/>
+          <a:schemeClr val="accent1"/>
         </a:buClr>
-        <a:buSzPct val="100000"/>
-        <a:buFont typeface="Arial"/>
-        <a:buChar char="•"/>
-        <a:defRPr sz="1800" kern="1200" cap="small">
-          <a:gradFill flip="none" rotWithShape="1">
-            <a:gsLst>
-              <a:gs pos="0">
-                <a:schemeClr val="tx1"/>
-              </a:gs>
-              <a:gs pos="100000">
-                <a:schemeClr val="tx1">
-                  <a:lumMod val="75000"/>
-                </a:schemeClr>
-              </a:gs>
-            </a:gsLst>
-            <a:lin ang="5580000" scaled="0"/>
-            <a:tileRect/>
-          </a:gradFill>
-          <a:effectLst>
-            <a:glow rad="38100">
-              <a:schemeClr val="bg1">
-                <a:lumMod val="50000"/>
-                <a:lumOff val="50000"/>
-                <a:alpha val="20000"/>
-              </a:schemeClr>
-            </a:glow>
-            <a:outerShdw blurRad="44450" dist="12700" dir="13860000" algn="tl" rotWithShape="0">
-              <a:srgbClr val="000000">
-                <a:alpha val="20000"/>
-              </a:srgbClr>
-            </a:outerShdw>
-          </a:effectLst>
+        <a:buFont typeface="Wingdings 2" charset="2"/>
+        <a:buChar char=""/>
+        <a:defRPr sz="1600" kern="1200">
+          <a:solidFill>
+            <a:schemeClr val="tx1"/>
+          </a:solidFill>
           <a:latin typeface="+mn-lt"/>
           <a:ea typeface="+mn-ea"/>
           <a:cs typeface="+mn-cs"/>
         </a:defRPr>
       </a:lvl2pPr>
-      <a:lvl3pPr marL="1200150" indent="-285750" algn="l" defTabSz="457200" rtl="0" eaLnBrk="1" latinLnBrk="0" hangingPunct="1">
+      <a:lvl3pPr marL="1143000" indent="-228600" algn="l" defTabSz="457200" rtl="0" eaLnBrk="1" latinLnBrk="0" hangingPunct="1">
         <a:spcBef>
           <a:spcPct val="20000"/>
         </a:spcBef>
@@ -5253,46 +5185,20 @@
           <a:spcPts val="600"/>
         </a:spcAft>
         <a:buClr>
-          <a:schemeClr val="tx1"/>
+          <a:schemeClr val="accent1"/>
         </a:buClr>
-        <a:buSzPct val="100000"/>
-        <a:buFont typeface="Arial"/>
-        <a:buChar char="•"/>
-        <a:defRPr sz="1600" kern="1200" cap="small">
-          <a:gradFill flip="none" rotWithShape="1">
-            <a:gsLst>
-              <a:gs pos="0">
-                <a:schemeClr val="tx1"/>
-              </a:gs>
-              <a:gs pos="100000">
-                <a:schemeClr val="tx1">
-                  <a:lumMod val="75000"/>
-                </a:schemeClr>
-              </a:gs>
-            </a:gsLst>
-            <a:lin ang="5580000" scaled="0"/>
-            <a:tileRect/>
-          </a:gradFill>
-          <a:effectLst>
-            <a:glow rad="38100">
-              <a:schemeClr val="bg1">
-                <a:lumMod val="50000"/>
-                <a:lumOff val="50000"/>
-                <a:alpha val="20000"/>
-              </a:schemeClr>
-            </a:glow>
-            <a:outerShdw blurRad="44450" dist="12700" dir="13860000" algn="tl" rotWithShape="0">
-              <a:srgbClr val="000000">
-                <a:alpha val="20000"/>
-              </a:srgbClr>
-            </a:outerShdw>
-          </a:effectLst>
+        <a:buFont typeface="Wingdings 2" charset="2"/>
+        <a:buChar char=""/>
+        <a:defRPr sz="1400" kern="1200">
+          <a:solidFill>
+            <a:schemeClr val="tx1"/>
+          </a:solidFill>
           <a:latin typeface="+mn-lt"/>
           <a:ea typeface="+mn-ea"/>
           <a:cs typeface="+mn-cs"/>
         </a:defRPr>
       </a:lvl3pPr>
-      <a:lvl4pPr marL="1543050" indent="-171450" algn="l" defTabSz="457200" rtl="0" eaLnBrk="1" latinLnBrk="0" hangingPunct="1">
+      <a:lvl4pPr marL="1600200" indent="-228600" algn="l" defTabSz="457200" rtl="0" eaLnBrk="1" latinLnBrk="0" hangingPunct="1">
         <a:spcBef>
           <a:spcPct val="20000"/>
         </a:spcBef>
@@ -5300,46 +5206,20 @@
           <a:spcPts val="600"/>
         </a:spcAft>
         <a:buClr>
-          <a:schemeClr val="tx1"/>
+          <a:schemeClr val="accent1"/>
         </a:buClr>
-        <a:buSzPct val="100000"/>
-        <a:buFont typeface="Arial"/>
-        <a:buChar char="•"/>
-        <a:defRPr sz="1400" kern="1200" cap="small">
-          <a:gradFill flip="none" rotWithShape="1">
-            <a:gsLst>
-              <a:gs pos="0">
-                <a:schemeClr val="tx1"/>
-              </a:gs>
-              <a:gs pos="100000">
-                <a:schemeClr val="tx1">
-                  <a:lumMod val="75000"/>
-                </a:schemeClr>
-              </a:gs>
-            </a:gsLst>
-            <a:lin ang="5580000" scaled="0"/>
-            <a:tileRect/>
-          </a:gradFill>
-          <a:effectLst>
-            <a:glow rad="38100">
-              <a:schemeClr val="bg1">
-                <a:lumMod val="50000"/>
-                <a:lumOff val="50000"/>
-                <a:alpha val="20000"/>
-              </a:schemeClr>
-            </a:glow>
-            <a:outerShdw blurRad="44450" dist="12700" dir="13860000" algn="tl" rotWithShape="0">
-              <a:srgbClr val="000000">
-                <a:alpha val="20000"/>
-              </a:srgbClr>
-            </a:outerShdw>
-          </a:effectLst>
+        <a:buFont typeface="Wingdings 2" charset="2"/>
+        <a:buChar char=""/>
+        <a:defRPr sz="1200" kern="1200">
+          <a:solidFill>
+            <a:schemeClr val="tx1"/>
+          </a:solidFill>
           <a:latin typeface="+mn-lt"/>
           <a:ea typeface="+mn-ea"/>
           <a:cs typeface="+mn-cs"/>
         </a:defRPr>
       </a:lvl4pPr>
-      <a:lvl5pPr marL="2000250" indent="-171450" algn="l" defTabSz="457200" rtl="0" eaLnBrk="1" latinLnBrk="0" hangingPunct="1">
+      <a:lvl5pPr marL="2057400" indent="-228600" algn="l" defTabSz="457200" rtl="0" eaLnBrk="1" latinLnBrk="0" hangingPunct="1">
         <a:spcBef>
           <a:spcPct val="20000"/>
         </a:spcBef>
@@ -5347,46 +5227,20 @@
           <a:spcPts val="600"/>
         </a:spcAft>
         <a:buClr>
-          <a:schemeClr val="tx1"/>
+          <a:schemeClr val="accent1"/>
         </a:buClr>
-        <a:buSzPct val="100000"/>
-        <a:buFont typeface="Arial"/>
-        <a:buChar char="•"/>
-        <a:defRPr sz="1400" kern="1200" cap="small">
-          <a:gradFill flip="none" rotWithShape="1">
-            <a:gsLst>
-              <a:gs pos="0">
-                <a:schemeClr val="tx1"/>
-              </a:gs>
-              <a:gs pos="100000">
-                <a:schemeClr val="tx1">
-                  <a:lumMod val="75000"/>
-                </a:schemeClr>
-              </a:gs>
-            </a:gsLst>
-            <a:lin ang="5580000" scaled="0"/>
-            <a:tileRect/>
-          </a:gradFill>
-          <a:effectLst>
-            <a:glow rad="38100">
-              <a:schemeClr val="bg1">
-                <a:lumMod val="50000"/>
-                <a:lumOff val="50000"/>
-                <a:alpha val="20000"/>
-              </a:schemeClr>
-            </a:glow>
-            <a:outerShdw blurRad="44450" dist="12700" dir="13860000" algn="tl" rotWithShape="0">
-              <a:srgbClr val="000000">
-                <a:alpha val="20000"/>
-              </a:srgbClr>
-            </a:outerShdw>
-          </a:effectLst>
+        <a:buFont typeface="Wingdings 2" charset="2"/>
+        <a:buChar char=""/>
+        <a:defRPr sz="1200" kern="1200">
+          <a:solidFill>
+            <a:schemeClr val="tx1"/>
+          </a:solidFill>
           <a:latin typeface="+mn-lt"/>
           <a:ea typeface="+mn-ea"/>
           <a:cs typeface="+mn-cs"/>
         </a:defRPr>
       </a:lvl5pPr>
-      <a:lvl6pPr marL="2514600" indent="-228600" algn="l" defTabSz="457200" rtl="0" eaLnBrk="1" latinLnBrk="0" hangingPunct="1">
+      <a:lvl6pPr marL="2400000" indent="-228600" algn="l" defTabSz="457200" rtl="0" eaLnBrk="1" latinLnBrk="0" hangingPunct="1">
         <a:spcBef>
           <a:spcPct val="20000"/>
         </a:spcBef>
@@ -5394,46 +5248,20 @@
           <a:spcPts val="600"/>
         </a:spcAft>
         <a:buClr>
-          <a:schemeClr val="tx1"/>
+          <a:schemeClr val="accent1"/>
         </a:buClr>
-        <a:buSzPct val="100000"/>
-        <a:buFont typeface="Arial"/>
-        <a:buChar char="•"/>
-        <a:defRPr sz="1200" kern="1200" cap="small">
-          <a:gradFill flip="none" rotWithShape="1">
-            <a:gsLst>
-              <a:gs pos="0">
-                <a:schemeClr val="tx1"/>
-              </a:gs>
-              <a:gs pos="100000">
-                <a:schemeClr val="tx1">
-                  <a:lumMod val="75000"/>
-                </a:schemeClr>
-              </a:gs>
-            </a:gsLst>
-            <a:lin ang="5580000" scaled="0"/>
-            <a:tileRect/>
-          </a:gradFill>
-          <a:effectLst>
-            <a:glow rad="38100">
-              <a:schemeClr val="bg1">
-                <a:lumMod val="50000"/>
-                <a:lumOff val="50000"/>
-                <a:alpha val="20000"/>
-              </a:schemeClr>
-            </a:glow>
-            <a:outerShdw blurRad="44450" dist="12700" dir="13860000" algn="tl" rotWithShape="0">
-              <a:srgbClr val="000000">
-                <a:alpha val="20000"/>
-              </a:srgbClr>
-            </a:outerShdw>
-          </a:effectLst>
+        <a:buFont typeface="Wingdings 2" charset="2"/>
+        <a:buChar char=""/>
+        <a:defRPr sz="1200" kern="1200">
+          <a:solidFill>
+            <a:schemeClr val="tx1"/>
+          </a:solidFill>
           <a:latin typeface="+mn-lt"/>
           <a:ea typeface="+mn-ea"/>
           <a:cs typeface="+mn-cs"/>
         </a:defRPr>
       </a:lvl6pPr>
-      <a:lvl7pPr marL="2971800" indent="-228600" algn="l" defTabSz="457200" rtl="0" eaLnBrk="1" latinLnBrk="0" hangingPunct="1">
+      <a:lvl7pPr marL="2800000" indent="-228600" algn="l" defTabSz="457200" rtl="0" eaLnBrk="1" latinLnBrk="0" hangingPunct="1">
         <a:spcBef>
           <a:spcPct val="20000"/>
         </a:spcBef>
@@ -5441,46 +5269,20 @@
           <a:spcPts val="600"/>
         </a:spcAft>
         <a:buClr>
-          <a:schemeClr val="tx1"/>
+          <a:schemeClr val="accent1"/>
         </a:buClr>
-        <a:buSzPct val="100000"/>
-        <a:buFont typeface="Arial"/>
-        <a:buChar char="•"/>
-        <a:defRPr sz="1200" kern="1200" cap="small">
-          <a:gradFill flip="none" rotWithShape="1">
-            <a:gsLst>
-              <a:gs pos="0">
-                <a:schemeClr val="tx1"/>
-              </a:gs>
-              <a:gs pos="100000">
-                <a:schemeClr val="tx1">
-                  <a:lumMod val="75000"/>
-                </a:schemeClr>
-              </a:gs>
-            </a:gsLst>
-            <a:lin ang="5580000" scaled="0"/>
-            <a:tileRect/>
-          </a:gradFill>
-          <a:effectLst>
-            <a:glow rad="38100">
-              <a:schemeClr val="bg1">
-                <a:lumMod val="50000"/>
-                <a:lumOff val="50000"/>
-                <a:alpha val="20000"/>
-              </a:schemeClr>
-            </a:glow>
-            <a:outerShdw blurRad="44450" dist="12700" dir="13860000" algn="tl" rotWithShape="0">
-              <a:srgbClr val="000000">
-                <a:alpha val="20000"/>
-              </a:srgbClr>
-            </a:outerShdw>
-          </a:effectLst>
+        <a:buFont typeface="Wingdings 2" charset="2"/>
+        <a:buChar char=""/>
+        <a:defRPr sz="1200" kern="1200">
+          <a:solidFill>
+            <a:schemeClr val="tx1"/>
+          </a:solidFill>
           <a:latin typeface="+mn-lt"/>
           <a:ea typeface="+mn-ea"/>
           <a:cs typeface="+mn-cs"/>
         </a:defRPr>
       </a:lvl7pPr>
-      <a:lvl8pPr marL="3429000" indent="-228600" algn="l" defTabSz="457200" rtl="0" eaLnBrk="1" latinLnBrk="0" hangingPunct="1">
+      <a:lvl8pPr marL="3200000" indent="-228600" algn="l" defTabSz="457200" rtl="0" eaLnBrk="1" latinLnBrk="0" hangingPunct="1">
         <a:spcBef>
           <a:spcPct val="20000"/>
         </a:spcBef>
@@ -5488,46 +5290,20 @@
           <a:spcPts val="600"/>
         </a:spcAft>
         <a:buClr>
-          <a:schemeClr val="tx1"/>
+          <a:schemeClr val="accent1"/>
         </a:buClr>
-        <a:buSzPct val="100000"/>
-        <a:buFont typeface="Arial"/>
-        <a:buChar char="•"/>
-        <a:defRPr sz="1200" kern="1200" cap="small">
-          <a:gradFill flip="none" rotWithShape="1">
-            <a:gsLst>
-              <a:gs pos="0">
-                <a:schemeClr val="tx1"/>
-              </a:gs>
-              <a:gs pos="100000">
-                <a:schemeClr val="tx1">
-                  <a:lumMod val="75000"/>
-                </a:schemeClr>
-              </a:gs>
-            </a:gsLst>
-            <a:lin ang="5580000" scaled="0"/>
-            <a:tileRect/>
-          </a:gradFill>
-          <a:effectLst>
-            <a:glow rad="38100">
-              <a:schemeClr val="bg1">
-                <a:lumMod val="50000"/>
-                <a:lumOff val="50000"/>
-                <a:alpha val="20000"/>
-              </a:schemeClr>
-            </a:glow>
-            <a:outerShdw blurRad="44450" dist="12700" dir="13860000" algn="tl" rotWithShape="0">
-              <a:srgbClr val="000000">
-                <a:alpha val="20000"/>
-              </a:srgbClr>
-            </a:outerShdw>
-          </a:effectLst>
+        <a:buFont typeface="Wingdings 2" charset="2"/>
+        <a:buChar char=""/>
+        <a:defRPr sz="1200" kern="1200">
+          <a:solidFill>
+            <a:schemeClr val="tx1"/>
+          </a:solidFill>
           <a:latin typeface="+mn-lt"/>
           <a:ea typeface="+mn-ea"/>
           <a:cs typeface="+mn-cs"/>
         </a:defRPr>
       </a:lvl8pPr>
-      <a:lvl9pPr marL="3886200" indent="-228600" algn="l" defTabSz="457200" rtl="0" eaLnBrk="1" latinLnBrk="0" hangingPunct="1">
+      <a:lvl9pPr marL="3600000" indent="-228600" algn="l" defTabSz="457200" rtl="0" eaLnBrk="1" latinLnBrk="0" hangingPunct="1">
         <a:spcBef>
           <a:spcPct val="20000"/>
         </a:spcBef>
@@ -5535,40 +5311,14 @@
           <a:spcPts val="600"/>
         </a:spcAft>
         <a:buClr>
-          <a:schemeClr val="tx1"/>
+          <a:schemeClr val="accent1"/>
         </a:buClr>
-        <a:buSzPct val="100000"/>
-        <a:buFont typeface="Arial"/>
-        <a:buChar char="•"/>
-        <a:defRPr sz="1200" kern="1200" cap="small">
-          <a:gradFill flip="none" rotWithShape="1">
-            <a:gsLst>
-              <a:gs pos="0">
-                <a:schemeClr val="tx1"/>
-              </a:gs>
-              <a:gs pos="100000">
-                <a:schemeClr val="tx1">
-                  <a:lumMod val="75000"/>
-                </a:schemeClr>
-              </a:gs>
-            </a:gsLst>
-            <a:lin ang="5580000" scaled="0"/>
-            <a:tileRect/>
-          </a:gradFill>
-          <a:effectLst>
-            <a:glow rad="38100">
-              <a:schemeClr val="bg1">
-                <a:lumMod val="50000"/>
-                <a:lumOff val="50000"/>
-                <a:alpha val="20000"/>
-              </a:schemeClr>
-            </a:glow>
-            <a:outerShdw blurRad="44450" dist="12700" dir="13860000" algn="tl" rotWithShape="0">
-              <a:srgbClr val="000000">
-                <a:alpha val="20000"/>
-              </a:srgbClr>
-            </a:outerShdw>
-          </a:effectLst>
+        <a:buFont typeface="Wingdings 2" charset="2"/>
+        <a:buChar char=""/>
+        <a:defRPr sz="1200" kern="1200">
+          <a:solidFill>
+            <a:schemeClr val="tx1"/>
+          </a:solidFill>
           <a:latin typeface="+mn-lt"/>
           <a:ea typeface="+mn-ea"/>
           <a:cs typeface="+mn-cs"/>
@@ -5693,597 +5443,6 @@
       </p:grpSpPr>
       <p:sp>
         <p:nvSpPr>
-          <p:cNvPr id="8" name="Rectangle 7"/>
-          <p:cNvSpPr>
-            <a:spLocks noGrp="1" noRot="1" noChangeAspect="1" noMove="1" noResize="1" noEditPoints="1" noAdjustHandles="1" noChangeArrowheads="1" noChangeShapeType="1" noTextEdit="1"/>
-          </p:cNvSpPr>
-          <p:nvPr>
-            <p:extLst>
-              <p:ext uri="{386F3935-93C4-4BCD-93E2-E3B085C9AB24}">
-                <p16:designElem xmlns:p16="http://schemas.microsoft.com/office/powerpoint/2015/main" val="1"/>
-              </p:ext>
-            </p:extLst>
-          </p:nvPr>
-        </p:nvSpPr>
-        <p:spPr>
-          <a:xfrm>
-            <a:off x="0" y="0"/>
-            <a:ext cx="12192000" cy="6858001"/>
-          </a:xfrm>
-          <a:prstGeom prst="rect">
-            <a:avLst/>
-          </a:prstGeom>
-          <a:solidFill>
-            <a:srgbClr val="363D46"/>
-          </a:solidFill>
-          <a:ln>
-            <a:noFill/>
-          </a:ln>
-          <a:effectLst/>
-        </p:spPr>
-        <p:style>
-          <a:lnRef idx="2">
-            <a:schemeClr val="accent1">
-              <a:shade val="50000"/>
-            </a:schemeClr>
-          </a:lnRef>
-          <a:fillRef idx="1">
-            <a:schemeClr val="accent1"/>
-          </a:fillRef>
-          <a:effectRef idx="0">
-            <a:schemeClr val="accent1"/>
-          </a:effectRef>
-          <a:fontRef idx="minor">
-            <a:schemeClr val="lt1"/>
-          </a:fontRef>
-        </p:style>
-        <p:txBody>
-          <a:bodyPr rtlCol="0" anchor="ctr"/>
-          <a:lstStyle/>
-          <a:p>
-            <a:pPr algn="ctr"/>
-            <a:endParaRPr lang="en-US"/>
-          </a:p>
-        </p:txBody>
-      </p:sp>
-      <p:sp useBgFill="1">
-        <p:nvSpPr>
-          <p:cNvPr id="10" name="Freeform: Shape 9">
-            <a:extLst/>
-          </p:cNvPr>
-          <p:cNvSpPr>
-            <a:spLocks noGrp="1" noRot="1" noChangeAspect="1" noMove="1" noResize="1" noEditPoints="1" noAdjustHandles="1" noChangeArrowheads="1" noChangeShapeType="1" noTextEdit="1"/>
-          </p:cNvSpPr>
-          <p:nvPr>
-            <p:extLst>
-              <p:ext uri="{386F3935-93C4-4BCD-93E2-E3B085C9AB24}">
-                <p16:designElem xmlns:p16="http://schemas.microsoft.com/office/powerpoint/2015/main" val="1"/>
-              </p:ext>
-            </p:extLst>
-          </p:nvPr>
-        </p:nvSpPr>
-        <p:spPr>
-          <a:xfrm>
-            <a:off x="0" y="0"/>
-            <a:ext cx="12192000" cy="5322895"/>
-          </a:xfrm>
-          <a:custGeom>
-            <a:avLst/>
-            <a:gdLst>
-              <a:gd name="connsiteX0" fmla="*/ 0 w 12192000"/>
-              <a:gd name="connsiteY0" fmla="*/ 0 h 5322895"/>
-              <a:gd name="connsiteX1" fmla="*/ 12192000 w 12192000"/>
-              <a:gd name="connsiteY1" fmla="*/ 0 h 5322895"/>
-              <a:gd name="connsiteX2" fmla="*/ 12192000 w 12192000"/>
-              <a:gd name="connsiteY2" fmla="*/ 213719 h 5322895"/>
-              <a:gd name="connsiteX3" fmla="*/ 12192000 w 12192000"/>
-              <a:gd name="connsiteY3" fmla="*/ 471948 h 5322895"/>
-              <a:gd name="connsiteX4" fmla="*/ 12192000 w 12192000"/>
-              <a:gd name="connsiteY4" fmla="*/ 3571886 h 5322895"/>
-              <a:gd name="connsiteX5" fmla="*/ 12192000 w 12192000"/>
-              <a:gd name="connsiteY5" fmla="*/ 3753332 h 5322895"/>
-              <a:gd name="connsiteX6" fmla="*/ 12192000 w 12192000"/>
-              <a:gd name="connsiteY6" fmla="*/ 4806077 h 5322895"/>
-              <a:gd name="connsiteX7" fmla="*/ 11957522 w 12192000"/>
-              <a:gd name="connsiteY7" fmla="*/ 4849979 h 5322895"/>
-              <a:gd name="connsiteX8" fmla="*/ 11679973 w 12192000"/>
-              <a:gd name="connsiteY8" fmla="*/ 4899723 h 5322895"/>
-              <a:gd name="connsiteX9" fmla="*/ 11401197 w 12192000"/>
-              <a:gd name="connsiteY9" fmla="*/ 4948416 h 5322895"/>
-              <a:gd name="connsiteX10" fmla="*/ 11121192 w 12192000"/>
-              <a:gd name="connsiteY10" fmla="*/ 4990102 h 5322895"/>
-              <a:gd name="connsiteX11" fmla="*/ 10842416 w 12192000"/>
-              <a:gd name="connsiteY11" fmla="*/ 5032139 h 5322895"/>
-              <a:gd name="connsiteX12" fmla="*/ 10562411 w 12192000"/>
-              <a:gd name="connsiteY12" fmla="*/ 5071374 h 5322895"/>
-              <a:gd name="connsiteX13" fmla="*/ 10286091 w 12192000"/>
-              <a:gd name="connsiteY13" fmla="*/ 5105003 h 5322895"/>
-              <a:gd name="connsiteX14" fmla="*/ 10006086 w 12192000"/>
-              <a:gd name="connsiteY14" fmla="*/ 5136881 h 5322895"/>
-              <a:gd name="connsiteX15" fmla="*/ 9727310 w 12192000"/>
-              <a:gd name="connsiteY15" fmla="*/ 5165957 h 5322895"/>
-              <a:gd name="connsiteX16" fmla="*/ 9453445 w 12192000"/>
-              <a:gd name="connsiteY16" fmla="*/ 5191179 h 5322895"/>
-              <a:gd name="connsiteX17" fmla="*/ 9175897 w 12192000"/>
-              <a:gd name="connsiteY17" fmla="*/ 5216401 h 5322895"/>
-              <a:gd name="connsiteX18" fmla="*/ 8902033 w 12192000"/>
-              <a:gd name="connsiteY18" fmla="*/ 5237420 h 5322895"/>
-              <a:gd name="connsiteX19" fmla="*/ 8628169 w 12192000"/>
-              <a:gd name="connsiteY19" fmla="*/ 5253884 h 5322895"/>
-              <a:gd name="connsiteX20" fmla="*/ 8355533 w 12192000"/>
-              <a:gd name="connsiteY20" fmla="*/ 5271050 h 5322895"/>
-              <a:gd name="connsiteX21" fmla="*/ 8085353 w 12192000"/>
-              <a:gd name="connsiteY21" fmla="*/ 5285412 h 5322895"/>
-              <a:gd name="connsiteX22" fmla="*/ 7817629 w 12192000"/>
-              <a:gd name="connsiteY22" fmla="*/ 5295571 h 5322895"/>
-              <a:gd name="connsiteX23" fmla="*/ 7549905 w 12192000"/>
-              <a:gd name="connsiteY23" fmla="*/ 5304329 h 5322895"/>
-              <a:gd name="connsiteX24" fmla="*/ 7284638 w 12192000"/>
-              <a:gd name="connsiteY24" fmla="*/ 5312736 h 5322895"/>
-              <a:gd name="connsiteX25" fmla="*/ 7023055 w 12192000"/>
-              <a:gd name="connsiteY25" fmla="*/ 5316590 h 5322895"/>
-              <a:gd name="connsiteX26" fmla="*/ 6761472 w 12192000"/>
-              <a:gd name="connsiteY26" fmla="*/ 5320793 h 5322895"/>
-              <a:gd name="connsiteX27" fmla="*/ 6503573 w 12192000"/>
-              <a:gd name="connsiteY27" fmla="*/ 5322895 h 5322895"/>
-              <a:gd name="connsiteX28" fmla="*/ 6248130 w 12192000"/>
-              <a:gd name="connsiteY28" fmla="*/ 5320793 h 5322895"/>
-              <a:gd name="connsiteX29" fmla="*/ 5995144 w 12192000"/>
-              <a:gd name="connsiteY29" fmla="*/ 5320793 h 5322895"/>
-              <a:gd name="connsiteX30" fmla="*/ 5744613 w 12192000"/>
-              <a:gd name="connsiteY30" fmla="*/ 5316590 h 5322895"/>
-              <a:gd name="connsiteX31" fmla="*/ 5498995 w 12192000"/>
-              <a:gd name="connsiteY31" fmla="*/ 5310284 h 5322895"/>
-              <a:gd name="connsiteX32" fmla="*/ 5255834 w 12192000"/>
-              <a:gd name="connsiteY32" fmla="*/ 5304329 h 5322895"/>
-              <a:gd name="connsiteX33" fmla="*/ 5017584 w 12192000"/>
-              <a:gd name="connsiteY33" fmla="*/ 5297673 h 5322895"/>
-              <a:gd name="connsiteX34" fmla="*/ 4780562 w 12192000"/>
-              <a:gd name="connsiteY34" fmla="*/ 5287514 h 5322895"/>
-              <a:gd name="connsiteX35" fmla="*/ 4547227 w 12192000"/>
-              <a:gd name="connsiteY35" fmla="*/ 5276654 h 5322895"/>
-              <a:gd name="connsiteX36" fmla="*/ 4318800 w 12192000"/>
-              <a:gd name="connsiteY36" fmla="*/ 5266846 h 5322895"/>
-              <a:gd name="connsiteX37" fmla="*/ 3873004 w 12192000"/>
-              <a:gd name="connsiteY37" fmla="*/ 5239171 h 5322895"/>
-              <a:gd name="connsiteX38" fmla="*/ 3445628 w 12192000"/>
-              <a:gd name="connsiteY38" fmla="*/ 5209746 h 5322895"/>
-              <a:gd name="connsiteX39" fmla="*/ 3035446 w 12192000"/>
-              <a:gd name="connsiteY39" fmla="*/ 5178918 h 5322895"/>
-              <a:gd name="connsiteX40" fmla="*/ 2647370 w 12192000"/>
-              <a:gd name="connsiteY40" fmla="*/ 5144939 h 5322895"/>
-              <a:gd name="connsiteX41" fmla="*/ 2276487 w 12192000"/>
-              <a:gd name="connsiteY41" fmla="*/ 5109557 h 5322895"/>
-              <a:gd name="connsiteX42" fmla="*/ 1932621 w 12192000"/>
-              <a:gd name="connsiteY42" fmla="*/ 5071374 h 5322895"/>
-              <a:gd name="connsiteX43" fmla="*/ 1609634 w 12192000"/>
-              <a:gd name="connsiteY43" fmla="*/ 5033891 h 5322895"/>
-              <a:gd name="connsiteX44" fmla="*/ 1312435 w 12192000"/>
-              <a:gd name="connsiteY44" fmla="*/ 4996408 h 5322895"/>
-              <a:gd name="connsiteX45" fmla="*/ 1039799 w 12192000"/>
-              <a:gd name="connsiteY45" fmla="*/ 4961027 h 5322895"/>
-              <a:gd name="connsiteX46" fmla="*/ 797865 w 12192000"/>
-              <a:gd name="connsiteY46" fmla="*/ 4927397 h 5322895"/>
-              <a:gd name="connsiteX47" fmla="*/ 579265 w 12192000"/>
-              <a:gd name="connsiteY47" fmla="*/ 4895519 h 5322895"/>
-              <a:gd name="connsiteX48" fmla="*/ 395052 w 12192000"/>
-              <a:gd name="connsiteY48" fmla="*/ 4868896 h 5322895"/>
-              <a:gd name="connsiteX49" fmla="*/ 240312 w 12192000"/>
-              <a:gd name="connsiteY49" fmla="*/ 4843673 h 5322895"/>
-              <a:gd name="connsiteX50" fmla="*/ 27853 w 12192000"/>
-              <a:gd name="connsiteY50" fmla="*/ 4807592 h 5322895"/>
-              <a:gd name="connsiteX51" fmla="*/ 0 w 12192000"/>
-              <a:gd name="connsiteY51" fmla="*/ 4802879 h 5322895"/>
-              <a:gd name="connsiteX52" fmla="*/ 0 w 12192000"/>
-              <a:gd name="connsiteY52" fmla="*/ 3753332 h 5322895"/>
-              <a:gd name="connsiteX53" fmla="*/ 0 w 12192000"/>
-              <a:gd name="connsiteY53" fmla="*/ 3571886 h 5322895"/>
-              <a:gd name="connsiteX54" fmla="*/ 0 w 12192000"/>
-              <a:gd name="connsiteY54" fmla="*/ 471948 h 5322895"/>
-              <a:gd name="connsiteX55" fmla="*/ 0 w 12192000"/>
-              <a:gd name="connsiteY55" fmla="*/ 213719 h 5322895"/>
-            </a:gdLst>
-            <a:ahLst/>
-            <a:cxnLst>
-              <a:cxn ang="0">
-                <a:pos x="connsiteX0" y="connsiteY0"/>
-              </a:cxn>
-              <a:cxn ang="0">
-                <a:pos x="connsiteX1" y="connsiteY1"/>
-              </a:cxn>
-              <a:cxn ang="0">
-                <a:pos x="connsiteX2" y="connsiteY2"/>
-              </a:cxn>
-              <a:cxn ang="0">
-                <a:pos x="connsiteX3" y="connsiteY3"/>
-              </a:cxn>
-              <a:cxn ang="0">
-                <a:pos x="connsiteX4" y="connsiteY4"/>
-              </a:cxn>
-              <a:cxn ang="0">
-                <a:pos x="connsiteX5" y="connsiteY5"/>
-              </a:cxn>
-              <a:cxn ang="0">
-                <a:pos x="connsiteX6" y="connsiteY6"/>
-              </a:cxn>
-              <a:cxn ang="0">
-                <a:pos x="connsiteX7" y="connsiteY7"/>
-              </a:cxn>
-              <a:cxn ang="0">
-                <a:pos x="connsiteX8" y="connsiteY8"/>
-              </a:cxn>
-              <a:cxn ang="0">
-                <a:pos x="connsiteX9" y="connsiteY9"/>
-              </a:cxn>
-              <a:cxn ang="0">
-                <a:pos x="connsiteX10" y="connsiteY10"/>
-              </a:cxn>
-              <a:cxn ang="0">
-                <a:pos x="connsiteX11" y="connsiteY11"/>
-              </a:cxn>
-              <a:cxn ang="0">
-                <a:pos x="connsiteX12" y="connsiteY12"/>
-              </a:cxn>
-              <a:cxn ang="0">
-                <a:pos x="connsiteX13" y="connsiteY13"/>
-              </a:cxn>
-              <a:cxn ang="0">
-                <a:pos x="connsiteX14" y="connsiteY14"/>
-              </a:cxn>
-              <a:cxn ang="0">
-                <a:pos x="connsiteX15" y="connsiteY15"/>
-              </a:cxn>
-              <a:cxn ang="0">
-                <a:pos x="connsiteX16" y="connsiteY16"/>
-              </a:cxn>
-              <a:cxn ang="0">
-                <a:pos x="connsiteX17" y="connsiteY17"/>
-              </a:cxn>
-              <a:cxn ang="0">
-                <a:pos x="connsiteX18" y="connsiteY18"/>
-              </a:cxn>
-              <a:cxn ang="0">
-                <a:pos x="connsiteX19" y="connsiteY19"/>
-              </a:cxn>
-              <a:cxn ang="0">
-                <a:pos x="connsiteX20" y="connsiteY20"/>
-              </a:cxn>
-              <a:cxn ang="0">
-                <a:pos x="connsiteX21" y="connsiteY21"/>
-              </a:cxn>
-              <a:cxn ang="0">
-                <a:pos x="connsiteX22" y="connsiteY22"/>
-              </a:cxn>
-              <a:cxn ang="0">
-                <a:pos x="connsiteX23" y="connsiteY23"/>
-              </a:cxn>
-              <a:cxn ang="0">
-                <a:pos x="connsiteX24" y="connsiteY24"/>
-              </a:cxn>
-              <a:cxn ang="0">
-                <a:pos x="connsiteX25" y="connsiteY25"/>
-              </a:cxn>
-              <a:cxn ang="0">
-                <a:pos x="connsiteX26" y="connsiteY26"/>
-              </a:cxn>
-              <a:cxn ang="0">
-                <a:pos x="connsiteX27" y="connsiteY27"/>
-              </a:cxn>
-              <a:cxn ang="0">
-                <a:pos x="connsiteX28" y="connsiteY28"/>
-              </a:cxn>
-              <a:cxn ang="0">
-                <a:pos x="connsiteX29" y="connsiteY29"/>
-              </a:cxn>
-              <a:cxn ang="0">
-                <a:pos x="connsiteX30" y="connsiteY30"/>
-              </a:cxn>
-              <a:cxn ang="0">
-                <a:pos x="connsiteX31" y="connsiteY31"/>
-              </a:cxn>
-              <a:cxn ang="0">
-                <a:pos x="connsiteX32" y="connsiteY32"/>
-              </a:cxn>
-              <a:cxn ang="0">
-                <a:pos x="connsiteX33" y="connsiteY33"/>
-              </a:cxn>
-              <a:cxn ang="0">
-                <a:pos x="connsiteX34" y="connsiteY34"/>
-              </a:cxn>
-              <a:cxn ang="0">
-                <a:pos x="connsiteX35" y="connsiteY35"/>
-              </a:cxn>
-              <a:cxn ang="0">
-                <a:pos x="connsiteX36" y="connsiteY36"/>
-              </a:cxn>
-              <a:cxn ang="0">
-                <a:pos x="connsiteX37" y="connsiteY37"/>
-              </a:cxn>
-              <a:cxn ang="0">
-                <a:pos x="connsiteX38" y="connsiteY38"/>
-              </a:cxn>
-              <a:cxn ang="0">
-                <a:pos x="connsiteX39" y="connsiteY39"/>
-              </a:cxn>
-              <a:cxn ang="0">
-                <a:pos x="connsiteX40" y="connsiteY40"/>
-              </a:cxn>
-              <a:cxn ang="0">
-                <a:pos x="connsiteX41" y="connsiteY41"/>
-              </a:cxn>
-              <a:cxn ang="0">
-                <a:pos x="connsiteX42" y="connsiteY42"/>
-              </a:cxn>
-              <a:cxn ang="0">
-                <a:pos x="connsiteX43" y="connsiteY43"/>
-              </a:cxn>
-              <a:cxn ang="0">
-                <a:pos x="connsiteX44" y="connsiteY44"/>
-              </a:cxn>
-              <a:cxn ang="0">
-                <a:pos x="connsiteX45" y="connsiteY45"/>
-              </a:cxn>
-              <a:cxn ang="0">
-                <a:pos x="connsiteX46" y="connsiteY46"/>
-              </a:cxn>
-              <a:cxn ang="0">
-                <a:pos x="connsiteX47" y="connsiteY47"/>
-              </a:cxn>
-              <a:cxn ang="0">
-                <a:pos x="connsiteX48" y="connsiteY48"/>
-              </a:cxn>
-              <a:cxn ang="0">
-                <a:pos x="connsiteX49" y="connsiteY49"/>
-              </a:cxn>
-              <a:cxn ang="0">
-                <a:pos x="connsiteX50" y="connsiteY50"/>
-              </a:cxn>
-              <a:cxn ang="0">
-                <a:pos x="connsiteX51" y="connsiteY51"/>
-              </a:cxn>
-              <a:cxn ang="0">
-                <a:pos x="connsiteX52" y="connsiteY52"/>
-              </a:cxn>
-              <a:cxn ang="0">
-                <a:pos x="connsiteX53" y="connsiteY53"/>
-              </a:cxn>
-              <a:cxn ang="0">
-                <a:pos x="connsiteX54" y="connsiteY54"/>
-              </a:cxn>
-              <a:cxn ang="0">
-                <a:pos x="connsiteX55" y="connsiteY55"/>
-              </a:cxn>
-            </a:cxnLst>
-            <a:rect l="l" t="t" r="r" b="b"/>
-            <a:pathLst>
-              <a:path w="12192000" h="5322895">
-                <a:moveTo>
-                  <a:pt x="0" y="0"/>
-                </a:moveTo>
-                <a:lnTo>
-                  <a:pt x="12192000" y="0"/>
-                </a:lnTo>
-                <a:lnTo>
-                  <a:pt x="12192000" y="213719"/>
-                </a:lnTo>
-                <a:lnTo>
-                  <a:pt x="12192000" y="471948"/>
-                </a:lnTo>
-                <a:lnTo>
-                  <a:pt x="12192000" y="3571886"/>
-                </a:lnTo>
-                <a:lnTo>
-                  <a:pt x="12192000" y="3753332"/>
-                </a:lnTo>
-                <a:lnTo>
-                  <a:pt x="12192000" y="4806077"/>
-                </a:lnTo>
-                <a:lnTo>
-                  <a:pt x="11957522" y="4849979"/>
-                </a:lnTo>
-                <a:lnTo>
-                  <a:pt x="11679973" y="4899723"/>
-                </a:lnTo>
-                <a:lnTo>
-                  <a:pt x="11401197" y="4948416"/>
-                </a:lnTo>
-                <a:lnTo>
-                  <a:pt x="11121192" y="4990102"/>
-                </a:lnTo>
-                <a:lnTo>
-                  <a:pt x="10842416" y="5032139"/>
-                </a:lnTo>
-                <a:lnTo>
-                  <a:pt x="10562411" y="5071374"/>
-                </a:lnTo>
-                <a:lnTo>
-                  <a:pt x="10286091" y="5105003"/>
-                </a:lnTo>
-                <a:lnTo>
-                  <a:pt x="10006086" y="5136881"/>
-                </a:lnTo>
-                <a:lnTo>
-                  <a:pt x="9727310" y="5165957"/>
-                </a:lnTo>
-                <a:lnTo>
-                  <a:pt x="9453445" y="5191179"/>
-                </a:lnTo>
-                <a:lnTo>
-                  <a:pt x="9175897" y="5216401"/>
-                </a:lnTo>
-                <a:lnTo>
-                  <a:pt x="8902033" y="5237420"/>
-                </a:lnTo>
-                <a:lnTo>
-                  <a:pt x="8628169" y="5253884"/>
-                </a:lnTo>
-                <a:lnTo>
-                  <a:pt x="8355533" y="5271050"/>
-                </a:lnTo>
-                <a:lnTo>
-                  <a:pt x="8085353" y="5285412"/>
-                </a:lnTo>
-                <a:lnTo>
-                  <a:pt x="7817629" y="5295571"/>
-                </a:lnTo>
-                <a:lnTo>
-                  <a:pt x="7549905" y="5304329"/>
-                </a:lnTo>
-                <a:lnTo>
-                  <a:pt x="7284638" y="5312736"/>
-                </a:lnTo>
-                <a:lnTo>
-                  <a:pt x="7023055" y="5316590"/>
-                </a:lnTo>
-                <a:lnTo>
-                  <a:pt x="6761472" y="5320793"/>
-                </a:lnTo>
-                <a:lnTo>
-                  <a:pt x="6503573" y="5322895"/>
-                </a:lnTo>
-                <a:lnTo>
-                  <a:pt x="6248130" y="5320793"/>
-                </a:lnTo>
-                <a:lnTo>
-                  <a:pt x="5995144" y="5320793"/>
-                </a:lnTo>
-                <a:lnTo>
-                  <a:pt x="5744613" y="5316590"/>
-                </a:lnTo>
-                <a:lnTo>
-                  <a:pt x="5498995" y="5310284"/>
-                </a:lnTo>
-                <a:lnTo>
-                  <a:pt x="5255834" y="5304329"/>
-                </a:lnTo>
-                <a:lnTo>
-                  <a:pt x="5017584" y="5297673"/>
-                </a:lnTo>
-                <a:lnTo>
-                  <a:pt x="4780562" y="5287514"/>
-                </a:lnTo>
-                <a:lnTo>
-                  <a:pt x="4547227" y="5276654"/>
-                </a:lnTo>
-                <a:lnTo>
-                  <a:pt x="4318800" y="5266846"/>
-                </a:lnTo>
-                <a:lnTo>
-                  <a:pt x="3873004" y="5239171"/>
-                </a:lnTo>
-                <a:lnTo>
-                  <a:pt x="3445628" y="5209746"/>
-                </a:lnTo>
-                <a:lnTo>
-                  <a:pt x="3035446" y="5178918"/>
-                </a:lnTo>
-                <a:lnTo>
-                  <a:pt x="2647370" y="5144939"/>
-                </a:lnTo>
-                <a:lnTo>
-                  <a:pt x="2276487" y="5109557"/>
-                </a:lnTo>
-                <a:lnTo>
-                  <a:pt x="1932621" y="5071374"/>
-                </a:lnTo>
-                <a:lnTo>
-                  <a:pt x="1609634" y="5033891"/>
-                </a:lnTo>
-                <a:lnTo>
-                  <a:pt x="1312435" y="4996408"/>
-                </a:lnTo>
-                <a:lnTo>
-                  <a:pt x="1039799" y="4961027"/>
-                </a:lnTo>
-                <a:lnTo>
-                  <a:pt x="797865" y="4927397"/>
-                </a:lnTo>
-                <a:lnTo>
-                  <a:pt x="579265" y="4895519"/>
-                </a:lnTo>
-                <a:lnTo>
-                  <a:pt x="395052" y="4868896"/>
-                </a:lnTo>
-                <a:lnTo>
-                  <a:pt x="240312" y="4843673"/>
-                </a:lnTo>
-                <a:lnTo>
-                  <a:pt x="27853" y="4807592"/>
-                </a:lnTo>
-                <a:lnTo>
-                  <a:pt x="0" y="4802879"/>
-                </a:lnTo>
-                <a:lnTo>
-                  <a:pt x="0" y="3753332"/>
-                </a:lnTo>
-                <a:lnTo>
-                  <a:pt x="0" y="3571886"/>
-                </a:lnTo>
-                <a:lnTo>
-                  <a:pt x="0" y="471948"/>
-                </a:lnTo>
-                <a:lnTo>
-                  <a:pt x="0" y="213719"/>
-                </a:lnTo>
-                <a:close/>
-              </a:path>
-            </a:pathLst>
-          </a:custGeom>
-          <a:ln w="44450">
-            <a:gradFill>
-              <a:gsLst>
-                <a:gs pos="0">
-                  <a:schemeClr val="bg2">
-                    <a:alpha val="65000"/>
-                  </a:schemeClr>
-                </a:gs>
-                <a:gs pos="98000">
-                  <a:schemeClr val="bg2">
-                    <a:lumMod val="75000"/>
-                    <a:alpha val="55000"/>
-                  </a:schemeClr>
-                </a:gs>
-              </a:gsLst>
-              <a:lin ang="5400000" scaled="1"/>
-            </a:gradFill>
-          </a:ln>
-          <a:effectLst>
-            <a:outerShdw blurRad="50800" dist="38100" dir="5400000" algn="t" rotWithShape="0">
-              <a:prstClr val="black">
-                <a:alpha val="60000"/>
-              </a:prstClr>
-            </a:outerShdw>
-          </a:effectLst>
-        </p:spPr>
-        <p:style>
-          <a:lnRef idx="2">
-            <a:schemeClr val="accent1">
-              <a:shade val="50000"/>
-            </a:schemeClr>
-          </a:lnRef>
-          <a:fillRef idx="1003">
-            <a:schemeClr val="dk2"/>
-          </a:fillRef>
-          <a:effectRef idx="0">
-            <a:schemeClr val="accent1"/>
-          </a:effectRef>
-          <a:fontRef idx="minor">
-            <a:schemeClr val="lt1"/>
-          </a:fontRef>
-        </p:style>
-        <p:txBody>
-          <a:bodyPr wrap="square" rtlCol="0" anchor="ctr">
-            <a:noAutofit/>
-          </a:bodyPr>
-          <a:lstStyle/>
-          <a:p>
-            <a:pPr algn="ctr"/>
-            <a:endParaRPr lang="en-US"/>
-          </a:p>
-        </p:txBody>
-      </p:sp>
-      <p:sp>
-        <p:nvSpPr>
           <p:cNvPr id="2" name="Titel 1"/>
           <p:cNvSpPr>
             <a:spLocks noGrp="1"/>
@@ -6310,70 +5469,23 @@
               </a:lnSpc>
             </a:pPr>
             <a:r>
-              <a:rPr lang="nl-BE" sz="6100">
-                <a:gradFill flip="none" rotWithShape="1">
-                  <a:gsLst>
-                    <a:gs pos="0">
-                      <a:srgbClr val="FFFFFF"/>
-                    </a:gs>
-                    <a:gs pos="100000">
-                      <a:srgbClr val="A6A6A6"/>
-                    </a:gs>
-                  </a:gsLst>
-                  <a:lin ang="5580000" scaled="0"/>
-                  <a:tileRect/>
-                </a:gradFill>
-              </a:rPr>
-              <a:t>Systems&amp;Networks aspect</a:t>
+              <a:rPr lang="nl-BE" sz="6100" dirty="0" err="1"/>
+              <a:t>Systems&amp;Networks</a:t>
+            </a:r>
+            <a:r>
+              <a:rPr lang="nl-BE" sz="6100" dirty="0"/>
+              <a:t> aspect</a:t>
             </a:r>
             <a:br>
-              <a:rPr lang="nl-BE" sz="6100">
-                <a:gradFill flip="none" rotWithShape="1">
-                  <a:gsLst>
-                    <a:gs pos="0">
-                      <a:srgbClr val="FFFFFF"/>
-                    </a:gs>
-                    <a:gs pos="100000">
-                      <a:srgbClr val="A6A6A6"/>
-                    </a:gs>
-                  </a:gsLst>
-                  <a:lin ang="5580000" scaled="0"/>
-                  <a:tileRect/>
-                </a:gradFill>
-              </a:rPr>
+              <a:rPr lang="nl-BE" sz="6100" dirty="0"/>
             </a:br>
             <a:r>
-              <a:rPr lang="en-US" sz="6100" b="1">
-                <a:gradFill flip="none" rotWithShape="1">
-                  <a:gsLst>
-                    <a:gs pos="0">
-                      <a:srgbClr val="FFFFFF"/>
-                    </a:gs>
-                    <a:gs pos="100000">
-                      <a:srgbClr val="A6A6A6"/>
-                    </a:gs>
-                  </a:gsLst>
-                  <a:lin ang="5580000" scaled="0"/>
-                  <a:tileRect/>
-                </a:gradFill>
+              <a:rPr lang="en-US" sz="6100" b="1" dirty="0">
                 <a:effectLst/>
               </a:rPr>
               <a:t>Vulnerability Analysis</a:t>
             </a:r>
-            <a:endParaRPr lang="nl-BE" sz="6100">
-              <a:gradFill flip="none" rotWithShape="1">
-                <a:gsLst>
-                  <a:gs pos="0">
-                    <a:srgbClr val="FFFFFF"/>
-                  </a:gs>
-                  <a:gs pos="100000">
-                    <a:srgbClr val="A6A6A6"/>
-                  </a:gs>
-                </a:gsLst>
-                <a:lin ang="5580000" scaled="0"/>
-                <a:tileRect/>
-              </a:gradFill>
-            </a:endParaRPr>
+            <a:endParaRPr lang="nl-BE" sz="6100" dirty="0"/>
           </a:p>
         </p:txBody>
       </p:sp>
@@ -6458,7 +5570,9 @@
         </p:nvSpPr>
         <p:spPr/>
         <p:txBody>
-          <a:bodyPr/>
+          <a:bodyPr>
+            <a:normAutofit fontScale="90000"/>
+          </a:bodyPr>
           <a:lstStyle/>
           <a:p>
             <a:r>
@@ -6692,12 +5806,7 @@
             <p:ph type="title"/>
           </p:nvPr>
         </p:nvSpPr>
-        <p:spPr>
-          <a:xfrm>
-            <a:off x="1141413" y="609600"/>
-            <a:ext cx="9905998" cy="1905000"/>
-          </a:xfrm>
-        </p:spPr>
+        <p:spPr/>
         <p:txBody>
           <a:bodyPr/>
           <a:lstStyle/>
@@ -6720,12 +5829,7 @@
             <p:ph idx="1"/>
           </p:nvPr>
         </p:nvSpPr>
-        <p:spPr>
-          <a:xfrm>
-            <a:off x="1141413" y="2666999"/>
-            <a:ext cx="9905998" cy="3124201"/>
-          </a:xfrm>
-        </p:spPr>
+        <p:spPr/>
         <p:txBody>
           <a:bodyPr/>
           <a:lstStyle/>
@@ -6829,12 +5933,7 @@
             <p:ph type="title"/>
           </p:nvPr>
         </p:nvSpPr>
-        <p:spPr>
-          <a:xfrm>
-            <a:off x="1141413" y="609600"/>
-            <a:ext cx="9905998" cy="1905000"/>
-          </a:xfrm>
-        </p:spPr>
+        <p:spPr/>
         <p:txBody>
           <a:bodyPr/>
           <a:lstStyle/>
@@ -6857,12 +5956,7 @@
             <p:ph idx="1"/>
           </p:nvPr>
         </p:nvSpPr>
-        <p:spPr>
-          <a:xfrm>
-            <a:off x="1141413" y="2666999"/>
-            <a:ext cx="9905998" cy="3124201"/>
-          </a:xfrm>
-        </p:spPr>
+        <p:spPr/>
         <p:txBody>
           <a:bodyPr/>
           <a:lstStyle/>
@@ -7055,12 +6149,7 @@
             <p:ph type="title"/>
           </p:nvPr>
         </p:nvSpPr>
-        <p:spPr>
-          <a:xfrm>
-            <a:off x="1141413" y="609600"/>
-            <a:ext cx="9905998" cy="1905000"/>
-          </a:xfrm>
-        </p:spPr>
+        <p:spPr/>
         <p:txBody>
           <a:bodyPr/>
           <a:lstStyle/>
@@ -7100,12 +6189,7 @@
             <p:ph idx="1"/>
           </p:nvPr>
         </p:nvSpPr>
-        <p:spPr>
-          <a:xfrm>
-            <a:off x="1141413" y="2666999"/>
-            <a:ext cx="9905998" cy="3124201"/>
-          </a:xfrm>
-        </p:spPr>
+        <p:spPr/>
         <p:txBody>
           <a:bodyPr>
             <a:normAutofit/>
@@ -7261,12 +6345,7 @@
             <p:ph type="title"/>
           </p:nvPr>
         </p:nvSpPr>
-        <p:spPr>
-          <a:xfrm>
-            <a:off x="1141413" y="609600"/>
-            <a:ext cx="9905998" cy="1905000"/>
-          </a:xfrm>
-        </p:spPr>
+        <p:spPr/>
         <p:txBody>
           <a:bodyPr/>
           <a:lstStyle/>
@@ -7306,12 +6385,7 @@
             <p:ph idx="1"/>
           </p:nvPr>
         </p:nvSpPr>
-        <p:spPr>
-          <a:xfrm>
-            <a:off x="1141413" y="2666999"/>
-            <a:ext cx="9905998" cy="3124201"/>
-          </a:xfrm>
-        </p:spPr>
+        <p:spPr/>
         <p:txBody>
           <a:bodyPr>
             <a:normAutofit/>
@@ -7408,12 +6482,7 @@
             <p:ph type="title"/>
           </p:nvPr>
         </p:nvSpPr>
-        <p:spPr>
-          <a:xfrm>
-            <a:off x="1141413" y="609600"/>
-            <a:ext cx="9905998" cy="1905000"/>
-          </a:xfrm>
-        </p:spPr>
+        <p:spPr/>
         <p:txBody>
           <a:bodyPr/>
           <a:lstStyle/>
@@ -7545,12 +6614,7 @@
             <p:ph type="title"/>
           </p:nvPr>
         </p:nvSpPr>
-        <p:spPr>
-          <a:xfrm>
-            <a:off x="1141413" y="609600"/>
-            <a:ext cx="9905998" cy="1905000"/>
-          </a:xfrm>
-        </p:spPr>
+        <p:spPr/>
         <p:txBody>
           <a:bodyPr/>
           <a:lstStyle/>
@@ -7590,12 +6654,7 @@
             <p:ph idx="1"/>
           </p:nvPr>
         </p:nvSpPr>
-        <p:spPr>
-          <a:xfrm>
-            <a:off x="1141413" y="2666999"/>
-            <a:ext cx="9905998" cy="3124201"/>
-          </a:xfrm>
-        </p:spPr>
+        <p:spPr/>
         <p:txBody>
           <a:bodyPr>
             <a:normAutofit/>
@@ -7724,12 +6783,7 @@
             <p:ph type="title"/>
           </p:nvPr>
         </p:nvSpPr>
-        <p:spPr>
-          <a:xfrm>
-            <a:off x="1141413" y="609600"/>
-            <a:ext cx="9905998" cy="1905000"/>
-          </a:xfrm>
-        </p:spPr>
+        <p:spPr/>
         <p:txBody>
           <a:bodyPr/>
           <a:lstStyle/>
@@ -7752,12 +6806,7 @@
             <p:ph idx="1"/>
           </p:nvPr>
         </p:nvSpPr>
-        <p:spPr>
-          <a:xfrm>
-            <a:off x="1141413" y="2666999"/>
-            <a:ext cx="9905998" cy="3124201"/>
-          </a:xfrm>
-        </p:spPr>
+        <p:spPr/>
         <p:txBody>
           <a:bodyPr/>
           <a:lstStyle/>
@@ -7809,654 +6858,6 @@
       </p:grpSpPr>
       <p:sp>
         <p:nvSpPr>
-          <p:cNvPr id="8" name="Rectangle 7"/>
-          <p:cNvSpPr>
-            <a:spLocks noGrp="1" noRot="1" noChangeAspect="1" noMove="1" noResize="1" noEditPoints="1" noAdjustHandles="1" noChangeArrowheads="1" noChangeShapeType="1" noTextEdit="1"/>
-          </p:cNvSpPr>
-          <p:nvPr>
-            <p:extLst>
-              <p:ext uri="{386F3935-93C4-4BCD-93E2-E3B085C9AB24}">
-                <p16:designElem xmlns:p16="http://schemas.microsoft.com/office/powerpoint/2015/main" val="1"/>
-              </p:ext>
-            </p:extLst>
-          </p:nvPr>
-        </p:nvSpPr>
-        <p:spPr>
-          <a:xfrm>
-            <a:off x="0" y="0"/>
-            <a:ext cx="12192000" cy="6858000"/>
-          </a:xfrm>
-          <a:prstGeom prst="rect">
-            <a:avLst/>
-          </a:prstGeom>
-          <a:solidFill>
-            <a:schemeClr val="bg2"/>
-          </a:solidFill>
-          <a:ln>
-            <a:noFill/>
-          </a:ln>
-        </p:spPr>
-        <p:style>
-          <a:lnRef idx="2">
-            <a:schemeClr val="accent1">
-              <a:shade val="50000"/>
-            </a:schemeClr>
-          </a:lnRef>
-          <a:fillRef idx="1">
-            <a:schemeClr val="accent1"/>
-          </a:fillRef>
-          <a:effectRef idx="0">
-            <a:schemeClr val="accent1"/>
-          </a:effectRef>
-          <a:fontRef idx="minor">
-            <a:schemeClr val="lt1"/>
-          </a:fontRef>
-        </p:style>
-        <p:txBody>
-          <a:bodyPr rtlCol="0" anchor="ctr"/>
-          <a:lstStyle/>
-          <a:p>
-            <a:pPr algn="ctr"/>
-            <a:endParaRPr lang="en-US"/>
-          </a:p>
-        </p:txBody>
-      </p:sp>
-      <p:sp>
-        <p:nvSpPr>
-          <p:cNvPr id="10" name="Rectangle 9"/>
-          <p:cNvSpPr>
-            <a:spLocks noGrp="1" noRot="1" noChangeAspect="1" noMove="1" noResize="1" noEditPoints="1" noAdjustHandles="1" noChangeArrowheads="1" noChangeShapeType="1" noTextEdit="1"/>
-          </p:cNvSpPr>
-          <p:nvPr>
-            <p:extLst>
-              <p:ext uri="{386F3935-93C4-4BCD-93E2-E3B085C9AB24}">
-                <p16:designElem xmlns:p16="http://schemas.microsoft.com/office/powerpoint/2015/main" val="1"/>
-              </p:ext>
-            </p:extLst>
-          </p:nvPr>
-        </p:nvSpPr>
-        <p:spPr>
-          <a:xfrm>
-            <a:off x="763160" y="0"/>
-            <a:ext cx="9369421" cy="6857999"/>
-          </a:xfrm>
-          <a:prstGeom prst="rect">
-            <a:avLst/>
-          </a:prstGeom>
-          <a:gradFill flip="none" rotWithShape="1">
-            <a:gsLst>
-              <a:gs pos="10000">
-                <a:schemeClr val="bg2">
-                  <a:lumMod val="60000"/>
-                  <a:lumOff val="40000"/>
-                  <a:alpha val="40000"/>
-                </a:schemeClr>
-              </a:gs>
-              <a:gs pos="70000">
-                <a:schemeClr val="bg2">
-                  <a:alpha val="0"/>
-                </a:schemeClr>
-              </a:gs>
-              <a:gs pos="0">
-                <a:schemeClr val="bg2">
-                  <a:lumMod val="40000"/>
-                  <a:lumOff val="60000"/>
-                  <a:alpha val="50000"/>
-                </a:schemeClr>
-              </a:gs>
-            </a:gsLst>
-            <a:path path="circle">
-              <a:fillToRect l="50000" t="50000" r="50000" b="50000"/>
-            </a:path>
-            <a:tileRect/>
-          </a:gradFill>
-          <a:ln>
-            <a:noFill/>
-          </a:ln>
-        </p:spPr>
-        <p:style>
-          <a:lnRef idx="2">
-            <a:schemeClr val="accent1">
-              <a:shade val="50000"/>
-            </a:schemeClr>
-          </a:lnRef>
-          <a:fillRef idx="1">
-            <a:schemeClr val="accent1"/>
-          </a:fillRef>
-          <a:effectRef idx="0">
-            <a:schemeClr val="accent1"/>
-          </a:effectRef>
-          <a:fontRef idx="minor">
-            <a:schemeClr val="lt1"/>
-          </a:fontRef>
-        </p:style>
-        <p:txBody>
-          <a:bodyPr rtlCol="0" anchor="ctr"/>
-          <a:lstStyle/>
-          <a:p>
-            <a:pPr algn="ctr"/>
-            <a:endParaRPr lang="en-US"/>
-          </a:p>
-        </p:txBody>
-      </p:sp>
-      <p:sp useBgFill="1">
-        <p:nvSpPr>
-          <p:cNvPr id="12" name="Freeform: Shape 11"/>
-          <p:cNvSpPr>
-            <a:spLocks noGrp="1" noRot="1" noChangeAspect="1" noMove="1" noResize="1" noEditPoints="1" noAdjustHandles="1" noChangeArrowheads="1" noChangeShapeType="1" noTextEdit="1"/>
-          </p:cNvSpPr>
-          <p:nvPr>
-            <p:extLst>
-              <p:ext uri="{386F3935-93C4-4BCD-93E2-E3B085C9AB24}">
-                <p16:designElem xmlns:p16="http://schemas.microsoft.com/office/powerpoint/2015/main" val="1"/>
-              </p:ext>
-            </p:extLst>
-          </p:nvPr>
-        </p:nvSpPr>
-        <p:spPr>
-          <a:xfrm>
-            <a:off x="0" y="-2"/>
-            <a:ext cx="6088489" cy="6858002"/>
-          </a:xfrm>
-          <a:custGeom>
-            <a:avLst/>
-            <a:gdLst>
-              <a:gd name="connsiteX0" fmla="*/ 0 w 6088489"/>
-              <a:gd name="connsiteY0" fmla="*/ 0 h 6858002"/>
-              <a:gd name="connsiteX1" fmla="*/ 3563332 w 6088489"/>
-              <a:gd name="connsiteY1" fmla="*/ 0 h 6858002"/>
-              <a:gd name="connsiteX2" fmla="*/ 3563332 w 6088489"/>
-              <a:gd name="connsiteY2" fmla="*/ 3 h 6858002"/>
-              <a:gd name="connsiteX3" fmla="*/ 5842099 w 6088489"/>
-              <a:gd name="connsiteY3" fmla="*/ 3 h 6858002"/>
-              <a:gd name="connsiteX4" fmla="*/ 5842099 w 6088489"/>
-              <a:gd name="connsiteY4" fmla="*/ 4 h 6858002"/>
-              <a:gd name="connsiteX5" fmla="*/ 5835346 w 6088489"/>
-              <a:gd name="connsiteY5" fmla="*/ 4 h 6858002"/>
-              <a:gd name="connsiteX6" fmla="*/ 5841229 w 6088489"/>
-              <a:gd name="connsiteY6" fmla="*/ 40466 h 6858002"/>
-              <a:gd name="connsiteX7" fmla="*/ 5858543 w 6088489"/>
-              <a:gd name="connsiteY7" fmla="*/ 159110 h 6858002"/>
-              <a:gd name="connsiteX8" fmla="*/ 5870645 w 6088489"/>
-              <a:gd name="connsiteY8" fmla="*/ 245521 h 6858002"/>
-              <a:gd name="connsiteX9" fmla="*/ 5883420 w 6088489"/>
-              <a:gd name="connsiteY9" fmla="*/ 348391 h 6858002"/>
-              <a:gd name="connsiteX10" fmla="*/ 5898716 w 6088489"/>
-              <a:gd name="connsiteY10" fmla="*/ 470463 h 6858002"/>
-              <a:gd name="connsiteX11" fmla="*/ 5914853 w 6088489"/>
-              <a:gd name="connsiteY11" fmla="*/ 605566 h 6858002"/>
-              <a:gd name="connsiteX12" fmla="*/ 5931830 w 6088489"/>
-              <a:gd name="connsiteY12" fmla="*/ 757813 h 6858002"/>
-              <a:gd name="connsiteX13" fmla="*/ 5949815 w 6088489"/>
-              <a:gd name="connsiteY13" fmla="*/ 923777 h 6858002"/>
-              <a:gd name="connsiteX14" fmla="*/ 5967801 w 6088489"/>
-              <a:gd name="connsiteY14" fmla="*/ 1104142 h 6858002"/>
-              <a:gd name="connsiteX15" fmla="*/ 5986122 w 6088489"/>
-              <a:gd name="connsiteY15" fmla="*/ 1296166 h 6858002"/>
-              <a:gd name="connsiteX16" fmla="*/ 6003099 w 6088489"/>
-              <a:gd name="connsiteY16" fmla="*/ 1503278 h 6858002"/>
-              <a:gd name="connsiteX17" fmla="*/ 6019404 w 6088489"/>
-              <a:gd name="connsiteY17" fmla="*/ 1719991 h 6858002"/>
-              <a:gd name="connsiteX18" fmla="*/ 6034196 w 6088489"/>
-              <a:gd name="connsiteY18" fmla="*/ 1949048 h 6858002"/>
-              <a:gd name="connsiteX19" fmla="*/ 6048315 w 6088489"/>
-              <a:gd name="connsiteY19" fmla="*/ 2187706 h 6858002"/>
-              <a:gd name="connsiteX20" fmla="*/ 6061595 w 6088489"/>
-              <a:gd name="connsiteY20" fmla="*/ 2436652 h 6858002"/>
-              <a:gd name="connsiteX21" fmla="*/ 6066301 w 6088489"/>
-              <a:gd name="connsiteY21" fmla="*/ 2564211 h 6858002"/>
-              <a:gd name="connsiteX22" fmla="*/ 6071512 w 6088489"/>
-              <a:gd name="connsiteY22" fmla="*/ 2694512 h 6858002"/>
-              <a:gd name="connsiteX23" fmla="*/ 6076386 w 6088489"/>
-              <a:gd name="connsiteY23" fmla="*/ 2826871 h 6858002"/>
-              <a:gd name="connsiteX24" fmla="*/ 6079580 w 6088489"/>
-              <a:gd name="connsiteY24" fmla="*/ 2959917 h 6858002"/>
-              <a:gd name="connsiteX25" fmla="*/ 6082438 w 6088489"/>
-              <a:gd name="connsiteY25" fmla="*/ 3095705 h 6858002"/>
-              <a:gd name="connsiteX26" fmla="*/ 6085463 w 6088489"/>
-              <a:gd name="connsiteY26" fmla="*/ 3232865 h 6858002"/>
-              <a:gd name="connsiteX27" fmla="*/ 6087480 w 6088489"/>
-              <a:gd name="connsiteY27" fmla="*/ 3372768 h 6858002"/>
-              <a:gd name="connsiteX28" fmla="*/ 6087480 w 6088489"/>
-              <a:gd name="connsiteY28" fmla="*/ 3514043 h 6858002"/>
-              <a:gd name="connsiteX29" fmla="*/ 6088489 w 6088489"/>
-              <a:gd name="connsiteY29" fmla="*/ 3656689 h 6858002"/>
-              <a:gd name="connsiteX30" fmla="*/ 6087480 w 6088489"/>
-              <a:gd name="connsiteY30" fmla="*/ 3800707 h 6858002"/>
-              <a:gd name="connsiteX31" fmla="*/ 6085463 w 6088489"/>
-              <a:gd name="connsiteY31" fmla="*/ 3946783 h 6858002"/>
-              <a:gd name="connsiteX32" fmla="*/ 6083614 w 6088489"/>
-              <a:gd name="connsiteY32" fmla="*/ 4092858 h 6858002"/>
-              <a:gd name="connsiteX33" fmla="*/ 6079580 w 6088489"/>
-              <a:gd name="connsiteY33" fmla="*/ 4240991 h 6858002"/>
-              <a:gd name="connsiteX34" fmla="*/ 6075378 w 6088489"/>
-              <a:gd name="connsiteY34" fmla="*/ 4390495 h 6858002"/>
-              <a:gd name="connsiteX35" fmla="*/ 6070503 w 6088489"/>
-              <a:gd name="connsiteY35" fmla="*/ 4540000 h 6858002"/>
-              <a:gd name="connsiteX36" fmla="*/ 6063612 w 6088489"/>
-              <a:gd name="connsiteY36" fmla="*/ 4690876 h 6858002"/>
-              <a:gd name="connsiteX37" fmla="*/ 6055375 w 6088489"/>
-              <a:gd name="connsiteY37" fmla="*/ 4843123 h 6858002"/>
-              <a:gd name="connsiteX38" fmla="*/ 6047475 w 6088489"/>
-              <a:gd name="connsiteY38" fmla="*/ 4996057 h 6858002"/>
-              <a:gd name="connsiteX39" fmla="*/ 6037390 w 6088489"/>
-              <a:gd name="connsiteY39" fmla="*/ 5148990 h 6858002"/>
-              <a:gd name="connsiteX40" fmla="*/ 6025287 w 6088489"/>
-              <a:gd name="connsiteY40" fmla="*/ 5303981 h 6858002"/>
-              <a:gd name="connsiteX41" fmla="*/ 6013185 w 6088489"/>
-              <a:gd name="connsiteY41" fmla="*/ 5456914 h 6858002"/>
-              <a:gd name="connsiteX42" fmla="*/ 5999233 w 6088489"/>
-              <a:gd name="connsiteY42" fmla="*/ 5612591 h 6858002"/>
-              <a:gd name="connsiteX43" fmla="*/ 5983937 w 6088489"/>
-              <a:gd name="connsiteY43" fmla="*/ 5768953 h 6858002"/>
-              <a:gd name="connsiteX44" fmla="*/ 5967801 w 6088489"/>
-              <a:gd name="connsiteY44" fmla="*/ 5923258 h 6858002"/>
-              <a:gd name="connsiteX45" fmla="*/ 5948975 w 6088489"/>
-              <a:gd name="connsiteY45" fmla="*/ 6079621 h 6858002"/>
-              <a:gd name="connsiteX46" fmla="*/ 5928804 w 6088489"/>
-              <a:gd name="connsiteY46" fmla="*/ 6235297 h 6858002"/>
-              <a:gd name="connsiteX47" fmla="*/ 5908801 w 6088489"/>
-              <a:gd name="connsiteY47" fmla="*/ 6391660 h 6858002"/>
-              <a:gd name="connsiteX48" fmla="*/ 5885437 w 6088489"/>
-              <a:gd name="connsiteY48" fmla="*/ 6547336 h 6858002"/>
-              <a:gd name="connsiteX49" fmla="*/ 5861568 w 6088489"/>
-              <a:gd name="connsiteY49" fmla="*/ 6702327 h 6858002"/>
-              <a:gd name="connsiteX50" fmla="*/ 5836524 w 6088489"/>
-              <a:gd name="connsiteY50" fmla="*/ 6858002 h 6858002"/>
-              <a:gd name="connsiteX51" fmla="*/ 3563332 w 6088489"/>
-              <a:gd name="connsiteY51" fmla="*/ 6858002 h 6858002"/>
-              <a:gd name="connsiteX52" fmla="*/ 1223490 w 6088489"/>
-              <a:gd name="connsiteY52" fmla="*/ 6858002 h 6858002"/>
-              <a:gd name="connsiteX53" fmla="*/ 0 w 6088489"/>
-              <a:gd name="connsiteY53" fmla="*/ 6858002 h 6858002"/>
-            </a:gdLst>
-            <a:ahLst/>
-            <a:cxnLst>
-              <a:cxn ang="0">
-                <a:pos x="connsiteX0" y="connsiteY0"/>
-              </a:cxn>
-              <a:cxn ang="0">
-                <a:pos x="connsiteX1" y="connsiteY1"/>
-              </a:cxn>
-              <a:cxn ang="0">
-                <a:pos x="connsiteX2" y="connsiteY2"/>
-              </a:cxn>
-              <a:cxn ang="0">
-                <a:pos x="connsiteX3" y="connsiteY3"/>
-              </a:cxn>
-              <a:cxn ang="0">
-                <a:pos x="connsiteX4" y="connsiteY4"/>
-              </a:cxn>
-              <a:cxn ang="0">
-                <a:pos x="connsiteX5" y="connsiteY5"/>
-              </a:cxn>
-              <a:cxn ang="0">
-                <a:pos x="connsiteX6" y="connsiteY6"/>
-              </a:cxn>
-              <a:cxn ang="0">
-                <a:pos x="connsiteX7" y="connsiteY7"/>
-              </a:cxn>
-              <a:cxn ang="0">
-                <a:pos x="connsiteX8" y="connsiteY8"/>
-              </a:cxn>
-              <a:cxn ang="0">
-                <a:pos x="connsiteX9" y="connsiteY9"/>
-              </a:cxn>
-              <a:cxn ang="0">
-                <a:pos x="connsiteX10" y="connsiteY10"/>
-              </a:cxn>
-              <a:cxn ang="0">
-                <a:pos x="connsiteX11" y="connsiteY11"/>
-              </a:cxn>
-              <a:cxn ang="0">
-                <a:pos x="connsiteX12" y="connsiteY12"/>
-              </a:cxn>
-              <a:cxn ang="0">
-                <a:pos x="connsiteX13" y="connsiteY13"/>
-              </a:cxn>
-              <a:cxn ang="0">
-                <a:pos x="connsiteX14" y="connsiteY14"/>
-              </a:cxn>
-              <a:cxn ang="0">
-                <a:pos x="connsiteX15" y="connsiteY15"/>
-              </a:cxn>
-              <a:cxn ang="0">
-                <a:pos x="connsiteX16" y="connsiteY16"/>
-              </a:cxn>
-              <a:cxn ang="0">
-                <a:pos x="connsiteX17" y="connsiteY17"/>
-              </a:cxn>
-              <a:cxn ang="0">
-                <a:pos x="connsiteX18" y="connsiteY18"/>
-              </a:cxn>
-              <a:cxn ang="0">
-                <a:pos x="connsiteX19" y="connsiteY19"/>
-              </a:cxn>
-              <a:cxn ang="0">
-                <a:pos x="connsiteX20" y="connsiteY20"/>
-              </a:cxn>
-              <a:cxn ang="0">
-                <a:pos x="connsiteX21" y="connsiteY21"/>
-              </a:cxn>
-              <a:cxn ang="0">
-                <a:pos x="connsiteX22" y="connsiteY22"/>
-              </a:cxn>
-              <a:cxn ang="0">
-                <a:pos x="connsiteX23" y="connsiteY23"/>
-              </a:cxn>
-              <a:cxn ang="0">
-                <a:pos x="connsiteX24" y="connsiteY24"/>
-              </a:cxn>
-              <a:cxn ang="0">
-                <a:pos x="connsiteX25" y="connsiteY25"/>
-              </a:cxn>
-              <a:cxn ang="0">
-                <a:pos x="connsiteX26" y="connsiteY26"/>
-              </a:cxn>
-              <a:cxn ang="0">
-                <a:pos x="connsiteX27" y="connsiteY27"/>
-              </a:cxn>
-              <a:cxn ang="0">
-                <a:pos x="connsiteX28" y="connsiteY28"/>
-              </a:cxn>
-              <a:cxn ang="0">
-                <a:pos x="connsiteX29" y="connsiteY29"/>
-              </a:cxn>
-              <a:cxn ang="0">
-                <a:pos x="connsiteX30" y="connsiteY30"/>
-              </a:cxn>
-              <a:cxn ang="0">
-                <a:pos x="connsiteX31" y="connsiteY31"/>
-              </a:cxn>
-              <a:cxn ang="0">
-                <a:pos x="connsiteX32" y="connsiteY32"/>
-              </a:cxn>
-              <a:cxn ang="0">
-                <a:pos x="connsiteX33" y="connsiteY33"/>
-              </a:cxn>
-              <a:cxn ang="0">
-                <a:pos x="connsiteX34" y="connsiteY34"/>
-              </a:cxn>
-              <a:cxn ang="0">
-                <a:pos x="connsiteX35" y="connsiteY35"/>
-              </a:cxn>
-              <a:cxn ang="0">
-                <a:pos x="connsiteX36" y="connsiteY36"/>
-              </a:cxn>
-              <a:cxn ang="0">
-                <a:pos x="connsiteX37" y="connsiteY37"/>
-              </a:cxn>
-              <a:cxn ang="0">
-                <a:pos x="connsiteX38" y="connsiteY38"/>
-              </a:cxn>
-              <a:cxn ang="0">
-                <a:pos x="connsiteX39" y="connsiteY39"/>
-              </a:cxn>
-              <a:cxn ang="0">
-                <a:pos x="connsiteX40" y="connsiteY40"/>
-              </a:cxn>
-              <a:cxn ang="0">
-                <a:pos x="connsiteX41" y="connsiteY41"/>
-              </a:cxn>
-              <a:cxn ang="0">
-                <a:pos x="connsiteX42" y="connsiteY42"/>
-              </a:cxn>
-              <a:cxn ang="0">
-                <a:pos x="connsiteX43" y="connsiteY43"/>
-              </a:cxn>
-              <a:cxn ang="0">
-                <a:pos x="connsiteX44" y="connsiteY44"/>
-              </a:cxn>
-              <a:cxn ang="0">
-                <a:pos x="connsiteX45" y="connsiteY45"/>
-              </a:cxn>
-              <a:cxn ang="0">
-                <a:pos x="connsiteX46" y="connsiteY46"/>
-              </a:cxn>
-              <a:cxn ang="0">
-                <a:pos x="connsiteX47" y="connsiteY47"/>
-              </a:cxn>
-              <a:cxn ang="0">
-                <a:pos x="connsiteX48" y="connsiteY48"/>
-              </a:cxn>
-              <a:cxn ang="0">
-                <a:pos x="connsiteX49" y="connsiteY49"/>
-              </a:cxn>
-              <a:cxn ang="0">
-                <a:pos x="connsiteX50" y="connsiteY50"/>
-              </a:cxn>
-              <a:cxn ang="0">
-                <a:pos x="connsiteX51" y="connsiteY51"/>
-              </a:cxn>
-              <a:cxn ang="0">
-                <a:pos x="connsiteX52" y="connsiteY52"/>
-              </a:cxn>
-              <a:cxn ang="0">
-                <a:pos x="connsiteX53" y="connsiteY53"/>
-              </a:cxn>
-            </a:cxnLst>
-            <a:rect l="l" t="t" r="r" b="b"/>
-            <a:pathLst>
-              <a:path w="6088489" h="6858002">
-                <a:moveTo>
-                  <a:pt x="0" y="0"/>
-                </a:moveTo>
-                <a:lnTo>
-                  <a:pt x="3563332" y="0"/>
-                </a:lnTo>
-                <a:lnTo>
-                  <a:pt x="3563332" y="3"/>
-                </a:lnTo>
-                <a:lnTo>
-                  <a:pt x="5842099" y="3"/>
-                </a:lnTo>
-                <a:lnTo>
-                  <a:pt x="5842099" y="4"/>
-                </a:lnTo>
-                <a:lnTo>
-                  <a:pt x="5835346" y="4"/>
-                </a:lnTo>
-                <a:lnTo>
-                  <a:pt x="5841229" y="40466"/>
-                </a:lnTo>
-                <a:lnTo>
-                  <a:pt x="5858543" y="159110"/>
-                </a:lnTo>
-                <a:lnTo>
-                  <a:pt x="5870645" y="245521"/>
-                </a:lnTo>
-                <a:lnTo>
-                  <a:pt x="5883420" y="348391"/>
-                </a:lnTo>
-                <a:lnTo>
-                  <a:pt x="5898716" y="470463"/>
-                </a:lnTo>
-                <a:lnTo>
-                  <a:pt x="5914853" y="605566"/>
-                </a:lnTo>
-                <a:lnTo>
-                  <a:pt x="5931830" y="757813"/>
-                </a:lnTo>
-                <a:lnTo>
-                  <a:pt x="5949815" y="923777"/>
-                </a:lnTo>
-                <a:lnTo>
-                  <a:pt x="5967801" y="1104142"/>
-                </a:lnTo>
-                <a:lnTo>
-                  <a:pt x="5986122" y="1296166"/>
-                </a:lnTo>
-                <a:lnTo>
-                  <a:pt x="6003099" y="1503278"/>
-                </a:lnTo>
-                <a:lnTo>
-                  <a:pt x="6019404" y="1719991"/>
-                </a:lnTo>
-                <a:lnTo>
-                  <a:pt x="6034196" y="1949048"/>
-                </a:lnTo>
-                <a:lnTo>
-                  <a:pt x="6048315" y="2187706"/>
-                </a:lnTo>
-                <a:lnTo>
-                  <a:pt x="6061595" y="2436652"/>
-                </a:lnTo>
-                <a:lnTo>
-                  <a:pt x="6066301" y="2564211"/>
-                </a:lnTo>
-                <a:lnTo>
-                  <a:pt x="6071512" y="2694512"/>
-                </a:lnTo>
-                <a:lnTo>
-                  <a:pt x="6076386" y="2826871"/>
-                </a:lnTo>
-                <a:lnTo>
-                  <a:pt x="6079580" y="2959917"/>
-                </a:lnTo>
-                <a:lnTo>
-                  <a:pt x="6082438" y="3095705"/>
-                </a:lnTo>
-                <a:lnTo>
-                  <a:pt x="6085463" y="3232865"/>
-                </a:lnTo>
-                <a:lnTo>
-                  <a:pt x="6087480" y="3372768"/>
-                </a:lnTo>
-                <a:lnTo>
-                  <a:pt x="6087480" y="3514043"/>
-                </a:lnTo>
-                <a:lnTo>
-                  <a:pt x="6088489" y="3656689"/>
-                </a:lnTo>
-                <a:lnTo>
-                  <a:pt x="6087480" y="3800707"/>
-                </a:lnTo>
-                <a:lnTo>
-                  <a:pt x="6085463" y="3946783"/>
-                </a:lnTo>
-                <a:lnTo>
-                  <a:pt x="6083614" y="4092858"/>
-                </a:lnTo>
-                <a:lnTo>
-                  <a:pt x="6079580" y="4240991"/>
-                </a:lnTo>
-                <a:lnTo>
-                  <a:pt x="6075378" y="4390495"/>
-                </a:lnTo>
-                <a:lnTo>
-                  <a:pt x="6070503" y="4540000"/>
-                </a:lnTo>
-                <a:lnTo>
-                  <a:pt x="6063612" y="4690876"/>
-                </a:lnTo>
-                <a:lnTo>
-                  <a:pt x="6055375" y="4843123"/>
-                </a:lnTo>
-                <a:lnTo>
-                  <a:pt x="6047475" y="4996057"/>
-                </a:lnTo>
-                <a:lnTo>
-                  <a:pt x="6037390" y="5148990"/>
-                </a:lnTo>
-                <a:lnTo>
-                  <a:pt x="6025287" y="5303981"/>
-                </a:lnTo>
-                <a:lnTo>
-                  <a:pt x="6013185" y="5456914"/>
-                </a:lnTo>
-                <a:lnTo>
-                  <a:pt x="5999233" y="5612591"/>
-                </a:lnTo>
-                <a:lnTo>
-                  <a:pt x="5983937" y="5768953"/>
-                </a:lnTo>
-                <a:lnTo>
-                  <a:pt x="5967801" y="5923258"/>
-                </a:lnTo>
-                <a:lnTo>
-                  <a:pt x="5948975" y="6079621"/>
-                </a:lnTo>
-                <a:lnTo>
-                  <a:pt x="5928804" y="6235297"/>
-                </a:lnTo>
-                <a:lnTo>
-                  <a:pt x="5908801" y="6391660"/>
-                </a:lnTo>
-                <a:lnTo>
-                  <a:pt x="5885437" y="6547336"/>
-                </a:lnTo>
-                <a:lnTo>
-                  <a:pt x="5861568" y="6702327"/>
-                </a:lnTo>
-                <a:lnTo>
-                  <a:pt x="5836524" y="6858002"/>
-                </a:lnTo>
-                <a:lnTo>
-                  <a:pt x="3563332" y="6858002"/>
-                </a:lnTo>
-                <a:lnTo>
-                  <a:pt x="1223490" y="6858002"/>
-                </a:lnTo>
-                <a:lnTo>
-                  <a:pt x="0" y="6858002"/>
-                </a:lnTo>
-                <a:close/>
-              </a:path>
-            </a:pathLst>
-          </a:custGeom>
-          <a:ln w="44450">
-            <a:gradFill>
-              <a:gsLst>
-                <a:gs pos="5000">
-                  <a:schemeClr val="bg2">
-                    <a:alpha val="65000"/>
-                  </a:schemeClr>
-                </a:gs>
-                <a:gs pos="98000">
-                  <a:schemeClr val="bg2">
-                    <a:lumMod val="75000"/>
-                    <a:alpha val="55000"/>
-                  </a:schemeClr>
-                </a:gs>
-              </a:gsLst>
-              <a:lin ang="5400000" scaled="1"/>
-            </a:gradFill>
-          </a:ln>
-          <a:effectLst>
-            <a:outerShdw blurRad="50800" dist="25400" algn="l" rotWithShape="0">
-              <a:prstClr val="black">
-                <a:alpha val="60000"/>
-              </a:prstClr>
-            </a:outerShdw>
-          </a:effectLst>
-        </p:spPr>
-        <p:style>
-          <a:lnRef idx="2">
-            <a:schemeClr val="accent1">
-              <a:shade val="50000"/>
-            </a:schemeClr>
-          </a:lnRef>
-          <a:fillRef idx="1">
-            <a:schemeClr val="accent1"/>
-          </a:fillRef>
-          <a:effectRef idx="0">
-            <a:schemeClr val="accent1"/>
-          </a:effectRef>
-          <a:fontRef idx="minor">
-            <a:schemeClr val="lt1"/>
-          </a:fontRef>
-        </p:style>
-        <p:txBody>
-          <a:bodyPr rtlCol="0" anchor="ctr"/>
-          <a:lstStyle/>
-          <a:p>
-            <a:pPr algn="ctr"/>
-            <a:endParaRPr lang="en-US"/>
-          </a:p>
-        </p:txBody>
-      </p:sp>
-      <p:sp>
-        <p:nvSpPr>
           <p:cNvPr id="2" name="Titel 1"/>
           <p:cNvSpPr>
             <a:spLocks noGrp="1"/>
@@ -8496,13 +6897,13 @@
         </p:nvSpPr>
         <p:spPr>
           <a:xfrm>
-            <a:off x="6708499" y="643467"/>
-            <a:ext cx="4521480" cy="5571064"/>
+            <a:off x="5521569" y="2074985"/>
+            <a:ext cx="6277708" cy="4598376"/>
           </a:xfrm>
         </p:spPr>
         <p:txBody>
           <a:bodyPr>
-            <a:normAutofit/>
+            <a:normAutofit fontScale="85000" lnSpcReduction="10000"/>
           </a:bodyPr>
           <a:lstStyle/>
           <a:p>
@@ -8512,7 +6913,7 @@
               </a:lnSpc>
             </a:pPr>
             <a:r>
-              <a:rPr lang="nl-BE"/>
+              <a:rPr lang="nl-BE" sz="2400" b="1" dirty="0"/>
               <a:t>Nessus</a:t>
             </a:r>
           </a:p>
@@ -8523,23 +6924,23 @@
               </a:lnSpc>
             </a:pPr>
             <a:r>
-              <a:rPr lang="nl-BE"/>
+              <a:rPr lang="nl-BE" sz="2400" b="1" dirty="0"/>
               <a:t>Nessus scan op </a:t>
             </a:r>
             <a:r>
-              <a:rPr lang="nl-BE" err="1"/>
+              <a:rPr lang="nl-BE" sz="2400" b="1" dirty="0" err="1"/>
               <a:t>windows</a:t>
             </a:r>
             <a:r>
-              <a:rPr lang="nl-BE"/>
+              <a:rPr lang="nl-BE" sz="2400" b="1" dirty="0"/>
               <a:t> </a:t>
             </a:r>
             <a:r>
-              <a:rPr lang="nl-BE" err="1"/>
+              <a:rPr lang="nl-BE" sz="2400" b="1" dirty="0" err="1"/>
               <a:t>xp</a:t>
             </a:r>
             <a:r>
-              <a:rPr lang="nl-BE"/>
+              <a:rPr lang="nl-BE" sz="2400" b="1" dirty="0"/>
               <a:t> met firewall</a:t>
             </a:r>
           </a:p>
@@ -8550,10 +6951,10 @@
               </a:lnSpc>
             </a:pPr>
             <a:r>
-              <a:rPr lang="nl-BE" err="1"/>
+              <a:rPr lang="nl-BE" sz="2000" b="1" dirty="0" err="1"/>
               <a:t>Vulnerability</a:t>
             </a:r>
-            <a:endParaRPr lang="nl-BE"/>
+            <a:endParaRPr lang="nl-BE" sz="2000" b="1" dirty="0"/>
           </a:p>
           <a:p>
             <a:pPr lvl="1">
@@ -8562,7 +6963,7 @@
               </a:lnSpc>
             </a:pPr>
             <a:r>
-              <a:rPr lang="nl-BE"/>
+              <a:rPr lang="nl-BE" sz="2000" b="1" dirty="0"/>
               <a:t>Omschrijving</a:t>
             </a:r>
           </a:p>
@@ -8573,7 +6974,7 @@
               </a:lnSpc>
             </a:pPr>
             <a:r>
-              <a:rPr lang="nl-BE"/>
+              <a:rPr lang="nl-BE" sz="2000" b="1" dirty="0"/>
               <a:t>oplossing</a:t>
             </a:r>
           </a:p>
@@ -8584,23 +6985,23 @@
               </a:lnSpc>
             </a:pPr>
             <a:r>
-              <a:rPr lang="nl-BE"/>
+              <a:rPr lang="nl-BE" sz="2400" b="1" dirty="0"/>
               <a:t>Nessus scan op </a:t>
             </a:r>
             <a:r>
-              <a:rPr lang="nl-BE" err="1"/>
+              <a:rPr lang="nl-BE" sz="2400" b="1" dirty="0" err="1"/>
               <a:t>windows</a:t>
             </a:r>
             <a:r>
-              <a:rPr lang="nl-BE"/>
+              <a:rPr lang="nl-BE" sz="2400" b="1" dirty="0"/>
               <a:t> </a:t>
             </a:r>
             <a:r>
-              <a:rPr lang="nl-BE" err="1"/>
+              <a:rPr lang="nl-BE" sz="2400" b="1" dirty="0" err="1"/>
               <a:t>xp</a:t>
             </a:r>
             <a:r>
-              <a:rPr lang="nl-BE"/>
+              <a:rPr lang="nl-BE" sz="2400" b="1" dirty="0"/>
               <a:t> zonder firewall</a:t>
             </a:r>
           </a:p>
@@ -8611,10 +7012,10 @@
               </a:lnSpc>
             </a:pPr>
             <a:r>
-              <a:rPr lang="nl-BE" err="1"/>
+              <a:rPr lang="nl-BE" sz="2000" b="1" dirty="0" err="1"/>
               <a:t>Vulnerability</a:t>
             </a:r>
-            <a:endParaRPr lang="nl-BE"/>
+            <a:endParaRPr lang="nl-BE" sz="2000" b="1" dirty="0"/>
           </a:p>
           <a:p>
             <a:pPr lvl="1">
@@ -8623,7 +7024,7 @@
               </a:lnSpc>
             </a:pPr>
             <a:r>
-              <a:rPr lang="nl-BE"/>
+              <a:rPr lang="nl-BE" sz="2000" b="1" dirty="0"/>
               <a:t>Omschrijving</a:t>
             </a:r>
           </a:p>
@@ -8634,7 +7035,7 @@
               </a:lnSpc>
             </a:pPr>
             <a:r>
-              <a:rPr lang="nl-BE"/>
+              <a:rPr lang="nl-BE" sz="2000" b="1" dirty="0"/>
               <a:t>oplossing</a:t>
             </a:r>
           </a:p>
@@ -8645,15 +7046,15 @@
               </a:lnSpc>
             </a:pPr>
             <a:r>
-              <a:rPr lang="nl-BE"/>
+              <a:rPr lang="nl-BE" sz="2400" b="1" dirty="0"/>
               <a:t>Nessus scan op </a:t>
             </a:r>
             <a:r>
-              <a:rPr lang="nl-BE" err="1"/>
+              <a:rPr lang="nl-BE" sz="2400" b="1" dirty="0" err="1"/>
               <a:t>metasploitable</a:t>
             </a:r>
             <a:r>
-              <a:rPr lang="nl-BE"/>
+              <a:rPr lang="nl-BE" sz="2400" b="1" dirty="0"/>
               <a:t> os</a:t>
             </a:r>
           </a:p>
@@ -8664,10 +7065,10 @@
               </a:lnSpc>
             </a:pPr>
             <a:r>
-              <a:rPr lang="nl-BE" err="1"/>
+              <a:rPr lang="nl-BE" sz="2000" b="1" dirty="0" err="1"/>
               <a:t>Vulnerability</a:t>
             </a:r>
-            <a:endParaRPr lang="nl-BE"/>
+            <a:endParaRPr lang="nl-BE" sz="2000" b="1" dirty="0"/>
           </a:p>
           <a:p>
             <a:pPr lvl="1">
@@ -8676,7 +7077,7 @@
               </a:lnSpc>
             </a:pPr>
             <a:r>
-              <a:rPr lang="nl-BE"/>
+              <a:rPr lang="nl-BE" sz="2000" b="1" dirty="0"/>
               <a:t>Omschrijving</a:t>
             </a:r>
           </a:p>
@@ -8687,7 +7088,7 @@
               </a:lnSpc>
             </a:pPr>
             <a:r>
-              <a:rPr lang="nl-BE"/>
+              <a:rPr lang="nl-BE" sz="2000" b="1" dirty="0"/>
               <a:t>oplossing</a:t>
             </a:r>
           </a:p>
@@ -8810,10 +7211,9 @@
           <a:lstStyle/>
           <a:p>
             <a:r>
-              <a:rPr lang="nl-BE"/>
+              <a:rPr lang="nl-BE" dirty="0"/>
               <a:t>Nessus?</a:t>
             </a:r>
-            <a:endParaRPr lang="nl-BE" dirty="0"/>
           </a:p>
         </p:txBody>
       </p:sp>
@@ -8840,17 +7240,25 @@
           <a:lstStyle/>
           <a:p>
             <a:r>
-              <a:rPr lang="nl-BE"/>
-              <a:t>Web Vulnerability scanner</a:t>
-            </a:r>
-          </a:p>
-          <a:p>
-            <a:r>
-              <a:rPr lang="nl-BE"/>
+              <a:rPr lang="nl-BE" dirty="0"/>
+              <a:t>Web </a:t>
+            </a:r>
+            <a:r>
+              <a:rPr lang="nl-BE" dirty="0" err="1"/>
+              <a:t>Vulnerability</a:t>
+            </a:r>
+            <a:r>
+              <a:rPr lang="nl-BE" dirty="0"/>
+              <a:t> scanner</a:t>
+            </a:r>
+          </a:p>
+          <a:p>
+            <a:r>
+              <a:rPr lang="nl-BE" dirty="0"/>
               <a:t>Doel </a:t>
             </a:r>
             <a:r>
-              <a:rPr lang="nl-BE">
+              <a:rPr lang="nl-BE" dirty="0">
                 <a:sym typeface="Wingdings" panose="05000000000000000000" pitchFamily="2" charset="2"/>
               </a:rPr>
               <a:t> controle op beveiliging van computers/computernetwerken</a:t>
@@ -9180,7 +7588,9 @@
         </p:nvSpPr>
         <p:spPr/>
         <p:txBody>
-          <a:bodyPr/>
+          <a:bodyPr>
+            <a:normAutofit fontScale="90000"/>
+          </a:bodyPr>
           <a:lstStyle/>
           <a:p>
             <a:r>
@@ -9284,7 +7694,9 @@
         </p:nvSpPr>
         <p:spPr/>
         <p:txBody>
-          <a:bodyPr/>
+          <a:bodyPr>
+            <a:normAutofit fontScale="90000"/>
+          </a:bodyPr>
           <a:lstStyle/>
           <a:p>
             <a:r>
@@ -9408,7 +7820,9 @@
         </p:nvSpPr>
         <p:spPr/>
         <p:txBody>
-          <a:bodyPr/>
+          <a:bodyPr>
+            <a:normAutofit fontScale="90000"/>
+          </a:bodyPr>
           <a:lstStyle/>
           <a:p>
             <a:r>
@@ -9514,7 +7928,9 @@
         </p:nvSpPr>
         <p:spPr/>
         <p:txBody>
-          <a:bodyPr/>
+          <a:bodyPr>
+            <a:normAutofit fontScale="90000"/>
+          </a:bodyPr>
           <a:lstStyle/>
           <a:p>
             <a:r>
@@ -9603,9 +8019,9 @@
 </file>
 
 <file path=ppt/theme/theme1.xml><?xml version="1.0" encoding="utf-8"?>
-<a:theme xmlns:a="http://schemas.openxmlformats.org/drawingml/2006/main" name="Raster">
+<a:theme xmlns:a="http://schemas.openxmlformats.org/drawingml/2006/main" name="Citeerbaar">
   <a:themeElements>
-    <a:clrScheme name="Mesh">
+    <a:clrScheme name="Blauwgroen">
       <a:dk1>
         <a:sysClr val="windowText" lastClr="000000"/>
       </a:dk1>
@@ -9613,37 +8029,37 @@
         <a:sysClr val="window" lastClr="FFFFFF"/>
       </a:lt1>
       <a:dk2>
-        <a:srgbClr val="363D46"/>
+        <a:srgbClr val="373545"/>
       </a:dk2>
       <a:lt2>
-        <a:srgbClr val="EBEBEB"/>
+        <a:srgbClr val="CEDBE6"/>
       </a:lt2>
       <a:accent1>
-        <a:srgbClr val="6F6F6F"/>
+        <a:srgbClr val="3494BA"/>
       </a:accent1>
       <a:accent2>
-        <a:srgbClr val="BFBFA5"/>
+        <a:srgbClr val="58B6C0"/>
       </a:accent2>
       <a:accent3>
-        <a:srgbClr val="DCD084"/>
+        <a:srgbClr val="75BDA7"/>
       </a:accent3>
       <a:accent4>
-        <a:srgbClr val="E7BF5F"/>
+        <a:srgbClr val="7A8C8E"/>
       </a:accent4>
       <a:accent5>
-        <a:srgbClr val="E9A039"/>
+        <a:srgbClr val="84ACB6"/>
       </a:accent5>
       <a:accent6>
-        <a:srgbClr val="CF7133"/>
+        <a:srgbClr val="2683C6"/>
       </a:accent6>
       <a:hlink>
-        <a:srgbClr val="F28943"/>
+        <a:srgbClr val="6B9F25"/>
       </a:hlink>
       <a:folHlink>
-        <a:srgbClr val="F1B76C"/>
+        <a:srgbClr val="9F6715"/>
       </a:folHlink>
     </a:clrScheme>
-    <a:fontScheme name="Mesh">
+    <a:fontScheme name="Citeerbaar">
       <a:majorFont>
         <a:latin typeface="Century Gothic" panose="020B0502020202020204"/>
         <a:ea typeface=""/>
@@ -9715,7 +8131,7 @@
         <a:font script="Geor" typeface="Sylfaen"/>
       </a:minorFont>
     </a:fontScheme>
-    <a:fmtScheme name="Mesh">
+    <a:fmtScheme name="Citeerbaar">
       <a:fillStyleLst>
         <a:solidFill>
           <a:schemeClr val="phClr"/>
@@ -9724,35 +8140,33 @@
           <a:gsLst>
             <a:gs pos="0">
               <a:schemeClr val="phClr">
-                <a:tint val="60000"/>
-                <a:lumMod val="110000"/>
+                <a:tint val="80000"/>
+                <a:lumMod val="105000"/>
               </a:schemeClr>
             </a:gs>
             <a:gs pos="100000">
               <a:schemeClr val="phClr">
-                <a:tint val="82000"/>
+                <a:tint val="90000"/>
               </a:schemeClr>
             </a:gs>
           </a:gsLst>
           <a:lin ang="5400000" scaled="0"/>
         </a:gradFill>
-        <a:gradFill rotWithShape="1">
-          <a:gsLst>
-            <a:gs pos="0">
+        <a:blipFill rotWithShape="1">
+          <a:blip xmlns:r="http://schemas.openxmlformats.org/officeDocument/2006/relationships" r:embed="rId1">
+            <a:duotone>
               <a:schemeClr val="phClr">
-                <a:tint val="96000"/>
-                <a:lumMod val="104000"/>
+                <a:tint val="98000"/>
+                <a:lumMod val="102000"/>
               </a:schemeClr>
-            </a:gs>
-            <a:gs pos="100000">
               <a:schemeClr val="phClr">
-                <a:shade val="84000"/>
-                <a:lumMod val="84000"/>
+                <a:shade val="98000"/>
+                <a:lumMod val="98000"/>
               </a:schemeClr>
-            </a:gs>
-          </a:gsLst>
-          <a:lin ang="5400000" scaled="0"/>
-        </a:gradFill>
+            </a:duotone>
+          </a:blip>
+          <a:tile tx="0" ty="0" sx="100000" sy="100000" flip="none" algn="tl"/>
+        </a:blipFill>
       </a:fillStyleLst>
       <a:lnStyleLst>
         <a:ln w="9525" cap="rnd" cmpd="sng" algn="ctr">
@@ -9761,7 +8175,7 @@
           </a:solidFill>
           <a:prstDash val="solid"/>
         </a:ln>
-        <a:ln w="19050" cap="rnd" cmpd="sng" algn="ctr">
+        <a:ln w="15875" cap="rnd" cmpd="sng" algn="ctr">
           <a:solidFill>
             <a:schemeClr val="phClr"/>
           </a:solidFill>
@@ -9779,31 +8193,16 @@
           <a:effectLst/>
         </a:effectStyle>
         <a:effectStyle>
+          <a:effectLst/>
+        </a:effectStyle>
+        <a:effectStyle>
           <a:effectLst>
-            <a:innerShdw blurRad="50800" dist="25400" dir="13500000">
+            <a:innerShdw blurRad="63500" dist="25400" dir="13500000">
               <a:srgbClr val="000000">
-                <a:alpha val="55000"/>
+                <a:alpha val="75000"/>
               </a:srgbClr>
             </a:innerShdw>
           </a:effectLst>
-        </a:effectStyle>
-        <a:effectStyle>
-          <a:effectLst>
-            <a:outerShdw blurRad="50800" dist="38100" dir="5400000" rotWithShape="0">
-              <a:srgbClr val="000000">
-                <a:alpha val="60000"/>
-              </a:srgbClr>
-            </a:outerShdw>
-          </a:effectLst>
-          <a:scene3d>
-            <a:camera prst="orthographicFront">
-              <a:rot lat="0" lon="0" rev="0"/>
-            </a:camera>
-            <a:lightRig rig="threePt" dir="tl"/>
-          </a:scene3d>
-          <a:sp3d>
-            <a:bevelT w="25400" h="25400" prst="slope"/>
-          </a:sp3d>
         </a:effectStyle>
       </a:effectStyleLst>
       <a:bgFillStyleLst>
@@ -9814,37 +8213,35 @@
           <a:gsLst>
             <a:gs pos="0">
               <a:schemeClr val="phClr">
-                <a:tint val="90000"/>
-                <a:lumMod val="110000"/>
+                <a:tint val="100000"/>
               </a:schemeClr>
             </a:gs>
             <a:gs pos="100000">
               <a:schemeClr val="phClr">
-                <a:shade val="64000"/>
-                <a:lumMod val="98000"/>
+                <a:tint val="84000"/>
+                <a:shade val="84000"/>
+                <a:lumMod val="90000"/>
               </a:schemeClr>
             </a:gs>
           </a:gsLst>
           <a:lin ang="5400000" scaled="0"/>
         </a:gradFill>
-        <a:blipFill rotWithShape="1">
-          <a:blip xmlns:r="http://schemas.openxmlformats.org/officeDocument/2006/relationships" r:embed="rId1">
-            <a:duotone>
+        <a:gradFill rotWithShape="1">
+          <a:gsLst>
+            <a:gs pos="0">
               <a:schemeClr val="phClr">
-                <a:shade val="28000"/>
-                <a:satMod val="94000"/>
-                <a:lumMod val="20000"/>
+                <a:tint val="84000"/>
+                <a:shade val="90000"/>
+                <a:satMod val="120000"/>
+                <a:lumMod val="90000"/>
               </a:schemeClr>
-              <a:schemeClr val="phClr">
-                <a:tint val="94000"/>
-                <a:shade val="84000"/>
-                <a:satMod val="148000"/>
-                <a:lumMod val="114000"/>
-              </a:schemeClr>
-            </a:duotone>
-          </a:blip>
-          <a:stretch/>
-        </a:blipFill>
+            </a:gs>
+            <a:gs pos="100000">
+              <a:schemeClr val="phClr"/>
+            </a:gs>
+          </a:gsLst>
+          <a:lin ang="5400000" scaled="0"/>
+        </a:gradFill>
       </a:bgFillStyleLst>
     </a:fmtScheme>
   </a:themeElements>
@@ -9852,7 +8249,7 @@
   <a:extraClrSchemeLst/>
   <a:extLst>
     <a:ext uri="{05A4C25C-085E-4340-85A3-A5531E510DB2}">
-      <thm15:themeFamily xmlns:thm15="http://schemas.microsoft.com/office/thememl/2012/main" name="Mesh" id="{789EC3FE-34FD-429C-9918-760025E6C145}" vid="{B8BE45C0-8141-4D58-8C71-A009BC26FBBB}"/>
+      <thm15:themeFamily xmlns:thm15="http://schemas.microsoft.com/office/thememl/2012/main" name="Quotable" id="{39EC5628-30ED-4578-ACD8-9820EDB8E15A}" vid="{ACECE1E4-636E-48DB-87ED-4A76DC93378F}"/>
     </a:ext>
   </a:extLst>
 </a:theme>

--- a/Opdracht BasicSecurity Systems&Networks aspect/presentatieBS.pptx
+++ b/Opdracht BasicSecurity Systems&Networks aspect/presentatieBS.pptx
@@ -2,7 +2,7 @@
 <file path=ppt/presentation.xml><?xml version="1.0" encoding="utf-8"?>
 <p:presentation xmlns:a="http://schemas.openxmlformats.org/drawingml/2006/main" xmlns:r="http://schemas.openxmlformats.org/officeDocument/2006/relationships" xmlns:p="http://schemas.openxmlformats.org/presentationml/2006/main" autoCompressPictures="0">
   <p:sldMasterIdLst>
-    <p:sldMasterId id="2147484172" r:id="rId1"/>
+    <p:sldMasterId id="2147484217" r:id="rId1"/>
   </p:sldMasterIdLst>
   <p:sldIdLst>
     <p:sldId id="256" r:id="rId2"/>
@@ -135,7 +135,7 @@
 </file>
 
 <file path=ppt/slideLayouts/slideLayout1.xml><?xml version="1.0" encoding="utf-8"?>
-<p:sldLayout xmlns:a="http://schemas.openxmlformats.org/drawingml/2006/main" xmlns:r="http://schemas.openxmlformats.org/officeDocument/2006/relationships" xmlns:p="http://schemas.openxmlformats.org/presentationml/2006/main" type="title" preserve="1">
+<p:sldLayout xmlns:a="http://schemas.openxmlformats.org/drawingml/2006/main" xmlns:r="http://schemas.openxmlformats.org/officeDocument/2006/relationships" xmlns:p="http://schemas.openxmlformats.org/presentationml/2006/main" showMasterSp="0" type="title" preserve="1">
   <p:cSld name="Titeldia">
     <p:spTree>
       <p:nvGrpSpPr>
@@ -151,110 +151,319 @@
           <a:chExt cx="0" cy="0"/>
         </a:xfrm>
       </p:grpSpPr>
-      <p:sp>
-        <p:nvSpPr>
-          <p:cNvPr id="11" name="Freeform 6"/>
-          <p:cNvSpPr/>
+      <p:grpSp>
+        <p:nvGrpSpPr>
+          <p:cNvPr id="19" name="Group 18"/>
+          <p:cNvGrpSpPr/>
           <p:nvPr/>
-        </p:nvSpPr>
-        <p:spPr bwMode="auto">
+        </p:nvGrpSpPr>
+        <p:grpSpPr>
           <a:xfrm>
-            <a:off x="0" y="-3175"/>
-            <a:ext cx="12192000" cy="5203825"/>
+            <a:off x="546100" y="-4763"/>
+            <a:ext cx="5014912" cy="6862763"/>
+            <a:chOff x="2928938" y="-4763"/>
+            <a:chExt cx="5014912" cy="6862763"/>
           </a:xfrm>
-          <a:custGeom>
-            <a:avLst/>
-            <a:gdLst/>
-            <a:ahLst/>
-            <a:cxnLst/>
-            <a:rect l="0" t="0" r="r" b="b"/>
-            <a:pathLst>
-              <a:path w="5760" h="3278">
-                <a:moveTo>
-                  <a:pt x="5760" y="0"/>
-                </a:moveTo>
-                <a:lnTo>
-                  <a:pt x="0" y="0"/>
-                </a:lnTo>
-                <a:lnTo>
-                  <a:pt x="0" y="3090"/>
-                </a:lnTo>
-                <a:lnTo>
-                  <a:pt x="943" y="3090"/>
-                </a:lnTo>
-                <a:lnTo>
-                  <a:pt x="1123" y="3270"/>
-                </a:lnTo>
-                <a:lnTo>
-                  <a:pt x="1123" y="3270"/>
-                </a:lnTo>
-                <a:lnTo>
-                  <a:pt x="1127" y="3272"/>
-                </a:lnTo>
-                <a:lnTo>
-                  <a:pt x="1133" y="3275"/>
-                </a:lnTo>
-                <a:lnTo>
-                  <a:pt x="1139" y="3278"/>
-                </a:lnTo>
-                <a:lnTo>
-                  <a:pt x="1144" y="3278"/>
-                </a:lnTo>
-                <a:lnTo>
-                  <a:pt x="1150" y="3278"/>
-                </a:lnTo>
-                <a:lnTo>
-                  <a:pt x="1155" y="3275"/>
-                </a:lnTo>
-                <a:lnTo>
-                  <a:pt x="1161" y="3272"/>
-                </a:lnTo>
-                <a:lnTo>
-                  <a:pt x="1165" y="3270"/>
-                </a:lnTo>
-                <a:lnTo>
-                  <a:pt x="1345" y="3090"/>
-                </a:lnTo>
-                <a:lnTo>
-                  <a:pt x="5760" y="3090"/>
-                </a:lnTo>
-                <a:lnTo>
-                  <a:pt x="5760" y="0"/>
-                </a:lnTo>
-                <a:close/>
-              </a:path>
-            </a:pathLst>
-          </a:custGeom>
-          <a:ln/>
-          <a:effectLst/>
-          <a:extLst>
-            <a:ext uri="{91240B29-F687-4f45-9708-019B960494DF}">
-              <a14:hiddenLine xmlns="" xmlns:a14="http://schemas.microsoft.com/office/drawing/2010/main" w="9525">
-                <a:solidFill>
-                  <a:srgbClr val="000000"/>
-                </a:solidFill>
-                <a:round/>
-                <a:headEnd/>
-                <a:tailEnd/>
-              </a14:hiddenLine>
-            </a:ext>
-          </a:extLst>
-        </p:spPr>
-        <p:style>
-          <a:lnRef idx="1">
-            <a:schemeClr val="accent1"/>
-          </a:lnRef>
-          <a:fillRef idx="3">
-            <a:schemeClr val="accent1"/>
-          </a:fillRef>
-          <a:effectRef idx="2">
-            <a:schemeClr val="accent1"/>
-          </a:effectRef>
-          <a:fontRef idx="minor">
-            <a:schemeClr val="lt1"/>
-          </a:fontRef>
-        </p:style>
-      </p:sp>
+        </p:grpSpPr>
+        <p:sp>
+          <p:nvSpPr>
+            <p:cNvPr id="22" name="Freeform 6"/>
+            <p:cNvSpPr/>
+            <p:nvPr/>
+          </p:nvSpPr>
+          <p:spPr bwMode="auto">
+            <a:xfrm>
+              <a:off x="3367088" y="-4763"/>
+              <a:ext cx="1063625" cy="2782888"/>
+            </a:xfrm>
+            <a:custGeom>
+              <a:avLst/>
+              <a:gdLst/>
+              <a:ahLst/>
+              <a:cxnLst/>
+              <a:rect l="0" t="0" r="r" b="b"/>
+              <a:pathLst>
+                <a:path w="670" h="1753">
+                  <a:moveTo>
+                    <a:pt x="0" y="1696"/>
+                  </a:moveTo>
+                  <a:lnTo>
+                    <a:pt x="225" y="1753"/>
+                  </a:lnTo>
+                  <a:lnTo>
+                    <a:pt x="670" y="0"/>
+                  </a:lnTo>
+                  <a:lnTo>
+                    <a:pt x="430" y="0"/>
+                  </a:lnTo>
+                  <a:lnTo>
+                    <a:pt x="0" y="1696"/>
+                  </a:lnTo>
+                  <a:close/>
+                </a:path>
+              </a:pathLst>
+            </a:custGeom>
+            <a:solidFill>
+              <a:schemeClr val="accent1"/>
+            </a:solidFill>
+            <a:ln>
+              <a:noFill/>
+            </a:ln>
+          </p:spPr>
+        </p:sp>
+        <p:sp>
+          <p:nvSpPr>
+            <p:cNvPr id="23" name="Freeform 7"/>
+            <p:cNvSpPr/>
+            <p:nvPr/>
+          </p:nvSpPr>
+          <p:spPr bwMode="auto">
+            <a:xfrm>
+              <a:off x="2928938" y="-4763"/>
+              <a:ext cx="1035050" cy="2673350"/>
+            </a:xfrm>
+            <a:custGeom>
+              <a:avLst/>
+              <a:gdLst/>
+              <a:ahLst/>
+              <a:cxnLst/>
+              <a:rect l="0" t="0" r="r" b="b"/>
+              <a:pathLst>
+                <a:path w="652" h="1684">
+                  <a:moveTo>
+                    <a:pt x="225" y="1684"/>
+                  </a:moveTo>
+                  <a:lnTo>
+                    <a:pt x="652" y="0"/>
+                  </a:lnTo>
+                  <a:lnTo>
+                    <a:pt x="411" y="0"/>
+                  </a:lnTo>
+                  <a:lnTo>
+                    <a:pt x="0" y="1627"/>
+                  </a:lnTo>
+                  <a:lnTo>
+                    <a:pt x="219" y="1681"/>
+                  </a:lnTo>
+                  <a:lnTo>
+                    <a:pt x="225" y="1684"/>
+                  </a:lnTo>
+                  <a:close/>
+                </a:path>
+              </a:pathLst>
+            </a:custGeom>
+            <a:solidFill>
+              <a:schemeClr val="tx1">
+                <a:lumMod val="65000"/>
+                <a:lumOff val="35000"/>
+              </a:schemeClr>
+            </a:solidFill>
+            <a:ln>
+              <a:noFill/>
+            </a:ln>
+          </p:spPr>
+        </p:sp>
+        <p:sp>
+          <p:nvSpPr>
+            <p:cNvPr id="24" name="Freeform 9"/>
+            <p:cNvSpPr/>
+            <p:nvPr/>
+          </p:nvSpPr>
+          <p:spPr bwMode="auto">
+            <a:xfrm>
+              <a:off x="2928938" y="2582862"/>
+              <a:ext cx="2693987" cy="4275138"/>
+            </a:xfrm>
+            <a:custGeom>
+              <a:avLst/>
+              <a:gdLst/>
+              <a:ahLst/>
+              <a:cxnLst/>
+              <a:rect l="0" t="0" r="r" b="b"/>
+              <a:pathLst>
+                <a:path w="1697" h="2693">
+                  <a:moveTo>
+                    <a:pt x="0" y="0"/>
+                  </a:moveTo>
+                  <a:lnTo>
+                    <a:pt x="1622" y="2693"/>
+                  </a:lnTo>
+                  <a:lnTo>
+                    <a:pt x="1697" y="2693"/>
+                  </a:lnTo>
+                  <a:lnTo>
+                    <a:pt x="0" y="0"/>
+                  </a:lnTo>
+                  <a:close/>
+                </a:path>
+              </a:pathLst>
+            </a:custGeom>
+            <a:solidFill>
+              <a:schemeClr val="tx1">
+                <a:lumMod val="85000"/>
+                <a:lumOff val="15000"/>
+              </a:schemeClr>
+            </a:solidFill>
+            <a:ln>
+              <a:noFill/>
+            </a:ln>
+          </p:spPr>
+        </p:sp>
+        <p:sp>
+          <p:nvSpPr>
+            <p:cNvPr id="25" name="Freeform 10"/>
+            <p:cNvSpPr/>
+            <p:nvPr/>
+          </p:nvSpPr>
+          <p:spPr bwMode="auto">
+            <a:xfrm>
+              <a:off x="3371850" y="2692400"/>
+              <a:ext cx="3332162" cy="4165600"/>
+            </a:xfrm>
+            <a:custGeom>
+              <a:avLst/>
+              <a:gdLst/>
+              <a:ahLst/>
+              <a:cxnLst/>
+              <a:rect l="0" t="0" r="r" b="b"/>
+              <a:pathLst>
+                <a:path w="2099" h="2624">
+                  <a:moveTo>
+                    <a:pt x="2099" y="2624"/>
+                  </a:moveTo>
+                  <a:lnTo>
+                    <a:pt x="0" y="0"/>
+                  </a:lnTo>
+                  <a:lnTo>
+                    <a:pt x="2021" y="2624"/>
+                  </a:lnTo>
+                  <a:lnTo>
+                    <a:pt x="2099" y="2624"/>
+                  </a:lnTo>
+                  <a:close/>
+                </a:path>
+              </a:pathLst>
+            </a:custGeom>
+            <a:solidFill>
+              <a:schemeClr val="accent1">
+                <a:lumMod val="50000"/>
+              </a:schemeClr>
+            </a:solidFill>
+            <a:ln>
+              <a:noFill/>
+            </a:ln>
+          </p:spPr>
+        </p:sp>
+        <p:sp>
+          <p:nvSpPr>
+            <p:cNvPr id="26" name="Freeform 11"/>
+            <p:cNvSpPr/>
+            <p:nvPr/>
+          </p:nvSpPr>
+          <p:spPr bwMode="auto">
+            <a:xfrm>
+              <a:off x="3367088" y="2687637"/>
+              <a:ext cx="4576762" cy="4170363"/>
+            </a:xfrm>
+            <a:custGeom>
+              <a:avLst/>
+              <a:gdLst/>
+              <a:ahLst/>
+              <a:cxnLst/>
+              <a:rect l="0" t="0" r="r" b="b"/>
+              <a:pathLst>
+                <a:path w="2883" h="2627">
+                  <a:moveTo>
+                    <a:pt x="0" y="0"/>
+                  </a:moveTo>
+                  <a:lnTo>
+                    <a:pt x="3" y="3"/>
+                  </a:lnTo>
+                  <a:lnTo>
+                    <a:pt x="2102" y="2627"/>
+                  </a:lnTo>
+                  <a:lnTo>
+                    <a:pt x="2883" y="2627"/>
+                  </a:lnTo>
+                  <a:lnTo>
+                    <a:pt x="225" y="57"/>
+                  </a:lnTo>
+                  <a:lnTo>
+                    <a:pt x="0" y="0"/>
+                  </a:lnTo>
+                  <a:close/>
+                </a:path>
+              </a:pathLst>
+            </a:custGeom>
+            <a:solidFill>
+              <a:schemeClr val="accent1">
+                <a:lumMod val="75000"/>
+              </a:schemeClr>
+            </a:solidFill>
+            <a:ln>
+              <a:noFill/>
+            </a:ln>
+          </p:spPr>
+        </p:sp>
+        <p:sp>
+          <p:nvSpPr>
+            <p:cNvPr id="27" name="Freeform 12"/>
+            <p:cNvSpPr/>
+            <p:nvPr/>
+          </p:nvSpPr>
+          <p:spPr bwMode="auto">
+            <a:xfrm>
+              <a:off x="2928938" y="2578100"/>
+              <a:ext cx="3584575" cy="4279900"/>
+            </a:xfrm>
+            <a:custGeom>
+              <a:avLst/>
+              <a:gdLst/>
+              <a:ahLst/>
+              <a:cxnLst/>
+              <a:rect l="0" t="0" r="r" b="b"/>
+              <a:pathLst>
+                <a:path w="2258" h="2696">
+                  <a:moveTo>
+                    <a:pt x="2258" y="2696"/>
+                  </a:moveTo>
+                  <a:lnTo>
+                    <a:pt x="264" y="111"/>
+                  </a:lnTo>
+                  <a:lnTo>
+                    <a:pt x="228" y="60"/>
+                  </a:lnTo>
+                  <a:lnTo>
+                    <a:pt x="225" y="57"/>
+                  </a:lnTo>
+                  <a:lnTo>
+                    <a:pt x="0" y="0"/>
+                  </a:lnTo>
+                  <a:lnTo>
+                    <a:pt x="0" y="3"/>
+                  </a:lnTo>
+                  <a:lnTo>
+                    <a:pt x="1697" y="2696"/>
+                  </a:lnTo>
+                  <a:lnTo>
+                    <a:pt x="2258" y="2696"/>
+                  </a:lnTo>
+                  <a:close/>
+                </a:path>
+              </a:pathLst>
+            </a:custGeom>
+            <a:solidFill>
+              <a:schemeClr val="tx1">
+                <a:lumMod val="75000"/>
+                <a:lumOff val="25000"/>
+              </a:schemeClr>
+            </a:solidFill>
+            <a:ln>
+              <a:noFill/>
+            </a:ln>
+          </p:spPr>
+        </p:sp>
+      </p:grpSp>
       <p:sp>
         <p:nvSpPr>
           <p:cNvPr id="2" name="Title 1"/>
@@ -267,15 +476,19 @@
         </p:nvSpPr>
         <p:spPr>
           <a:xfrm>
-            <a:off x="810001" y="1449147"/>
-            <a:ext cx="10572000" cy="2971051"/>
+            <a:off x="2928401" y="1380068"/>
+            <a:ext cx="8574622" cy="2616199"/>
           </a:xfrm>
         </p:spPr>
         <p:txBody>
-          <a:bodyPr/>
+          <a:bodyPr anchor="b">
+            <a:normAutofit/>
+          </a:bodyPr>
           <a:lstStyle>
-            <a:lvl1pPr>
-              <a:defRPr sz="5400"/>
+            <a:lvl1pPr algn="r">
+              <a:defRPr sz="6000">
+                <a:effectLst/>
+              </a:defRPr>
             </a:lvl1pPr>
           </a:lstStyle>
           <a:p>
@@ -299,16 +512,18 @@
         </p:nvSpPr>
         <p:spPr>
           <a:xfrm>
-            <a:off x="810001" y="5280847"/>
-            <a:ext cx="10572000" cy="434974"/>
+            <a:off x="4515377" y="3996267"/>
+            <a:ext cx="6987645" cy="1388534"/>
           </a:xfrm>
         </p:spPr>
         <p:txBody>
-          <a:bodyPr anchor="t"/>
+          <a:bodyPr anchor="t">
+            <a:normAutofit/>
+          </a:bodyPr>
           <a:lstStyle>
-            <a:lvl1pPr marL="0" indent="0" algn="l">
-              <a:buNone/>
-              <a:defRPr>
+            <a:lvl1pPr marL="0" indent="0" algn="r">
+              <a:buNone/>
+              <a:defRPr sz="2100">
                 <a:solidFill>
                   <a:schemeClr val="tx1"/>
                 </a:solidFill>
@@ -422,7 +637,7 @@
             <a:fld id="{B61BEF0D-F0BB-DE4B-95CE-6DB70DBA9567}" type="datetimeFigureOut">
               <a:rPr lang="en-US" smtClean="0"/>
               <a:pPr/>
-              <a:t>5/30/2017</a:t>
+              <a:t>5/31/2017</a:t>
             </a:fld>
             <a:endParaRPr lang="en-US" dirty="0"/>
           </a:p>
@@ -438,7 +653,12 @@
             <p:ph type="ftr" sz="quarter" idx="11"/>
           </p:nvPr>
         </p:nvSpPr>
-        <p:spPr/>
+        <p:spPr>
+          <a:xfrm>
+            <a:off x="5332412" y="5883275"/>
+            <a:ext cx="4324044" cy="365125"/>
+          </a:xfrm>
+        </p:spPr>
         <p:txBody>
           <a:bodyPr/>
           <a:lstStyle/>
@@ -474,7 +694,7 @@
     </p:spTree>
     <p:extLst>
       <p:ext uri="{BB962C8B-B14F-4D97-AF65-F5344CB8AC3E}">
-        <p14:creationId xmlns:p14="http://schemas.microsoft.com/office/powerpoint/2010/main" val="3810462122"/>
+        <p14:creationId xmlns:p14="http://schemas.microsoft.com/office/powerpoint/2010/main" val="280337840"/>
       </p:ext>
     </p:extLst>
   </p:cSld>
@@ -513,8 +733,8 @@
         </p:nvSpPr>
         <p:spPr>
           <a:xfrm>
-            <a:off x="810000" y="4800600"/>
-            <a:ext cx="10561418" cy="566738"/>
+            <a:off x="1484311" y="4732865"/>
+            <a:ext cx="10018711" cy="566738"/>
           </a:xfrm>
         </p:spPr>
         <p:txBody>
@@ -522,7 +742,7 @@
             <a:normAutofit/>
           </a:bodyPr>
           <a:lstStyle>
-            <a:lvl1pPr algn="l">
+            <a:lvl1pPr algn="ctr">
               <a:defRPr sz="2400" b="0"/>
             </a:lvl1pPr>
           </a:lstStyle>
@@ -537,116 +757,89 @@
       </p:sp>
       <p:sp>
         <p:nvSpPr>
-          <p:cNvPr id="15" name="Picture Placeholder 14"/>
+          <p:cNvPr id="3" name="Picture Placeholder 2"/>
           <p:cNvSpPr>
             <a:spLocks noGrp="1" noChangeAspect="1"/>
           </p:cNvSpPr>
           <p:nvPr>
-            <p:ph type="pic" sz="quarter" idx="13"/>
-          </p:nvPr>
-        </p:nvSpPr>
-        <p:spPr bwMode="auto">
+            <p:ph type="pic" idx="1"/>
+          </p:nvPr>
+        </p:nvSpPr>
+        <p:spPr>
           <a:xfrm>
-            <a:off x="0" y="0"/>
-            <a:ext cx="12192000" cy="4800600"/>
+            <a:off x="2386012" y="932112"/>
+            <a:ext cx="8225944" cy="3164976"/>
           </a:xfrm>
-          <a:custGeom>
-            <a:avLst/>
-            <a:gdLst/>
-            <a:ahLst/>
-            <a:cxnLst/>
-            <a:rect l="0" t="0" r="r" b="b"/>
-            <a:pathLst>
-              <a:path w="5760" h="3289">
-                <a:moveTo>
-                  <a:pt x="5760" y="0"/>
-                </a:moveTo>
-                <a:lnTo>
-                  <a:pt x="0" y="0"/>
-                </a:lnTo>
-                <a:lnTo>
-                  <a:pt x="0" y="3100"/>
-                </a:lnTo>
-                <a:lnTo>
-                  <a:pt x="943" y="3100"/>
-                </a:lnTo>
-                <a:lnTo>
-                  <a:pt x="1123" y="3281"/>
-                </a:lnTo>
-                <a:lnTo>
-                  <a:pt x="1123" y="3281"/>
-                </a:lnTo>
-                <a:lnTo>
-                  <a:pt x="1127" y="3283"/>
-                </a:lnTo>
-                <a:lnTo>
-                  <a:pt x="1133" y="3286"/>
-                </a:lnTo>
-                <a:lnTo>
-                  <a:pt x="1139" y="3289"/>
-                </a:lnTo>
-                <a:lnTo>
-                  <a:pt x="1144" y="3289"/>
-                </a:lnTo>
-                <a:lnTo>
-                  <a:pt x="1150" y="3289"/>
-                </a:lnTo>
-                <a:lnTo>
-                  <a:pt x="1155" y="3286"/>
-                </a:lnTo>
-                <a:lnTo>
-                  <a:pt x="1161" y="3283"/>
-                </a:lnTo>
-                <a:lnTo>
-                  <a:pt x="1165" y="3281"/>
-                </a:lnTo>
-                <a:lnTo>
-                  <a:pt x="1345" y="3100"/>
-                </a:lnTo>
-                <a:lnTo>
-                  <a:pt x="5760" y="3100"/>
-                </a:lnTo>
-                <a:lnTo>
-                  <a:pt x="5760" y="0"/>
-                </a:lnTo>
-                <a:close/>
-              </a:path>
-            </a:pathLst>
-          </a:custGeom>
-          <a:noFill/>
-          <a:ln>
-            <a:solidFill>
-              <a:schemeClr val="tx2"/>
-            </a:solidFill>
+          <a:prstGeom prst="roundRect">
+            <a:avLst>
+              <a:gd name="adj" fmla="val 4380"/>
+            </a:avLst>
+          </a:prstGeom>
+          <a:ln w="38100">
+            <a:gradFill flip="none" rotWithShape="1">
+              <a:gsLst>
+                <a:gs pos="0">
+                  <a:schemeClr val="bg2"/>
+                </a:gs>
+                <a:gs pos="100000">
+                  <a:schemeClr val="bg2">
+                    <a:lumMod val="75000"/>
+                  </a:schemeClr>
+                </a:gs>
+              </a:gsLst>
+              <a:lin ang="5400000" scaled="0"/>
+              <a:tileRect/>
+            </a:gradFill>
           </a:ln>
+          <a:effectLst>
+            <a:innerShdw blurRad="57150" dist="38100" dir="14460000">
+              <a:srgbClr val="000000">
+                <a:alpha val="70000"/>
+              </a:srgbClr>
+            </a:innerShdw>
+          </a:effectLst>
         </p:spPr>
-        <p:style>
-          <a:lnRef idx="1">
-            <a:schemeClr val="accent1"/>
-          </a:lnRef>
-          <a:fillRef idx="3">
-            <a:schemeClr val="accent1"/>
-          </a:fillRef>
-          <a:effectRef idx="2">
-            <a:schemeClr val="accent1"/>
-          </a:effectRef>
-          <a:fontRef idx="minor">
-            <a:schemeClr val="lt1"/>
-          </a:fontRef>
-        </p:style>
-        <p:txBody>
-          <a:bodyPr wrap="square" numCol="1" anchor="t" anchorCtr="0" compatLnSpc="1">
-            <a:prstTxWarp prst="textNoShape">
-              <a:avLst/>
-            </a:prstTxWarp>
+        <p:txBody>
+          <a:bodyPr anchor="t">
             <a:normAutofit/>
           </a:bodyPr>
           <a:lstStyle>
             <a:lvl1pPr marL="0" indent="0" algn="ctr">
-              <a:buFontTx/>
               <a:buNone/>
               <a:defRPr sz="1600"/>
             </a:lvl1pPr>
+            <a:lvl2pPr marL="457200" indent="0">
+              <a:buNone/>
+              <a:defRPr sz="1600"/>
+            </a:lvl2pPr>
+            <a:lvl3pPr marL="914400" indent="0">
+              <a:buNone/>
+              <a:defRPr sz="1600"/>
+            </a:lvl3pPr>
+            <a:lvl4pPr marL="1371600" indent="0">
+              <a:buNone/>
+              <a:defRPr sz="1600"/>
+            </a:lvl4pPr>
+            <a:lvl5pPr marL="1828800" indent="0">
+              <a:buNone/>
+              <a:defRPr sz="1600"/>
+            </a:lvl5pPr>
+            <a:lvl6pPr marL="2286000" indent="0">
+              <a:buNone/>
+              <a:defRPr sz="1600"/>
+            </a:lvl6pPr>
+            <a:lvl7pPr marL="2743200" indent="0">
+              <a:buNone/>
+              <a:defRPr sz="1600"/>
+            </a:lvl7pPr>
+            <a:lvl8pPr marL="3200400" indent="0">
+              <a:buNone/>
+              <a:defRPr sz="1600"/>
+            </a:lvl8pPr>
+            <a:lvl9pPr marL="3657600" indent="0">
+              <a:buNone/>
+              <a:defRPr sz="1600"/>
+            </a:lvl9pPr>
           </a:lstStyle>
           <a:p>
             <a:r>
@@ -669,8 +862,8 @@
         </p:nvSpPr>
         <p:spPr>
           <a:xfrm>
-            <a:off x="810000" y="5367338"/>
-            <a:ext cx="10561418" cy="493712"/>
+            <a:off x="1484311" y="5299603"/>
+            <a:ext cx="10018711" cy="493712"/>
           </a:xfrm>
         </p:spPr>
         <p:txBody>
@@ -678,9 +871,9 @@
             <a:normAutofit/>
           </a:bodyPr>
           <a:lstStyle>
-            <a:lvl1pPr marL="0" indent="0">
-              <a:buNone/>
-              <a:defRPr sz="1200"/>
+            <a:lvl1pPr marL="0" indent="0" algn="ctr">
+              <a:buNone/>
+              <a:defRPr sz="1400"/>
             </a:lvl1pPr>
             <a:lvl2pPr marL="457200" indent="0">
               <a:buNone/>
@@ -742,7 +935,7 @@
             <a:fld id="{B61BEF0D-F0BB-DE4B-95CE-6DB70DBA9567}" type="datetimeFigureOut">
               <a:rPr lang="en-US" smtClean="0"/>
               <a:pPr/>
-              <a:t>5/30/2017</a:t>
+              <a:t>5/31/2017</a:t>
             </a:fld>
             <a:endParaRPr lang="en-US" dirty="0"/>
           </a:p>
@@ -794,7 +987,7 @@
     </p:spTree>
     <p:extLst>
       <p:ext uri="{BB962C8B-B14F-4D97-AF65-F5344CB8AC3E}">
-        <p14:creationId xmlns:p14="http://schemas.microsoft.com/office/powerpoint/2010/main" val="612687436"/>
+        <p14:creationId xmlns:p14="http://schemas.microsoft.com/office/powerpoint/2010/main" val="2449360186"/>
       </p:ext>
     </p:extLst>
   </p:cSld>
@@ -805,6 +998,256 @@
 </file>
 
 <file path=ppt/slideLayouts/slideLayout11.xml><?xml version="1.0" encoding="utf-8"?>
+<p:sldLayout xmlns:a="http://schemas.openxmlformats.org/drawingml/2006/main" xmlns:r="http://schemas.openxmlformats.org/officeDocument/2006/relationships" xmlns:p="http://schemas.openxmlformats.org/presentationml/2006/main" preserve="1">
+  <p:cSld name="Titel en bijschrift">
+    <p:spTree>
+      <p:nvGrpSpPr>
+        <p:cNvPr id="1" name=""/>
+        <p:cNvGrpSpPr/>
+        <p:nvPr/>
+      </p:nvGrpSpPr>
+      <p:grpSpPr>
+        <a:xfrm>
+          <a:off x="0" y="0"/>
+          <a:ext cx="0" cy="0"/>
+          <a:chOff x="0" y="0"/>
+          <a:chExt cx="0" cy="0"/>
+        </a:xfrm>
+      </p:grpSpPr>
+      <p:sp>
+        <p:nvSpPr>
+          <p:cNvPr id="2" name="Title 1"/>
+          <p:cNvSpPr>
+            <a:spLocks noGrp="1"/>
+          </p:cNvSpPr>
+          <p:nvPr>
+            <p:ph type="title"/>
+          </p:nvPr>
+        </p:nvSpPr>
+        <p:spPr>
+          <a:xfrm>
+            <a:off x="1484312" y="685800"/>
+            <a:ext cx="10018711" cy="3048000"/>
+          </a:xfrm>
+        </p:spPr>
+        <p:txBody>
+          <a:bodyPr anchor="ctr">
+            <a:normAutofit/>
+          </a:bodyPr>
+          <a:lstStyle>
+            <a:lvl1pPr algn="ctr">
+              <a:defRPr sz="3200" b="0" cap="none"/>
+            </a:lvl1pPr>
+          </a:lstStyle>
+          <a:p>
+            <a:r>
+              <a:rPr lang="nl-NL"/>
+              <a:t>Klik om de stijl te bewerken</a:t>
+            </a:r>
+            <a:endParaRPr lang="en-US" dirty="0"/>
+          </a:p>
+        </p:txBody>
+      </p:sp>
+      <p:sp>
+        <p:nvSpPr>
+          <p:cNvPr id="3" name="Text Placeholder 2"/>
+          <p:cNvSpPr>
+            <a:spLocks noGrp="1"/>
+          </p:cNvSpPr>
+          <p:nvPr>
+            <p:ph type="body" idx="1"/>
+          </p:nvPr>
+        </p:nvSpPr>
+        <p:spPr>
+          <a:xfrm>
+            <a:off x="1484312" y="4343400"/>
+            <a:ext cx="10018713" cy="1447800"/>
+          </a:xfrm>
+        </p:spPr>
+        <p:txBody>
+          <a:bodyPr anchor="ctr">
+            <a:normAutofit/>
+          </a:bodyPr>
+          <a:lstStyle>
+            <a:lvl1pPr marL="0" indent="0" algn="ctr">
+              <a:buNone/>
+              <a:defRPr sz="2000">
+                <a:solidFill>
+                  <a:schemeClr val="tx1"/>
+                </a:solidFill>
+              </a:defRPr>
+            </a:lvl1pPr>
+            <a:lvl2pPr marL="457200" indent="0">
+              <a:buNone/>
+              <a:defRPr sz="1800">
+                <a:solidFill>
+                  <a:schemeClr val="tx1">
+                    <a:tint val="75000"/>
+                  </a:schemeClr>
+                </a:solidFill>
+              </a:defRPr>
+            </a:lvl2pPr>
+            <a:lvl3pPr marL="914400" indent="0">
+              <a:buNone/>
+              <a:defRPr sz="1600">
+                <a:solidFill>
+                  <a:schemeClr val="tx1">
+                    <a:tint val="75000"/>
+                  </a:schemeClr>
+                </a:solidFill>
+              </a:defRPr>
+            </a:lvl3pPr>
+            <a:lvl4pPr marL="1371600" indent="0">
+              <a:buNone/>
+              <a:defRPr sz="1400">
+                <a:solidFill>
+                  <a:schemeClr val="tx1">
+                    <a:tint val="75000"/>
+                  </a:schemeClr>
+                </a:solidFill>
+              </a:defRPr>
+            </a:lvl4pPr>
+            <a:lvl5pPr marL="1828800" indent="0">
+              <a:buNone/>
+              <a:defRPr sz="1400">
+                <a:solidFill>
+                  <a:schemeClr val="tx1">
+                    <a:tint val="75000"/>
+                  </a:schemeClr>
+                </a:solidFill>
+              </a:defRPr>
+            </a:lvl5pPr>
+            <a:lvl6pPr marL="2286000" indent="0">
+              <a:buNone/>
+              <a:defRPr sz="1400">
+                <a:solidFill>
+                  <a:schemeClr val="tx1">
+                    <a:tint val="75000"/>
+                  </a:schemeClr>
+                </a:solidFill>
+              </a:defRPr>
+            </a:lvl6pPr>
+            <a:lvl7pPr marL="2743200" indent="0">
+              <a:buNone/>
+              <a:defRPr sz="1400">
+                <a:solidFill>
+                  <a:schemeClr val="tx1">
+                    <a:tint val="75000"/>
+                  </a:schemeClr>
+                </a:solidFill>
+              </a:defRPr>
+            </a:lvl7pPr>
+            <a:lvl8pPr marL="3200400" indent="0">
+              <a:buNone/>
+              <a:defRPr sz="1400">
+                <a:solidFill>
+                  <a:schemeClr val="tx1">
+                    <a:tint val="75000"/>
+                  </a:schemeClr>
+                </a:solidFill>
+              </a:defRPr>
+            </a:lvl8pPr>
+            <a:lvl9pPr marL="3657600" indent="0">
+              <a:buNone/>
+              <a:defRPr sz="1400">
+                <a:solidFill>
+                  <a:schemeClr val="tx1">
+                    <a:tint val="75000"/>
+                  </a:schemeClr>
+                </a:solidFill>
+              </a:defRPr>
+            </a:lvl9pPr>
+          </a:lstStyle>
+          <a:p>
+            <a:pPr lvl="0"/>
+            <a:r>
+              <a:rPr lang="nl-NL"/>
+              <a:t>Tekststijl van het model bewerken</a:t>
+            </a:r>
+          </a:p>
+        </p:txBody>
+      </p:sp>
+      <p:sp>
+        <p:nvSpPr>
+          <p:cNvPr id="4" name="Date Placeholder 3"/>
+          <p:cNvSpPr>
+            <a:spLocks noGrp="1"/>
+          </p:cNvSpPr>
+          <p:nvPr>
+            <p:ph type="dt" sz="half" idx="10"/>
+          </p:nvPr>
+        </p:nvSpPr>
+        <p:spPr/>
+        <p:txBody>
+          <a:bodyPr/>
+          <a:lstStyle/>
+          <a:p>
+            <a:fld id="{B61BEF0D-F0BB-DE4B-95CE-6DB70DBA9567}" type="datetimeFigureOut">
+              <a:rPr lang="en-US" smtClean="0"/>
+              <a:pPr/>
+              <a:t>5/31/2017</a:t>
+            </a:fld>
+            <a:endParaRPr lang="en-US" dirty="0"/>
+          </a:p>
+        </p:txBody>
+      </p:sp>
+      <p:sp>
+        <p:nvSpPr>
+          <p:cNvPr id="5" name="Footer Placeholder 4"/>
+          <p:cNvSpPr>
+            <a:spLocks noGrp="1"/>
+          </p:cNvSpPr>
+          <p:nvPr>
+            <p:ph type="ftr" sz="quarter" idx="11"/>
+          </p:nvPr>
+        </p:nvSpPr>
+        <p:spPr/>
+        <p:txBody>
+          <a:bodyPr/>
+          <a:lstStyle/>
+          <a:p>
+            <a:endParaRPr lang="en-US" dirty="0"/>
+          </a:p>
+        </p:txBody>
+      </p:sp>
+      <p:sp>
+        <p:nvSpPr>
+          <p:cNvPr id="6" name="Slide Number Placeholder 5"/>
+          <p:cNvSpPr>
+            <a:spLocks noGrp="1"/>
+          </p:cNvSpPr>
+          <p:nvPr>
+            <p:ph type="sldNum" sz="quarter" idx="12"/>
+          </p:nvPr>
+        </p:nvSpPr>
+        <p:spPr/>
+        <p:txBody>
+          <a:bodyPr/>
+          <a:lstStyle/>
+          <a:p>
+            <a:fld id="{D57F1E4F-1CFF-5643-939E-217C01CDF565}" type="slidenum">
+              <a:rPr lang="en-US" smtClean="0"/>
+              <a:pPr/>
+              <a:t>‹nr.›</a:t>
+            </a:fld>
+            <a:endParaRPr lang="en-US" dirty="0"/>
+          </a:p>
+        </p:txBody>
+      </p:sp>
+    </p:spTree>
+    <p:extLst>
+      <p:ext uri="{BB962C8B-B14F-4D97-AF65-F5344CB8AC3E}">
+        <p14:creationId xmlns:p14="http://schemas.microsoft.com/office/powerpoint/2010/main" val="1977402689"/>
+      </p:ext>
+    </p:extLst>
+  </p:cSld>
+  <p:clrMapOvr>
+    <a:masterClrMapping/>
+  </p:clrMapOvr>
+</p:sldLayout>
+</file>
+
+<file path=ppt/slideLayouts/slideLayout12.xml><?xml version="1.0" encoding="utf-8"?>
 <p:sldLayout xmlns:a="http://schemas.openxmlformats.org/drawingml/2006/main" xmlns:r="http://schemas.openxmlformats.org/officeDocument/2006/relationships" xmlns:p="http://schemas.openxmlformats.org/presentationml/2006/main" preserve="1">
   <p:cSld name="Citeraat met bijschrift">
     <p:spTree>
@@ -823,268 +1266,354 @@
       </p:grpSpPr>
       <p:sp>
         <p:nvSpPr>
-          <p:cNvPr id="8" name="Freeform 6"/>
-          <p:cNvSpPr>
-            <a:spLocks noChangeAspect="1"/>
-          </p:cNvSpPr>
+          <p:cNvPr id="14" name="TextBox 13"/>
+          <p:cNvSpPr txBox="1"/>
           <p:nvPr/>
-        </p:nvSpPr>
-        <p:spPr bwMode="auto">
-          <a:xfrm>
-            <a:off x="631697" y="1081456"/>
-            <a:ext cx="6332416" cy="3239188"/>
-          </a:xfrm>
-          <a:custGeom>
-            <a:avLst/>
-            <a:gdLst/>
-            <a:ahLst/>
-            <a:cxnLst/>
-            <a:rect l="0" t="0" r="r" b="b"/>
-            <a:pathLst>
-              <a:path w="3384" h="2308">
-                <a:moveTo>
-                  <a:pt x="3340" y="0"/>
-                </a:moveTo>
-                <a:lnTo>
-                  <a:pt x="44" y="0"/>
-                </a:lnTo>
-                <a:lnTo>
-                  <a:pt x="44" y="0"/>
-                </a:lnTo>
-                <a:lnTo>
-                  <a:pt x="34" y="0"/>
-                </a:lnTo>
-                <a:lnTo>
-                  <a:pt x="26" y="4"/>
-                </a:lnTo>
-                <a:lnTo>
-                  <a:pt x="20" y="8"/>
-                </a:lnTo>
-                <a:lnTo>
-                  <a:pt x="12" y="12"/>
-                </a:lnTo>
-                <a:lnTo>
-                  <a:pt x="8" y="20"/>
-                </a:lnTo>
-                <a:lnTo>
-                  <a:pt x="4" y="26"/>
-                </a:lnTo>
-                <a:lnTo>
-                  <a:pt x="0" y="34"/>
-                </a:lnTo>
-                <a:lnTo>
-                  <a:pt x="0" y="44"/>
-                </a:lnTo>
-                <a:lnTo>
-                  <a:pt x="0" y="2076"/>
-                </a:lnTo>
-                <a:lnTo>
-                  <a:pt x="0" y="2076"/>
-                </a:lnTo>
-                <a:lnTo>
-                  <a:pt x="0" y="2086"/>
-                </a:lnTo>
-                <a:lnTo>
-                  <a:pt x="4" y="2094"/>
-                </a:lnTo>
-                <a:lnTo>
-                  <a:pt x="8" y="2100"/>
-                </a:lnTo>
-                <a:lnTo>
-                  <a:pt x="12" y="2108"/>
-                </a:lnTo>
-                <a:lnTo>
-                  <a:pt x="20" y="2112"/>
-                </a:lnTo>
-                <a:lnTo>
-                  <a:pt x="26" y="2116"/>
-                </a:lnTo>
-                <a:lnTo>
-                  <a:pt x="34" y="2120"/>
-                </a:lnTo>
-                <a:lnTo>
-                  <a:pt x="44" y="2120"/>
-                </a:lnTo>
-                <a:lnTo>
-                  <a:pt x="474" y="2120"/>
-                </a:lnTo>
-                <a:lnTo>
-                  <a:pt x="650" y="2296"/>
-                </a:lnTo>
-                <a:lnTo>
-                  <a:pt x="650" y="2296"/>
-                </a:lnTo>
-                <a:lnTo>
-                  <a:pt x="656" y="2300"/>
-                </a:lnTo>
-                <a:lnTo>
-                  <a:pt x="664" y="2304"/>
-                </a:lnTo>
-                <a:lnTo>
-                  <a:pt x="672" y="2308"/>
-                </a:lnTo>
-                <a:lnTo>
-                  <a:pt x="680" y="2308"/>
-                </a:lnTo>
-                <a:lnTo>
-                  <a:pt x="688" y="2308"/>
-                </a:lnTo>
-                <a:lnTo>
-                  <a:pt x="696" y="2304"/>
-                </a:lnTo>
-                <a:lnTo>
-                  <a:pt x="704" y="2300"/>
-                </a:lnTo>
-                <a:lnTo>
-                  <a:pt x="710" y="2296"/>
-                </a:lnTo>
-                <a:lnTo>
-                  <a:pt x="886" y="2120"/>
-                </a:lnTo>
-                <a:lnTo>
-                  <a:pt x="3340" y="2120"/>
-                </a:lnTo>
-                <a:lnTo>
-                  <a:pt x="3340" y="2120"/>
-                </a:lnTo>
-                <a:lnTo>
-                  <a:pt x="3350" y="2120"/>
-                </a:lnTo>
-                <a:lnTo>
-                  <a:pt x="3358" y="2116"/>
-                </a:lnTo>
-                <a:lnTo>
-                  <a:pt x="3364" y="2112"/>
-                </a:lnTo>
-                <a:lnTo>
-                  <a:pt x="3372" y="2108"/>
-                </a:lnTo>
-                <a:lnTo>
-                  <a:pt x="3376" y="2100"/>
-                </a:lnTo>
-                <a:lnTo>
-                  <a:pt x="3380" y="2094"/>
-                </a:lnTo>
-                <a:lnTo>
-                  <a:pt x="3384" y="2086"/>
-                </a:lnTo>
-                <a:lnTo>
-                  <a:pt x="3384" y="2076"/>
-                </a:lnTo>
-                <a:lnTo>
-                  <a:pt x="3384" y="44"/>
-                </a:lnTo>
-                <a:lnTo>
-                  <a:pt x="3384" y="44"/>
-                </a:lnTo>
-                <a:lnTo>
-                  <a:pt x="3384" y="34"/>
-                </a:lnTo>
-                <a:lnTo>
-                  <a:pt x="3380" y="26"/>
-                </a:lnTo>
-                <a:lnTo>
-                  <a:pt x="3376" y="20"/>
-                </a:lnTo>
-                <a:lnTo>
-                  <a:pt x="3372" y="12"/>
-                </a:lnTo>
-                <a:lnTo>
-                  <a:pt x="3364" y="8"/>
-                </a:lnTo>
-                <a:lnTo>
-                  <a:pt x="3358" y="4"/>
-                </a:lnTo>
-                <a:lnTo>
-                  <a:pt x="3350" y="0"/>
-                </a:lnTo>
-                <a:lnTo>
-                  <a:pt x="3340" y="0"/>
-                </a:lnTo>
-                <a:lnTo>
-                  <a:pt x="3340" y="0"/>
-                </a:lnTo>
-                <a:close/>
-              </a:path>
-            </a:pathLst>
-          </a:custGeom>
-          <a:ln>
-            <a:solidFill>
-              <a:schemeClr val="accent1"/>
-            </a:solidFill>
-          </a:ln>
-        </p:spPr>
-        <p:style>
-          <a:lnRef idx="1">
-            <a:schemeClr val="accent1"/>
-          </a:lnRef>
-          <a:fillRef idx="3">
-            <a:schemeClr val="accent1"/>
-          </a:fillRef>
-          <a:effectRef idx="2">
-            <a:schemeClr val="accent1"/>
-          </a:effectRef>
-          <a:fontRef idx="minor">
-            <a:schemeClr val="lt1"/>
-          </a:fontRef>
-        </p:style>
-      </p:sp>
-      <p:sp>
-        <p:nvSpPr>
-          <p:cNvPr id="2" name="Title 1"/>
-          <p:cNvSpPr>
-            <a:spLocks noGrp="1"/>
-          </p:cNvSpPr>
-          <p:nvPr>
-            <p:ph type="title"/>
-          </p:nvPr>
         </p:nvSpPr>
         <p:spPr>
           <a:xfrm>
-            <a:off x="850985" y="1238502"/>
-            <a:ext cx="5893840" cy="2645912"/>
+            <a:off x="1598612" y="863023"/>
+            <a:ext cx="609600" cy="584776"/>
           </a:xfrm>
+          <a:prstGeom prst="rect">
+            <a:avLst/>
+          </a:prstGeom>
         </p:spPr>
         <p:txBody>
-          <a:bodyPr anchor="b"/>
-          <a:lstStyle>
-            <a:lvl1pPr algn="l">
-              <a:defRPr sz="4200" b="1" cap="none"/>
-            </a:lvl1pPr>
-          </a:lstStyle>
-          <a:p>
-            <a:r>
-              <a:rPr lang="nl-NL"/>
-              <a:t>Klik om de stijl te bewerken</a:t>
-            </a:r>
-            <a:endParaRPr lang="en-US" dirty="0"/>
-          </a:p>
-        </p:txBody>
-      </p:sp>
-      <p:sp>
-        <p:nvSpPr>
-          <p:cNvPr id="3" name="Text Placeholder 2"/>
-          <p:cNvSpPr>
-            <a:spLocks noGrp="1"/>
-          </p:cNvSpPr>
-          <p:nvPr>
-            <p:ph type="body" idx="1"/>
-          </p:nvPr>
-        </p:nvSpPr>
-        <p:spPr>
-          <a:xfrm>
-            <a:off x="853190" y="4443680"/>
-            <a:ext cx="5891636" cy="713241"/>
-          </a:xfrm>
-        </p:spPr>
-        <p:txBody>
-          <a:bodyPr anchor="t">
+          <a:bodyPr vert="horz" lIns="91440" tIns="45720" rIns="91440" bIns="45720" rtlCol="0" anchor="ctr">
             <a:noAutofit/>
           </a:bodyPr>
           <a:lstStyle>
-            <a:lvl1pPr marL="0" indent="0" algn="l">
-              <a:buNone/>
-              <a:defRPr sz="1800">
+            <a:lvl1pPr>
+              <a:spcBef>
+                <a:spcPct val="0"/>
+              </a:spcBef>
+              <a:buNone/>
+              <a:defRPr sz="3200" b="0" cap="all">
+                <a:ln w="3175" cmpd="sng">
+                  <a:noFill/>
+                </a:ln>
+                <a:effectLst>
+                  <a:glow rad="38100">
+                    <a:schemeClr val="bg1">
+                      <a:lumMod val="65000"/>
+                      <a:lumOff val="35000"/>
+                      <a:alpha val="40000"/>
+                    </a:schemeClr>
+                  </a:glow>
+                  <a:outerShdw blurRad="28575" dist="38100" dir="14040000" algn="tl" rotWithShape="0">
+                    <a:srgbClr val="000000">
+                      <a:alpha val="25000"/>
+                    </a:srgbClr>
+                  </a:outerShdw>
+                </a:effectLst>
+              </a:defRPr>
+            </a:lvl1pPr>
+            <a:lvl2pPr>
+              <a:defRPr>
+                <a:solidFill>
+                  <a:schemeClr val="tx2"/>
+                </a:solidFill>
+              </a:defRPr>
+            </a:lvl2pPr>
+            <a:lvl3pPr>
+              <a:defRPr>
+                <a:solidFill>
+                  <a:schemeClr val="tx2"/>
+                </a:solidFill>
+              </a:defRPr>
+            </a:lvl3pPr>
+            <a:lvl4pPr>
+              <a:defRPr>
+                <a:solidFill>
+                  <a:schemeClr val="tx2"/>
+                </a:solidFill>
+              </a:defRPr>
+            </a:lvl4pPr>
+            <a:lvl5pPr>
+              <a:defRPr>
+                <a:solidFill>
+                  <a:schemeClr val="tx2"/>
+                </a:solidFill>
+              </a:defRPr>
+            </a:lvl5pPr>
+            <a:lvl6pPr>
+              <a:defRPr>
+                <a:solidFill>
+                  <a:schemeClr val="tx2"/>
+                </a:solidFill>
+              </a:defRPr>
+            </a:lvl6pPr>
+            <a:lvl7pPr>
+              <a:defRPr>
+                <a:solidFill>
+                  <a:schemeClr val="tx2"/>
+                </a:solidFill>
+              </a:defRPr>
+            </a:lvl7pPr>
+            <a:lvl8pPr>
+              <a:defRPr>
+                <a:solidFill>
+                  <a:schemeClr val="tx2"/>
+                </a:solidFill>
+              </a:defRPr>
+            </a:lvl8pPr>
+            <a:lvl9pPr>
+              <a:defRPr>
+                <a:solidFill>
+                  <a:schemeClr val="tx2"/>
+                </a:solidFill>
+              </a:defRPr>
+            </a:lvl9pPr>
+          </a:lstStyle>
+          <a:p>
+            <a:pPr lvl="0"/>
+            <a:r>
+              <a:rPr lang="en-US" sz="8000" dirty="0">
+                <a:solidFill>
+                  <a:schemeClr val="tx1"/>
+                </a:solidFill>
+                <a:effectLst/>
+              </a:rPr>
+              <a:t>“</a:t>
+            </a:r>
+          </a:p>
+        </p:txBody>
+      </p:sp>
+      <p:sp>
+        <p:nvSpPr>
+          <p:cNvPr id="15" name="TextBox 14"/>
+          <p:cNvSpPr txBox="1"/>
+          <p:nvPr/>
+        </p:nvSpPr>
+        <p:spPr>
+          <a:xfrm>
+            <a:off x="10893425" y="2819399"/>
+            <a:ext cx="609600" cy="584776"/>
+          </a:xfrm>
+          <a:prstGeom prst="rect">
+            <a:avLst/>
+          </a:prstGeom>
+        </p:spPr>
+        <p:txBody>
+          <a:bodyPr vert="horz" lIns="91440" tIns="45720" rIns="91440" bIns="45720" rtlCol="0" anchor="ctr">
+            <a:noAutofit/>
+          </a:bodyPr>
+          <a:lstStyle>
+            <a:lvl1pPr>
+              <a:spcBef>
+                <a:spcPct val="0"/>
+              </a:spcBef>
+              <a:buNone/>
+              <a:defRPr sz="3200" b="0" cap="all">
+                <a:ln w="3175" cmpd="sng">
+                  <a:noFill/>
+                </a:ln>
+                <a:effectLst>
+                  <a:glow rad="38100">
+                    <a:schemeClr val="bg1">
+                      <a:lumMod val="65000"/>
+                      <a:lumOff val="35000"/>
+                      <a:alpha val="40000"/>
+                    </a:schemeClr>
+                  </a:glow>
+                  <a:outerShdw blurRad="28575" dist="38100" dir="14040000" algn="tl" rotWithShape="0">
+                    <a:srgbClr val="000000">
+                      <a:alpha val="25000"/>
+                    </a:srgbClr>
+                  </a:outerShdw>
+                </a:effectLst>
+              </a:defRPr>
+            </a:lvl1pPr>
+            <a:lvl2pPr>
+              <a:defRPr>
+                <a:solidFill>
+                  <a:schemeClr val="tx2"/>
+                </a:solidFill>
+              </a:defRPr>
+            </a:lvl2pPr>
+            <a:lvl3pPr>
+              <a:defRPr>
+                <a:solidFill>
+                  <a:schemeClr val="tx2"/>
+                </a:solidFill>
+              </a:defRPr>
+            </a:lvl3pPr>
+            <a:lvl4pPr>
+              <a:defRPr>
+                <a:solidFill>
+                  <a:schemeClr val="tx2"/>
+                </a:solidFill>
+              </a:defRPr>
+            </a:lvl4pPr>
+            <a:lvl5pPr>
+              <a:defRPr>
+                <a:solidFill>
+                  <a:schemeClr val="tx2"/>
+                </a:solidFill>
+              </a:defRPr>
+            </a:lvl5pPr>
+            <a:lvl6pPr>
+              <a:defRPr>
+                <a:solidFill>
+                  <a:schemeClr val="tx2"/>
+                </a:solidFill>
+              </a:defRPr>
+            </a:lvl6pPr>
+            <a:lvl7pPr>
+              <a:defRPr>
+                <a:solidFill>
+                  <a:schemeClr val="tx2"/>
+                </a:solidFill>
+              </a:defRPr>
+            </a:lvl7pPr>
+            <a:lvl8pPr>
+              <a:defRPr>
+                <a:solidFill>
+                  <a:schemeClr val="tx2"/>
+                </a:solidFill>
+              </a:defRPr>
+            </a:lvl8pPr>
+            <a:lvl9pPr>
+              <a:defRPr>
+                <a:solidFill>
+                  <a:schemeClr val="tx2"/>
+                </a:solidFill>
+              </a:defRPr>
+            </a:lvl9pPr>
+          </a:lstStyle>
+          <a:p>
+            <a:pPr lvl="0" algn="r"/>
+            <a:r>
+              <a:rPr lang="en-US" sz="8000" dirty="0">
+                <a:solidFill>
+                  <a:schemeClr val="tx1"/>
+                </a:solidFill>
+                <a:effectLst/>
+              </a:rPr>
+              <a:t>”</a:t>
+            </a:r>
+          </a:p>
+        </p:txBody>
+      </p:sp>
+      <p:sp>
+        <p:nvSpPr>
+          <p:cNvPr id="2" name="Title 1"/>
+          <p:cNvSpPr>
+            <a:spLocks noGrp="1"/>
+          </p:cNvSpPr>
+          <p:nvPr>
+            <p:ph type="title"/>
+          </p:nvPr>
+        </p:nvSpPr>
+        <p:spPr>
+          <a:xfrm>
+            <a:off x="2208212" y="685800"/>
+            <a:ext cx="8990012" cy="2743199"/>
+          </a:xfrm>
+        </p:spPr>
+        <p:txBody>
+          <a:bodyPr anchor="ctr">
+            <a:normAutofit/>
+          </a:bodyPr>
+          <a:lstStyle>
+            <a:lvl1pPr algn="ctr">
+              <a:defRPr sz="3200" b="0" cap="none">
+                <a:solidFill>
+                  <a:schemeClr val="tx1"/>
+                </a:solidFill>
+              </a:defRPr>
+            </a:lvl1pPr>
+          </a:lstStyle>
+          <a:p>
+            <a:r>
+              <a:rPr lang="nl-NL"/>
+              <a:t>Klik om de stijl te bewerken</a:t>
+            </a:r>
+            <a:endParaRPr lang="en-US" dirty="0"/>
+          </a:p>
+        </p:txBody>
+      </p:sp>
+      <p:sp>
+        <p:nvSpPr>
+          <p:cNvPr id="10" name="Text Placeholder 9"/>
+          <p:cNvSpPr>
+            <a:spLocks noGrp="1"/>
+          </p:cNvSpPr>
+          <p:nvPr>
+            <p:ph type="body" sz="quarter" idx="13"/>
+          </p:nvPr>
+        </p:nvSpPr>
+        <p:spPr>
+          <a:xfrm>
+            <a:off x="2436811" y="3428999"/>
+            <a:ext cx="8532815" cy="381000"/>
+          </a:xfrm>
+        </p:spPr>
+        <p:txBody>
+          <a:bodyPr anchor="ctr">
+            <a:normAutofit/>
+          </a:bodyPr>
+          <a:lstStyle>
+            <a:lvl1pPr marL="0" indent="0">
+              <a:buFontTx/>
+              <a:buNone/>
+              <a:defRPr sz="1800"/>
+            </a:lvl1pPr>
+            <a:lvl2pPr marL="457200" indent="0">
+              <a:buFontTx/>
+              <a:buNone/>
+              <a:defRPr/>
+            </a:lvl2pPr>
+            <a:lvl3pPr marL="914400" indent="0">
+              <a:buFontTx/>
+              <a:buNone/>
+              <a:defRPr/>
+            </a:lvl3pPr>
+            <a:lvl4pPr marL="1371600" indent="0">
+              <a:buFontTx/>
+              <a:buNone/>
+              <a:defRPr/>
+            </a:lvl4pPr>
+            <a:lvl5pPr marL="1828800" indent="0">
+              <a:buFontTx/>
+              <a:buNone/>
+              <a:defRPr/>
+            </a:lvl5pPr>
+          </a:lstStyle>
+          <a:p>
+            <a:pPr lvl="0"/>
+            <a:r>
+              <a:rPr lang="nl-NL"/>
+              <a:t>Tekststijl van het model bewerken</a:t>
+            </a:r>
+          </a:p>
+        </p:txBody>
+      </p:sp>
+      <p:sp>
+        <p:nvSpPr>
+          <p:cNvPr id="3" name="Text Placeholder 2"/>
+          <p:cNvSpPr>
+            <a:spLocks noGrp="1"/>
+          </p:cNvSpPr>
+          <p:nvPr>
+            <p:ph type="body" idx="1"/>
+          </p:nvPr>
+        </p:nvSpPr>
+        <p:spPr>
+          <a:xfrm>
+            <a:off x="1484311" y="4343400"/>
+            <a:ext cx="10018711" cy="1447800"/>
+          </a:xfrm>
+        </p:spPr>
+        <p:txBody>
+          <a:bodyPr anchor="ctr">
+            <a:normAutofit/>
+          </a:bodyPr>
+          <a:lstStyle>
+            <a:lvl1pPr marL="0" indent="0" algn="ctr">
+              <a:buNone/>
+              <a:defRPr sz="2000">
                 <a:solidFill>
                   <a:schemeClr val="tx1"/>
                 </a:solidFill>
@@ -1182,40 +1711,6 @@
       </p:sp>
       <p:sp>
         <p:nvSpPr>
-          <p:cNvPr id="9" name="Text Placeholder 5"/>
-          <p:cNvSpPr>
-            <a:spLocks noGrp="1"/>
-          </p:cNvSpPr>
-          <p:nvPr>
-            <p:ph type="body" sz="quarter" idx="16"/>
-          </p:nvPr>
-        </p:nvSpPr>
-        <p:spPr>
-          <a:xfrm>
-            <a:off x="7574642" y="1081456"/>
-            <a:ext cx="3810001" cy="4075465"/>
-          </a:xfrm>
-        </p:spPr>
-        <p:txBody>
-          <a:bodyPr anchor="t"/>
-          <a:lstStyle>
-            <a:lvl1pPr marL="0" indent="0">
-              <a:buFontTx/>
-              <a:buNone/>
-              <a:defRPr/>
-            </a:lvl1pPr>
-          </a:lstStyle>
-          <a:p>
-            <a:pPr lvl="0"/>
-            <a:r>
-              <a:rPr lang="nl-NL"/>
-              <a:t>Tekststijl van het model bewerken</a:t>
-            </a:r>
-          </a:p>
-        </p:txBody>
-      </p:sp>
-      <p:sp>
-        <p:nvSpPr>
           <p:cNvPr id="4" name="Date Placeholder 3"/>
           <p:cNvSpPr>
             <a:spLocks noGrp="1"/>
@@ -1232,7 +1727,7 @@
             <a:fld id="{B61BEF0D-F0BB-DE4B-95CE-6DB70DBA9567}" type="datetimeFigureOut">
               <a:rPr lang="en-US" smtClean="0"/>
               <a:pPr/>
-              <a:t>5/30/2017</a:t>
+              <a:t>5/31/2017</a:t>
             </a:fld>
             <a:endParaRPr lang="en-US" dirty="0"/>
           </a:p>
@@ -1284,7 +1779,7 @@
     </p:spTree>
     <p:extLst>
       <p:ext uri="{BB962C8B-B14F-4D97-AF65-F5344CB8AC3E}">
-        <p14:creationId xmlns:p14="http://schemas.microsoft.com/office/powerpoint/2010/main" val="1653290863"/>
+        <p14:creationId xmlns:p14="http://schemas.microsoft.com/office/powerpoint/2010/main" val="2616857183"/>
       </p:ext>
     </p:extLst>
   </p:cSld>
@@ -1294,7 +1789,7 @@
 </p:sldLayout>
 </file>
 
-<file path=ppt/slideLayouts/slideLayout12.xml><?xml version="1.0" encoding="utf-8"?>
+<file path=ppt/slideLayouts/slideLayout13.xml><?xml version="1.0" encoding="utf-8"?>
 <p:sldLayout xmlns:a="http://schemas.openxmlformats.org/drawingml/2006/main" xmlns:r="http://schemas.openxmlformats.org/officeDocument/2006/relationships" xmlns:p="http://schemas.openxmlformats.org/presentationml/2006/main" preserve="1">
   <p:cSld name="Naamkaartje">
     <p:spTree>
@@ -1313,215 +1808,7 @@
       </p:grpSpPr>
       <p:sp>
         <p:nvSpPr>
-          <p:cNvPr id="9" name="Freeform 6"/>
-          <p:cNvSpPr>
-            <a:spLocks noChangeAspect="1"/>
-          </p:cNvSpPr>
-          <p:nvPr/>
-        </p:nvSpPr>
-        <p:spPr bwMode="auto">
-          <a:xfrm>
-            <a:off x="1140884" y="2286585"/>
-            <a:ext cx="4895115" cy="2503972"/>
-          </a:xfrm>
-          <a:custGeom>
-            <a:avLst/>
-            <a:gdLst/>
-            <a:ahLst/>
-            <a:cxnLst/>
-            <a:rect l="0" t="0" r="r" b="b"/>
-            <a:pathLst>
-              <a:path w="3384" h="2308">
-                <a:moveTo>
-                  <a:pt x="3340" y="0"/>
-                </a:moveTo>
-                <a:lnTo>
-                  <a:pt x="44" y="0"/>
-                </a:lnTo>
-                <a:lnTo>
-                  <a:pt x="44" y="0"/>
-                </a:lnTo>
-                <a:lnTo>
-                  <a:pt x="34" y="0"/>
-                </a:lnTo>
-                <a:lnTo>
-                  <a:pt x="26" y="4"/>
-                </a:lnTo>
-                <a:lnTo>
-                  <a:pt x="20" y="8"/>
-                </a:lnTo>
-                <a:lnTo>
-                  <a:pt x="12" y="12"/>
-                </a:lnTo>
-                <a:lnTo>
-                  <a:pt x="8" y="20"/>
-                </a:lnTo>
-                <a:lnTo>
-                  <a:pt x="4" y="26"/>
-                </a:lnTo>
-                <a:lnTo>
-                  <a:pt x="0" y="34"/>
-                </a:lnTo>
-                <a:lnTo>
-                  <a:pt x="0" y="44"/>
-                </a:lnTo>
-                <a:lnTo>
-                  <a:pt x="0" y="2076"/>
-                </a:lnTo>
-                <a:lnTo>
-                  <a:pt x="0" y="2076"/>
-                </a:lnTo>
-                <a:lnTo>
-                  <a:pt x="0" y="2086"/>
-                </a:lnTo>
-                <a:lnTo>
-                  <a:pt x="4" y="2094"/>
-                </a:lnTo>
-                <a:lnTo>
-                  <a:pt x="8" y="2100"/>
-                </a:lnTo>
-                <a:lnTo>
-                  <a:pt x="12" y="2108"/>
-                </a:lnTo>
-                <a:lnTo>
-                  <a:pt x="20" y="2112"/>
-                </a:lnTo>
-                <a:lnTo>
-                  <a:pt x="26" y="2116"/>
-                </a:lnTo>
-                <a:lnTo>
-                  <a:pt x="34" y="2120"/>
-                </a:lnTo>
-                <a:lnTo>
-                  <a:pt x="44" y="2120"/>
-                </a:lnTo>
-                <a:lnTo>
-                  <a:pt x="474" y="2120"/>
-                </a:lnTo>
-                <a:lnTo>
-                  <a:pt x="650" y="2296"/>
-                </a:lnTo>
-                <a:lnTo>
-                  <a:pt x="650" y="2296"/>
-                </a:lnTo>
-                <a:lnTo>
-                  <a:pt x="656" y="2300"/>
-                </a:lnTo>
-                <a:lnTo>
-                  <a:pt x="664" y="2304"/>
-                </a:lnTo>
-                <a:lnTo>
-                  <a:pt x="672" y="2308"/>
-                </a:lnTo>
-                <a:lnTo>
-                  <a:pt x="680" y="2308"/>
-                </a:lnTo>
-                <a:lnTo>
-                  <a:pt x="688" y="2308"/>
-                </a:lnTo>
-                <a:lnTo>
-                  <a:pt x="696" y="2304"/>
-                </a:lnTo>
-                <a:lnTo>
-                  <a:pt x="704" y="2300"/>
-                </a:lnTo>
-                <a:lnTo>
-                  <a:pt x="710" y="2296"/>
-                </a:lnTo>
-                <a:lnTo>
-                  <a:pt x="886" y="2120"/>
-                </a:lnTo>
-                <a:lnTo>
-                  <a:pt x="3340" y="2120"/>
-                </a:lnTo>
-                <a:lnTo>
-                  <a:pt x="3340" y="2120"/>
-                </a:lnTo>
-                <a:lnTo>
-                  <a:pt x="3350" y="2120"/>
-                </a:lnTo>
-                <a:lnTo>
-                  <a:pt x="3358" y="2116"/>
-                </a:lnTo>
-                <a:lnTo>
-                  <a:pt x="3364" y="2112"/>
-                </a:lnTo>
-                <a:lnTo>
-                  <a:pt x="3372" y="2108"/>
-                </a:lnTo>
-                <a:lnTo>
-                  <a:pt x="3376" y="2100"/>
-                </a:lnTo>
-                <a:lnTo>
-                  <a:pt x="3380" y="2094"/>
-                </a:lnTo>
-                <a:lnTo>
-                  <a:pt x="3384" y="2086"/>
-                </a:lnTo>
-                <a:lnTo>
-                  <a:pt x="3384" y="2076"/>
-                </a:lnTo>
-                <a:lnTo>
-                  <a:pt x="3384" y="44"/>
-                </a:lnTo>
-                <a:lnTo>
-                  <a:pt x="3384" y="44"/>
-                </a:lnTo>
-                <a:lnTo>
-                  <a:pt x="3384" y="34"/>
-                </a:lnTo>
-                <a:lnTo>
-                  <a:pt x="3380" y="26"/>
-                </a:lnTo>
-                <a:lnTo>
-                  <a:pt x="3376" y="20"/>
-                </a:lnTo>
-                <a:lnTo>
-                  <a:pt x="3372" y="12"/>
-                </a:lnTo>
-                <a:lnTo>
-                  <a:pt x="3364" y="8"/>
-                </a:lnTo>
-                <a:lnTo>
-                  <a:pt x="3358" y="4"/>
-                </a:lnTo>
-                <a:lnTo>
-                  <a:pt x="3350" y="0"/>
-                </a:lnTo>
-                <a:lnTo>
-                  <a:pt x="3340" y="0"/>
-                </a:lnTo>
-                <a:lnTo>
-                  <a:pt x="3340" y="0"/>
-                </a:lnTo>
-                <a:close/>
-              </a:path>
-            </a:pathLst>
-          </a:custGeom>
-          <a:ln>
-            <a:solidFill>
-              <a:schemeClr val="accent1"/>
-            </a:solidFill>
-          </a:ln>
-        </p:spPr>
-        <p:style>
-          <a:lnRef idx="1">
-            <a:schemeClr val="accent1"/>
-          </a:lnRef>
-          <a:fillRef idx="3">
-            <a:schemeClr val="accent1"/>
-          </a:fillRef>
-          <a:effectRef idx="2">
-            <a:schemeClr val="accent1"/>
-          </a:effectRef>
-          <a:fontRef idx="minor">
-            <a:schemeClr val="lt1"/>
-          </a:fontRef>
-        </p:style>
-      </p:sp>
-      <p:sp>
-        <p:nvSpPr>
-          <p:cNvPr id="38" name="Title 1"/>
+          <p:cNvPr id="2" name="Title 1"/>
           <p:cNvSpPr>
             <a:spLocks noGrp="1"/>
           </p:cNvSpPr>
@@ -1531,15 +1818,17 @@
         </p:nvSpPr>
         <p:spPr>
           <a:xfrm>
-            <a:off x="1357089" y="2435957"/>
-            <a:ext cx="4382521" cy="2007789"/>
+            <a:off x="1484313" y="3308581"/>
+            <a:ext cx="10018709" cy="1468800"/>
           </a:xfrm>
         </p:spPr>
         <p:txBody>
-          <a:bodyPr/>
+          <a:bodyPr anchor="b">
+            <a:normAutofit/>
+          </a:bodyPr>
           <a:lstStyle>
-            <a:lvl1pPr>
-              <a:defRPr sz="3200"/>
+            <a:lvl1pPr algn="r">
+              <a:defRPr sz="3200" b="0" cap="none"/>
             </a:lvl1pPr>
           </a:lstStyle>
           <a:p>
@@ -1553,28 +1842,113 @@
       </p:sp>
       <p:sp>
         <p:nvSpPr>
-          <p:cNvPr id="6" name="Text Placeholder 5"/>
-          <p:cNvSpPr>
-            <a:spLocks noGrp="1"/>
-          </p:cNvSpPr>
-          <p:nvPr>
-            <p:ph type="body" sz="quarter" idx="16"/>
+          <p:cNvPr id="3" name="Text Placeholder 2"/>
+          <p:cNvSpPr>
+            <a:spLocks noGrp="1"/>
+          </p:cNvSpPr>
+          <p:nvPr>
+            <p:ph type="body" idx="1"/>
           </p:nvPr>
         </p:nvSpPr>
         <p:spPr>
           <a:xfrm>
-            <a:off x="6156000" y="2286000"/>
-            <a:ext cx="4880300" cy="2295525"/>
+            <a:off x="1484312" y="4777381"/>
+            <a:ext cx="10018710" cy="860400"/>
           </a:xfrm>
         </p:spPr>
         <p:txBody>
-          <a:bodyPr anchor="t"/>
+          <a:bodyPr anchor="t">
+            <a:normAutofit/>
+          </a:bodyPr>
           <a:lstStyle>
-            <a:lvl1pPr marL="0" indent="0">
-              <a:buFontTx/>
-              <a:buNone/>
-              <a:defRPr/>
+            <a:lvl1pPr marL="0" indent="0" algn="r">
+              <a:buNone/>
+              <a:defRPr sz="2000">
+                <a:solidFill>
+                  <a:schemeClr val="tx1"/>
+                </a:solidFill>
+              </a:defRPr>
             </a:lvl1pPr>
+            <a:lvl2pPr marL="457200" indent="0">
+              <a:buNone/>
+              <a:defRPr sz="1800">
+                <a:solidFill>
+                  <a:schemeClr val="tx1">
+                    <a:tint val="75000"/>
+                  </a:schemeClr>
+                </a:solidFill>
+              </a:defRPr>
+            </a:lvl2pPr>
+            <a:lvl3pPr marL="914400" indent="0">
+              <a:buNone/>
+              <a:defRPr sz="1600">
+                <a:solidFill>
+                  <a:schemeClr val="tx1">
+                    <a:tint val="75000"/>
+                  </a:schemeClr>
+                </a:solidFill>
+              </a:defRPr>
+            </a:lvl3pPr>
+            <a:lvl4pPr marL="1371600" indent="0">
+              <a:buNone/>
+              <a:defRPr sz="1400">
+                <a:solidFill>
+                  <a:schemeClr val="tx1">
+                    <a:tint val="75000"/>
+                  </a:schemeClr>
+                </a:solidFill>
+              </a:defRPr>
+            </a:lvl4pPr>
+            <a:lvl5pPr marL="1828800" indent="0">
+              <a:buNone/>
+              <a:defRPr sz="1400">
+                <a:solidFill>
+                  <a:schemeClr val="tx1">
+                    <a:tint val="75000"/>
+                  </a:schemeClr>
+                </a:solidFill>
+              </a:defRPr>
+            </a:lvl5pPr>
+            <a:lvl6pPr marL="2286000" indent="0">
+              <a:buNone/>
+              <a:defRPr sz="1400">
+                <a:solidFill>
+                  <a:schemeClr val="tx1">
+                    <a:tint val="75000"/>
+                  </a:schemeClr>
+                </a:solidFill>
+              </a:defRPr>
+            </a:lvl6pPr>
+            <a:lvl7pPr marL="2743200" indent="0">
+              <a:buNone/>
+              <a:defRPr sz="1400">
+                <a:solidFill>
+                  <a:schemeClr val="tx1">
+                    <a:tint val="75000"/>
+                  </a:schemeClr>
+                </a:solidFill>
+              </a:defRPr>
+            </a:lvl7pPr>
+            <a:lvl8pPr marL="3200400" indent="0">
+              <a:buNone/>
+              <a:defRPr sz="1400">
+                <a:solidFill>
+                  <a:schemeClr val="tx1">
+                    <a:tint val="75000"/>
+                  </a:schemeClr>
+                </a:solidFill>
+              </a:defRPr>
+            </a:lvl8pPr>
+            <a:lvl9pPr marL="3657600" indent="0">
+              <a:buNone/>
+              <a:defRPr sz="1400">
+                <a:solidFill>
+                  <a:schemeClr val="tx1">
+                    <a:tint val="75000"/>
+                  </a:schemeClr>
+                </a:solidFill>
+              </a:defRPr>
+            </a:lvl9pPr>
           </a:lstStyle>
           <a:p>
             <a:pPr lvl="0"/>
@@ -1587,7 +1961,7 @@
       </p:sp>
       <p:sp>
         <p:nvSpPr>
-          <p:cNvPr id="2" name="Date Placeholder 1"/>
+          <p:cNvPr id="4" name="Date Placeholder 3"/>
           <p:cNvSpPr>
             <a:spLocks noGrp="1"/>
           </p:cNvSpPr>
@@ -1603,7 +1977,7 @@
             <a:fld id="{B61BEF0D-F0BB-DE4B-95CE-6DB70DBA9567}" type="datetimeFigureOut">
               <a:rPr lang="en-US" smtClean="0"/>
               <a:pPr/>
-              <a:t>5/30/2017</a:t>
+              <a:t>5/31/2017</a:t>
             </a:fld>
             <a:endParaRPr lang="en-US" dirty="0"/>
           </a:p>
@@ -1611,7 +1985,7 @@
       </p:sp>
       <p:sp>
         <p:nvSpPr>
-          <p:cNvPr id="3" name="Footer Placeholder 2"/>
+          <p:cNvPr id="5" name="Footer Placeholder 4"/>
           <p:cNvSpPr>
             <a:spLocks noGrp="1"/>
           </p:cNvSpPr>
@@ -1630,7 +2004,7 @@
       </p:sp>
       <p:sp>
         <p:nvSpPr>
-          <p:cNvPr id="4" name="Slide Number Placeholder 3"/>
+          <p:cNvPr id="6" name="Slide Number Placeholder 5"/>
           <p:cNvSpPr>
             <a:spLocks noGrp="1"/>
           </p:cNvSpPr>
@@ -1655,7 +2029,7 @@
     </p:spTree>
     <p:extLst>
       <p:ext uri="{BB962C8B-B14F-4D97-AF65-F5344CB8AC3E}">
-        <p14:creationId xmlns:p14="http://schemas.microsoft.com/office/powerpoint/2010/main" val="3152095134"/>
+        <p14:creationId xmlns:p14="http://schemas.microsoft.com/office/powerpoint/2010/main" val="2244070427"/>
       </p:ext>
     </p:extLst>
   </p:cSld>
@@ -1665,7 +2039,840 @@
 </p:sldLayout>
 </file>
 
-<file path=ppt/slideLayouts/slideLayout13.xml><?xml version="1.0" encoding="utf-8"?>
+<file path=ppt/slideLayouts/slideLayout14.xml><?xml version="1.0" encoding="utf-8"?>
+<p:sldLayout xmlns:a="http://schemas.openxmlformats.org/drawingml/2006/main" xmlns:r="http://schemas.openxmlformats.org/officeDocument/2006/relationships" xmlns:p="http://schemas.openxmlformats.org/presentationml/2006/main" preserve="1">
+  <p:cSld name="Offerte naamkaartje">
+    <p:spTree>
+      <p:nvGrpSpPr>
+        <p:cNvPr id="1" name=""/>
+        <p:cNvGrpSpPr/>
+        <p:nvPr/>
+      </p:nvGrpSpPr>
+      <p:grpSpPr>
+        <a:xfrm>
+          <a:off x="0" y="0"/>
+          <a:ext cx="0" cy="0"/>
+          <a:chOff x="0" y="0"/>
+          <a:chExt cx="0" cy="0"/>
+        </a:xfrm>
+      </p:grpSpPr>
+      <p:sp>
+        <p:nvSpPr>
+          <p:cNvPr id="14" name="TextBox 13"/>
+          <p:cNvSpPr txBox="1"/>
+          <p:nvPr/>
+        </p:nvSpPr>
+        <p:spPr>
+          <a:xfrm>
+            <a:off x="1598612" y="863023"/>
+            <a:ext cx="609600" cy="584776"/>
+          </a:xfrm>
+          <a:prstGeom prst="rect">
+            <a:avLst/>
+          </a:prstGeom>
+        </p:spPr>
+        <p:txBody>
+          <a:bodyPr vert="horz" lIns="91440" tIns="45720" rIns="91440" bIns="45720" rtlCol="0" anchor="ctr">
+            <a:noAutofit/>
+          </a:bodyPr>
+          <a:lstStyle>
+            <a:lvl1pPr>
+              <a:spcBef>
+                <a:spcPct val="0"/>
+              </a:spcBef>
+              <a:buNone/>
+              <a:defRPr sz="3200" b="0" cap="all">
+                <a:ln w="3175" cmpd="sng">
+                  <a:noFill/>
+                </a:ln>
+                <a:effectLst>
+                  <a:glow rad="38100">
+                    <a:schemeClr val="bg1">
+                      <a:lumMod val="65000"/>
+                      <a:lumOff val="35000"/>
+                      <a:alpha val="40000"/>
+                    </a:schemeClr>
+                  </a:glow>
+                  <a:outerShdw blurRad="28575" dist="38100" dir="14040000" algn="tl" rotWithShape="0">
+                    <a:srgbClr val="000000">
+                      <a:alpha val="25000"/>
+                    </a:srgbClr>
+                  </a:outerShdw>
+                </a:effectLst>
+              </a:defRPr>
+            </a:lvl1pPr>
+            <a:lvl2pPr>
+              <a:defRPr>
+                <a:solidFill>
+                  <a:schemeClr val="tx2"/>
+                </a:solidFill>
+              </a:defRPr>
+            </a:lvl2pPr>
+            <a:lvl3pPr>
+              <a:defRPr>
+                <a:solidFill>
+                  <a:schemeClr val="tx2"/>
+                </a:solidFill>
+              </a:defRPr>
+            </a:lvl3pPr>
+            <a:lvl4pPr>
+              <a:defRPr>
+                <a:solidFill>
+                  <a:schemeClr val="tx2"/>
+                </a:solidFill>
+              </a:defRPr>
+            </a:lvl4pPr>
+            <a:lvl5pPr>
+              <a:defRPr>
+                <a:solidFill>
+                  <a:schemeClr val="tx2"/>
+                </a:solidFill>
+              </a:defRPr>
+            </a:lvl5pPr>
+            <a:lvl6pPr>
+              <a:defRPr>
+                <a:solidFill>
+                  <a:schemeClr val="tx2"/>
+                </a:solidFill>
+              </a:defRPr>
+            </a:lvl6pPr>
+            <a:lvl7pPr>
+              <a:defRPr>
+                <a:solidFill>
+                  <a:schemeClr val="tx2"/>
+                </a:solidFill>
+              </a:defRPr>
+            </a:lvl7pPr>
+            <a:lvl8pPr>
+              <a:defRPr>
+                <a:solidFill>
+                  <a:schemeClr val="tx2"/>
+                </a:solidFill>
+              </a:defRPr>
+            </a:lvl8pPr>
+            <a:lvl9pPr>
+              <a:defRPr>
+                <a:solidFill>
+                  <a:schemeClr val="tx2"/>
+                </a:solidFill>
+              </a:defRPr>
+            </a:lvl9pPr>
+          </a:lstStyle>
+          <a:p>
+            <a:pPr lvl="0"/>
+            <a:r>
+              <a:rPr lang="en-US" sz="8000" dirty="0">
+                <a:solidFill>
+                  <a:schemeClr val="tx1"/>
+                </a:solidFill>
+                <a:effectLst/>
+              </a:rPr>
+              <a:t>“</a:t>
+            </a:r>
+          </a:p>
+        </p:txBody>
+      </p:sp>
+      <p:sp>
+        <p:nvSpPr>
+          <p:cNvPr id="15" name="TextBox 14"/>
+          <p:cNvSpPr txBox="1"/>
+          <p:nvPr/>
+        </p:nvSpPr>
+        <p:spPr>
+          <a:xfrm>
+            <a:off x="10893425" y="2819399"/>
+            <a:ext cx="609600" cy="584776"/>
+          </a:xfrm>
+          <a:prstGeom prst="rect">
+            <a:avLst/>
+          </a:prstGeom>
+        </p:spPr>
+        <p:txBody>
+          <a:bodyPr vert="horz" lIns="91440" tIns="45720" rIns="91440" bIns="45720" rtlCol="0" anchor="ctr">
+            <a:noAutofit/>
+          </a:bodyPr>
+          <a:lstStyle>
+            <a:lvl1pPr>
+              <a:spcBef>
+                <a:spcPct val="0"/>
+              </a:spcBef>
+              <a:buNone/>
+              <a:defRPr sz="3200" b="0" cap="all">
+                <a:ln w="3175" cmpd="sng">
+                  <a:noFill/>
+                </a:ln>
+                <a:effectLst>
+                  <a:glow rad="38100">
+                    <a:schemeClr val="bg1">
+                      <a:lumMod val="65000"/>
+                      <a:lumOff val="35000"/>
+                      <a:alpha val="40000"/>
+                    </a:schemeClr>
+                  </a:glow>
+                  <a:outerShdw blurRad="28575" dist="38100" dir="14040000" algn="tl" rotWithShape="0">
+                    <a:srgbClr val="000000">
+                      <a:alpha val="25000"/>
+                    </a:srgbClr>
+                  </a:outerShdw>
+                </a:effectLst>
+              </a:defRPr>
+            </a:lvl1pPr>
+            <a:lvl2pPr>
+              <a:defRPr>
+                <a:solidFill>
+                  <a:schemeClr val="tx2"/>
+                </a:solidFill>
+              </a:defRPr>
+            </a:lvl2pPr>
+            <a:lvl3pPr>
+              <a:defRPr>
+                <a:solidFill>
+                  <a:schemeClr val="tx2"/>
+                </a:solidFill>
+              </a:defRPr>
+            </a:lvl3pPr>
+            <a:lvl4pPr>
+              <a:defRPr>
+                <a:solidFill>
+                  <a:schemeClr val="tx2"/>
+                </a:solidFill>
+              </a:defRPr>
+            </a:lvl4pPr>
+            <a:lvl5pPr>
+              <a:defRPr>
+                <a:solidFill>
+                  <a:schemeClr val="tx2"/>
+                </a:solidFill>
+              </a:defRPr>
+            </a:lvl5pPr>
+            <a:lvl6pPr>
+              <a:defRPr>
+                <a:solidFill>
+                  <a:schemeClr val="tx2"/>
+                </a:solidFill>
+              </a:defRPr>
+            </a:lvl6pPr>
+            <a:lvl7pPr>
+              <a:defRPr>
+                <a:solidFill>
+                  <a:schemeClr val="tx2"/>
+                </a:solidFill>
+              </a:defRPr>
+            </a:lvl7pPr>
+            <a:lvl8pPr>
+              <a:defRPr>
+                <a:solidFill>
+                  <a:schemeClr val="tx2"/>
+                </a:solidFill>
+              </a:defRPr>
+            </a:lvl8pPr>
+            <a:lvl9pPr>
+              <a:defRPr>
+                <a:solidFill>
+                  <a:schemeClr val="tx2"/>
+                </a:solidFill>
+              </a:defRPr>
+            </a:lvl9pPr>
+          </a:lstStyle>
+          <a:p>
+            <a:pPr lvl="0" algn="r"/>
+            <a:r>
+              <a:rPr lang="en-US" sz="8000" dirty="0">
+                <a:solidFill>
+                  <a:schemeClr val="tx1"/>
+                </a:solidFill>
+                <a:effectLst/>
+              </a:rPr>
+              <a:t>”</a:t>
+            </a:r>
+          </a:p>
+        </p:txBody>
+      </p:sp>
+      <p:sp>
+        <p:nvSpPr>
+          <p:cNvPr id="2" name="Title 1"/>
+          <p:cNvSpPr>
+            <a:spLocks noGrp="1"/>
+          </p:cNvSpPr>
+          <p:nvPr>
+            <p:ph type="title"/>
+          </p:nvPr>
+        </p:nvSpPr>
+        <p:spPr>
+          <a:xfrm>
+            <a:off x="2208212" y="685800"/>
+            <a:ext cx="8990012" cy="2743199"/>
+          </a:xfrm>
+        </p:spPr>
+        <p:txBody>
+          <a:bodyPr anchor="ctr">
+            <a:normAutofit/>
+          </a:bodyPr>
+          <a:lstStyle>
+            <a:lvl1pPr algn="ctr">
+              <a:defRPr sz="3200" b="0" cap="none">
+                <a:solidFill>
+                  <a:schemeClr val="tx1"/>
+                </a:solidFill>
+              </a:defRPr>
+            </a:lvl1pPr>
+          </a:lstStyle>
+          <a:p>
+            <a:r>
+              <a:rPr lang="nl-NL"/>
+              <a:t>Klik om de stijl te bewerken</a:t>
+            </a:r>
+            <a:endParaRPr lang="en-US" dirty="0"/>
+          </a:p>
+        </p:txBody>
+      </p:sp>
+      <p:sp>
+        <p:nvSpPr>
+          <p:cNvPr id="10" name="Text Placeholder 9"/>
+          <p:cNvSpPr>
+            <a:spLocks noGrp="1"/>
+          </p:cNvSpPr>
+          <p:nvPr>
+            <p:ph type="body" sz="quarter" idx="13"/>
+          </p:nvPr>
+        </p:nvSpPr>
+        <p:spPr>
+          <a:xfrm>
+            <a:off x="1484313" y="3886200"/>
+            <a:ext cx="10018710" cy="889000"/>
+          </a:xfrm>
+        </p:spPr>
+        <p:txBody>
+          <a:bodyPr vert="horz" lIns="91440" tIns="45720" rIns="91440" bIns="45720" rtlCol="0" anchor="b">
+            <a:normAutofit/>
+          </a:bodyPr>
+          <a:lstStyle>
+            <a:lvl1pPr algn="r">
+              <a:buNone/>
+              <a:defRPr lang="en-US" sz="2400" b="0" cap="none" dirty="0">
+                <a:ln w="3175" cmpd="sng">
+                  <a:noFill/>
+                </a:ln>
+                <a:solidFill>
+                  <a:schemeClr val="tx1"/>
+                </a:solidFill>
+                <a:effectLst/>
+              </a:defRPr>
+            </a:lvl1pPr>
+          </a:lstStyle>
+          <a:p>
+            <a:pPr marL="0" lvl="0">
+              <a:spcBef>
+                <a:spcPct val="0"/>
+              </a:spcBef>
+              <a:buNone/>
+            </a:pPr>
+            <a:r>
+              <a:rPr lang="nl-NL"/>
+              <a:t>Tekststijl van het model bewerken</a:t>
+            </a:r>
+          </a:p>
+        </p:txBody>
+      </p:sp>
+      <p:sp>
+        <p:nvSpPr>
+          <p:cNvPr id="3" name="Text Placeholder 2"/>
+          <p:cNvSpPr>
+            <a:spLocks noGrp="1"/>
+          </p:cNvSpPr>
+          <p:nvPr>
+            <p:ph type="body" idx="1"/>
+          </p:nvPr>
+        </p:nvSpPr>
+        <p:spPr>
+          <a:xfrm>
+            <a:off x="1484312" y="4775200"/>
+            <a:ext cx="10018710" cy="1016000"/>
+          </a:xfrm>
+        </p:spPr>
+        <p:txBody>
+          <a:bodyPr anchor="t">
+            <a:normAutofit/>
+          </a:bodyPr>
+          <a:lstStyle>
+            <a:lvl1pPr marL="0" indent="0" algn="r">
+              <a:buNone/>
+              <a:defRPr sz="1800">
+                <a:solidFill>
+                  <a:schemeClr val="tx1"/>
+                </a:solidFill>
+              </a:defRPr>
+            </a:lvl1pPr>
+            <a:lvl2pPr marL="457200" indent="0">
+              <a:buNone/>
+              <a:defRPr sz="1800">
+                <a:solidFill>
+                  <a:schemeClr val="tx1">
+                    <a:tint val="75000"/>
+                  </a:schemeClr>
+                </a:solidFill>
+              </a:defRPr>
+            </a:lvl2pPr>
+            <a:lvl3pPr marL="914400" indent="0">
+              <a:buNone/>
+              <a:defRPr sz="1600">
+                <a:solidFill>
+                  <a:schemeClr val="tx1">
+                    <a:tint val="75000"/>
+                  </a:schemeClr>
+                </a:solidFill>
+              </a:defRPr>
+            </a:lvl3pPr>
+            <a:lvl4pPr marL="1371600" indent="0">
+              <a:buNone/>
+              <a:defRPr sz="1400">
+                <a:solidFill>
+                  <a:schemeClr val="tx1">
+                    <a:tint val="75000"/>
+                  </a:schemeClr>
+                </a:solidFill>
+              </a:defRPr>
+            </a:lvl4pPr>
+            <a:lvl5pPr marL="1828800" indent="0">
+              <a:buNone/>
+              <a:defRPr sz="1400">
+                <a:solidFill>
+                  <a:schemeClr val="tx1">
+                    <a:tint val="75000"/>
+                  </a:schemeClr>
+                </a:solidFill>
+              </a:defRPr>
+            </a:lvl5pPr>
+            <a:lvl6pPr marL="2286000" indent="0">
+              <a:buNone/>
+              <a:defRPr sz="1400">
+                <a:solidFill>
+                  <a:schemeClr val="tx1">
+                    <a:tint val="75000"/>
+                  </a:schemeClr>
+                </a:solidFill>
+              </a:defRPr>
+            </a:lvl6pPr>
+            <a:lvl7pPr marL="2743200" indent="0">
+              <a:buNone/>
+              <a:defRPr sz="1400">
+                <a:solidFill>
+                  <a:schemeClr val="tx1">
+                    <a:tint val="75000"/>
+                  </a:schemeClr>
+                </a:solidFill>
+              </a:defRPr>
+            </a:lvl7pPr>
+            <a:lvl8pPr marL="3200400" indent="0">
+              <a:buNone/>
+              <a:defRPr sz="1400">
+                <a:solidFill>
+                  <a:schemeClr val="tx1">
+                    <a:tint val="75000"/>
+                  </a:schemeClr>
+                </a:solidFill>
+              </a:defRPr>
+            </a:lvl8pPr>
+            <a:lvl9pPr marL="3657600" indent="0">
+              <a:buNone/>
+              <a:defRPr sz="1400">
+                <a:solidFill>
+                  <a:schemeClr val="tx1">
+                    <a:tint val="75000"/>
+                  </a:schemeClr>
+                </a:solidFill>
+              </a:defRPr>
+            </a:lvl9pPr>
+          </a:lstStyle>
+          <a:p>
+            <a:pPr lvl="0"/>
+            <a:r>
+              <a:rPr lang="nl-NL"/>
+              <a:t>Tekststijl van het model bewerken</a:t>
+            </a:r>
+          </a:p>
+        </p:txBody>
+      </p:sp>
+      <p:sp>
+        <p:nvSpPr>
+          <p:cNvPr id="4" name="Date Placeholder 3"/>
+          <p:cNvSpPr>
+            <a:spLocks noGrp="1"/>
+          </p:cNvSpPr>
+          <p:nvPr>
+            <p:ph type="dt" sz="half" idx="10"/>
+          </p:nvPr>
+        </p:nvSpPr>
+        <p:spPr/>
+        <p:txBody>
+          <a:bodyPr/>
+          <a:lstStyle/>
+          <a:p>
+            <a:fld id="{B61BEF0D-F0BB-DE4B-95CE-6DB70DBA9567}" type="datetimeFigureOut">
+              <a:rPr lang="en-US" smtClean="0"/>
+              <a:pPr/>
+              <a:t>5/31/2017</a:t>
+            </a:fld>
+            <a:endParaRPr lang="en-US" dirty="0"/>
+          </a:p>
+        </p:txBody>
+      </p:sp>
+      <p:sp>
+        <p:nvSpPr>
+          <p:cNvPr id="5" name="Footer Placeholder 4"/>
+          <p:cNvSpPr>
+            <a:spLocks noGrp="1"/>
+          </p:cNvSpPr>
+          <p:nvPr>
+            <p:ph type="ftr" sz="quarter" idx="11"/>
+          </p:nvPr>
+        </p:nvSpPr>
+        <p:spPr/>
+        <p:txBody>
+          <a:bodyPr/>
+          <a:lstStyle/>
+          <a:p>
+            <a:endParaRPr lang="en-US" dirty="0"/>
+          </a:p>
+        </p:txBody>
+      </p:sp>
+      <p:sp>
+        <p:nvSpPr>
+          <p:cNvPr id="6" name="Slide Number Placeholder 5"/>
+          <p:cNvSpPr>
+            <a:spLocks noGrp="1"/>
+          </p:cNvSpPr>
+          <p:nvPr>
+            <p:ph type="sldNum" sz="quarter" idx="12"/>
+          </p:nvPr>
+        </p:nvSpPr>
+        <p:spPr/>
+        <p:txBody>
+          <a:bodyPr/>
+          <a:lstStyle/>
+          <a:p>
+            <a:fld id="{D57F1E4F-1CFF-5643-939E-217C01CDF565}" type="slidenum">
+              <a:rPr lang="en-US" smtClean="0"/>
+              <a:pPr/>
+              <a:t>‹nr.›</a:t>
+            </a:fld>
+            <a:endParaRPr lang="en-US" dirty="0"/>
+          </a:p>
+        </p:txBody>
+      </p:sp>
+    </p:spTree>
+    <p:extLst>
+      <p:ext uri="{BB962C8B-B14F-4D97-AF65-F5344CB8AC3E}">
+        <p14:creationId xmlns:p14="http://schemas.microsoft.com/office/powerpoint/2010/main" val="725885472"/>
+      </p:ext>
+    </p:extLst>
+  </p:cSld>
+  <p:clrMapOvr>
+    <a:masterClrMapping/>
+  </p:clrMapOvr>
+</p:sldLayout>
+</file>
+
+<file path=ppt/slideLayouts/slideLayout15.xml><?xml version="1.0" encoding="utf-8"?>
+<p:sldLayout xmlns:a="http://schemas.openxmlformats.org/drawingml/2006/main" xmlns:r="http://schemas.openxmlformats.org/officeDocument/2006/relationships" xmlns:p="http://schemas.openxmlformats.org/presentationml/2006/main" preserve="1">
+  <p:cSld name="Waar of onwaar">
+    <p:spTree>
+      <p:nvGrpSpPr>
+        <p:cNvPr id="1" name=""/>
+        <p:cNvGrpSpPr/>
+        <p:nvPr/>
+      </p:nvGrpSpPr>
+      <p:grpSpPr>
+        <a:xfrm>
+          <a:off x="0" y="0"/>
+          <a:ext cx="0" cy="0"/>
+          <a:chOff x="0" y="0"/>
+          <a:chExt cx="0" cy="0"/>
+        </a:xfrm>
+      </p:grpSpPr>
+      <p:sp>
+        <p:nvSpPr>
+          <p:cNvPr id="2" name="Title 1"/>
+          <p:cNvSpPr>
+            <a:spLocks noGrp="1"/>
+          </p:cNvSpPr>
+          <p:nvPr>
+            <p:ph type="title"/>
+          </p:nvPr>
+        </p:nvSpPr>
+        <p:spPr>
+          <a:xfrm>
+            <a:off x="1484313" y="685800"/>
+            <a:ext cx="10018712" cy="2727325"/>
+          </a:xfrm>
+        </p:spPr>
+        <p:txBody>
+          <a:bodyPr vert="horz" lIns="91440" tIns="45720" rIns="91440" bIns="45720" rtlCol="0" anchor="ctr">
+            <a:normAutofit/>
+          </a:bodyPr>
+          <a:lstStyle>
+            <a:lvl1pPr>
+              <a:defRPr lang="en-US" b="0" dirty="0"/>
+            </a:lvl1pPr>
+          </a:lstStyle>
+          <a:p>
+            <a:pPr marL="0" lvl="0"/>
+            <a:r>
+              <a:rPr lang="nl-NL"/>
+              <a:t>Klik om de stijl te bewerken</a:t>
+            </a:r>
+            <a:endParaRPr lang="en-US" dirty="0"/>
+          </a:p>
+        </p:txBody>
+      </p:sp>
+      <p:sp>
+        <p:nvSpPr>
+          <p:cNvPr id="10" name="Text Placeholder 9"/>
+          <p:cNvSpPr>
+            <a:spLocks noGrp="1"/>
+          </p:cNvSpPr>
+          <p:nvPr>
+            <p:ph type="body" sz="quarter" idx="13"/>
+          </p:nvPr>
+        </p:nvSpPr>
+        <p:spPr>
+          <a:xfrm>
+            <a:off x="1484312" y="3505200"/>
+            <a:ext cx="10018713" cy="838200"/>
+          </a:xfrm>
+        </p:spPr>
+        <p:txBody>
+          <a:bodyPr vert="horz" lIns="91440" tIns="45720" rIns="91440" bIns="45720" rtlCol="0" anchor="b">
+            <a:normAutofit/>
+          </a:bodyPr>
+          <a:lstStyle>
+            <a:lvl1pPr>
+              <a:buNone/>
+              <a:defRPr lang="en-US" sz="2800" b="0" cap="none" dirty="0">
+                <a:ln w="3175" cmpd="sng">
+                  <a:noFill/>
+                </a:ln>
+                <a:solidFill>
+                  <a:schemeClr val="tx1"/>
+                </a:solidFill>
+                <a:effectLst/>
+              </a:defRPr>
+            </a:lvl1pPr>
+          </a:lstStyle>
+          <a:p>
+            <a:pPr marL="0" lvl="0">
+              <a:spcBef>
+                <a:spcPct val="0"/>
+              </a:spcBef>
+              <a:buNone/>
+            </a:pPr>
+            <a:r>
+              <a:rPr lang="nl-NL"/>
+              <a:t>Tekststijl van het model bewerken</a:t>
+            </a:r>
+          </a:p>
+        </p:txBody>
+      </p:sp>
+      <p:sp>
+        <p:nvSpPr>
+          <p:cNvPr id="3" name="Text Placeholder 2"/>
+          <p:cNvSpPr>
+            <a:spLocks noGrp="1"/>
+          </p:cNvSpPr>
+          <p:nvPr>
+            <p:ph type="body" idx="1"/>
+          </p:nvPr>
+        </p:nvSpPr>
+        <p:spPr>
+          <a:xfrm>
+            <a:off x="1484311" y="4343400"/>
+            <a:ext cx="10018713" cy="1447800"/>
+          </a:xfrm>
+        </p:spPr>
+        <p:txBody>
+          <a:bodyPr anchor="t">
+            <a:normAutofit/>
+          </a:bodyPr>
+          <a:lstStyle>
+            <a:lvl1pPr marL="0" indent="0" algn="l">
+              <a:buNone/>
+              <a:defRPr sz="1800">
+                <a:solidFill>
+                  <a:schemeClr val="tx1"/>
+                </a:solidFill>
+              </a:defRPr>
+            </a:lvl1pPr>
+            <a:lvl2pPr marL="457200" indent="0">
+              <a:buNone/>
+              <a:defRPr sz="1800">
+                <a:solidFill>
+                  <a:schemeClr val="tx1">
+                    <a:tint val="75000"/>
+                  </a:schemeClr>
+                </a:solidFill>
+              </a:defRPr>
+            </a:lvl2pPr>
+            <a:lvl3pPr marL="914400" indent="0">
+              <a:buNone/>
+              <a:defRPr sz="1600">
+                <a:solidFill>
+                  <a:schemeClr val="tx1">
+                    <a:tint val="75000"/>
+                  </a:schemeClr>
+                </a:solidFill>
+              </a:defRPr>
+            </a:lvl3pPr>
+            <a:lvl4pPr marL="1371600" indent="0">
+              <a:buNone/>
+              <a:defRPr sz="1400">
+                <a:solidFill>
+                  <a:schemeClr val="tx1">
+                    <a:tint val="75000"/>
+                  </a:schemeClr>
+                </a:solidFill>
+              </a:defRPr>
+            </a:lvl4pPr>
+            <a:lvl5pPr marL="1828800" indent="0">
+              <a:buNone/>
+              <a:defRPr sz="1400">
+                <a:solidFill>
+                  <a:schemeClr val="tx1">
+                    <a:tint val="75000"/>
+                  </a:schemeClr>
+                </a:solidFill>
+              </a:defRPr>
+            </a:lvl5pPr>
+            <a:lvl6pPr marL="2286000" indent="0">
+              <a:buNone/>
+              <a:defRPr sz="1400">
+                <a:solidFill>
+                  <a:schemeClr val="tx1">
+                    <a:tint val="75000"/>
+                  </a:schemeClr>
+                </a:solidFill>
+              </a:defRPr>
+            </a:lvl6pPr>
+            <a:lvl7pPr marL="2743200" indent="0">
+              <a:buNone/>
+              <a:defRPr sz="1400">
+                <a:solidFill>
+                  <a:schemeClr val="tx1">
+                    <a:tint val="75000"/>
+                  </a:schemeClr>
+                </a:solidFill>
+              </a:defRPr>
+            </a:lvl7pPr>
+            <a:lvl8pPr marL="3200400" indent="0">
+              <a:buNone/>
+              <a:defRPr sz="1400">
+                <a:solidFill>
+                  <a:schemeClr val="tx1">
+                    <a:tint val="75000"/>
+                  </a:schemeClr>
+                </a:solidFill>
+              </a:defRPr>
+            </a:lvl8pPr>
+            <a:lvl9pPr marL="3657600" indent="0">
+              <a:buNone/>
+              <a:defRPr sz="1400">
+                <a:solidFill>
+                  <a:schemeClr val="tx1">
+                    <a:tint val="75000"/>
+                  </a:schemeClr>
+                </a:solidFill>
+              </a:defRPr>
+            </a:lvl9pPr>
+          </a:lstStyle>
+          <a:p>
+            <a:pPr lvl="0"/>
+            <a:r>
+              <a:rPr lang="nl-NL"/>
+              <a:t>Tekststijl van het model bewerken</a:t>
+            </a:r>
+          </a:p>
+        </p:txBody>
+      </p:sp>
+      <p:sp>
+        <p:nvSpPr>
+          <p:cNvPr id="4" name="Date Placeholder 3"/>
+          <p:cNvSpPr>
+            <a:spLocks noGrp="1"/>
+          </p:cNvSpPr>
+          <p:nvPr>
+            <p:ph type="dt" sz="half" idx="10"/>
+          </p:nvPr>
+        </p:nvSpPr>
+        <p:spPr/>
+        <p:txBody>
+          <a:bodyPr/>
+          <a:lstStyle/>
+          <a:p>
+            <a:fld id="{B61BEF0D-F0BB-DE4B-95CE-6DB70DBA9567}" type="datetimeFigureOut">
+              <a:rPr lang="en-US" smtClean="0"/>
+              <a:pPr/>
+              <a:t>5/31/2017</a:t>
+            </a:fld>
+            <a:endParaRPr lang="en-US" dirty="0"/>
+          </a:p>
+        </p:txBody>
+      </p:sp>
+      <p:sp>
+        <p:nvSpPr>
+          <p:cNvPr id="5" name="Footer Placeholder 4"/>
+          <p:cNvSpPr>
+            <a:spLocks noGrp="1"/>
+          </p:cNvSpPr>
+          <p:nvPr>
+            <p:ph type="ftr" sz="quarter" idx="11"/>
+          </p:nvPr>
+        </p:nvSpPr>
+        <p:spPr/>
+        <p:txBody>
+          <a:bodyPr/>
+          <a:lstStyle/>
+          <a:p>
+            <a:endParaRPr lang="en-US" dirty="0"/>
+          </a:p>
+        </p:txBody>
+      </p:sp>
+      <p:sp>
+        <p:nvSpPr>
+          <p:cNvPr id="6" name="Slide Number Placeholder 5"/>
+          <p:cNvSpPr>
+            <a:spLocks noGrp="1"/>
+          </p:cNvSpPr>
+          <p:nvPr>
+            <p:ph type="sldNum" sz="quarter" idx="12"/>
+          </p:nvPr>
+        </p:nvSpPr>
+        <p:spPr/>
+        <p:txBody>
+          <a:bodyPr/>
+          <a:lstStyle/>
+          <a:p>
+            <a:fld id="{D57F1E4F-1CFF-5643-939E-217C01CDF565}" type="slidenum">
+              <a:rPr lang="en-US" smtClean="0"/>
+              <a:pPr/>
+              <a:t>‹nr.›</a:t>
+            </a:fld>
+            <a:endParaRPr lang="en-US" dirty="0"/>
+          </a:p>
+        </p:txBody>
+      </p:sp>
+    </p:spTree>
+    <p:extLst>
+      <p:ext uri="{BB962C8B-B14F-4D97-AF65-F5344CB8AC3E}">
+        <p14:creationId xmlns:p14="http://schemas.microsoft.com/office/powerpoint/2010/main" val="2967233829"/>
+      </p:ext>
+    </p:extLst>
+  </p:cSld>
+  <p:clrMapOvr>
+    <a:masterClrMapping/>
+  </p:clrMapOvr>
+</p:sldLayout>
+</file>
+
+<file path=ppt/slideLayouts/slideLayout16.xml><?xml version="1.0" encoding="utf-8"?>
 <p:sldLayout xmlns:a="http://schemas.openxmlformats.org/drawingml/2006/main" xmlns:r="http://schemas.openxmlformats.org/officeDocument/2006/relationships" xmlns:p="http://schemas.openxmlformats.org/presentationml/2006/main" type="vertTx" preserve="1">
   <p:cSld name="Titel en verticale tekst">
     <p:spTree>
@@ -1684,109 +2891,6 @@
       </p:grpSpPr>
       <p:sp>
         <p:nvSpPr>
-          <p:cNvPr id="7" name="Freeform 6"/>
-          <p:cNvSpPr/>
-          <p:nvPr/>
-        </p:nvSpPr>
-        <p:spPr bwMode="auto">
-          <a:xfrm>
-            <a:off x="0" y="0"/>
-            <a:ext cx="12192000" cy="2185988"/>
-          </a:xfrm>
-          <a:custGeom>
-            <a:avLst/>
-            <a:gdLst/>
-            <a:ahLst/>
-            <a:cxnLst/>
-            <a:rect l="0" t="0" r="r" b="b"/>
-            <a:pathLst>
-              <a:path w="5760" h="1377">
-                <a:moveTo>
-                  <a:pt x="5760" y="0"/>
-                </a:moveTo>
-                <a:lnTo>
-                  <a:pt x="0" y="0"/>
-                </a:lnTo>
-                <a:lnTo>
-                  <a:pt x="0" y="1189"/>
-                </a:lnTo>
-                <a:lnTo>
-                  <a:pt x="943" y="1189"/>
-                </a:lnTo>
-                <a:lnTo>
-                  <a:pt x="1123" y="1369"/>
-                </a:lnTo>
-                <a:lnTo>
-                  <a:pt x="1123" y="1369"/>
-                </a:lnTo>
-                <a:lnTo>
-                  <a:pt x="1127" y="1371"/>
-                </a:lnTo>
-                <a:lnTo>
-                  <a:pt x="1133" y="1374"/>
-                </a:lnTo>
-                <a:lnTo>
-                  <a:pt x="1139" y="1377"/>
-                </a:lnTo>
-                <a:lnTo>
-                  <a:pt x="1144" y="1377"/>
-                </a:lnTo>
-                <a:lnTo>
-                  <a:pt x="1150" y="1377"/>
-                </a:lnTo>
-                <a:lnTo>
-                  <a:pt x="1155" y="1374"/>
-                </a:lnTo>
-                <a:lnTo>
-                  <a:pt x="1161" y="1371"/>
-                </a:lnTo>
-                <a:lnTo>
-                  <a:pt x="1165" y="1369"/>
-                </a:lnTo>
-                <a:lnTo>
-                  <a:pt x="1345" y="1189"/>
-                </a:lnTo>
-                <a:lnTo>
-                  <a:pt x="5760" y="1189"/>
-                </a:lnTo>
-                <a:lnTo>
-                  <a:pt x="5760" y="0"/>
-                </a:lnTo>
-                <a:close/>
-              </a:path>
-            </a:pathLst>
-          </a:custGeom>
-          <a:ln/>
-          <a:extLst>
-            <a:ext uri="{91240B29-F687-4f45-9708-019B960494DF}">
-              <a14:hiddenLine xmlns="" xmlns:a14="http://schemas.microsoft.com/office/drawing/2010/main" w="9525">
-                <a:solidFill>
-                  <a:srgbClr val="000000"/>
-                </a:solidFill>
-                <a:round/>
-                <a:headEnd/>
-                <a:tailEnd/>
-              </a14:hiddenLine>
-            </a:ext>
-          </a:extLst>
-        </p:spPr>
-        <p:style>
-          <a:lnRef idx="1">
-            <a:schemeClr val="accent1"/>
-          </a:lnRef>
-          <a:fillRef idx="3">
-            <a:schemeClr val="accent1"/>
-          </a:fillRef>
-          <a:effectRef idx="2">
-            <a:schemeClr val="accent1"/>
-          </a:effectRef>
-          <a:fontRef idx="minor">
-            <a:schemeClr val="lt1"/>
-          </a:fontRef>
-        </p:style>
-      </p:sp>
-      <p:sp>
-        <p:nvSpPr>
           <p:cNvPr id="2" name="Title 1"/>
           <p:cNvSpPr>
             <a:spLocks noGrp="1"/>
@@ -1798,7 +2902,11 @@
         <p:spPr/>
         <p:txBody>
           <a:bodyPr/>
-          <a:lstStyle/>
+          <a:lstStyle>
+            <a:lvl1pPr algn="ctr">
+              <a:defRPr/>
+            </a:lvl1pPr>
+          </a:lstStyle>
           <a:p>
             <a:r>
               <a:rPr lang="nl-NL"/>
@@ -1878,7 +2986,7 @@
             <a:fld id="{B61BEF0D-F0BB-DE4B-95CE-6DB70DBA9567}" type="datetimeFigureOut">
               <a:rPr lang="en-US" smtClean="0"/>
               <a:pPr/>
-              <a:t>5/30/2017</a:t>
+              <a:t>5/31/2017</a:t>
             </a:fld>
             <a:endParaRPr lang="en-US" dirty="0"/>
           </a:p>
@@ -1930,7 +3038,7 @@
     </p:spTree>
     <p:extLst>
       <p:ext uri="{BB962C8B-B14F-4D97-AF65-F5344CB8AC3E}">
-        <p14:creationId xmlns:p14="http://schemas.microsoft.com/office/powerpoint/2010/main" val="2610680068"/>
+        <p14:creationId xmlns:p14="http://schemas.microsoft.com/office/powerpoint/2010/main" val="1525575829"/>
       </p:ext>
     </p:extLst>
   </p:cSld>
@@ -1940,7 +3048,7 @@
 </p:sldLayout>
 </file>
 
-<file path=ppt/slideLayouts/slideLayout14.xml><?xml version="1.0" encoding="utf-8"?>
+<file path=ppt/slideLayouts/slideLayout17.xml><?xml version="1.0" encoding="utf-8"?>
 <p:sldLayout xmlns:a="http://schemas.openxmlformats.org/drawingml/2006/main" xmlns:r="http://schemas.openxmlformats.org/officeDocument/2006/relationships" xmlns:p="http://schemas.openxmlformats.org/presentationml/2006/main" type="vertTitleAndTx" preserve="1">
   <p:cSld name="Verticale titel en tekst">
     <p:spTree>
@@ -1959,111 +3067,6 @@
       </p:grpSpPr>
       <p:sp>
         <p:nvSpPr>
-          <p:cNvPr id="12" name="Freeform 6"/>
-          <p:cNvSpPr>
-            <a:spLocks noChangeAspect="1"/>
-          </p:cNvSpPr>
-          <p:nvPr/>
-        </p:nvSpPr>
-        <p:spPr bwMode="auto">
-          <a:xfrm>
-            <a:off x="7669651" y="446089"/>
-            <a:ext cx="4522349" cy="5414962"/>
-          </a:xfrm>
-          <a:custGeom>
-            <a:avLst/>
-            <a:gdLst/>
-            <a:ahLst/>
-            <a:cxnLst/>
-            <a:rect l="0" t="0" r="r" b="b"/>
-            <a:pathLst>
-              <a:path w="2879" h="4320">
-                <a:moveTo>
-                  <a:pt x="183" y="0"/>
-                </a:moveTo>
-                <a:lnTo>
-                  <a:pt x="183" y="1197"/>
-                </a:lnTo>
-                <a:lnTo>
-                  <a:pt x="8" y="1372"/>
-                </a:lnTo>
-                <a:lnTo>
-                  <a:pt x="8" y="1372"/>
-                </a:lnTo>
-                <a:lnTo>
-                  <a:pt x="6" y="1376"/>
-                </a:lnTo>
-                <a:lnTo>
-                  <a:pt x="3" y="1382"/>
-                </a:lnTo>
-                <a:lnTo>
-                  <a:pt x="0" y="1387"/>
-                </a:lnTo>
-                <a:lnTo>
-                  <a:pt x="0" y="1393"/>
-                </a:lnTo>
-                <a:lnTo>
-                  <a:pt x="0" y="1399"/>
-                </a:lnTo>
-                <a:lnTo>
-                  <a:pt x="3" y="1404"/>
-                </a:lnTo>
-                <a:lnTo>
-                  <a:pt x="6" y="1410"/>
-                </a:lnTo>
-                <a:lnTo>
-                  <a:pt x="8" y="1414"/>
-                </a:lnTo>
-                <a:lnTo>
-                  <a:pt x="183" y="1589"/>
-                </a:lnTo>
-                <a:lnTo>
-                  <a:pt x="183" y="4320"/>
-                </a:lnTo>
-                <a:lnTo>
-                  <a:pt x="2879" y="4320"/>
-                </a:lnTo>
-                <a:lnTo>
-                  <a:pt x="2879" y="0"/>
-                </a:lnTo>
-                <a:lnTo>
-                  <a:pt x="183" y="0"/>
-                </a:lnTo>
-                <a:close/>
-              </a:path>
-            </a:pathLst>
-          </a:custGeom>
-          <a:ln/>
-          <a:extLst>
-            <a:ext uri="{91240B29-F687-4f45-9708-019B960494DF}">
-              <a14:hiddenLine xmlns="" xmlns:a14="http://schemas.microsoft.com/office/drawing/2010/main" w="9525">
-                <a:solidFill>
-                  <a:srgbClr val="000000"/>
-                </a:solidFill>
-                <a:round/>
-                <a:headEnd/>
-                <a:tailEnd/>
-              </a14:hiddenLine>
-            </a:ext>
-          </a:extLst>
-        </p:spPr>
-        <p:style>
-          <a:lnRef idx="1">
-            <a:schemeClr val="accent1"/>
-          </a:lnRef>
-          <a:fillRef idx="3">
-            <a:schemeClr val="accent1"/>
-          </a:fillRef>
-          <a:effectRef idx="2">
-            <a:schemeClr val="accent1"/>
-          </a:effectRef>
-          <a:fontRef idx="minor">
-            <a:schemeClr val="lt1"/>
-          </a:fontRef>
-        </p:style>
-      </p:sp>
-      <p:sp>
-        <p:nvSpPr>
           <p:cNvPr id="2" name="Vertical Title 1"/>
           <p:cNvSpPr>
             <a:spLocks noGrp="1"/>
@@ -2074,8 +3077,8 @@
         </p:nvSpPr>
         <p:spPr>
           <a:xfrm>
-            <a:off x="8183540" y="586171"/>
-            <a:ext cx="2494791" cy="5134798"/>
+            <a:off x="9732655" y="685800"/>
+            <a:ext cx="1770369" cy="5105400"/>
           </a:xfrm>
         </p:spPr>
         <p:txBody>
@@ -2102,8 +3105,8 @@
         </p:nvSpPr>
         <p:spPr>
           <a:xfrm>
-            <a:off x="810001" y="446089"/>
-            <a:ext cx="6611540" cy="5414962"/>
+            <a:off x="1484312" y="685800"/>
+            <a:ext cx="8019742" cy="5105400"/>
           </a:xfrm>
         </p:spPr>
         <p:txBody>
@@ -2165,7 +3168,7 @@
             <a:fld id="{B61BEF0D-F0BB-DE4B-95CE-6DB70DBA9567}" type="datetimeFigureOut">
               <a:rPr lang="en-US" smtClean="0"/>
               <a:pPr/>
-              <a:t>5/30/2017</a:t>
+              <a:t>5/31/2017</a:t>
             </a:fld>
             <a:endParaRPr lang="en-US" dirty="0"/>
           </a:p>
@@ -2217,7 +3220,7 @@
     </p:spTree>
     <p:extLst>
       <p:ext uri="{BB962C8B-B14F-4D97-AF65-F5344CB8AC3E}">
-        <p14:creationId xmlns:p14="http://schemas.microsoft.com/office/powerpoint/2010/main" val="179538691"/>
+        <p14:creationId xmlns:p14="http://schemas.microsoft.com/office/powerpoint/2010/main" val="457668577"/>
       </p:ext>
     </p:extLst>
   </p:cSld>
@@ -2246,109 +3249,6 @@
       </p:grpSpPr>
       <p:sp>
         <p:nvSpPr>
-          <p:cNvPr id="11" name="Freeform 6"/>
-          <p:cNvSpPr/>
-          <p:nvPr/>
-        </p:nvSpPr>
-        <p:spPr bwMode="auto">
-          <a:xfrm>
-            <a:off x="0" y="0"/>
-            <a:ext cx="12192000" cy="2185988"/>
-          </a:xfrm>
-          <a:custGeom>
-            <a:avLst/>
-            <a:gdLst/>
-            <a:ahLst/>
-            <a:cxnLst/>
-            <a:rect l="0" t="0" r="r" b="b"/>
-            <a:pathLst>
-              <a:path w="5760" h="1377">
-                <a:moveTo>
-                  <a:pt x="5760" y="0"/>
-                </a:moveTo>
-                <a:lnTo>
-                  <a:pt x="0" y="0"/>
-                </a:lnTo>
-                <a:lnTo>
-                  <a:pt x="0" y="1189"/>
-                </a:lnTo>
-                <a:lnTo>
-                  <a:pt x="943" y="1189"/>
-                </a:lnTo>
-                <a:lnTo>
-                  <a:pt x="1123" y="1369"/>
-                </a:lnTo>
-                <a:lnTo>
-                  <a:pt x="1123" y="1369"/>
-                </a:lnTo>
-                <a:lnTo>
-                  <a:pt x="1127" y="1371"/>
-                </a:lnTo>
-                <a:lnTo>
-                  <a:pt x="1133" y="1374"/>
-                </a:lnTo>
-                <a:lnTo>
-                  <a:pt x="1139" y="1377"/>
-                </a:lnTo>
-                <a:lnTo>
-                  <a:pt x="1144" y="1377"/>
-                </a:lnTo>
-                <a:lnTo>
-                  <a:pt x="1150" y="1377"/>
-                </a:lnTo>
-                <a:lnTo>
-                  <a:pt x="1155" y="1374"/>
-                </a:lnTo>
-                <a:lnTo>
-                  <a:pt x="1161" y="1371"/>
-                </a:lnTo>
-                <a:lnTo>
-                  <a:pt x="1165" y="1369"/>
-                </a:lnTo>
-                <a:lnTo>
-                  <a:pt x="1345" y="1189"/>
-                </a:lnTo>
-                <a:lnTo>
-                  <a:pt x="5760" y="1189"/>
-                </a:lnTo>
-                <a:lnTo>
-                  <a:pt x="5760" y="0"/>
-                </a:lnTo>
-                <a:close/>
-              </a:path>
-            </a:pathLst>
-          </a:custGeom>
-          <a:ln/>
-          <a:extLst>
-            <a:ext uri="{91240B29-F687-4f45-9708-019B960494DF}">
-              <a14:hiddenLine xmlns="" xmlns:a14="http://schemas.microsoft.com/office/drawing/2010/main" w="9525">
-                <a:solidFill>
-                  <a:srgbClr val="000000"/>
-                </a:solidFill>
-                <a:round/>
-                <a:headEnd/>
-                <a:tailEnd/>
-              </a14:hiddenLine>
-            </a:ext>
-          </a:extLst>
-        </p:spPr>
-        <p:style>
-          <a:lnRef idx="1">
-            <a:schemeClr val="accent1"/>
-          </a:lnRef>
-          <a:fillRef idx="3">
-            <a:schemeClr val="accent1"/>
-          </a:fillRef>
-          <a:effectRef idx="2">
-            <a:schemeClr val="accent1"/>
-          </a:effectRef>
-          <a:fontRef idx="minor">
-            <a:schemeClr val="lt1"/>
-          </a:fontRef>
-        </p:style>
-      </p:sp>
-      <p:sp>
-        <p:nvSpPr>
           <p:cNvPr id="2" name="Title 1"/>
           <p:cNvSpPr>
             <a:spLocks noGrp="1"/>
@@ -2357,12 +3257,7 @@
             <p:ph type="title"/>
           </p:nvPr>
         </p:nvSpPr>
-        <p:spPr>
-          <a:xfrm>
-            <a:off x="810000" y="447188"/>
-            <a:ext cx="10571998" cy="970450"/>
-          </a:xfrm>
-        </p:spPr>
+        <p:spPr/>
         <p:txBody>
           <a:bodyPr/>
           <a:lstStyle/>
@@ -2385,14 +3280,9 @@
             <p:ph idx="1"/>
           </p:nvPr>
         </p:nvSpPr>
-        <p:spPr>
-          <a:xfrm>
-            <a:off x="818712" y="2222287"/>
-            <a:ext cx="10554574" cy="3636511"/>
-          </a:xfrm>
-        </p:spPr>
-        <p:txBody>
-          <a:bodyPr/>
+        <p:spPr/>
+        <p:txBody>
+          <a:bodyPr anchor="ctr"/>
           <a:lstStyle/>
           <a:p>
             <a:pPr lvl="0"/>
@@ -2450,7 +3340,7 @@
             <a:fld id="{B61BEF0D-F0BB-DE4B-95CE-6DB70DBA9567}" type="datetimeFigureOut">
               <a:rPr lang="en-US" smtClean="0"/>
               <a:pPr/>
-              <a:t>5/30/2017</a:t>
+              <a:t>5/31/2017</a:t>
             </a:fld>
             <a:endParaRPr lang="en-US" dirty="0"/>
           </a:p>
@@ -2485,7 +3375,12 @@
             <p:ph type="sldNum" sz="quarter" idx="12"/>
           </p:nvPr>
         </p:nvSpPr>
-        <p:spPr/>
+        <p:spPr>
+          <a:xfrm>
+            <a:off x="10951856" y="5867131"/>
+            <a:ext cx="551167" cy="365125"/>
+          </a:xfrm>
+        </p:spPr>
         <p:txBody>
           <a:bodyPr/>
           <a:lstStyle/>
@@ -2502,7 +3397,7 @@
     </p:spTree>
     <p:extLst>
       <p:ext uri="{BB962C8B-B14F-4D97-AF65-F5344CB8AC3E}">
-        <p14:creationId xmlns:p14="http://schemas.microsoft.com/office/powerpoint/2010/main" val="4070649224"/>
+        <p14:creationId xmlns:p14="http://schemas.microsoft.com/office/powerpoint/2010/main" val="1547854187"/>
       </p:ext>
     </p:extLst>
   </p:cSld>
@@ -2531,103 +3426,6 @@
       </p:grpSpPr>
       <p:sp>
         <p:nvSpPr>
-          <p:cNvPr id="10" name="Freeform 7"/>
-          <p:cNvSpPr/>
-          <p:nvPr/>
-        </p:nvSpPr>
-        <p:spPr bwMode="auto">
-          <a:xfrm>
-            <a:off x="0" y="1"/>
-            <a:ext cx="12192000" cy="5203825"/>
-          </a:xfrm>
-          <a:custGeom>
-            <a:avLst/>
-            <a:gdLst/>
-            <a:ahLst/>
-            <a:cxnLst/>
-            <a:rect l="0" t="0" r="r" b="b"/>
-            <a:pathLst>
-              <a:path w="5760" h="3278">
-                <a:moveTo>
-                  <a:pt x="0" y="0"/>
-                </a:moveTo>
-                <a:lnTo>
-                  <a:pt x="5760" y="0"/>
-                </a:lnTo>
-                <a:lnTo>
-                  <a:pt x="5760" y="3090"/>
-                </a:lnTo>
-                <a:lnTo>
-                  <a:pt x="4817" y="3090"/>
-                </a:lnTo>
-                <a:lnTo>
-                  <a:pt x="4637" y="3270"/>
-                </a:lnTo>
-                <a:lnTo>
-                  <a:pt x="4637" y="3270"/>
-                </a:lnTo>
-                <a:lnTo>
-                  <a:pt x="4633" y="3272"/>
-                </a:lnTo>
-                <a:lnTo>
-                  <a:pt x="4627" y="3275"/>
-                </a:lnTo>
-                <a:lnTo>
-                  <a:pt x="4621" y="3278"/>
-                </a:lnTo>
-                <a:lnTo>
-                  <a:pt x="4616" y="3278"/>
-                </a:lnTo>
-                <a:lnTo>
-                  <a:pt x="4610" y="3278"/>
-                </a:lnTo>
-                <a:lnTo>
-                  <a:pt x="4605" y="3275"/>
-                </a:lnTo>
-                <a:lnTo>
-                  <a:pt x="4599" y="3272"/>
-                </a:lnTo>
-                <a:lnTo>
-                  <a:pt x="4595" y="3270"/>
-                </a:lnTo>
-                <a:lnTo>
-                  <a:pt x="4415" y="3090"/>
-                </a:lnTo>
-                <a:lnTo>
-                  <a:pt x="0" y="3090"/>
-                </a:lnTo>
-                <a:lnTo>
-                  <a:pt x="0" y="0"/>
-                </a:lnTo>
-                <a:lnTo>
-                  <a:pt x="0" y="0"/>
-                </a:lnTo>
-                <a:close/>
-              </a:path>
-            </a:pathLst>
-          </a:custGeom>
-          <a:ln>
-            <a:headEnd/>
-            <a:tailEnd/>
-          </a:ln>
-        </p:spPr>
-        <p:style>
-          <a:lnRef idx="1">
-            <a:schemeClr val="accent1"/>
-          </a:lnRef>
-          <a:fillRef idx="3">
-            <a:schemeClr val="accent1"/>
-          </a:fillRef>
-          <a:effectRef idx="2">
-            <a:schemeClr val="accent1"/>
-          </a:effectRef>
-          <a:fontRef idx="minor">
-            <a:schemeClr val="lt1"/>
-          </a:fontRef>
-        </p:style>
-      </p:sp>
-      <p:sp>
-        <p:nvSpPr>
           <p:cNvPr id="2" name="Title 1"/>
           <p:cNvSpPr>
             <a:spLocks noGrp="1"/>
@@ -2638,15 +3436,15 @@
         </p:nvSpPr>
         <p:spPr>
           <a:xfrm>
-            <a:off x="810000" y="2951396"/>
-            <a:ext cx="10561418" cy="1468800"/>
+            <a:off x="2572279" y="2666999"/>
+            <a:ext cx="8930747" cy="2110382"/>
           </a:xfrm>
         </p:spPr>
         <p:txBody>
           <a:bodyPr anchor="b"/>
           <a:lstStyle>
             <a:lvl1pPr algn="r">
-              <a:defRPr sz="4800" b="1" cap="none"/>
+              <a:defRPr sz="4000" b="0" cap="none"/>
             </a:lvl1pPr>
           </a:lstStyle>
           <a:p>
@@ -2670,18 +3468,18 @@
         </p:nvSpPr>
         <p:spPr>
           <a:xfrm>
-            <a:off x="810000" y="5281201"/>
-            <a:ext cx="10561418" cy="433955"/>
+            <a:off x="2572278" y="4777381"/>
+            <a:ext cx="8930748" cy="860400"/>
           </a:xfrm>
         </p:spPr>
         <p:txBody>
           <a:bodyPr anchor="t">
-            <a:noAutofit/>
+            <a:normAutofit/>
           </a:bodyPr>
           <a:lstStyle>
             <a:lvl1pPr marL="0" indent="0" algn="r">
               <a:buNone/>
-              <a:defRPr sz="1800">
+              <a:defRPr sz="2000">
                 <a:solidFill>
                   <a:schemeClr val="tx1"/>
                 </a:solidFill>
@@ -2795,7 +3593,7 @@
             <a:fld id="{B61BEF0D-F0BB-DE4B-95CE-6DB70DBA9567}" type="datetimeFigureOut">
               <a:rPr lang="en-US" smtClean="0"/>
               <a:pPr/>
-              <a:t>5/30/2017</a:t>
+              <a:t>5/31/2017</a:t>
             </a:fld>
             <a:endParaRPr lang="en-US" dirty="0"/>
           </a:p>
@@ -2847,7 +3645,7 @@
     </p:spTree>
     <p:extLst>
       <p:ext uri="{BB962C8B-B14F-4D97-AF65-F5344CB8AC3E}">
-        <p14:creationId xmlns:p14="http://schemas.microsoft.com/office/powerpoint/2010/main" val="1089041387"/>
+        <p14:creationId xmlns:p14="http://schemas.microsoft.com/office/powerpoint/2010/main" val="868850196"/>
       </p:ext>
     </p:extLst>
   </p:cSld>
@@ -2876,118 +3674,20 @@
       </p:grpSpPr>
       <p:sp>
         <p:nvSpPr>
-          <p:cNvPr id="8" name="Freeform 6"/>
-          <p:cNvSpPr/>
-          <p:nvPr/>
-        </p:nvSpPr>
-        <p:spPr bwMode="auto">
+          <p:cNvPr id="2" name="Title 1"/>
+          <p:cNvSpPr>
+            <a:spLocks noGrp="1"/>
+          </p:cNvSpPr>
+          <p:nvPr>
+            <p:ph type="title"/>
+          </p:nvPr>
+        </p:nvSpPr>
+        <p:spPr>
           <a:xfrm>
-            <a:off x="0" y="0"/>
-            <a:ext cx="12192000" cy="2185988"/>
+            <a:off x="1484311" y="685800"/>
+            <a:ext cx="10018713" cy="1752599"/>
           </a:xfrm>
-          <a:custGeom>
-            <a:avLst/>
-            <a:gdLst/>
-            <a:ahLst/>
-            <a:cxnLst/>
-            <a:rect l="0" t="0" r="r" b="b"/>
-            <a:pathLst>
-              <a:path w="5760" h="1377">
-                <a:moveTo>
-                  <a:pt x="5760" y="0"/>
-                </a:moveTo>
-                <a:lnTo>
-                  <a:pt x="0" y="0"/>
-                </a:lnTo>
-                <a:lnTo>
-                  <a:pt x="0" y="1189"/>
-                </a:lnTo>
-                <a:lnTo>
-                  <a:pt x="943" y="1189"/>
-                </a:lnTo>
-                <a:lnTo>
-                  <a:pt x="1123" y="1369"/>
-                </a:lnTo>
-                <a:lnTo>
-                  <a:pt x="1123" y="1369"/>
-                </a:lnTo>
-                <a:lnTo>
-                  <a:pt x="1127" y="1371"/>
-                </a:lnTo>
-                <a:lnTo>
-                  <a:pt x="1133" y="1374"/>
-                </a:lnTo>
-                <a:lnTo>
-                  <a:pt x="1139" y="1377"/>
-                </a:lnTo>
-                <a:lnTo>
-                  <a:pt x="1144" y="1377"/>
-                </a:lnTo>
-                <a:lnTo>
-                  <a:pt x="1150" y="1377"/>
-                </a:lnTo>
-                <a:lnTo>
-                  <a:pt x="1155" y="1374"/>
-                </a:lnTo>
-                <a:lnTo>
-                  <a:pt x="1161" y="1371"/>
-                </a:lnTo>
-                <a:lnTo>
-                  <a:pt x="1165" y="1369"/>
-                </a:lnTo>
-                <a:lnTo>
-                  <a:pt x="1345" y="1189"/>
-                </a:lnTo>
-                <a:lnTo>
-                  <a:pt x="5760" y="1189"/>
-                </a:lnTo>
-                <a:lnTo>
-                  <a:pt x="5760" y="0"/>
-                </a:lnTo>
-                <a:close/>
-              </a:path>
-            </a:pathLst>
-          </a:custGeom>
-          <a:ln/>
-          <a:extLst>
-            <a:ext uri="{91240B29-F687-4f45-9708-019B960494DF}">
-              <a14:hiddenLine xmlns="" xmlns:a14="http://schemas.microsoft.com/office/drawing/2010/main" w="9525">
-                <a:solidFill>
-                  <a:srgbClr val="000000"/>
-                </a:solidFill>
-                <a:round/>
-                <a:headEnd/>
-                <a:tailEnd/>
-              </a14:hiddenLine>
-            </a:ext>
-          </a:extLst>
         </p:spPr>
-        <p:style>
-          <a:lnRef idx="1">
-            <a:schemeClr val="accent1"/>
-          </a:lnRef>
-          <a:fillRef idx="3">
-            <a:schemeClr val="accent1"/>
-          </a:fillRef>
-          <a:effectRef idx="2">
-            <a:schemeClr val="accent1"/>
-          </a:effectRef>
-          <a:fontRef idx="minor">
-            <a:schemeClr val="lt1"/>
-          </a:fontRef>
-        </p:style>
-      </p:sp>
-      <p:sp>
-        <p:nvSpPr>
-          <p:cNvPr id="2" name="Title 1"/>
-          <p:cNvSpPr>
-            <a:spLocks noGrp="1"/>
-          </p:cNvSpPr>
-          <p:nvPr>
-            <p:ph type="title"/>
-          </p:nvPr>
-        </p:nvSpPr>
-        <p:spPr/>
         <p:txBody>
           <a:bodyPr/>
           <a:lstStyle/>
@@ -3012,15 +3712,43 @@
         </p:nvSpPr>
         <p:spPr>
           <a:xfrm>
-            <a:off x="818712" y="2222287"/>
-            <a:ext cx="5185873" cy="3638763"/>
+            <a:off x="1484312" y="2666999"/>
+            <a:ext cx="4895055" cy="3124201"/>
           </a:xfrm>
         </p:spPr>
         <p:txBody>
           <a:bodyPr>
             <a:normAutofit/>
           </a:bodyPr>
-          <a:lstStyle/>
+          <a:lstStyle>
+            <a:lvl1pPr>
+              <a:defRPr sz="1800"/>
+            </a:lvl1pPr>
+            <a:lvl2pPr>
+              <a:defRPr sz="1600"/>
+            </a:lvl2pPr>
+            <a:lvl3pPr>
+              <a:defRPr sz="1400"/>
+            </a:lvl3pPr>
+            <a:lvl4pPr>
+              <a:defRPr sz="1200"/>
+            </a:lvl4pPr>
+            <a:lvl5pPr>
+              <a:defRPr sz="1200"/>
+            </a:lvl5pPr>
+            <a:lvl6pPr>
+              <a:defRPr sz="1200"/>
+            </a:lvl6pPr>
+            <a:lvl7pPr>
+              <a:defRPr sz="1200"/>
+            </a:lvl7pPr>
+            <a:lvl8pPr>
+              <a:defRPr sz="1200"/>
+            </a:lvl8pPr>
+            <a:lvl9pPr>
+              <a:defRPr sz="1200"/>
+            </a:lvl9pPr>
+          </a:lstStyle>
           <a:p>
             <a:pPr lvl="0"/>
             <a:r>
@@ -3071,15 +3799,43 @@
         </p:nvSpPr>
         <p:spPr>
           <a:xfrm>
-            <a:off x="6187415" y="2222287"/>
-            <a:ext cx="5194583" cy="3638764"/>
+            <a:off x="6607967" y="2667000"/>
+            <a:ext cx="4895056" cy="3124200"/>
           </a:xfrm>
         </p:spPr>
         <p:txBody>
           <a:bodyPr>
             <a:normAutofit/>
           </a:bodyPr>
-          <a:lstStyle/>
+          <a:lstStyle>
+            <a:lvl1pPr>
+              <a:defRPr sz="1800"/>
+            </a:lvl1pPr>
+            <a:lvl2pPr>
+              <a:defRPr sz="1600"/>
+            </a:lvl2pPr>
+            <a:lvl3pPr>
+              <a:defRPr sz="1400"/>
+            </a:lvl3pPr>
+            <a:lvl4pPr>
+              <a:defRPr sz="1200"/>
+            </a:lvl4pPr>
+            <a:lvl5pPr>
+              <a:defRPr sz="1200"/>
+            </a:lvl5pPr>
+            <a:lvl6pPr>
+              <a:defRPr sz="1200"/>
+            </a:lvl6pPr>
+            <a:lvl7pPr>
+              <a:defRPr sz="1200"/>
+            </a:lvl7pPr>
+            <a:lvl8pPr>
+              <a:defRPr sz="1200"/>
+            </a:lvl8pPr>
+            <a:lvl9pPr>
+              <a:defRPr sz="1200"/>
+            </a:lvl9pPr>
+          </a:lstStyle>
           <a:p>
             <a:pPr lvl="0"/>
             <a:r>
@@ -3136,7 +3892,7 @@
             <a:fld id="{B61BEF0D-F0BB-DE4B-95CE-6DB70DBA9567}" type="datetimeFigureOut">
               <a:rPr lang="en-US" smtClean="0"/>
               <a:pPr/>
-              <a:t>5/30/2017</a:t>
+              <a:t>5/31/2017</a:t>
             </a:fld>
             <a:endParaRPr lang="en-US" dirty="0"/>
           </a:p>
@@ -3188,7 +3944,7 @@
     </p:spTree>
     <p:extLst>
       <p:ext uri="{BB962C8B-B14F-4D97-AF65-F5344CB8AC3E}">
-        <p14:creationId xmlns:p14="http://schemas.microsoft.com/office/powerpoint/2010/main" val="2258390294"/>
+        <p14:creationId xmlns:p14="http://schemas.microsoft.com/office/powerpoint/2010/main" val="305578225"/>
       </p:ext>
     </p:extLst>
   </p:cSld>
@@ -3217,109 +3973,6 @@
       </p:grpSpPr>
       <p:sp>
         <p:nvSpPr>
-          <p:cNvPr id="10" name="Freeform 6"/>
-          <p:cNvSpPr/>
-          <p:nvPr/>
-        </p:nvSpPr>
-        <p:spPr bwMode="auto">
-          <a:xfrm>
-            <a:off x="0" y="0"/>
-            <a:ext cx="12192000" cy="2185988"/>
-          </a:xfrm>
-          <a:custGeom>
-            <a:avLst/>
-            <a:gdLst/>
-            <a:ahLst/>
-            <a:cxnLst/>
-            <a:rect l="0" t="0" r="r" b="b"/>
-            <a:pathLst>
-              <a:path w="5760" h="1377">
-                <a:moveTo>
-                  <a:pt x="5760" y="0"/>
-                </a:moveTo>
-                <a:lnTo>
-                  <a:pt x="0" y="0"/>
-                </a:lnTo>
-                <a:lnTo>
-                  <a:pt x="0" y="1189"/>
-                </a:lnTo>
-                <a:lnTo>
-                  <a:pt x="943" y="1189"/>
-                </a:lnTo>
-                <a:lnTo>
-                  <a:pt x="1123" y="1369"/>
-                </a:lnTo>
-                <a:lnTo>
-                  <a:pt x="1123" y="1369"/>
-                </a:lnTo>
-                <a:lnTo>
-                  <a:pt x="1127" y="1371"/>
-                </a:lnTo>
-                <a:lnTo>
-                  <a:pt x="1133" y="1374"/>
-                </a:lnTo>
-                <a:lnTo>
-                  <a:pt x="1139" y="1377"/>
-                </a:lnTo>
-                <a:lnTo>
-                  <a:pt x="1144" y="1377"/>
-                </a:lnTo>
-                <a:lnTo>
-                  <a:pt x="1150" y="1377"/>
-                </a:lnTo>
-                <a:lnTo>
-                  <a:pt x="1155" y="1374"/>
-                </a:lnTo>
-                <a:lnTo>
-                  <a:pt x="1161" y="1371"/>
-                </a:lnTo>
-                <a:lnTo>
-                  <a:pt x="1165" y="1369"/>
-                </a:lnTo>
-                <a:lnTo>
-                  <a:pt x="1345" y="1189"/>
-                </a:lnTo>
-                <a:lnTo>
-                  <a:pt x="5760" y="1189"/>
-                </a:lnTo>
-                <a:lnTo>
-                  <a:pt x="5760" y="0"/>
-                </a:lnTo>
-                <a:close/>
-              </a:path>
-            </a:pathLst>
-          </a:custGeom>
-          <a:ln/>
-          <a:extLst>
-            <a:ext uri="{91240B29-F687-4f45-9708-019B960494DF}">
-              <a14:hiddenLine xmlns="" xmlns:a14="http://schemas.microsoft.com/office/drawing/2010/main" w="9525">
-                <a:solidFill>
-                  <a:srgbClr val="000000"/>
-                </a:solidFill>
-                <a:round/>
-                <a:headEnd/>
-                <a:tailEnd/>
-              </a14:hiddenLine>
-            </a:ext>
-          </a:extLst>
-        </p:spPr>
-        <p:style>
-          <a:lnRef idx="1">
-            <a:schemeClr val="accent1"/>
-          </a:lnRef>
-          <a:fillRef idx="3">
-            <a:schemeClr val="accent1"/>
-          </a:fillRef>
-          <a:effectRef idx="2">
-            <a:schemeClr val="accent1"/>
-          </a:effectRef>
-          <a:fontRef idx="minor">
-            <a:schemeClr val="lt1"/>
-          </a:fontRef>
-        </p:style>
-      </p:sp>
-      <p:sp>
-        <p:nvSpPr>
           <p:cNvPr id="2" name="Title 1"/>
           <p:cNvSpPr>
             <a:spLocks noGrp="1"/>
@@ -3357,8 +4010,8 @@
         </p:nvSpPr>
         <p:spPr>
           <a:xfrm>
-            <a:off x="814728" y="2174875"/>
-            <a:ext cx="5189857" cy="576262"/>
+            <a:off x="1772179" y="2658533"/>
+            <a:ext cx="4607188" cy="576262"/>
           </a:xfrm>
         </p:spPr>
         <p:txBody>
@@ -3366,9 +4019,15 @@
             <a:noAutofit/>
           </a:bodyPr>
           <a:lstStyle>
-            <a:lvl1pPr marL="0" indent="0" algn="ctr">
-              <a:buNone/>
-              <a:defRPr sz="2000" b="0"/>
+            <a:lvl1pPr marL="0" indent="0">
+              <a:buNone/>
+              <a:defRPr sz="2800" b="0">
+                <a:solidFill>
+                  <a:schemeClr val="accent1">
+                    <a:lumMod val="75000"/>
+                  </a:schemeClr>
+                </a:solidFill>
+              </a:defRPr>
             </a:lvl1pPr>
             <a:lvl2pPr marL="457200" indent="0">
               <a:buNone/>
@@ -3424,15 +4083,43 @@
         </p:nvSpPr>
         <p:spPr>
           <a:xfrm>
-            <a:off x="814729" y="2751138"/>
-            <a:ext cx="5189856" cy="3109913"/>
+            <a:off x="1484311" y="3335337"/>
+            <a:ext cx="4895056" cy="2455862"/>
           </a:xfrm>
         </p:spPr>
         <p:txBody>
           <a:bodyPr anchor="t">
             <a:normAutofit/>
           </a:bodyPr>
-          <a:lstStyle/>
+          <a:lstStyle>
+            <a:lvl1pPr>
+              <a:defRPr sz="1800"/>
+            </a:lvl1pPr>
+            <a:lvl2pPr>
+              <a:defRPr sz="1600"/>
+            </a:lvl2pPr>
+            <a:lvl3pPr>
+              <a:defRPr sz="1400"/>
+            </a:lvl3pPr>
+            <a:lvl4pPr>
+              <a:defRPr sz="1200"/>
+            </a:lvl4pPr>
+            <a:lvl5pPr>
+              <a:defRPr sz="1200"/>
+            </a:lvl5pPr>
+            <a:lvl6pPr>
+              <a:defRPr sz="1200"/>
+            </a:lvl6pPr>
+            <a:lvl7pPr>
+              <a:defRPr sz="1200"/>
+            </a:lvl7pPr>
+            <a:lvl8pPr>
+              <a:defRPr sz="1200"/>
+            </a:lvl8pPr>
+            <a:lvl9pPr>
+              <a:defRPr sz="1200"/>
+            </a:lvl9pPr>
+          </a:lstStyle>
           <a:p>
             <a:pPr lvl="0"/>
             <a:r>
@@ -3483,8 +4170,8 @@
         </p:nvSpPr>
         <p:spPr>
           <a:xfrm>
-            <a:off x="6187415" y="2174875"/>
-            <a:ext cx="5194583" cy="576262"/>
+            <a:off x="6880487" y="2667000"/>
+            <a:ext cx="4622537" cy="576262"/>
           </a:xfrm>
         </p:spPr>
         <p:txBody>
@@ -3492,9 +4179,15 @@
             <a:noAutofit/>
           </a:bodyPr>
           <a:lstStyle>
-            <a:lvl1pPr marL="0" indent="0" algn="ctr">
-              <a:buNone/>
-              <a:defRPr sz="2000" b="0"/>
+            <a:lvl1pPr marL="0" indent="0">
+              <a:buNone/>
+              <a:defRPr sz="2800" b="0">
+                <a:solidFill>
+                  <a:schemeClr val="accent1">
+                    <a:lumMod val="75000"/>
+                  </a:schemeClr>
+                </a:solidFill>
+              </a:defRPr>
             </a:lvl1pPr>
             <a:lvl2pPr marL="457200" indent="0">
               <a:buNone/>
@@ -3550,15 +4243,43 @@
         </p:nvSpPr>
         <p:spPr>
           <a:xfrm>
-            <a:off x="6187415" y="2751138"/>
-            <a:ext cx="5194583" cy="3109913"/>
+            <a:off x="6607967" y="3335337"/>
+            <a:ext cx="4895056" cy="2455862"/>
           </a:xfrm>
         </p:spPr>
         <p:txBody>
           <a:bodyPr anchor="t">
             <a:normAutofit/>
           </a:bodyPr>
-          <a:lstStyle/>
+          <a:lstStyle>
+            <a:lvl1pPr>
+              <a:defRPr sz="1800"/>
+            </a:lvl1pPr>
+            <a:lvl2pPr>
+              <a:defRPr sz="1600"/>
+            </a:lvl2pPr>
+            <a:lvl3pPr>
+              <a:defRPr sz="1400"/>
+            </a:lvl3pPr>
+            <a:lvl4pPr>
+              <a:defRPr sz="1200"/>
+            </a:lvl4pPr>
+            <a:lvl5pPr>
+              <a:defRPr sz="1200"/>
+            </a:lvl5pPr>
+            <a:lvl6pPr>
+              <a:defRPr sz="1200"/>
+            </a:lvl6pPr>
+            <a:lvl7pPr>
+              <a:defRPr sz="1200"/>
+            </a:lvl7pPr>
+            <a:lvl8pPr>
+              <a:defRPr sz="1200"/>
+            </a:lvl8pPr>
+            <a:lvl9pPr>
+              <a:defRPr sz="1200"/>
+            </a:lvl9pPr>
+          </a:lstStyle>
           <a:p>
             <a:pPr lvl="0"/>
             <a:r>
@@ -3615,7 +4336,7 @@
             <a:fld id="{B61BEF0D-F0BB-DE4B-95CE-6DB70DBA9567}" type="datetimeFigureOut">
               <a:rPr lang="en-US" smtClean="0"/>
               <a:pPr/>
-              <a:t>5/30/2017</a:t>
+              <a:t>5/31/2017</a:t>
             </a:fld>
             <a:endParaRPr lang="en-US" dirty="0"/>
           </a:p>
@@ -3667,7 +4388,7 @@
     </p:spTree>
     <p:extLst>
       <p:ext uri="{BB962C8B-B14F-4D97-AF65-F5344CB8AC3E}">
-        <p14:creationId xmlns:p14="http://schemas.microsoft.com/office/powerpoint/2010/main" val="53402508"/>
+        <p14:creationId xmlns:p14="http://schemas.microsoft.com/office/powerpoint/2010/main" val="2603615996"/>
       </p:ext>
     </p:extLst>
   </p:cSld>
@@ -3696,109 +4417,6 @@
       </p:grpSpPr>
       <p:sp>
         <p:nvSpPr>
-          <p:cNvPr id="6" name="Freeform 6"/>
-          <p:cNvSpPr/>
-          <p:nvPr/>
-        </p:nvSpPr>
-        <p:spPr bwMode="auto">
-          <a:xfrm>
-            <a:off x="0" y="0"/>
-            <a:ext cx="12192000" cy="2185988"/>
-          </a:xfrm>
-          <a:custGeom>
-            <a:avLst/>
-            <a:gdLst/>
-            <a:ahLst/>
-            <a:cxnLst/>
-            <a:rect l="0" t="0" r="r" b="b"/>
-            <a:pathLst>
-              <a:path w="5760" h="1377">
-                <a:moveTo>
-                  <a:pt x="5760" y="0"/>
-                </a:moveTo>
-                <a:lnTo>
-                  <a:pt x="0" y="0"/>
-                </a:lnTo>
-                <a:lnTo>
-                  <a:pt x="0" y="1189"/>
-                </a:lnTo>
-                <a:lnTo>
-                  <a:pt x="943" y="1189"/>
-                </a:lnTo>
-                <a:lnTo>
-                  <a:pt x="1123" y="1369"/>
-                </a:lnTo>
-                <a:lnTo>
-                  <a:pt x="1123" y="1369"/>
-                </a:lnTo>
-                <a:lnTo>
-                  <a:pt x="1127" y="1371"/>
-                </a:lnTo>
-                <a:lnTo>
-                  <a:pt x="1133" y="1374"/>
-                </a:lnTo>
-                <a:lnTo>
-                  <a:pt x="1139" y="1377"/>
-                </a:lnTo>
-                <a:lnTo>
-                  <a:pt x="1144" y="1377"/>
-                </a:lnTo>
-                <a:lnTo>
-                  <a:pt x="1150" y="1377"/>
-                </a:lnTo>
-                <a:lnTo>
-                  <a:pt x="1155" y="1374"/>
-                </a:lnTo>
-                <a:lnTo>
-                  <a:pt x="1161" y="1371"/>
-                </a:lnTo>
-                <a:lnTo>
-                  <a:pt x="1165" y="1369"/>
-                </a:lnTo>
-                <a:lnTo>
-                  <a:pt x="1345" y="1189"/>
-                </a:lnTo>
-                <a:lnTo>
-                  <a:pt x="5760" y="1189"/>
-                </a:lnTo>
-                <a:lnTo>
-                  <a:pt x="5760" y="0"/>
-                </a:lnTo>
-                <a:close/>
-              </a:path>
-            </a:pathLst>
-          </a:custGeom>
-          <a:ln/>
-          <a:extLst>
-            <a:ext uri="{91240B29-F687-4f45-9708-019B960494DF}">
-              <a14:hiddenLine xmlns="" xmlns:a14="http://schemas.microsoft.com/office/drawing/2010/main" w="9525">
-                <a:solidFill>
-                  <a:srgbClr val="000000"/>
-                </a:solidFill>
-                <a:round/>
-                <a:headEnd/>
-                <a:tailEnd/>
-              </a14:hiddenLine>
-            </a:ext>
-          </a:extLst>
-        </p:spPr>
-        <p:style>
-          <a:lnRef idx="1">
-            <a:schemeClr val="accent1"/>
-          </a:lnRef>
-          <a:fillRef idx="3">
-            <a:schemeClr val="accent1"/>
-          </a:fillRef>
-          <a:effectRef idx="2">
-            <a:schemeClr val="accent1"/>
-          </a:effectRef>
-          <a:fontRef idx="minor">
-            <a:schemeClr val="lt1"/>
-          </a:fontRef>
-        </p:style>
-      </p:sp>
-      <p:sp>
-        <p:nvSpPr>
           <p:cNvPr id="2" name="Title 1"/>
           <p:cNvSpPr>
             <a:spLocks noGrp="1"/>
@@ -3838,7 +4456,7 @@
             <a:fld id="{B61BEF0D-F0BB-DE4B-95CE-6DB70DBA9567}" type="datetimeFigureOut">
               <a:rPr lang="en-US" smtClean="0"/>
               <a:pPr/>
-              <a:t>5/30/2017</a:t>
+              <a:t>5/31/2017</a:t>
             </a:fld>
             <a:endParaRPr lang="en-US" dirty="0"/>
           </a:p>
@@ -3890,7 +4508,7 @@
     </p:spTree>
     <p:extLst>
       <p:ext uri="{BB962C8B-B14F-4D97-AF65-F5344CB8AC3E}">
-        <p14:creationId xmlns:p14="http://schemas.microsoft.com/office/powerpoint/2010/main" val="1884697626"/>
+        <p14:creationId xmlns:p14="http://schemas.microsoft.com/office/powerpoint/2010/main" val="1833534714"/>
       </p:ext>
     </p:extLst>
   </p:cSld>
@@ -3935,7 +4553,7 @@
             <a:fld id="{B61BEF0D-F0BB-DE4B-95CE-6DB70DBA9567}" type="datetimeFigureOut">
               <a:rPr lang="en-US" smtClean="0"/>
               <a:pPr/>
-              <a:t>5/30/2017</a:t>
+              <a:t>5/31/2017</a:t>
             </a:fld>
             <a:endParaRPr lang="en-US" dirty="0"/>
           </a:p>
@@ -3987,7 +4605,7 @@
     </p:spTree>
     <p:extLst>
       <p:ext uri="{BB962C8B-B14F-4D97-AF65-F5344CB8AC3E}">
-        <p14:creationId xmlns:p14="http://schemas.microsoft.com/office/powerpoint/2010/main" val="3314212998"/>
+        <p14:creationId xmlns:p14="http://schemas.microsoft.com/office/powerpoint/2010/main" val="1911896877"/>
       </p:ext>
     </p:extLst>
   </p:cSld>
@@ -4016,222 +4634,6 @@
       </p:grpSpPr>
       <p:sp>
         <p:nvSpPr>
-          <p:cNvPr id="12" name="Freeform 6"/>
-          <p:cNvSpPr>
-            <a:spLocks noChangeAspect="1"/>
-          </p:cNvSpPr>
-          <p:nvPr/>
-        </p:nvSpPr>
-        <p:spPr bwMode="auto">
-          <a:xfrm>
-            <a:off x="1073151" y="446087"/>
-            <a:ext cx="3547533" cy="1814651"/>
-          </a:xfrm>
-          <a:custGeom>
-            <a:avLst/>
-            <a:gdLst/>
-            <a:ahLst/>
-            <a:cxnLst/>
-            <a:rect l="0" t="0" r="r" b="b"/>
-            <a:pathLst>
-              <a:path w="3384" h="2308">
-                <a:moveTo>
-                  <a:pt x="3340" y="0"/>
-                </a:moveTo>
-                <a:lnTo>
-                  <a:pt x="44" y="0"/>
-                </a:lnTo>
-                <a:lnTo>
-                  <a:pt x="44" y="0"/>
-                </a:lnTo>
-                <a:lnTo>
-                  <a:pt x="34" y="0"/>
-                </a:lnTo>
-                <a:lnTo>
-                  <a:pt x="26" y="4"/>
-                </a:lnTo>
-                <a:lnTo>
-                  <a:pt x="20" y="8"/>
-                </a:lnTo>
-                <a:lnTo>
-                  <a:pt x="12" y="12"/>
-                </a:lnTo>
-                <a:lnTo>
-                  <a:pt x="8" y="20"/>
-                </a:lnTo>
-                <a:lnTo>
-                  <a:pt x="4" y="26"/>
-                </a:lnTo>
-                <a:lnTo>
-                  <a:pt x="0" y="34"/>
-                </a:lnTo>
-                <a:lnTo>
-                  <a:pt x="0" y="44"/>
-                </a:lnTo>
-                <a:lnTo>
-                  <a:pt x="0" y="2076"/>
-                </a:lnTo>
-                <a:lnTo>
-                  <a:pt x="0" y="2076"/>
-                </a:lnTo>
-                <a:lnTo>
-                  <a:pt x="0" y="2086"/>
-                </a:lnTo>
-                <a:lnTo>
-                  <a:pt x="4" y="2094"/>
-                </a:lnTo>
-                <a:lnTo>
-                  <a:pt x="8" y="2100"/>
-                </a:lnTo>
-                <a:lnTo>
-                  <a:pt x="12" y="2108"/>
-                </a:lnTo>
-                <a:lnTo>
-                  <a:pt x="20" y="2112"/>
-                </a:lnTo>
-                <a:lnTo>
-                  <a:pt x="26" y="2116"/>
-                </a:lnTo>
-                <a:lnTo>
-                  <a:pt x="34" y="2120"/>
-                </a:lnTo>
-                <a:lnTo>
-                  <a:pt x="44" y="2120"/>
-                </a:lnTo>
-                <a:lnTo>
-                  <a:pt x="474" y="2120"/>
-                </a:lnTo>
-                <a:lnTo>
-                  <a:pt x="650" y="2296"/>
-                </a:lnTo>
-                <a:lnTo>
-                  <a:pt x="650" y="2296"/>
-                </a:lnTo>
-                <a:lnTo>
-                  <a:pt x="656" y="2300"/>
-                </a:lnTo>
-                <a:lnTo>
-                  <a:pt x="664" y="2304"/>
-                </a:lnTo>
-                <a:lnTo>
-                  <a:pt x="672" y="2308"/>
-                </a:lnTo>
-                <a:lnTo>
-                  <a:pt x="680" y="2308"/>
-                </a:lnTo>
-                <a:lnTo>
-                  <a:pt x="688" y="2308"/>
-                </a:lnTo>
-                <a:lnTo>
-                  <a:pt x="696" y="2304"/>
-                </a:lnTo>
-                <a:lnTo>
-                  <a:pt x="704" y="2300"/>
-                </a:lnTo>
-                <a:lnTo>
-                  <a:pt x="710" y="2296"/>
-                </a:lnTo>
-                <a:lnTo>
-                  <a:pt x="886" y="2120"/>
-                </a:lnTo>
-                <a:lnTo>
-                  <a:pt x="3340" y="2120"/>
-                </a:lnTo>
-                <a:lnTo>
-                  <a:pt x="3340" y="2120"/>
-                </a:lnTo>
-                <a:lnTo>
-                  <a:pt x="3350" y="2120"/>
-                </a:lnTo>
-                <a:lnTo>
-                  <a:pt x="3358" y="2116"/>
-                </a:lnTo>
-                <a:lnTo>
-                  <a:pt x="3364" y="2112"/>
-                </a:lnTo>
-                <a:lnTo>
-                  <a:pt x="3372" y="2108"/>
-                </a:lnTo>
-                <a:lnTo>
-                  <a:pt x="3376" y="2100"/>
-                </a:lnTo>
-                <a:lnTo>
-                  <a:pt x="3380" y="2094"/>
-                </a:lnTo>
-                <a:lnTo>
-                  <a:pt x="3384" y="2086"/>
-                </a:lnTo>
-                <a:lnTo>
-                  <a:pt x="3384" y="2076"/>
-                </a:lnTo>
-                <a:lnTo>
-                  <a:pt x="3384" y="44"/>
-                </a:lnTo>
-                <a:lnTo>
-                  <a:pt x="3384" y="44"/>
-                </a:lnTo>
-                <a:lnTo>
-                  <a:pt x="3384" y="34"/>
-                </a:lnTo>
-                <a:lnTo>
-                  <a:pt x="3380" y="26"/>
-                </a:lnTo>
-                <a:lnTo>
-                  <a:pt x="3376" y="20"/>
-                </a:lnTo>
-                <a:lnTo>
-                  <a:pt x="3372" y="12"/>
-                </a:lnTo>
-                <a:lnTo>
-                  <a:pt x="3364" y="8"/>
-                </a:lnTo>
-                <a:lnTo>
-                  <a:pt x="3358" y="4"/>
-                </a:lnTo>
-                <a:lnTo>
-                  <a:pt x="3350" y="0"/>
-                </a:lnTo>
-                <a:lnTo>
-                  <a:pt x="3340" y="0"/>
-                </a:lnTo>
-                <a:lnTo>
-                  <a:pt x="3340" y="0"/>
-                </a:lnTo>
-                <a:close/>
-              </a:path>
-            </a:pathLst>
-          </a:custGeom>
-          <a:ln/>
-          <a:extLst>
-            <a:ext uri="{91240B29-F687-4f45-9708-019B960494DF}">
-              <a14:hiddenLine xmlns="" xmlns:a14="http://schemas.microsoft.com/office/drawing/2010/main" w="9525">
-                <a:solidFill>
-                  <a:srgbClr val="000000"/>
-                </a:solidFill>
-                <a:round/>
-                <a:headEnd/>
-                <a:tailEnd/>
-              </a14:hiddenLine>
-            </a:ext>
-          </a:extLst>
-        </p:spPr>
-        <p:style>
-          <a:lnRef idx="1">
-            <a:schemeClr val="accent1"/>
-          </a:lnRef>
-          <a:fillRef idx="3">
-            <a:schemeClr val="accent1"/>
-          </a:fillRef>
-          <a:effectRef idx="2">
-            <a:schemeClr val="accent1"/>
-          </a:effectRef>
-          <a:fontRef idx="minor">
-            <a:schemeClr val="lt1"/>
-          </a:fontRef>
-        </p:style>
-      </p:sp>
-      <p:sp>
-        <p:nvSpPr>
           <p:cNvPr id="2" name="Title 1"/>
           <p:cNvSpPr>
             <a:spLocks noGrp="1"/>
@@ -4242,15 +4644,17 @@
         </p:nvSpPr>
         <p:spPr>
           <a:xfrm>
-            <a:off x="1073151" y="446088"/>
-            <a:ext cx="3547533" cy="1618396"/>
+            <a:off x="1484312" y="1600200"/>
+            <a:ext cx="3549121" cy="1371600"/>
           </a:xfrm>
         </p:spPr>
         <p:txBody>
-          <a:bodyPr anchor="b"/>
+          <a:bodyPr anchor="b">
+            <a:normAutofit/>
+          </a:bodyPr>
           <a:lstStyle>
-            <a:lvl1pPr algn="l">
-              <a:defRPr sz="2000" b="1"/>
+            <a:lvl1pPr algn="ctr">
+              <a:defRPr sz="2400" b="0"/>
             </a:lvl1pPr>
           </a:lstStyle>
           <a:p>
@@ -4274,75 +4678,105 @@
         </p:nvSpPr>
         <p:spPr>
           <a:xfrm>
-            <a:off x="4855633" y="446088"/>
-            <a:ext cx="6252633" cy="5414963"/>
+            <a:off x="5262033" y="685799"/>
+            <a:ext cx="6240990" cy="5105401"/>
+          </a:xfrm>
+        </p:spPr>
+        <p:txBody>
+          <a:bodyPr anchor="ctr">
+            <a:normAutofit/>
+          </a:bodyPr>
+          <a:lstStyle>
+            <a:lvl1pPr>
+              <a:defRPr sz="2000"/>
+            </a:lvl1pPr>
+            <a:lvl2pPr>
+              <a:defRPr sz="1800"/>
+            </a:lvl2pPr>
+            <a:lvl3pPr>
+              <a:defRPr sz="1600"/>
+            </a:lvl3pPr>
+            <a:lvl4pPr>
+              <a:defRPr sz="1400"/>
+            </a:lvl4pPr>
+            <a:lvl5pPr>
+              <a:defRPr sz="1400"/>
+            </a:lvl5pPr>
+            <a:lvl6pPr>
+              <a:defRPr sz="1400"/>
+            </a:lvl6pPr>
+            <a:lvl7pPr>
+              <a:defRPr sz="1400"/>
+            </a:lvl7pPr>
+            <a:lvl8pPr>
+              <a:defRPr sz="1400"/>
+            </a:lvl8pPr>
+            <a:lvl9pPr>
+              <a:defRPr sz="1400"/>
+            </a:lvl9pPr>
+          </a:lstStyle>
+          <a:p>
+            <a:pPr lvl="0"/>
+            <a:r>
+              <a:rPr lang="nl-NL"/>
+              <a:t>Tekststijl van het model bewerken</a:t>
+            </a:r>
+          </a:p>
+          <a:p>
+            <a:pPr lvl="1"/>
+            <a:r>
+              <a:rPr lang="nl-NL"/>
+              <a:t>Tweede niveau</a:t>
+            </a:r>
+          </a:p>
+          <a:p>
+            <a:pPr lvl="2"/>
+            <a:r>
+              <a:rPr lang="nl-NL"/>
+              <a:t>Derde niveau</a:t>
+            </a:r>
+          </a:p>
+          <a:p>
+            <a:pPr lvl="3"/>
+            <a:r>
+              <a:rPr lang="nl-NL"/>
+              <a:t>Vierde niveau</a:t>
+            </a:r>
+          </a:p>
+          <a:p>
+            <a:pPr lvl="4"/>
+            <a:r>
+              <a:rPr lang="nl-NL"/>
+              <a:t>Vijfde niveau</a:t>
+            </a:r>
+            <a:endParaRPr lang="en-US" dirty="0"/>
+          </a:p>
+        </p:txBody>
+      </p:sp>
+      <p:sp>
+        <p:nvSpPr>
+          <p:cNvPr id="4" name="Text Placeholder 3"/>
+          <p:cNvSpPr>
+            <a:spLocks noGrp="1"/>
+          </p:cNvSpPr>
+          <p:nvPr>
+            <p:ph type="body" sz="half" idx="2"/>
+          </p:nvPr>
+        </p:nvSpPr>
+        <p:spPr>
+          <a:xfrm>
+            <a:off x="1484312" y="2971800"/>
+            <a:ext cx="3549121" cy="1828800"/>
           </a:xfrm>
         </p:spPr>
         <p:txBody>
           <a:bodyPr>
             <a:normAutofit/>
           </a:bodyPr>
-          <a:lstStyle/>
-          <a:p>
-            <a:pPr lvl="0"/>
-            <a:r>
-              <a:rPr lang="nl-NL"/>
-              <a:t>Tekststijl van het model bewerken</a:t>
-            </a:r>
-          </a:p>
-          <a:p>
-            <a:pPr lvl="1"/>
-            <a:r>
-              <a:rPr lang="nl-NL"/>
-              <a:t>Tweede niveau</a:t>
-            </a:r>
-          </a:p>
-          <a:p>
-            <a:pPr lvl="2"/>
-            <a:r>
-              <a:rPr lang="nl-NL"/>
-              <a:t>Derde niveau</a:t>
-            </a:r>
-          </a:p>
-          <a:p>
-            <a:pPr lvl="3"/>
-            <a:r>
-              <a:rPr lang="nl-NL"/>
-              <a:t>Vierde niveau</a:t>
-            </a:r>
-          </a:p>
-          <a:p>
-            <a:pPr lvl="4"/>
-            <a:r>
-              <a:rPr lang="nl-NL"/>
-              <a:t>Vijfde niveau</a:t>
-            </a:r>
-            <a:endParaRPr lang="en-US" dirty="0"/>
-          </a:p>
-        </p:txBody>
-      </p:sp>
-      <p:sp>
-        <p:nvSpPr>
-          <p:cNvPr id="4" name="Text Placeholder 3"/>
-          <p:cNvSpPr>
-            <a:spLocks noGrp="1"/>
-          </p:cNvSpPr>
-          <p:nvPr>
-            <p:ph type="body" sz="half" idx="2"/>
-          </p:nvPr>
-        </p:nvSpPr>
-        <p:spPr>
-          <a:xfrm>
-            <a:off x="1073151" y="2260738"/>
-            <a:ext cx="3547533" cy="3600311"/>
-          </a:xfrm>
-        </p:spPr>
-        <p:txBody>
-          <a:bodyPr/>
           <a:lstStyle>
-            <a:lvl1pPr marL="0" indent="0">
-              <a:buNone/>
-              <a:defRPr sz="1400"/>
+            <a:lvl1pPr marL="0" indent="0" algn="ctr">
+              <a:buNone/>
+              <a:defRPr sz="1600"/>
             </a:lvl1pPr>
             <a:lvl2pPr marL="457200" indent="0">
               <a:buNone/>
@@ -4404,7 +4838,7 @@
             <a:fld id="{B61BEF0D-F0BB-DE4B-95CE-6DB70DBA9567}" type="datetimeFigureOut">
               <a:rPr lang="en-US" smtClean="0"/>
               <a:pPr/>
-              <a:t>5/30/2017</a:t>
+              <a:t>5/31/2017</a:t>
             </a:fld>
             <a:endParaRPr lang="en-US" dirty="0"/>
           </a:p>
@@ -4456,7 +4890,7 @@
     </p:spTree>
     <p:extLst>
       <p:ext uri="{BB962C8B-B14F-4D97-AF65-F5344CB8AC3E}">
-        <p14:creationId xmlns:p14="http://schemas.microsoft.com/office/powerpoint/2010/main" val="350349571"/>
+        <p14:creationId xmlns:p14="http://schemas.microsoft.com/office/powerpoint/2010/main" val="492406740"/>
       </p:ext>
     </p:extLst>
   </p:cSld>
@@ -4495,8 +4929,8 @@
         </p:nvSpPr>
         <p:spPr>
           <a:xfrm>
-            <a:off x="814728" y="727522"/>
-            <a:ext cx="4852988" cy="1617163"/>
+            <a:off x="1482724" y="1752599"/>
+            <a:ext cx="5426158" cy="1371600"/>
           </a:xfrm>
         </p:spPr>
         <p:txBody>
@@ -4504,8 +4938,8 @@
             <a:normAutofit/>
           </a:bodyPr>
           <a:lstStyle>
-            <a:lvl1pPr algn="l">
-              <a:defRPr sz="2400" b="0"/>
+            <a:lvl1pPr algn="ctr">
+              <a:defRPr sz="2800" b="0"/>
             </a:lvl1pPr>
           </a:lstStyle>
           <a:p>
@@ -4519,140 +4953,123 @@
       </p:sp>
       <p:sp>
         <p:nvSpPr>
-          <p:cNvPr id="9" name="Picture Placeholder 11"/>
+          <p:cNvPr id="14" name="Picture Placeholder 2"/>
           <p:cNvSpPr>
             <a:spLocks noGrp="1" noChangeAspect="1"/>
           </p:cNvSpPr>
           <p:nvPr>
-            <p:ph type="pic" sz="quarter" idx="13"/>
-          </p:nvPr>
-        </p:nvSpPr>
-        <p:spPr bwMode="auto">
-          <a:xfrm>
-            <a:off x="6098117" y="0"/>
-            <a:ext cx="6093883" cy="6858000"/>
-          </a:xfrm>
-          <a:custGeom>
-            <a:avLst/>
-            <a:gdLst/>
-            <a:ahLst/>
-            <a:cxnLst/>
-            <a:rect l="0" t="0" r="r" b="b"/>
-            <a:pathLst>
-              <a:path w="2879" h="4320">
-                <a:moveTo>
-                  <a:pt x="183" y="0"/>
-                </a:moveTo>
-                <a:lnTo>
-                  <a:pt x="183" y="1197"/>
-                </a:lnTo>
-                <a:lnTo>
-                  <a:pt x="8" y="1372"/>
-                </a:lnTo>
-                <a:lnTo>
-                  <a:pt x="8" y="1372"/>
-                </a:lnTo>
-                <a:lnTo>
-                  <a:pt x="6" y="1376"/>
-                </a:lnTo>
-                <a:lnTo>
-                  <a:pt x="3" y="1382"/>
-                </a:lnTo>
-                <a:lnTo>
-                  <a:pt x="0" y="1387"/>
-                </a:lnTo>
-                <a:lnTo>
-                  <a:pt x="0" y="1393"/>
-                </a:lnTo>
-                <a:lnTo>
-                  <a:pt x="0" y="1399"/>
-                </a:lnTo>
-                <a:lnTo>
-                  <a:pt x="3" y="1404"/>
-                </a:lnTo>
-                <a:lnTo>
-                  <a:pt x="6" y="1410"/>
-                </a:lnTo>
-                <a:lnTo>
-                  <a:pt x="8" y="1414"/>
-                </a:lnTo>
-                <a:lnTo>
-                  <a:pt x="183" y="1589"/>
-                </a:lnTo>
-                <a:lnTo>
-                  <a:pt x="183" y="4320"/>
-                </a:lnTo>
-                <a:lnTo>
-                  <a:pt x="2879" y="4320"/>
-                </a:lnTo>
-                <a:lnTo>
-                  <a:pt x="2879" y="0"/>
-                </a:lnTo>
-                <a:lnTo>
-                  <a:pt x="183" y="0"/>
-                </a:lnTo>
-                <a:close/>
-              </a:path>
-            </a:pathLst>
-          </a:custGeom>
-          <a:noFill/>
-          <a:ln w="9525">
-            <a:solidFill>
-              <a:schemeClr val="tx2"/>
-            </a:solidFill>
-            <a:round/>
-            <a:headEnd/>
-            <a:tailEnd/>
-          </a:ln>
-          <a:effectLst/>
-        </p:spPr>
-        <p:txBody>
-          <a:bodyPr wrap="square" numCol="1" anchor="t" anchorCtr="0" compatLnSpc="1">
-            <a:prstTxWarp prst="textNoShape">
-              <a:avLst/>
-            </a:prstTxWarp>
-            <a:normAutofit/>
-          </a:bodyPr>
-          <a:lstStyle>
-            <a:lvl1pPr algn="ctr">
-              <a:buFontTx/>
-              <a:buNone/>
-              <a:defRPr sz="1400"/>
-            </a:lvl1pPr>
-          </a:lstStyle>
-          <a:p>
-            <a:r>
-              <a:rPr lang="nl-NL"/>
-              <a:t>Klik op het pictogram als u een afbeelding wilt toevoegen</a:t>
-            </a:r>
-            <a:endParaRPr lang="en-US" dirty="0"/>
-          </a:p>
-        </p:txBody>
-      </p:sp>
-      <p:sp>
-        <p:nvSpPr>
-          <p:cNvPr id="4" name="Text Placeholder 3"/>
-          <p:cNvSpPr>
-            <a:spLocks noGrp="1"/>
-          </p:cNvSpPr>
-          <p:nvPr>
-            <p:ph type="body" sz="half" idx="2"/>
+            <p:ph type="pic" idx="1"/>
           </p:nvPr>
         </p:nvSpPr>
         <p:spPr>
           <a:xfrm>
-            <a:off x="814728" y="2344684"/>
-            <a:ext cx="4852988" cy="3516365"/>
+            <a:off x="7594682" y="914400"/>
+            <a:ext cx="3280974" cy="4572000"/>
           </a:xfrm>
+          <a:prstGeom prst="roundRect">
+            <a:avLst>
+              <a:gd name="adj" fmla="val 4280"/>
+            </a:avLst>
+          </a:prstGeom>
+          <a:ln w="38100">
+            <a:gradFill flip="none" rotWithShape="1">
+              <a:gsLst>
+                <a:gs pos="0">
+                  <a:schemeClr val="bg2"/>
+                </a:gs>
+                <a:gs pos="100000">
+                  <a:schemeClr val="bg2">
+                    <a:lumMod val="75000"/>
+                  </a:schemeClr>
+                </a:gs>
+              </a:gsLst>
+              <a:lin ang="5400000" scaled="0"/>
+              <a:tileRect/>
+            </a:gradFill>
+          </a:ln>
+          <a:effectLst>
+            <a:innerShdw blurRad="57150" dist="38100" dir="14460000">
+              <a:srgbClr val="000000">
+                <a:alpha val="70000"/>
+              </a:srgbClr>
+            </a:innerShdw>
+          </a:effectLst>
         </p:spPr>
         <p:txBody>
           <a:bodyPr anchor="t">
             <a:normAutofit/>
           </a:bodyPr>
           <a:lstStyle>
-            <a:lvl1pPr marL="0" indent="0">
-              <a:buNone/>
-              <a:defRPr sz="1200"/>
+            <a:lvl1pPr marL="0" indent="0" algn="ctr">
+              <a:buNone/>
+              <a:defRPr sz="1600"/>
+            </a:lvl1pPr>
+            <a:lvl2pPr marL="457200" indent="0">
+              <a:buNone/>
+              <a:defRPr sz="1600"/>
+            </a:lvl2pPr>
+            <a:lvl3pPr marL="914400" indent="0">
+              <a:buNone/>
+              <a:defRPr sz="1600"/>
+            </a:lvl3pPr>
+            <a:lvl4pPr marL="1371600" indent="0">
+              <a:buNone/>
+              <a:defRPr sz="1600"/>
+            </a:lvl4pPr>
+            <a:lvl5pPr marL="1828800" indent="0">
+              <a:buNone/>
+              <a:defRPr sz="1600"/>
+            </a:lvl5pPr>
+            <a:lvl6pPr marL="2286000" indent="0">
+              <a:buNone/>
+              <a:defRPr sz="1600"/>
+            </a:lvl6pPr>
+            <a:lvl7pPr marL="2743200" indent="0">
+              <a:buNone/>
+              <a:defRPr sz="1600"/>
+            </a:lvl7pPr>
+            <a:lvl8pPr marL="3200400" indent="0">
+              <a:buNone/>
+              <a:defRPr sz="1600"/>
+            </a:lvl8pPr>
+            <a:lvl9pPr marL="3657600" indent="0">
+              <a:buNone/>
+              <a:defRPr sz="1600"/>
+            </a:lvl9pPr>
+          </a:lstStyle>
+          <a:p>
+            <a:r>
+              <a:rPr lang="nl-NL"/>
+              <a:t>Klik op het pictogram als u een afbeelding wilt toevoegen</a:t>
+            </a:r>
+            <a:endParaRPr lang="en-US" dirty="0"/>
+          </a:p>
+        </p:txBody>
+      </p:sp>
+      <p:sp>
+        <p:nvSpPr>
+          <p:cNvPr id="4" name="Text Placeholder 3"/>
+          <p:cNvSpPr>
+            <a:spLocks noGrp="1"/>
+          </p:cNvSpPr>
+          <p:nvPr>
+            <p:ph type="body" sz="half" idx="2"/>
+          </p:nvPr>
+        </p:nvSpPr>
+        <p:spPr>
+          <a:xfrm>
+            <a:off x="1482724" y="3124199"/>
+            <a:ext cx="5426158" cy="1828800"/>
+          </a:xfrm>
+        </p:spPr>
+        <p:txBody>
+          <a:bodyPr>
+            <a:normAutofit/>
+          </a:bodyPr>
+          <a:lstStyle>
+            <a:lvl1pPr marL="0" indent="0" algn="ctr">
+              <a:buNone/>
+              <a:defRPr sz="1800"/>
             </a:lvl1pPr>
             <a:lvl2pPr marL="457200" indent="0">
               <a:buNone/>
@@ -4706,12 +5123,7 @@
             <p:ph type="dt" sz="half" idx="10"/>
           </p:nvPr>
         </p:nvSpPr>
-        <p:spPr>
-          <a:xfrm>
-            <a:off x="3885810" y="6041362"/>
-            <a:ext cx="976879" cy="365125"/>
-          </a:xfrm>
-        </p:spPr>
+        <p:spPr/>
         <p:txBody>
           <a:bodyPr/>
           <a:lstStyle/>
@@ -4719,7 +5131,7 @@
             <a:fld id="{B61BEF0D-F0BB-DE4B-95CE-6DB70DBA9567}" type="datetimeFigureOut">
               <a:rPr lang="en-US" smtClean="0"/>
               <a:pPr/>
-              <a:t>5/30/2017</a:t>
+              <a:t>5/31/2017</a:t>
             </a:fld>
             <a:endParaRPr lang="en-US" dirty="0"/>
           </a:p>
@@ -4735,12 +5147,7 @@
             <p:ph type="ftr" sz="quarter" idx="11"/>
           </p:nvPr>
         </p:nvSpPr>
-        <p:spPr>
-          <a:xfrm>
-            <a:off x="590396" y="6041362"/>
-            <a:ext cx="3295413" cy="365125"/>
-          </a:xfrm>
-        </p:spPr>
+        <p:spPr/>
         <p:txBody>
           <a:bodyPr/>
           <a:lstStyle/>
@@ -4759,12 +5166,7 @@
             <p:ph type="sldNum" sz="quarter" idx="12"/>
           </p:nvPr>
         </p:nvSpPr>
-        <p:spPr>
-          <a:xfrm>
-            <a:off x="4862689" y="5915888"/>
-            <a:ext cx="1062155" cy="490599"/>
-          </a:xfrm>
-        </p:spPr>
+        <p:spPr/>
         <p:txBody>
           <a:bodyPr/>
           <a:lstStyle/>
@@ -4781,7 +5183,7 @@
     </p:spTree>
     <p:extLst>
       <p:ext uri="{BB962C8B-B14F-4D97-AF65-F5344CB8AC3E}">
-        <p14:creationId xmlns:p14="http://schemas.microsoft.com/office/powerpoint/2010/main" val="2460156144"/>
+        <p14:creationId xmlns:p14="http://schemas.microsoft.com/office/powerpoint/2010/main" val="2425285039"/>
       </p:ext>
     </p:extLst>
   </p:cSld>
@@ -4795,7 +5197,7 @@
 <p:sldMaster xmlns:a="http://schemas.openxmlformats.org/drawingml/2006/main" xmlns:r="http://schemas.openxmlformats.org/officeDocument/2006/relationships" xmlns:p="http://schemas.openxmlformats.org/presentationml/2006/main">
   <p:cSld>
     <p:bg>
-      <p:bgRef idx="1001">
+      <p:bgRef idx="1003">
         <a:schemeClr val="bg2"/>
       </p:bgRef>
     </p:bg>
@@ -4813,6 +5215,322 @@
           <a:chExt cx="0" cy="0"/>
         </a:xfrm>
       </p:grpSpPr>
+      <p:grpSp>
+        <p:nvGrpSpPr>
+          <p:cNvPr id="7" name="Group 6"/>
+          <p:cNvGrpSpPr/>
+          <p:nvPr/>
+        </p:nvGrpSpPr>
+        <p:grpSpPr>
+          <a:xfrm>
+            <a:off x="150812" y="0"/>
+            <a:ext cx="2436813" cy="6858001"/>
+            <a:chOff x="1320800" y="0"/>
+            <a:chExt cx="2436813" cy="6858001"/>
+          </a:xfrm>
+        </p:grpSpPr>
+        <p:sp>
+          <p:nvSpPr>
+            <p:cNvPr id="8" name="Freeform 6"/>
+            <p:cNvSpPr/>
+            <p:nvPr/>
+          </p:nvSpPr>
+          <p:spPr bwMode="auto">
+            <a:xfrm>
+              <a:off x="1627188" y="0"/>
+              <a:ext cx="1122363" cy="5329238"/>
+            </a:xfrm>
+            <a:custGeom>
+              <a:avLst/>
+              <a:gdLst/>
+              <a:ahLst/>
+              <a:cxnLst/>
+              <a:rect l="0" t="0" r="r" b="b"/>
+              <a:pathLst>
+                <a:path w="707" h="3357">
+                  <a:moveTo>
+                    <a:pt x="0" y="3330"/>
+                  </a:moveTo>
+                  <a:lnTo>
+                    <a:pt x="156" y="3357"/>
+                  </a:lnTo>
+                  <a:lnTo>
+                    <a:pt x="707" y="0"/>
+                  </a:lnTo>
+                  <a:lnTo>
+                    <a:pt x="547" y="0"/>
+                  </a:lnTo>
+                  <a:lnTo>
+                    <a:pt x="0" y="3330"/>
+                  </a:lnTo>
+                  <a:close/>
+                </a:path>
+              </a:pathLst>
+            </a:custGeom>
+            <a:solidFill>
+              <a:schemeClr val="accent1"/>
+            </a:solidFill>
+            <a:ln>
+              <a:noFill/>
+            </a:ln>
+          </p:spPr>
+        </p:sp>
+        <p:sp>
+          <p:nvSpPr>
+            <p:cNvPr id="9" name="Freeform 7"/>
+            <p:cNvSpPr/>
+            <p:nvPr/>
+          </p:nvSpPr>
+          <p:spPr bwMode="auto">
+            <a:xfrm>
+              <a:off x="1320800" y="0"/>
+              <a:ext cx="1117600" cy="5276850"/>
+            </a:xfrm>
+            <a:custGeom>
+              <a:avLst/>
+              <a:gdLst/>
+              <a:ahLst/>
+              <a:cxnLst/>
+              <a:rect l="0" t="0" r="r" b="b"/>
+              <a:pathLst>
+                <a:path w="704" h="3324">
+                  <a:moveTo>
+                    <a:pt x="704" y="0"/>
+                  </a:moveTo>
+                  <a:lnTo>
+                    <a:pt x="545" y="0"/>
+                  </a:lnTo>
+                  <a:lnTo>
+                    <a:pt x="0" y="3300"/>
+                  </a:lnTo>
+                  <a:lnTo>
+                    <a:pt x="157" y="3324"/>
+                  </a:lnTo>
+                  <a:lnTo>
+                    <a:pt x="704" y="0"/>
+                  </a:lnTo>
+                  <a:close/>
+                </a:path>
+              </a:pathLst>
+            </a:custGeom>
+            <a:solidFill>
+              <a:schemeClr val="tx1">
+                <a:lumMod val="65000"/>
+                <a:lumOff val="35000"/>
+              </a:schemeClr>
+            </a:solidFill>
+            <a:ln>
+              <a:noFill/>
+            </a:ln>
+          </p:spPr>
+        </p:sp>
+        <p:sp>
+          <p:nvSpPr>
+            <p:cNvPr id="10" name="Freeform 8"/>
+            <p:cNvSpPr/>
+            <p:nvPr/>
+          </p:nvSpPr>
+          <p:spPr bwMode="auto">
+            <a:xfrm>
+              <a:off x="1320800" y="5238750"/>
+              <a:ext cx="1228725" cy="1619250"/>
+            </a:xfrm>
+            <a:custGeom>
+              <a:avLst/>
+              <a:gdLst/>
+              <a:ahLst/>
+              <a:cxnLst/>
+              <a:rect l="0" t="0" r="r" b="b"/>
+              <a:pathLst>
+                <a:path w="774" h="1020">
+                  <a:moveTo>
+                    <a:pt x="0" y="0"/>
+                  </a:moveTo>
+                  <a:lnTo>
+                    <a:pt x="740" y="1020"/>
+                  </a:lnTo>
+                  <a:lnTo>
+                    <a:pt x="774" y="1020"/>
+                  </a:lnTo>
+                  <a:lnTo>
+                    <a:pt x="0" y="0"/>
+                  </a:lnTo>
+                  <a:close/>
+                </a:path>
+              </a:pathLst>
+            </a:custGeom>
+            <a:solidFill>
+              <a:schemeClr val="tx1">
+                <a:lumMod val="85000"/>
+                <a:lumOff val="15000"/>
+              </a:schemeClr>
+            </a:solidFill>
+            <a:ln>
+              <a:noFill/>
+            </a:ln>
+          </p:spPr>
+        </p:sp>
+        <p:sp>
+          <p:nvSpPr>
+            <p:cNvPr id="11" name="Freeform 9"/>
+            <p:cNvSpPr/>
+            <p:nvPr/>
+          </p:nvSpPr>
+          <p:spPr bwMode="auto">
+            <a:xfrm>
+              <a:off x="1627188" y="5291138"/>
+              <a:ext cx="1495425" cy="1566863"/>
+            </a:xfrm>
+            <a:custGeom>
+              <a:avLst/>
+              <a:gdLst/>
+              <a:ahLst/>
+              <a:cxnLst/>
+              <a:rect l="0" t="0" r="r" b="b"/>
+              <a:pathLst>
+                <a:path w="942" h="987">
+                  <a:moveTo>
+                    <a:pt x="0" y="0"/>
+                  </a:moveTo>
+                  <a:lnTo>
+                    <a:pt x="909" y="987"/>
+                  </a:lnTo>
+                  <a:lnTo>
+                    <a:pt x="942" y="987"/>
+                  </a:lnTo>
+                  <a:lnTo>
+                    <a:pt x="0" y="0"/>
+                  </a:lnTo>
+                  <a:close/>
+                </a:path>
+              </a:pathLst>
+            </a:custGeom>
+            <a:solidFill>
+              <a:schemeClr val="accent1">
+                <a:lumMod val="50000"/>
+              </a:schemeClr>
+            </a:solidFill>
+            <a:ln>
+              <a:noFill/>
+            </a:ln>
+          </p:spPr>
+        </p:sp>
+        <p:sp>
+          <p:nvSpPr>
+            <p:cNvPr id="12" name="Freeform 10"/>
+            <p:cNvSpPr/>
+            <p:nvPr/>
+          </p:nvSpPr>
+          <p:spPr bwMode="auto">
+            <a:xfrm>
+              <a:off x="1627188" y="5286375"/>
+              <a:ext cx="2130425" cy="1571625"/>
+            </a:xfrm>
+            <a:custGeom>
+              <a:avLst/>
+              <a:gdLst/>
+              <a:ahLst/>
+              <a:cxnLst/>
+              <a:rect l="0" t="0" r="r" b="b"/>
+              <a:pathLst>
+                <a:path w="1342" h="990">
+                  <a:moveTo>
+                    <a:pt x="0" y="3"/>
+                  </a:moveTo>
+                  <a:lnTo>
+                    <a:pt x="942" y="990"/>
+                  </a:lnTo>
+                  <a:lnTo>
+                    <a:pt x="1342" y="990"/>
+                  </a:lnTo>
+                  <a:lnTo>
+                    <a:pt x="156" y="27"/>
+                  </a:lnTo>
+                  <a:lnTo>
+                    <a:pt x="0" y="0"/>
+                  </a:lnTo>
+                  <a:lnTo>
+                    <a:pt x="0" y="3"/>
+                  </a:lnTo>
+                  <a:close/>
+                </a:path>
+              </a:pathLst>
+            </a:custGeom>
+            <a:solidFill>
+              <a:schemeClr val="accent1">
+                <a:lumMod val="75000"/>
+              </a:schemeClr>
+            </a:solidFill>
+            <a:ln>
+              <a:noFill/>
+            </a:ln>
+          </p:spPr>
+        </p:sp>
+        <p:sp>
+          <p:nvSpPr>
+            <p:cNvPr id="13" name="Freeform 11"/>
+            <p:cNvSpPr/>
+            <p:nvPr/>
+          </p:nvSpPr>
+          <p:spPr bwMode="auto">
+            <a:xfrm>
+              <a:off x="1320800" y="5238750"/>
+              <a:ext cx="1695450" cy="1619250"/>
+            </a:xfrm>
+            <a:custGeom>
+              <a:avLst/>
+              <a:gdLst/>
+              <a:ahLst/>
+              <a:cxnLst/>
+              <a:rect l="0" t="0" r="r" b="b"/>
+              <a:pathLst>
+                <a:path w="1068" h="1020">
+                  <a:moveTo>
+                    <a:pt x="1068" y="1020"/>
+                  </a:moveTo>
+                  <a:lnTo>
+                    <a:pt x="184" y="60"/>
+                  </a:lnTo>
+                  <a:lnTo>
+                    <a:pt x="154" y="27"/>
+                  </a:lnTo>
+                  <a:lnTo>
+                    <a:pt x="157" y="27"/>
+                  </a:lnTo>
+                  <a:lnTo>
+                    <a:pt x="157" y="24"/>
+                  </a:lnTo>
+                  <a:lnTo>
+                    <a:pt x="154" y="24"/>
+                  </a:lnTo>
+                  <a:lnTo>
+                    <a:pt x="0" y="0"/>
+                  </a:lnTo>
+                  <a:lnTo>
+                    <a:pt x="0" y="0"/>
+                  </a:lnTo>
+                  <a:lnTo>
+                    <a:pt x="774" y="1020"/>
+                  </a:lnTo>
+                  <a:lnTo>
+                    <a:pt x="1068" y="1020"/>
+                  </a:lnTo>
+                  <a:close/>
+                </a:path>
+              </a:pathLst>
+            </a:custGeom>
+            <a:solidFill>
+              <a:schemeClr val="tx1">
+                <a:lumMod val="75000"/>
+                <a:lumOff val="25000"/>
+              </a:schemeClr>
+            </a:solidFill>
+            <a:ln>
+              <a:noFill/>
+            </a:ln>
+          </p:spPr>
+        </p:sp>
+      </p:grpSp>
       <p:sp>
         <p:nvSpPr>
           <p:cNvPr id="2" name="Title Placeholder 1"/>
@@ -4825,59 +5543,13 @@
         </p:nvSpPr>
         <p:spPr>
           <a:xfrm>
-            <a:off x="810000" y="447188"/>
-            <a:ext cx="10571998" cy="970450"/>
+            <a:off x="1484311" y="685800"/>
+            <a:ext cx="10018713" cy="1752599"/>
           </a:xfrm>
           <a:prstGeom prst="rect">
             <a:avLst/>
           </a:prstGeom>
-          <a:effectLst>
-            <a:outerShdw blurRad="50800" dir="14400000">
-              <a:srgbClr val="000000">
-                <a:alpha val="60000"/>
-              </a:srgbClr>
-            </a:outerShdw>
-          </a:effectLst>
-        </p:spPr>
-        <p:txBody>
-          <a:bodyPr vert="horz" lIns="91440" tIns="45720" rIns="91440" bIns="45720" rtlCol="0" anchor="b">
-            <a:noAutofit/>
-          </a:bodyPr>
-          <a:lstStyle/>
-          <a:p>
-            <a:r>
-              <a:rPr lang="nl-NL"/>
-              <a:t>Klik om de stijl te bewerken</a:t>
-            </a:r>
-            <a:endParaRPr lang="en-US" dirty="0"/>
-          </a:p>
-        </p:txBody>
-      </p:sp>
-      <p:sp>
-        <p:nvSpPr>
-          <p:cNvPr id="3" name="Text Placeholder 2"/>
-          <p:cNvSpPr>
-            <a:spLocks noGrp="1"/>
-          </p:cNvSpPr>
-          <p:nvPr>
-            <p:ph type="body" idx="1"/>
-          </p:nvPr>
-        </p:nvSpPr>
-        <p:spPr>
-          <a:xfrm>
-            <a:off x="810000" y="2184401"/>
-            <a:ext cx="10563285" cy="3674397"/>
-          </a:xfrm>
-          <a:prstGeom prst="rect">
-            <a:avLst/>
-          </a:prstGeom>
-          <a:effectLst>
-            <a:outerShdw blurRad="50800" dir="14400000">
-              <a:srgbClr val="000000">
-                <a:alpha val="40000"/>
-              </a:srgbClr>
-            </a:outerShdw>
-          </a:effectLst>
+          <a:effectLst/>
         </p:spPr>
         <p:txBody>
           <a:bodyPr vert="horz" lIns="91440" tIns="45720" rIns="91440" bIns="45720" rtlCol="0" anchor="ctr">
@@ -4885,38 +5557,9 @@
           </a:bodyPr>
           <a:lstStyle/>
           <a:p>
-            <a:pPr lvl="0"/>
             <a:r>
               <a:rPr lang="nl-NL"/>
-              <a:t>Tekststijl van het model bewerken</a:t>
-            </a:r>
-          </a:p>
-          <a:p>
-            <a:pPr lvl="1"/>
-            <a:r>
-              <a:rPr lang="nl-NL"/>
-              <a:t>Tweede niveau</a:t>
-            </a:r>
-          </a:p>
-          <a:p>
-            <a:pPr lvl="2"/>
-            <a:r>
-              <a:rPr lang="nl-NL"/>
-              <a:t>Derde niveau</a:t>
-            </a:r>
-          </a:p>
-          <a:p>
-            <a:pPr lvl="3"/>
-            <a:r>
-              <a:rPr lang="nl-NL"/>
-              <a:t>Vierde niveau</a:t>
-            </a:r>
-          </a:p>
-          <a:p>
-            <a:pPr lvl="4"/>
-            <a:r>
-              <a:rPr lang="nl-NL"/>
-              <a:t>Vijfde niveau</a:t>
+              <a:t>Klik om de stijl te bewerken</a:t>
             </a:r>
             <a:endParaRPr lang="en-US" dirty="0"/>
           </a:p>
@@ -4924,35 +5567,62 @@
       </p:sp>
       <p:sp>
         <p:nvSpPr>
-          <p:cNvPr id="5" name="Footer Placeholder 4"/>
-          <p:cNvSpPr>
-            <a:spLocks noGrp="1"/>
-          </p:cNvSpPr>
-          <p:nvPr>
-            <p:ph type="ftr" sz="quarter" idx="3"/>
+          <p:cNvPr id="3" name="Text Placeholder 2"/>
+          <p:cNvSpPr>
+            <a:spLocks noGrp="1"/>
+          </p:cNvSpPr>
+          <p:nvPr>
+            <p:ph type="body" idx="1"/>
           </p:nvPr>
         </p:nvSpPr>
         <p:spPr>
           <a:xfrm>
-            <a:off x="451514" y="6041362"/>
-            <a:ext cx="8644320" cy="365125"/>
+            <a:off x="1484310" y="2666999"/>
+            <a:ext cx="10018713" cy="3124201"/>
           </a:xfrm>
           <a:prstGeom prst="rect">
             <a:avLst/>
           </a:prstGeom>
         </p:spPr>
         <p:txBody>
-          <a:bodyPr vert="horz" lIns="91440" tIns="45720" rIns="91440" bIns="45720" rtlCol="0" anchor="b"/>
-          <a:lstStyle>
-            <a:lvl1pPr algn="l">
-              <a:defRPr sz="900">
-                <a:solidFill>
-                  <a:schemeClr val="tx1"/>
-                </a:solidFill>
-              </a:defRPr>
-            </a:lvl1pPr>
-          </a:lstStyle>
-          <a:p>
+          <a:bodyPr vert="horz" lIns="91440" tIns="45720" rIns="91440" bIns="45720" rtlCol="0" anchor="ctr">
+            <a:normAutofit/>
+          </a:bodyPr>
+          <a:lstStyle/>
+          <a:p>
+            <a:pPr lvl="0"/>
+            <a:r>
+              <a:rPr lang="nl-NL"/>
+              <a:t>Tekststijl van het model bewerken</a:t>
+            </a:r>
+          </a:p>
+          <a:p>
+            <a:pPr lvl="1"/>
+            <a:r>
+              <a:rPr lang="nl-NL"/>
+              <a:t>Tweede niveau</a:t>
+            </a:r>
+          </a:p>
+          <a:p>
+            <a:pPr lvl="2"/>
+            <a:r>
+              <a:rPr lang="nl-NL"/>
+              <a:t>Derde niveau</a:t>
+            </a:r>
+          </a:p>
+          <a:p>
+            <a:pPr lvl="3"/>
+            <a:r>
+              <a:rPr lang="nl-NL"/>
+              <a:t>Vierde niveau</a:t>
+            </a:r>
+          </a:p>
+          <a:p>
+            <a:pPr lvl="4"/>
+            <a:r>
+              <a:rPr lang="nl-NL"/>
+              <a:t>Vijfde niveau</a:t>
+            </a:r>
             <a:endParaRPr lang="en-US" dirty="0"/>
           </a:p>
         </p:txBody>
@@ -4969,21 +5639,23 @@
         </p:nvSpPr>
         <p:spPr>
           <a:xfrm>
-            <a:off x="9334626" y="6041362"/>
-            <a:ext cx="1343706" cy="365125"/>
+            <a:off x="9732656" y="5883275"/>
+            <a:ext cx="1143000" cy="365125"/>
           </a:xfrm>
           <a:prstGeom prst="rect">
             <a:avLst/>
           </a:prstGeom>
         </p:spPr>
         <p:txBody>
-          <a:bodyPr vert="horz" lIns="91440" tIns="45720" rIns="91440" bIns="45720" rtlCol="0" anchor="b"/>
+          <a:bodyPr vert="horz" lIns="91440" tIns="45720" rIns="91440" bIns="45720" rtlCol="0" anchor="ctr"/>
           <a:lstStyle>
             <a:lvl1pPr algn="r">
-              <a:defRPr sz="900">
+              <a:defRPr sz="1000" b="0" i="0">
                 <a:solidFill>
                   <a:schemeClr val="tx1"/>
                 </a:solidFill>
+                <a:effectLst/>
+                <a:latin typeface="+mn-lt"/>
               </a:defRPr>
             </a:lvl1pPr>
           </a:lstStyle>
@@ -4991,7 +5663,7 @@
             <a:fld id="{B61BEF0D-F0BB-DE4B-95CE-6DB70DBA9567}" type="datetimeFigureOut">
               <a:rPr lang="en-US" smtClean="0"/>
               <a:pPr/>
-              <a:t>5/30/2017</a:t>
+              <a:t>5/31/2017</a:t>
             </a:fld>
             <a:endParaRPr lang="en-US" dirty="0"/>
           </a:p>
@@ -4999,31 +5671,70 @@
       </p:sp>
       <p:sp>
         <p:nvSpPr>
-          <p:cNvPr id="6" name="Slide Number Placeholder 5"/>
-          <p:cNvSpPr>
-            <a:spLocks noGrp="1"/>
-          </p:cNvSpPr>
-          <p:nvPr>
-            <p:ph type="sldNum" sz="quarter" idx="4"/>
+          <p:cNvPr id="5" name="Footer Placeholder 4"/>
+          <p:cNvSpPr>
+            <a:spLocks noGrp="1"/>
+          </p:cNvSpPr>
+          <p:nvPr>
+            <p:ph type="ftr" sz="quarter" idx="3"/>
           </p:nvPr>
         </p:nvSpPr>
         <p:spPr>
           <a:xfrm>
-            <a:off x="10678331" y="5915888"/>
-            <a:ext cx="1062155" cy="490599"/>
+            <a:off x="2572279" y="5883275"/>
+            <a:ext cx="7084177" cy="365125"/>
           </a:xfrm>
           <a:prstGeom prst="rect">
             <a:avLst/>
           </a:prstGeom>
         </p:spPr>
         <p:txBody>
-          <a:bodyPr vert="horz" lIns="91440" tIns="45720" rIns="91440" bIns="10800" rtlCol="0" anchor="b"/>
+          <a:bodyPr vert="horz" lIns="91440" tIns="45720" rIns="91440" bIns="45720" rtlCol="0" anchor="ctr"/>
+          <a:lstStyle>
+            <a:lvl1pPr algn="l">
+              <a:defRPr sz="1000" b="0" i="0">
+                <a:solidFill>
+                  <a:schemeClr val="tx1"/>
+                </a:solidFill>
+                <a:effectLst/>
+                <a:latin typeface="+mn-lt"/>
+              </a:defRPr>
+            </a:lvl1pPr>
+          </a:lstStyle>
+          <a:p>
+            <a:endParaRPr lang="en-US" dirty="0"/>
+          </a:p>
+        </p:txBody>
+      </p:sp>
+      <p:sp>
+        <p:nvSpPr>
+          <p:cNvPr id="6" name="Slide Number Placeholder 5"/>
+          <p:cNvSpPr>
+            <a:spLocks noGrp="1"/>
+          </p:cNvSpPr>
+          <p:nvPr>
+            <p:ph type="sldNum" sz="quarter" idx="4"/>
+          </p:nvPr>
+        </p:nvSpPr>
+        <p:spPr>
+          <a:xfrm>
+            <a:off x="10951856" y="5883275"/>
+            <a:ext cx="551167" cy="365125"/>
+          </a:xfrm>
+          <a:prstGeom prst="rect">
+            <a:avLst/>
+          </a:prstGeom>
+        </p:spPr>
+        <p:txBody>
+          <a:bodyPr vert="horz" lIns="91440" tIns="45720" rIns="91440" bIns="45720" rtlCol="0" anchor="ctr"/>
           <a:lstStyle>
             <a:lvl1pPr algn="r">
-              <a:defRPr sz="2000">
-                <a:solidFill>
-                  <a:schemeClr val="accent1"/>
-                </a:solidFill>
+              <a:defRPr sz="1000" b="0" i="0">
+                <a:solidFill>
+                  <a:schemeClr val="tx1"/>
+                </a:solidFill>
+                <a:effectLst/>
+                <a:latin typeface="+mn-lt"/>
               </a:defRPr>
             </a:lvl1pPr>
           </a:lstStyle>
@@ -5040,38 +5751,45 @@
     </p:spTree>
     <p:extLst>
       <p:ext uri="{BB962C8B-B14F-4D97-AF65-F5344CB8AC3E}">
-        <p14:creationId xmlns:p14="http://schemas.microsoft.com/office/powerpoint/2010/main" val="2090601798"/>
+        <p14:creationId xmlns:p14="http://schemas.microsoft.com/office/powerpoint/2010/main" val="2837861545"/>
       </p:ext>
     </p:extLst>
   </p:cSld>
-  <p:clrMap bg1="dk1" tx1="lt1" bg2="dk2" tx2="lt2" accent1="accent1" accent2="accent2" accent3="accent3" accent4="accent4" accent5="accent5" accent6="accent6" hlink="hlink" folHlink="folHlink"/>
+  <p:clrMap bg1="lt1" tx1="dk1" bg2="lt2" tx2="dk2" accent1="accent1" accent2="accent2" accent3="accent3" accent4="accent4" accent5="accent5" accent6="accent6" hlink="hlink" folHlink="folHlink"/>
   <p:sldLayoutIdLst>
-    <p:sldLayoutId id="2147484173" r:id="rId1"/>
-    <p:sldLayoutId id="2147484174" r:id="rId2"/>
-    <p:sldLayoutId id="2147484175" r:id="rId3"/>
-    <p:sldLayoutId id="2147484176" r:id="rId4"/>
-    <p:sldLayoutId id="2147484177" r:id="rId5"/>
-    <p:sldLayoutId id="2147484178" r:id="rId6"/>
-    <p:sldLayoutId id="2147484179" r:id="rId7"/>
-    <p:sldLayoutId id="2147484180" r:id="rId8"/>
-    <p:sldLayoutId id="2147484181" r:id="rId9"/>
-    <p:sldLayoutId id="2147484182" r:id="rId10"/>
-    <p:sldLayoutId id="2147484183" r:id="rId11"/>
-    <p:sldLayoutId id="2147484184" r:id="rId12"/>
-    <p:sldLayoutId id="2147484185" r:id="rId13"/>
-    <p:sldLayoutId id="2147484186" r:id="rId14"/>
+    <p:sldLayoutId id="2147484218" r:id="rId1"/>
+    <p:sldLayoutId id="2147484219" r:id="rId2"/>
+    <p:sldLayoutId id="2147484220" r:id="rId3"/>
+    <p:sldLayoutId id="2147484221" r:id="rId4"/>
+    <p:sldLayoutId id="2147484222" r:id="rId5"/>
+    <p:sldLayoutId id="2147484223" r:id="rId6"/>
+    <p:sldLayoutId id="2147484224" r:id="rId7"/>
+    <p:sldLayoutId id="2147484225" r:id="rId8"/>
+    <p:sldLayoutId id="2147484226" r:id="rId9"/>
+    <p:sldLayoutId id="2147484227" r:id="rId10"/>
+    <p:sldLayoutId id="2147484228" r:id="rId11"/>
+    <p:sldLayoutId id="2147484229" r:id="rId12"/>
+    <p:sldLayoutId id="2147484230" r:id="rId13"/>
+    <p:sldLayoutId id="2147484231" r:id="rId14"/>
+    <p:sldLayoutId id="2147484232" r:id="rId15"/>
+    <p:sldLayoutId id="2147484233" r:id="rId16"/>
+    <p:sldLayoutId id="2147484234" r:id="rId17"/>
   </p:sldLayoutIdLst>
   <p:txStyles>
     <p:titleStyle>
-      <a:lvl1pPr algn="l" defTabSz="457200" rtl="0" eaLnBrk="1" latinLnBrk="0" hangingPunct="1">
+      <a:lvl1pPr algn="ctr" defTabSz="457200" rtl="0" eaLnBrk="1" latinLnBrk="0" hangingPunct="1">
         <a:spcBef>
           <a:spcPct val="0"/>
         </a:spcBef>
         <a:buNone/>
-        <a:defRPr sz="4000" b="1" kern="1200">
+        <a:defRPr sz="4000" kern="1200" cap="none">
+          <a:ln w="3175" cmpd="sng">
+            <a:noFill/>
+          </a:ln>
           <a:solidFill>
-            <a:srgbClr val="FEFEFE"/>
+            <a:schemeClr val="tx1"/>
           </a:solidFill>
+          <a:effectLst/>
           <a:latin typeface="+mj-lt"/>
           <a:ea typeface="+mj-ea"/>
           <a:cs typeface="+mj-cs"/>
@@ -5135,7 +5853,7 @@
       </a:lvl9pPr>
     </p:titleStyle>
     <p:bodyStyle>
-      <a:lvl1pPr marL="342900" indent="-342900" algn="l" defTabSz="457200" rtl="0" eaLnBrk="1" latinLnBrk="0" hangingPunct="1">
+      <a:lvl1pPr marL="285750" indent="-285750" algn="l" defTabSz="457200" rtl="0" eaLnBrk="1" latinLnBrk="0" hangingPunct="1">
         <a:spcBef>
           <a:spcPct val="20000"/>
         </a:spcBef>
@@ -5143,14 +5861,18 @@
           <a:spcPts val="600"/>
         </a:spcAft>
         <a:buClr>
-          <a:schemeClr val="accent1"/>
+          <a:schemeClr val="accent1">
+            <a:lumMod val="75000"/>
+          </a:schemeClr>
         </a:buClr>
-        <a:buFont typeface="Wingdings 2" charset="2"/>
-        <a:buChar char=""/>
-        <a:defRPr sz="1800" kern="1200">
+        <a:buSzPct val="145000"/>
+        <a:buFont typeface="Arial"/>
+        <a:buChar char="•"/>
+        <a:defRPr sz="2400" kern="1200" cap="none">
           <a:solidFill>
             <a:schemeClr val="tx1"/>
           </a:solidFill>
+          <a:effectLst/>
           <a:latin typeface="+mn-lt"/>
           <a:ea typeface="+mn-ea"/>
           <a:cs typeface="+mn-cs"/>
@@ -5164,20 +5886,24 @@
           <a:spcPts val="600"/>
         </a:spcAft>
         <a:buClr>
-          <a:schemeClr val="accent1"/>
+          <a:schemeClr val="accent1">
+            <a:lumMod val="75000"/>
+          </a:schemeClr>
         </a:buClr>
-        <a:buFont typeface="Wingdings 2" charset="2"/>
-        <a:buChar char=""/>
-        <a:defRPr sz="1600" kern="1200">
+        <a:buSzPct val="145000"/>
+        <a:buFont typeface="Arial"/>
+        <a:buChar char="•"/>
+        <a:defRPr sz="2000" kern="1200" cap="none">
           <a:solidFill>
             <a:schemeClr val="tx1"/>
           </a:solidFill>
+          <a:effectLst/>
           <a:latin typeface="+mn-lt"/>
           <a:ea typeface="+mn-ea"/>
           <a:cs typeface="+mn-cs"/>
         </a:defRPr>
       </a:lvl2pPr>
-      <a:lvl3pPr marL="1143000" indent="-228600" algn="l" defTabSz="457200" rtl="0" eaLnBrk="1" latinLnBrk="0" hangingPunct="1">
+      <a:lvl3pPr marL="1200150" indent="-285750" algn="l" defTabSz="457200" rtl="0" eaLnBrk="1" latinLnBrk="0" hangingPunct="1">
         <a:spcBef>
           <a:spcPct val="20000"/>
         </a:spcBef>
@@ -5185,20 +5911,24 @@
           <a:spcPts val="600"/>
         </a:spcAft>
         <a:buClr>
-          <a:schemeClr val="accent1"/>
+          <a:schemeClr val="accent1">
+            <a:lumMod val="75000"/>
+          </a:schemeClr>
         </a:buClr>
-        <a:buFont typeface="Wingdings 2" charset="2"/>
-        <a:buChar char=""/>
-        <a:defRPr sz="1400" kern="1200">
+        <a:buSzPct val="145000"/>
+        <a:buFont typeface="Arial"/>
+        <a:buChar char="•"/>
+        <a:defRPr sz="1800" kern="1200" cap="none">
           <a:solidFill>
             <a:schemeClr val="tx1"/>
           </a:solidFill>
+          <a:effectLst/>
           <a:latin typeface="+mn-lt"/>
           <a:ea typeface="+mn-ea"/>
           <a:cs typeface="+mn-cs"/>
         </a:defRPr>
       </a:lvl3pPr>
-      <a:lvl4pPr marL="1600200" indent="-228600" algn="l" defTabSz="457200" rtl="0" eaLnBrk="1" latinLnBrk="0" hangingPunct="1">
+      <a:lvl4pPr marL="1543050" indent="-171450" algn="l" defTabSz="457200" rtl="0" eaLnBrk="1" latinLnBrk="0" hangingPunct="1">
         <a:spcBef>
           <a:spcPct val="20000"/>
         </a:spcBef>
@@ -5206,20 +5936,24 @@
           <a:spcPts val="600"/>
         </a:spcAft>
         <a:buClr>
-          <a:schemeClr val="accent1"/>
+          <a:schemeClr val="accent1">
+            <a:lumMod val="75000"/>
+          </a:schemeClr>
         </a:buClr>
-        <a:buFont typeface="Wingdings 2" charset="2"/>
-        <a:buChar char=""/>
-        <a:defRPr sz="1200" kern="1200">
+        <a:buSzPct val="145000"/>
+        <a:buFont typeface="Arial"/>
+        <a:buChar char="•"/>
+        <a:defRPr sz="1600" kern="1200" cap="none">
           <a:solidFill>
             <a:schemeClr val="tx1"/>
           </a:solidFill>
+          <a:effectLst/>
           <a:latin typeface="+mn-lt"/>
           <a:ea typeface="+mn-ea"/>
           <a:cs typeface="+mn-cs"/>
         </a:defRPr>
       </a:lvl4pPr>
-      <a:lvl5pPr marL="2057400" indent="-228600" algn="l" defTabSz="457200" rtl="0" eaLnBrk="1" latinLnBrk="0" hangingPunct="1">
+      <a:lvl5pPr marL="2000250" indent="-171450" algn="l" defTabSz="457200" rtl="0" eaLnBrk="1" latinLnBrk="0" hangingPunct="1">
         <a:spcBef>
           <a:spcPct val="20000"/>
         </a:spcBef>
@@ -5227,20 +5961,24 @@
           <a:spcPts val="600"/>
         </a:spcAft>
         <a:buClr>
-          <a:schemeClr val="accent1"/>
+          <a:schemeClr val="accent1">
+            <a:lumMod val="75000"/>
+          </a:schemeClr>
         </a:buClr>
-        <a:buFont typeface="Wingdings 2" charset="2"/>
-        <a:buChar char=""/>
-        <a:defRPr sz="1200" kern="1200">
+        <a:buSzPct val="145000"/>
+        <a:buFont typeface="Arial"/>
+        <a:buChar char="•"/>
+        <a:defRPr sz="1400" kern="1200" cap="none">
           <a:solidFill>
             <a:schemeClr val="tx1"/>
           </a:solidFill>
+          <a:effectLst/>
           <a:latin typeface="+mn-lt"/>
           <a:ea typeface="+mn-ea"/>
           <a:cs typeface="+mn-cs"/>
         </a:defRPr>
       </a:lvl5pPr>
-      <a:lvl6pPr marL="2400000" indent="-228600" algn="l" defTabSz="457200" rtl="0" eaLnBrk="1" latinLnBrk="0" hangingPunct="1">
+      <a:lvl6pPr marL="2514600" indent="-228600" algn="l" defTabSz="457200" rtl="0" eaLnBrk="1" latinLnBrk="0" hangingPunct="1">
         <a:spcBef>
           <a:spcPct val="20000"/>
         </a:spcBef>
@@ -5248,20 +5986,24 @@
           <a:spcPts val="600"/>
         </a:spcAft>
         <a:buClr>
-          <a:schemeClr val="accent1"/>
+          <a:schemeClr val="accent1">
+            <a:lumMod val="75000"/>
+          </a:schemeClr>
         </a:buClr>
-        <a:buFont typeface="Wingdings 2" charset="2"/>
-        <a:buChar char=""/>
-        <a:defRPr sz="1200" kern="1200">
+        <a:buSzPct val="145000"/>
+        <a:buFont typeface="Arial"/>
+        <a:buChar char="•"/>
+        <a:defRPr sz="1400" kern="1200" cap="none">
           <a:solidFill>
             <a:schemeClr val="tx1"/>
           </a:solidFill>
+          <a:effectLst/>
           <a:latin typeface="+mn-lt"/>
           <a:ea typeface="+mn-ea"/>
           <a:cs typeface="+mn-cs"/>
         </a:defRPr>
       </a:lvl6pPr>
-      <a:lvl7pPr marL="2800000" indent="-228600" algn="l" defTabSz="457200" rtl="0" eaLnBrk="1" latinLnBrk="0" hangingPunct="1">
+      <a:lvl7pPr marL="2971800" indent="-228600" algn="l" defTabSz="457200" rtl="0" eaLnBrk="1" latinLnBrk="0" hangingPunct="1">
         <a:spcBef>
           <a:spcPct val="20000"/>
         </a:spcBef>
@@ -5269,20 +6011,24 @@
           <a:spcPts val="600"/>
         </a:spcAft>
         <a:buClr>
-          <a:schemeClr val="accent1"/>
+          <a:schemeClr val="accent1">
+            <a:lumMod val="75000"/>
+          </a:schemeClr>
         </a:buClr>
-        <a:buFont typeface="Wingdings 2" charset="2"/>
-        <a:buChar char=""/>
-        <a:defRPr sz="1200" kern="1200">
+        <a:buSzPct val="145000"/>
+        <a:buFont typeface="Arial"/>
+        <a:buChar char="•"/>
+        <a:defRPr sz="1400" kern="1200" cap="none">
           <a:solidFill>
             <a:schemeClr val="tx1"/>
           </a:solidFill>
+          <a:effectLst/>
           <a:latin typeface="+mn-lt"/>
           <a:ea typeface="+mn-ea"/>
           <a:cs typeface="+mn-cs"/>
         </a:defRPr>
       </a:lvl7pPr>
-      <a:lvl8pPr marL="3200000" indent="-228600" algn="l" defTabSz="457200" rtl="0" eaLnBrk="1" latinLnBrk="0" hangingPunct="1">
+      <a:lvl8pPr marL="3429000" indent="-228600" algn="l" defTabSz="457200" rtl="0" eaLnBrk="1" latinLnBrk="0" hangingPunct="1">
         <a:spcBef>
           <a:spcPct val="20000"/>
         </a:spcBef>
@@ -5290,20 +6036,24 @@
           <a:spcPts val="600"/>
         </a:spcAft>
         <a:buClr>
-          <a:schemeClr val="accent1"/>
+          <a:schemeClr val="accent1">
+            <a:lumMod val="75000"/>
+          </a:schemeClr>
         </a:buClr>
-        <a:buFont typeface="Wingdings 2" charset="2"/>
-        <a:buChar char=""/>
-        <a:defRPr sz="1200" kern="1200">
+        <a:buSzPct val="145000"/>
+        <a:buFont typeface="Arial"/>
+        <a:buChar char="•"/>
+        <a:defRPr sz="1400" kern="1200" cap="none">
           <a:solidFill>
             <a:schemeClr val="tx1"/>
           </a:solidFill>
+          <a:effectLst/>
           <a:latin typeface="+mn-lt"/>
           <a:ea typeface="+mn-ea"/>
           <a:cs typeface="+mn-cs"/>
         </a:defRPr>
       </a:lvl8pPr>
-      <a:lvl9pPr marL="3600000" indent="-228600" algn="l" defTabSz="457200" rtl="0" eaLnBrk="1" latinLnBrk="0" hangingPunct="1">
+      <a:lvl9pPr marL="3886200" indent="-228600" algn="l" defTabSz="457200" rtl="0" eaLnBrk="1" latinLnBrk="0" hangingPunct="1">
         <a:spcBef>
           <a:spcPct val="20000"/>
         </a:spcBef>
@@ -5311,14 +6061,18 @@
           <a:spcPts val="600"/>
         </a:spcAft>
         <a:buClr>
-          <a:schemeClr val="accent1"/>
+          <a:schemeClr val="accent1">
+            <a:lumMod val="75000"/>
+          </a:schemeClr>
         </a:buClr>
-        <a:buFont typeface="Wingdings 2" charset="2"/>
-        <a:buChar char=""/>
-        <a:defRPr sz="1200" kern="1200">
+        <a:buSzPct val="145000"/>
+        <a:buFont typeface="Arial"/>
+        <a:buChar char="•"/>
+        <a:defRPr sz="1400" kern="1200" cap="none">
           <a:solidFill>
             <a:schemeClr val="tx1"/>
           </a:solidFill>
+          <a:effectLst/>
           <a:latin typeface="+mn-lt"/>
           <a:ea typeface="+mn-ea"/>
           <a:cs typeface="+mn-cs"/>
@@ -5489,45 +6243,6 @@
           </a:p>
         </p:txBody>
       </p:sp>
-      <p:sp>
-        <p:nvSpPr>
-          <p:cNvPr id="3" name="Ondertitel 2"/>
-          <p:cNvSpPr>
-            <a:spLocks noGrp="1"/>
-          </p:cNvSpPr>
-          <p:nvPr>
-            <p:ph type="subTitle" idx="1"/>
-          </p:nvPr>
-        </p:nvSpPr>
-        <p:spPr>
-          <a:xfrm>
-            <a:off x="1751012" y="5380489"/>
-            <a:ext cx="8676222" cy="722243"/>
-          </a:xfrm>
-        </p:spPr>
-        <p:txBody>
-          <a:bodyPr anchor="ctr">
-            <a:normAutofit/>
-          </a:bodyPr>
-          <a:lstStyle/>
-          <a:p>
-            <a:endParaRPr lang="nl-BE">
-              <a:gradFill flip="none" rotWithShape="1">
-                <a:gsLst>
-                  <a:gs pos="0">
-                    <a:srgbClr val="FFFFFF"/>
-                  </a:gs>
-                  <a:gs pos="100000">
-                    <a:srgbClr val="BFBFBF"/>
-                  </a:gs>
-                </a:gsLst>
-                <a:lin ang="5400000" scaled="0"/>
-                <a:tileRect/>
-              </a:gradFill>
-            </a:endParaRPr>
-          </a:p>
-        </p:txBody>
-      </p:sp>
     </p:spTree>
     <p:extLst>
       <p:ext uri="{BB962C8B-B14F-4D97-AF65-F5344CB8AC3E}">
@@ -5571,7 +6286,7 @@
         <p:spPr/>
         <p:txBody>
           <a:bodyPr>
-            <a:normAutofit fontScale="90000"/>
+            <a:normAutofit/>
           </a:bodyPr>
           <a:lstStyle/>
           <a:p>
@@ -6057,7 +6772,7 @@
         </p:nvSpPr>
         <p:spPr>
           <a:xfrm>
-            <a:off x="643192" y="609600"/>
+            <a:off x="4347684" y="0"/>
             <a:ext cx="3643674" cy="1905000"/>
           </a:xfrm>
         </p:spPr>
@@ -6068,8 +6783,12 @@
           <a:lstStyle/>
           <a:p>
             <a:r>
-              <a:rPr lang="nl-BE" sz="2800"/>
-              <a:t>Metasploitable OS</a:t>
+              <a:rPr lang="nl-BE" sz="2800" dirty="0" err="1"/>
+              <a:t>Metasploitable</a:t>
+            </a:r>
+            <a:r>
+              <a:rPr lang="nl-BE" sz="2800" dirty="0"/>
+              <a:t> OS</a:t>
             </a:r>
           </a:p>
         </p:txBody>
@@ -6086,7 +6805,7 @@
         </p:nvSpPr>
         <p:spPr>
           <a:xfrm>
-            <a:off x="643192" y="2666999"/>
+            <a:off x="1346577" y="2674814"/>
             <a:ext cx="3643674" cy="3216276"/>
           </a:xfrm>
         </p:spPr>
@@ -6100,12 +6819,17 @@
               <a:buNone/>
             </a:pPr>
             <a:r>
-              <a:rPr lang="nl-BE" sz="1800"/>
-              <a:t>Oneindig vulnerabilities</a:t>
-            </a:r>
-          </a:p>
-          <a:p>
-            <a:endParaRPr lang="nl-BE" sz="1800"/>
+              <a:rPr lang="nl-BE" sz="1800" dirty="0"/>
+              <a:t>Oneindig </a:t>
+            </a:r>
+            <a:r>
+              <a:rPr lang="nl-BE" sz="1800" dirty="0" err="1"/>
+              <a:t>vulnerabilities</a:t>
+            </a:r>
+            <a:endParaRPr lang="nl-BE" sz="1800" dirty="0"/>
+          </a:p>
+          <a:p>
+            <a:endParaRPr lang="nl-BE" sz="1800" dirty="0"/>
           </a:p>
         </p:txBody>
       </p:sp>
@@ -6509,7 +7233,7 @@
         </p:nvSpPr>
         <p:spPr>
           <a:xfrm>
-            <a:off x="1141413" y="2892286"/>
+            <a:off x="1540668" y="2853209"/>
             <a:ext cx="9905998" cy="3124201"/>
           </a:xfrm>
         </p:spPr>
@@ -6903,7 +7627,7 @@
         </p:spPr>
         <p:txBody>
           <a:bodyPr>
-            <a:normAutofit fontScale="85000" lnSpcReduction="10000"/>
+            <a:normAutofit fontScale="92500" lnSpcReduction="20000"/>
           </a:bodyPr>
           <a:lstStyle/>
           <a:p>
@@ -7229,7 +7953,7 @@
         </p:nvSpPr>
         <p:spPr>
           <a:xfrm>
-            <a:off x="643192" y="2666999"/>
+            <a:off x="1284054" y="2745153"/>
             <a:ext cx="6573684" cy="3216276"/>
           </a:xfrm>
         </p:spPr>
@@ -7360,8 +8084,8 @@
         </p:nvSpPr>
         <p:spPr>
           <a:xfrm>
-            <a:off x="643192" y="609600"/>
-            <a:ext cx="3643674" cy="1905000"/>
+            <a:off x="3276976" y="117231"/>
+            <a:ext cx="5570039" cy="1905000"/>
           </a:xfrm>
         </p:spPr>
         <p:txBody>
@@ -7371,8 +8095,16 @@
           <a:lstStyle/>
           <a:p>
             <a:r>
-              <a:rPr lang="nl-BE" sz="2800"/>
-              <a:t>Windows xp met firewall</a:t>
+              <a:rPr lang="nl-BE" sz="2800" dirty="0"/>
+              <a:t>Windows </a:t>
+            </a:r>
+            <a:r>
+              <a:rPr lang="nl-BE" sz="2800" dirty="0" err="1"/>
+              <a:t>xp</a:t>
+            </a:r>
+            <a:r>
+              <a:rPr lang="nl-BE" sz="2800" dirty="0"/>
+              <a:t> met firewall</a:t>
             </a:r>
           </a:p>
         </p:txBody>
@@ -7389,7 +8121,7 @@
         </p:nvSpPr>
         <p:spPr>
           <a:xfrm>
-            <a:off x="643192" y="2666999"/>
+            <a:off x="1354392" y="2620280"/>
             <a:ext cx="3643674" cy="3216276"/>
           </a:xfrm>
         </p:spPr>
@@ -7400,12 +8132,17 @@
           <a:lstStyle/>
           <a:p>
             <a:r>
-              <a:rPr lang="nl-BE" sz="1800"/>
-              <a:t>Geen vulnerabilities</a:t>
-            </a:r>
-          </a:p>
-          <a:p>
-            <a:endParaRPr lang="nl-BE" sz="1800"/>
+              <a:rPr lang="nl-BE" sz="1800" dirty="0"/>
+              <a:t>Geen </a:t>
+            </a:r>
+            <a:r>
+              <a:rPr lang="nl-BE" sz="1800" dirty="0" err="1"/>
+              <a:t>vulnerabilities</a:t>
+            </a:r>
+            <a:endParaRPr lang="nl-BE" sz="1800" dirty="0"/>
+          </a:p>
+          <a:p>
+            <a:endParaRPr lang="nl-BE" sz="1800" dirty="0"/>
           </a:p>
         </p:txBody>
       </p:sp>
@@ -7500,8 +8237,8 @@
         </p:nvSpPr>
         <p:spPr>
           <a:xfrm>
-            <a:off x="643192" y="609600"/>
-            <a:ext cx="3643674" cy="1905000"/>
+            <a:off x="3378575" y="0"/>
+            <a:ext cx="5515331" cy="1905000"/>
           </a:xfrm>
         </p:spPr>
         <p:txBody>
@@ -7511,8 +8248,16 @@
           <a:lstStyle/>
           <a:p>
             <a:r>
-              <a:rPr lang="nl-BE" sz="2800"/>
-              <a:t>Windows xp zonder firewall</a:t>
+              <a:rPr lang="nl-BE" sz="2800" dirty="0"/>
+              <a:t>Windows </a:t>
+            </a:r>
+            <a:r>
+              <a:rPr lang="nl-BE" sz="2800" dirty="0" err="1"/>
+              <a:t>xp</a:t>
+            </a:r>
+            <a:r>
+              <a:rPr lang="nl-BE" sz="2800" dirty="0"/>
+              <a:t> zonder firewall</a:t>
             </a:r>
           </a:p>
         </p:txBody>
@@ -7529,7 +8274,7 @@
         </p:nvSpPr>
         <p:spPr>
           <a:xfrm>
-            <a:off x="643192" y="2666999"/>
+            <a:off x="1315315" y="2635737"/>
             <a:ext cx="3643674" cy="3216276"/>
           </a:xfrm>
         </p:spPr>
@@ -7540,8 +8285,16 @@
           <a:lstStyle/>
           <a:p>
             <a:r>
-              <a:rPr lang="nl-BE" sz="1800"/>
-              <a:t>7 vulnerabilities </a:t>
+              <a:rPr lang="nl-BE" sz="1800" dirty="0"/>
+              <a:t>7 </a:t>
+            </a:r>
+            <a:r>
+              <a:rPr lang="nl-BE" sz="1800" dirty="0" err="1"/>
+              <a:t>vulnerabilities</a:t>
+            </a:r>
+            <a:r>
+              <a:rPr lang="nl-BE" sz="1800" dirty="0"/>
+              <a:t> </a:t>
             </a:r>
           </a:p>
         </p:txBody>
@@ -7589,7 +8342,7 @@
         <p:spPr/>
         <p:txBody>
           <a:bodyPr>
-            <a:normAutofit fontScale="90000"/>
+            <a:normAutofit/>
           </a:bodyPr>
           <a:lstStyle/>
           <a:p>
@@ -7821,7 +8574,7 @@
         <p:spPr/>
         <p:txBody>
           <a:bodyPr>
-            <a:normAutofit fontScale="90000"/>
+            <a:normAutofit/>
           </a:bodyPr>
           <a:lstStyle/>
           <a:p>
@@ -7929,7 +8682,7 @@
         <p:spPr/>
         <p:txBody>
           <a:bodyPr>
-            <a:normAutofit fontScale="90000"/>
+            <a:normAutofit/>
           </a:bodyPr>
           <a:lstStyle/>
           <a:p>
@@ -8019,9 +8772,9 @@
 </file>
 
 <file path=ppt/theme/theme1.xml><?xml version="1.0" encoding="utf-8"?>
-<a:theme xmlns:a="http://schemas.openxmlformats.org/drawingml/2006/main" name="Citeerbaar">
+<a:theme xmlns:a="http://schemas.openxmlformats.org/drawingml/2006/main" name="Parallax">
   <a:themeElements>
-    <a:clrScheme name="Blauwgroen">
+    <a:clrScheme name="Parallax">
       <a:dk1>
         <a:sysClr val="windowText" lastClr="000000"/>
       </a:dk1>
@@ -8029,47 +8782,47 @@
         <a:sysClr val="window" lastClr="FFFFFF"/>
       </a:lt1>
       <a:dk2>
-        <a:srgbClr val="373545"/>
+        <a:srgbClr val="212121"/>
       </a:dk2>
       <a:lt2>
-        <a:srgbClr val="CEDBE6"/>
+        <a:srgbClr val="CDD0D1"/>
       </a:lt2>
       <a:accent1>
-        <a:srgbClr val="3494BA"/>
+        <a:srgbClr val="30ACEC"/>
       </a:accent1>
       <a:accent2>
-        <a:srgbClr val="58B6C0"/>
+        <a:srgbClr val="80C34F"/>
       </a:accent2>
       <a:accent3>
-        <a:srgbClr val="75BDA7"/>
+        <a:srgbClr val="E29D3E"/>
       </a:accent3>
       <a:accent4>
-        <a:srgbClr val="7A8C8E"/>
+        <a:srgbClr val="D64A3B"/>
       </a:accent4>
       <a:accent5>
-        <a:srgbClr val="84ACB6"/>
+        <a:srgbClr val="D64787"/>
       </a:accent5>
       <a:accent6>
-        <a:srgbClr val="2683C6"/>
+        <a:srgbClr val="A666E1"/>
       </a:accent6>
       <a:hlink>
-        <a:srgbClr val="6B9F25"/>
+        <a:srgbClr val="3085ED"/>
       </a:hlink>
       <a:folHlink>
-        <a:srgbClr val="9F6715"/>
+        <a:srgbClr val="82B6F4"/>
       </a:folHlink>
     </a:clrScheme>
-    <a:fontScheme name="Citeerbaar">
+    <a:fontScheme name="Parallax">
       <a:majorFont>
-        <a:latin typeface="Century Gothic" panose="020B0502020202020204"/>
+        <a:latin typeface="Corbel" panose="020B0503020204020204"/>
         <a:ea typeface=""/>
         <a:cs typeface=""/>
-        <a:font script="Jpan" typeface="ＭＳ ゴシック"/>
-        <a:font script="Hang" typeface="맑은 고딕"/>
-        <a:font script="Hans" typeface="宋体"/>
+        <a:font script="Jpan" typeface="HGｺﾞｼｯｸM"/>
+        <a:font script="Hang" typeface="HY엽서L"/>
+        <a:font script="Hans" typeface="华文楷体"/>
         <a:font script="Hant" typeface="新細明體"/>
         <a:font script="Arab" typeface="Tahoma"/>
-        <a:font script="Hebr" typeface="Gisha"/>
+        <a:font script="Hebr" typeface="Miriam"/>
         <a:font script="Thai" typeface="DilleniaUPC"/>
         <a:font script="Ethi" typeface="Nyala"/>
         <a:font script="Beng" typeface="Vrinda"/>
@@ -8091,20 +8844,20 @@
         <a:font script="Laoo" typeface="DokChampa"/>
         <a:font script="Sinh" typeface="Iskoola Pota"/>
         <a:font script="Mong" typeface="Mongolian Baiti"/>
-        <a:font script="Viet" typeface="Tahoma"/>
+        <a:font script="Viet" typeface="Arial"/>
         <a:font script="Uigh" typeface="Microsoft Uighur"/>
         <a:font script="Geor" typeface="Sylfaen"/>
       </a:majorFont>
       <a:minorFont>
-        <a:latin typeface="Century Gothic" panose="020B0502020202020204"/>
+        <a:latin typeface="Corbel" panose="020B0503020204020204"/>
         <a:ea typeface=""/>
         <a:cs typeface=""/>
-        <a:font script="Jpan" typeface="ＭＳ ゴシック"/>
-        <a:font script="Hang" typeface="맑은 고딕"/>
-        <a:font script="Hans" typeface="宋体"/>
+        <a:font script="Jpan" typeface="HGｺﾞｼｯｸM"/>
+        <a:font script="Hang" typeface="HY엽서L"/>
+        <a:font script="Hans" typeface="华文楷体"/>
         <a:font script="Hant" typeface="新細明體"/>
         <a:font script="Arab" typeface="Tahoma"/>
-        <a:font script="Hebr" typeface="Gisha"/>
+        <a:font script="Hebr" typeface="Miriam"/>
         <a:font script="Thai" typeface="DilleniaUPC"/>
         <a:font script="Ethi" typeface="Nyala"/>
         <a:font script="Beng" typeface="Vrinda"/>
@@ -8126,12 +8879,12 @@
         <a:font script="Laoo" typeface="DokChampa"/>
         <a:font script="Sinh" typeface="Iskoola Pota"/>
         <a:font script="Mong" typeface="Mongolian Baiti"/>
-        <a:font script="Viet" typeface="Verdana"/>
+        <a:font script="Viet" typeface="Arial"/>
         <a:font script="Uigh" typeface="Microsoft Uighur"/>
         <a:font script="Geor" typeface="Sylfaen"/>
       </a:minorFont>
     </a:fontScheme>
-    <a:fmtScheme name="Citeerbaar">
+    <a:fmtScheme name="Parallax">
       <a:fillStyleLst>
         <a:solidFill>
           <a:schemeClr val="phClr"/>
@@ -8140,38 +8893,44 @@
           <a:gsLst>
             <a:gs pos="0">
               <a:schemeClr val="phClr">
-                <a:tint val="80000"/>
-                <a:lumMod val="105000"/>
+                <a:tint val="60000"/>
+                <a:lumMod val="104000"/>
               </a:schemeClr>
             </a:gs>
             <a:gs pos="100000">
               <a:schemeClr val="phClr">
-                <a:tint val="90000"/>
+                <a:tint val="84000"/>
               </a:schemeClr>
             </a:gs>
           </a:gsLst>
           <a:lin ang="5400000" scaled="0"/>
         </a:gradFill>
-        <a:blipFill rotWithShape="1">
-          <a:blip xmlns:r="http://schemas.openxmlformats.org/officeDocument/2006/relationships" r:embed="rId1">
-            <a:duotone>
+        <a:gradFill rotWithShape="1">
+          <a:gsLst>
+            <a:gs pos="0">
               <a:schemeClr val="phClr">
-                <a:tint val="98000"/>
+                <a:tint val="96000"/>
                 <a:lumMod val="102000"/>
               </a:schemeClr>
+            </a:gs>
+            <a:gs pos="100000">
               <a:schemeClr val="phClr">
-                <a:shade val="98000"/>
-                <a:lumMod val="98000"/>
+                <a:shade val="88000"/>
+                <a:lumMod val="94000"/>
               </a:schemeClr>
-            </a:duotone>
-          </a:blip>
-          <a:tile tx="0" ty="0" sx="100000" sy="100000" flip="none" algn="tl"/>
-        </a:blipFill>
+            </a:gs>
+          </a:gsLst>
+          <a:path path="circle">
+            <a:fillToRect l="50000" t="100000" r="100000" b="50000"/>
+          </a:path>
+        </a:gradFill>
       </a:fillStyleLst>
       <a:lnStyleLst>
         <a:ln w="9525" cap="rnd" cmpd="sng" algn="ctr">
           <a:solidFill>
-            <a:schemeClr val="phClr"/>
+            <a:schemeClr val="phClr">
+              <a:tint val="60000"/>
+            </a:schemeClr>
           </a:solidFill>
           <a:prstDash val="solid"/>
         </a:ln>
@@ -8181,7 +8940,7 @@
           </a:solidFill>
           <a:prstDash val="solid"/>
         </a:ln>
-        <a:ln w="25400" cap="rnd" cmpd="sng" algn="ctr">
+        <a:ln w="22225" cap="rnd" cmpd="sng" algn="ctr">
           <a:solidFill>
             <a:schemeClr val="phClr"/>
           </a:solidFill>
@@ -8193,16 +8952,29 @@
           <a:effectLst/>
         </a:effectStyle>
         <a:effectStyle>
-          <a:effectLst/>
+          <a:effectLst>
+            <a:reflection blurRad="12700" stA="26000" endPos="32000" dist="12700" dir="5400000" sy="-100000" rotWithShape="0"/>
+          </a:effectLst>
         </a:effectStyle>
         <a:effectStyle>
           <a:effectLst>
-            <a:innerShdw blurRad="63500" dist="25400" dir="13500000">
+            <a:outerShdw blurRad="38100" dist="25400" dir="5400000" rotWithShape="0">
               <a:srgbClr val="000000">
-                <a:alpha val="75000"/>
+                <a:alpha val="64000"/>
               </a:srgbClr>
-            </a:innerShdw>
+            </a:outerShdw>
           </a:effectLst>
+          <a:scene3d>
+            <a:camera prst="orthographicFront">
+              <a:rot lat="0" lon="0" rev="0"/>
+            </a:camera>
+            <a:lightRig rig="threePt" dir="tl">
+              <a:rot lat="0" lon="0" rev="1200000"/>
+            </a:lightRig>
+          </a:scene3d>
+          <a:sp3d>
+            <a:bevelT w="25400" h="12700"/>
+          </a:sp3d>
         </a:effectStyle>
       </a:effectStyleLst>
       <a:bgFillStyleLst>
@@ -8213,35 +8985,35 @@
           <a:gsLst>
             <a:gs pos="0">
               <a:schemeClr val="phClr">
-                <a:tint val="100000"/>
+                <a:tint val="90000"/>
+                <a:lumMod val="110000"/>
               </a:schemeClr>
             </a:gs>
             <a:gs pos="100000">
               <a:schemeClr val="phClr">
-                <a:tint val="84000"/>
-                <a:shade val="84000"/>
-                <a:lumMod val="90000"/>
+                <a:shade val="64000"/>
+                <a:lumMod val="98000"/>
               </a:schemeClr>
             </a:gs>
           </a:gsLst>
           <a:lin ang="5400000" scaled="0"/>
         </a:gradFill>
-        <a:gradFill rotWithShape="1">
-          <a:gsLst>
-            <a:gs pos="0">
+        <a:blipFill rotWithShape="1">
+          <a:blip xmlns:r="http://schemas.openxmlformats.org/officeDocument/2006/relationships" r:embed="rId1">
+            <a:duotone>
               <a:schemeClr val="phClr">
-                <a:tint val="84000"/>
-                <a:shade val="90000"/>
+                <a:shade val="76000"/>
+                <a:satMod val="180000"/>
+              </a:schemeClr>
+              <a:schemeClr val="phClr">
+                <a:tint val="80000"/>
                 <a:satMod val="120000"/>
-                <a:lumMod val="90000"/>
+                <a:lumMod val="180000"/>
               </a:schemeClr>
-            </a:gs>
-            <a:gs pos="100000">
-              <a:schemeClr val="phClr"/>
-            </a:gs>
-          </a:gsLst>
-          <a:lin ang="5400000" scaled="0"/>
-        </a:gradFill>
+            </a:duotone>
+          </a:blip>
+          <a:stretch/>
+        </a:blipFill>
       </a:bgFillStyleLst>
     </a:fmtScheme>
   </a:themeElements>
@@ -8249,7 +9021,7 @@
   <a:extraClrSchemeLst/>
   <a:extLst>
     <a:ext uri="{05A4C25C-085E-4340-85A3-A5531E510DB2}">
-      <thm15:themeFamily xmlns:thm15="http://schemas.microsoft.com/office/thememl/2012/main" name="Quotable" id="{39EC5628-30ED-4578-ACD8-9820EDB8E15A}" vid="{ACECE1E4-636E-48DB-87ED-4A76DC93378F}"/>
+      <thm15:themeFamily xmlns:thm15="http://schemas.microsoft.com/office/thememl/2012/main" name="Parallax" id="{3388167B-A2EB-4685-9635-1831D9AEF8C4}" vid="{4F7A876A-7598-49CA-AFC8-8EDA2551E4A7}"/>
     </a:ext>
   </a:extLst>
 </a:theme>
